--- a/doc/HpaWithDrl.pptx
+++ b/doc/HpaWithDrl.pptx
@@ -9,16 +9,18 @@
     <p:sldId id="257" r:id="rId3"/>
     <p:sldId id="266" r:id="rId4"/>
     <p:sldId id="258" r:id="rId5"/>
-    <p:sldId id="259" r:id="rId6"/>
-    <p:sldId id="267" r:id="rId7"/>
-    <p:sldId id="260" r:id="rId8"/>
-    <p:sldId id="264" r:id="rId9"/>
-    <p:sldId id="263" r:id="rId10"/>
-    <p:sldId id="265" r:id="rId11"/>
-    <p:sldId id="268" r:id="rId12"/>
-    <p:sldId id="269" r:id="rId13"/>
-    <p:sldId id="270" r:id="rId14"/>
-    <p:sldId id="271" r:id="rId15"/>
+    <p:sldId id="260" r:id="rId6"/>
+    <p:sldId id="264" r:id="rId7"/>
+    <p:sldId id="263" r:id="rId8"/>
+    <p:sldId id="259" r:id="rId9"/>
+    <p:sldId id="267" r:id="rId10"/>
+    <p:sldId id="273" r:id="rId11"/>
+    <p:sldId id="272" r:id="rId12"/>
+    <p:sldId id="265" r:id="rId13"/>
+    <p:sldId id="268" r:id="rId14"/>
+    <p:sldId id="269" r:id="rId15"/>
+    <p:sldId id="270" r:id="rId16"/>
+    <p:sldId id="271" r:id="rId17"/>
   </p:sldIdLst>
   <p:sldSz cx="12192000" cy="6858000"/>
   <p:notesSz cx="6858000" cy="9144000"/>
@@ -117,6 +119,11 @@
       </a:defRPr>
     </a:lvl9pPr>
   </p:defaultTextStyle>
+  <p:extLst>
+    <p:ext uri="{EFAFB233-063F-42B5-8137-9DF3F51BA10A}">
+      <p15:sldGuideLst xmlns:p15="http://schemas.microsoft.com/office/powerpoint/2012/main"/>
+    </p:ext>
+  </p:extLst>
 </p:presentation>
 </file>
 
@@ -267,7 +274,7 @@
           <a:p>
             <a:fld id="{7370A3C4-7F57-42AE-BB28-227D752FA2EE}" type="datetimeFigureOut">
               <a:rPr lang="es-ES" smtClean="0"/>
-              <a:t>12/09/2021</a:t>
+              <a:t>03/10/2021</a:t>
             </a:fld>
             <a:endParaRPr lang="es-ES"/>
           </a:p>
@@ -465,7 +472,7 @@
           <a:p>
             <a:fld id="{7370A3C4-7F57-42AE-BB28-227D752FA2EE}" type="datetimeFigureOut">
               <a:rPr lang="es-ES" smtClean="0"/>
-              <a:t>12/09/2021</a:t>
+              <a:t>03/10/2021</a:t>
             </a:fld>
             <a:endParaRPr lang="es-ES"/>
           </a:p>
@@ -673,7 +680,7 @@
           <a:p>
             <a:fld id="{7370A3C4-7F57-42AE-BB28-227D752FA2EE}" type="datetimeFigureOut">
               <a:rPr lang="es-ES" smtClean="0"/>
-              <a:t>12/09/2021</a:t>
+              <a:t>03/10/2021</a:t>
             </a:fld>
             <a:endParaRPr lang="es-ES"/>
           </a:p>
@@ -871,7 +878,7 @@
           <a:p>
             <a:fld id="{7370A3C4-7F57-42AE-BB28-227D752FA2EE}" type="datetimeFigureOut">
               <a:rPr lang="es-ES" smtClean="0"/>
-              <a:t>12/09/2021</a:t>
+              <a:t>03/10/2021</a:t>
             </a:fld>
             <a:endParaRPr lang="es-ES"/>
           </a:p>
@@ -1146,7 +1153,7 @@
           <a:p>
             <a:fld id="{7370A3C4-7F57-42AE-BB28-227D752FA2EE}" type="datetimeFigureOut">
               <a:rPr lang="es-ES" smtClean="0"/>
-              <a:t>12/09/2021</a:t>
+              <a:t>03/10/2021</a:t>
             </a:fld>
             <a:endParaRPr lang="es-ES"/>
           </a:p>
@@ -1411,7 +1418,7 @@
           <a:p>
             <a:fld id="{7370A3C4-7F57-42AE-BB28-227D752FA2EE}" type="datetimeFigureOut">
               <a:rPr lang="es-ES" smtClean="0"/>
-              <a:t>12/09/2021</a:t>
+              <a:t>03/10/2021</a:t>
             </a:fld>
             <a:endParaRPr lang="es-ES"/>
           </a:p>
@@ -1823,7 +1830,7 @@
           <a:p>
             <a:fld id="{7370A3C4-7F57-42AE-BB28-227D752FA2EE}" type="datetimeFigureOut">
               <a:rPr lang="es-ES" smtClean="0"/>
-              <a:t>12/09/2021</a:t>
+              <a:t>03/10/2021</a:t>
             </a:fld>
             <a:endParaRPr lang="es-ES"/>
           </a:p>
@@ -1964,7 +1971,7 @@
           <a:p>
             <a:fld id="{7370A3C4-7F57-42AE-BB28-227D752FA2EE}" type="datetimeFigureOut">
               <a:rPr lang="es-ES" smtClean="0"/>
-              <a:t>12/09/2021</a:t>
+              <a:t>03/10/2021</a:t>
             </a:fld>
             <a:endParaRPr lang="es-ES"/>
           </a:p>
@@ -2077,7 +2084,7 @@
           <a:p>
             <a:fld id="{7370A3C4-7F57-42AE-BB28-227D752FA2EE}" type="datetimeFigureOut">
               <a:rPr lang="es-ES" smtClean="0"/>
-              <a:t>12/09/2021</a:t>
+              <a:t>03/10/2021</a:t>
             </a:fld>
             <a:endParaRPr lang="es-ES"/>
           </a:p>
@@ -2388,7 +2395,7 @@
           <a:p>
             <a:fld id="{7370A3C4-7F57-42AE-BB28-227D752FA2EE}" type="datetimeFigureOut">
               <a:rPr lang="es-ES" smtClean="0"/>
-              <a:t>12/09/2021</a:t>
+              <a:t>03/10/2021</a:t>
             </a:fld>
             <a:endParaRPr lang="es-ES"/>
           </a:p>
@@ -2676,7 +2683,7 @@
           <a:p>
             <a:fld id="{7370A3C4-7F57-42AE-BB28-227D752FA2EE}" type="datetimeFigureOut">
               <a:rPr lang="es-ES" smtClean="0"/>
-              <a:t>12/09/2021</a:t>
+              <a:t>03/10/2021</a:t>
             </a:fld>
             <a:endParaRPr lang="es-ES"/>
           </a:p>
@@ -2917,7 +2924,7 @@
           <a:p>
             <a:fld id="{7370A3C4-7F57-42AE-BB28-227D752FA2EE}" type="datetimeFigureOut">
               <a:rPr lang="es-ES" smtClean="0"/>
-              <a:t>12/09/2021</a:t>
+              <a:t>03/10/2021</a:t>
             </a:fld>
             <a:endParaRPr lang="es-ES"/>
           </a:p>
@@ -3497,6 +3504,46 @@
           </a:p>
         </p:txBody>
       </p:sp>
+      <p:sp>
+        <p:nvSpPr>
+          <p:cNvPr id="2" name="CuadroTexto 1">
+            <a:extLst>
+              <a:ext uri="{FF2B5EF4-FFF2-40B4-BE49-F238E27FC236}">
+                <a16:creationId xmlns:a16="http://schemas.microsoft.com/office/drawing/2014/main" id="{FFA5B154-80E0-40DB-9368-438824D4E1DF}"/>
+              </a:ext>
+            </a:extLst>
+          </p:cNvPr>
+          <p:cNvSpPr txBox="1"/>
+          <p:nvPr/>
+        </p:nvSpPr>
+        <p:spPr>
+          <a:xfrm>
+            <a:off x="4495800" y="5076825"/>
+            <a:ext cx="3010183" cy="369332"/>
+          </a:xfrm>
+          <a:prstGeom prst="rect">
+            <a:avLst/>
+          </a:prstGeom>
+          <a:noFill/>
+        </p:spPr>
+        <p:txBody>
+          <a:bodyPr wrap="none" rtlCol="0">
+            <a:spAutoFit/>
+          </a:bodyPr>
+          <a:lstStyle/>
+          <a:p>
+            <a:r>
+              <a:rPr lang="es-ES" sz="1800" dirty="0">
+                <a:effectLst/>
+                <a:latin typeface="Arial" panose="020B0604020202020204" pitchFamily="34" charset="0"/>
+                <a:ea typeface="Arial" panose="020B0604020202020204" pitchFamily="34" charset="0"/>
+              </a:rPr>
+              <a:t>Tutor: José Ignacio Olmeda</a:t>
+            </a:r>
+            <a:endParaRPr lang="es-ES" dirty="0"/>
+          </a:p>
+        </p:txBody>
+      </p:sp>
     </p:spTree>
     <p:extLst>
       <p:ext uri="{BB962C8B-B14F-4D97-AF65-F5344CB8AC3E}">
@@ -3527,12 +3574,70 @@
           <a:chExt cx="0" cy="0"/>
         </a:xfrm>
       </p:grpSpPr>
+      <p:pic>
+        <p:nvPicPr>
+          <p:cNvPr id="4" name="Imagen 3">
+            <a:extLst>
+              <a:ext uri="{FF2B5EF4-FFF2-40B4-BE49-F238E27FC236}">
+                <a16:creationId xmlns:a16="http://schemas.microsoft.com/office/drawing/2014/main" id="{BC5EF3D7-39B0-45E6-A1FF-F4B47C0737BA}"/>
+              </a:ext>
+            </a:extLst>
+          </p:cNvPr>
+          <p:cNvPicPr>
+            <a:picLocks noChangeAspect="1"/>
+          </p:cNvPicPr>
+          <p:nvPr/>
+        </p:nvPicPr>
+        <p:blipFill>
+          <a:blip r:embed="rId2"/>
+          <a:stretch>
+            <a:fillRect/>
+          </a:stretch>
+        </p:blipFill>
+        <p:spPr>
+          <a:xfrm>
+            <a:off x="993671" y="5451604"/>
+            <a:ext cx="10230589" cy="1335435"/>
+          </a:xfrm>
+          <a:prstGeom prst="rect">
+            <a:avLst/>
+          </a:prstGeom>
+        </p:spPr>
+      </p:pic>
+      <p:pic>
+        <p:nvPicPr>
+          <p:cNvPr id="7" name="Imagen 6" descr="Texto&#10;&#10;Descripción generada automáticamente con confianza media">
+            <a:extLst>
+              <a:ext uri="{FF2B5EF4-FFF2-40B4-BE49-F238E27FC236}">
+                <a16:creationId xmlns:a16="http://schemas.microsoft.com/office/drawing/2014/main" id="{522F3205-AB50-49D8-8AAE-7D167D24477E}"/>
+              </a:ext>
+            </a:extLst>
+          </p:cNvPr>
+          <p:cNvPicPr/>
+          <p:nvPr/>
+        </p:nvPicPr>
+        <p:blipFill>
+          <a:blip r:embed="rId3"/>
+          <a:stretch>
+            <a:fillRect/>
+          </a:stretch>
+        </p:blipFill>
+        <p:spPr>
+          <a:xfrm>
+            <a:off x="67627" y="66675"/>
+            <a:ext cx="1629728" cy="514350"/>
+          </a:xfrm>
+          <a:prstGeom prst="rect">
+            <a:avLst/>
+          </a:prstGeom>
+        </p:spPr>
+      </p:pic>
       <p:sp>
         <p:nvSpPr>
           <p:cNvPr id="8" name="CuadroTexto 7">
             <a:extLst>
               <a:ext uri="{FF2B5EF4-FFF2-40B4-BE49-F238E27FC236}">
-                <a16:creationId xmlns:a16="http://schemas.microsoft.com/office/drawing/2014/main" id="{8D22B611-AB50-4B72-A1AD-2421287614EF}"/>
+                <a16:creationId xmlns:a16="http://schemas.microsoft.com/office/drawing/2014/main" id="{FBF8CEED-FFDF-4705-B3C0-BD2C8BC16A4F}"/>
               </a:ext>
             </a:extLst>
           </p:cNvPr>
@@ -3541,8 +3646,8 @@
         </p:nvSpPr>
         <p:spPr>
           <a:xfrm>
-            <a:off x="750762" y="1155036"/>
-            <a:ext cx="927049" cy="369332"/>
+            <a:off x="9886949" y="9525"/>
+            <a:ext cx="2263141" cy="338554"/>
           </a:xfrm>
           <a:prstGeom prst="rect">
             <a:avLst/>
@@ -3550,14 +3655,238 @@
           <a:noFill/>
         </p:spPr>
         <p:txBody>
-          <a:bodyPr wrap="none" rtlCol="0">
+          <a:bodyPr wrap="square" rtlCol="0">
             <a:spAutoFit/>
           </a:bodyPr>
           <a:lstStyle/>
           <a:p>
             <a:r>
-              <a:rPr lang="es-ES" dirty="0"/>
-              <a:t>Training</a:t>
+              <a:rPr lang="es-ES" sz="1600" dirty="0">
+                <a:solidFill>
+                  <a:srgbClr val="4F81BD"/>
+                </a:solidFill>
+                <a:effectLst/>
+                <a:latin typeface="Arial" panose="020B0604020202020204" pitchFamily="34" charset="0"/>
+                <a:ea typeface="Arial" panose="020B0604020202020204" pitchFamily="34" charset="0"/>
+              </a:rPr>
+              <a:t>Master Deep Learning</a:t>
+            </a:r>
+            <a:endParaRPr lang="es-ES" sz="1600" dirty="0"/>
+          </a:p>
+        </p:txBody>
+      </p:sp>
+      <p:sp>
+        <p:nvSpPr>
+          <p:cNvPr id="2" name="Rectangle 2">
+            <a:extLst>
+              <a:ext uri="{FF2B5EF4-FFF2-40B4-BE49-F238E27FC236}">
+                <a16:creationId xmlns:a16="http://schemas.microsoft.com/office/drawing/2014/main" id="{E5640DBE-BBDA-42C4-8BD9-7E755B08B925}"/>
+              </a:ext>
+            </a:extLst>
+          </p:cNvPr>
+          <p:cNvSpPr>
+            <a:spLocks noChangeArrowheads="1"/>
+          </p:cNvSpPr>
+          <p:nvPr/>
+        </p:nvSpPr>
+        <p:spPr bwMode="auto">
+          <a:xfrm>
+            <a:off x="5989320" y="872183"/>
+            <a:ext cx="12192000" cy="0"/>
+          </a:xfrm>
+          <a:prstGeom prst="rect">
+            <a:avLst/>
+          </a:prstGeom>
+          <a:noFill/>
+          <a:ln>
+            <a:noFill/>
+          </a:ln>
+          <a:effectLst/>
+          <a:extLst>
+            <a:ext uri="{909E8E84-426E-40DD-AFC4-6F175D3DCCD1}">
+              <a14:hiddenFill xmlns:a14="http://schemas.microsoft.com/office/drawing/2010/main">
+                <a:solidFill>
+                  <a:schemeClr val="accent1"/>
+                </a:solidFill>
+              </a14:hiddenFill>
+            </a:ext>
+            <a:ext uri="{91240B29-F687-4F45-9708-019B960494DF}">
+              <a14:hiddenLine xmlns:a14="http://schemas.microsoft.com/office/drawing/2010/main" w="9525">
+                <a:solidFill>
+                  <a:schemeClr val="tx1"/>
+                </a:solidFill>
+                <a:miter lim="800000"/>
+                <a:headEnd/>
+                <a:tailEnd/>
+              </a14:hiddenLine>
+            </a:ext>
+            <a:ext uri="{AF507438-7753-43E0-B8FC-AC1667EBCBE1}">
+              <a14:hiddenEffects xmlns:a14="http://schemas.microsoft.com/office/drawing/2010/main">
+                <a:effectLst>
+                  <a:outerShdw dist="35921" dir="2700000" algn="ctr" rotWithShape="0">
+                    <a:schemeClr val="bg2"/>
+                  </a:outerShdw>
+                </a:effectLst>
+              </a14:hiddenEffects>
+            </a:ext>
+          </a:extLst>
+        </p:spPr>
+        <p:txBody>
+          <a:bodyPr vert="horz" wrap="none" lIns="91440" tIns="45720" rIns="91440" bIns="45720" numCol="1" anchor="ctr" anchorCtr="0" compatLnSpc="1">
+            <a:prstTxWarp prst="textNoShape">
+              <a:avLst/>
+            </a:prstTxWarp>
+            <a:spAutoFit/>
+          </a:bodyPr>
+          <a:lstStyle/>
+          <a:p>
+            <a:endParaRPr lang="es-ES"/>
+          </a:p>
+        </p:txBody>
+      </p:sp>
+      <p:graphicFrame>
+        <p:nvGraphicFramePr>
+          <p:cNvPr id="9" name="Objeto 8">
+            <a:extLst>
+              <a:ext uri="{FF2B5EF4-FFF2-40B4-BE49-F238E27FC236}">
+                <a16:creationId xmlns:a16="http://schemas.microsoft.com/office/drawing/2014/main" id="{711366B1-E567-4FAE-91EA-F867EBE938DB}"/>
+              </a:ext>
+            </a:extLst>
+          </p:cNvPr>
+          <p:cNvGraphicFramePr>
+            <a:graphicFrameLocks noChangeAspect="1"/>
+          </p:cNvGraphicFramePr>
+          <p:nvPr/>
+        </p:nvGraphicFramePr>
+        <p:xfrm>
+          <a:off x="6540604" y="2567532"/>
+          <a:ext cx="5400675" cy="2171700"/>
+        </p:xfrm>
+        <a:graphic>
+          <a:graphicData uri="http://schemas.openxmlformats.org/presentationml/2006/ole">
+            <mc:AlternateContent xmlns:mc="http://schemas.openxmlformats.org/markup-compatibility/2006">
+              <mc:Choice xmlns:v="urn:schemas-microsoft-com:vml" Requires="v">
+                <p:oleObj name="Document" r:id="rId4" imgW="5386812" imgH="2168135" progId="Word.OpenDocumentText.12">
+                  <p:embed/>
+                </p:oleObj>
+              </mc:Choice>
+              <mc:Fallback>
+                <p:oleObj name="Document" r:id="rId4" imgW="5386812" imgH="2168135" progId="Word.OpenDocumentText.12">
+                  <p:embed/>
+                  <p:pic>
+                    <p:nvPicPr>
+                      <p:cNvPr id="9" name="Objeto 8">
+                        <a:extLst>
+                          <a:ext uri="{FF2B5EF4-FFF2-40B4-BE49-F238E27FC236}">
+                            <a16:creationId xmlns:a16="http://schemas.microsoft.com/office/drawing/2014/main" id="{711366B1-E567-4FAE-91EA-F867EBE938DB}"/>
+                          </a:ext>
+                        </a:extLst>
+                      </p:cNvPr>
+                      <p:cNvPicPr>
+                        <a:picLocks noChangeAspect="1" noChangeArrowheads="1"/>
+                      </p:cNvPicPr>
+                      <p:nvPr/>
+                    </p:nvPicPr>
+                    <p:blipFill>
+                      <a:blip r:embed="rId5">
+                        <a:extLst>
+                          <a:ext uri="{28A0092B-C50C-407E-A947-70E740481C1C}">
+                            <a14:useLocalDpi xmlns:a14="http://schemas.microsoft.com/office/drawing/2010/main" val="0"/>
+                          </a:ext>
+                        </a:extLst>
+                      </a:blip>
+                      <a:srcRect/>
+                      <a:stretch>
+                        <a:fillRect/>
+                      </a:stretch>
+                    </p:blipFill>
+                    <p:spPr bwMode="auto">
+                      <a:xfrm>
+                        <a:off x="6540604" y="2567532"/>
+                        <a:ext cx="5400675" cy="2171700"/>
+                      </a:xfrm>
+                      <a:prstGeom prst="rect">
+                        <a:avLst/>
+                      </a:prstGeom>
+                      <a:noFill/>
+                      <a:extLst>
+                        <a:ext uri="{909E8E84-426E-40DD-AFC4-6F175D3DCCD1}">
+                          <a14:hiddenFill xmlns:a14="http://schemas.microsoft.com/office/drawing/2010/main">
+                            <a:solidFill>
+                              <a:srgbClr val="FFFFFF"/>
+                            </a:solidFill>
+                          </a14:hiddenFill>
+                        </a:ext>
+                      </a:extLst>
+                    </p:spPr>
+                  </p:pic>
+                </p:oleObj>
+              </mc:Fallback>
+            </mc:AlternateContent>
+          </a:graphicData>
+        </a:graphic>
+      </p:graphicFrame>
+      <p:pic>
+        <p:nvPicPr>
+          <p:cNvPr id="11" name="Imagen 10">
+            <a:extLst>
+              <a:ext uri="{FF2B5EF4-FFF2-40B4-BE49-F238E27FC236}">
+                <a16:creationId xmlns:a16="http://schemas.microsoft.com/office/drawing/2014/main" id="{26FC918D-9E9D-4723-A244-E57FF0A63C83}"/>
+              </a:ext>
+            </a:extLst>
+          </p:cNvPr>
+          <p:cNvPicPr>
+            <a:picLocks noChangeAspect="1"/>
+          </p:cNvPicPr>
+          <p:nvPr/>
+        </p:nvPicPr>
+        <p:blipFill>
+          <a:blip r:embed="rId6"/>
+          <a:stretch>
+            <a:fillRect/>
+          </a:stretch>
+        </p:blipFill>
+        <p:spPr>
+          <a:xfrm>
+            <a:off x="993671" y="3754347"/>
+            <a:ext cx="3876675" cy="1590675"/>
+          </a:xfrm>
+          <a:prstGeom prst="rect">
+            <a:avLst/>
+          </a:prstGeom>
+        </p:spPr>
+      </p:pic>
+      <p:sp>
+        <p:nvSpPr>
+          <p:cNvPr id="13" name="CuadroTexto 12">
+            <a:extLst>
+              <a:ext uri="{FF2B5EF4-FFF2-40B4-BE49-F238E27FC236}">
+                <a16:creationId xmlns:a16="http://schemas.microsoft.com/office/drawing/2014/main" id="{8715AEC9-EDCD-486C-B6B3-5A156F7C51EB}"/>
+              </a:ext>
+            </a:extLst>
+          </p:cNvPr>
+          <p:cNvSpPr txBox="1"/>
+          <p:nvPr/>
+        </p:nvSpPr>
+        <p:spPr>
+          <a:xfrm>
+            <a:off x="4907454" y="547044"/>
+            <a:ext cx="2590626" cy="461665"/>
+          </a:xfrm>
+          <a:prstGeom prst="rect">
+            <a:avLst/>
+          </a:prstGeom>
+          <a:noFill/>
+        </p:spPr>
+        <p:txBody>
+          <a:bodyPr wrap="square" rtlCol="0">
+            <a:spAutoFit/>
+          </a:bodyPr>
+          <a:lstStyle/>
+          <a:p>
+            <a:r>
+              <a:rPr lang="es-ES" sz="2400" b="1" dirty="0"/>
+              <a:t>Acciones: Entorno</a:t>
             </a:r>
           </a:p>
         </p:txBody>
@@ -3565,7 +3894,7 @@
     </p:spTree>
     <p:extLst>
       <p:ext uri="{BB962C8B-B14F-4D97-AF65-F5344CB8AC3E}">
-        <p14:creationId xmlns:p14="http://schemas.microsoft.com/office/powerpoint/2010/main" val="3835027089"/>
+        <p14:creationId xmlns:p14="http://schemas.microsoft.com/office/powerpoint/2010/main" val="1045987835"/>
       </p:ext>
     </p:extLst>
   </p:cSld>
@@ -3592,12 +3921,72 @@
           <a:chExt cx="0" cy="0"/>
         </a:xfrm>
       </p:grpSpPr>
-      <p:sp>
-        <p:nvSpPr>
-          <p:cNvPr id="8" name="CuadroTexto 7">
-            <a:extLst>
-              <a:ext uri="{FF2B5EF4-FFF2-40B4-BE49-F238E27FC236}">
-                <a16:creationId xmlns:a16="http://schemas.microsoft.com/office/drawing/2014/main" id="{8D22B611-AB50-4B72-A1AD-2421287614EF}"/>
+      <p:pic>
+        <p:nvPicPr>
+          <p:cNvPr id="5" name="Imagen 4">
+            <a:extLst>
+              <a:ext uri="{FF2B5EF4-FFF2-40B4-BE49-F238E27FC236}">
+                <a16:creationId xmlns:a16="http://schemas.microsoft.com/office/drawing/2014/main" id="{1524325B-DA88-4668-88E2-0D4C25DEA074}"/>
+              </a:ext>
+            </a:extLst>
+          </p:cNvPr>
+          <p:cNvPicPr>
+            <a:picLocks noChangeAspect="1"/>
+          </p:cNvPicPr>
+          <p:nvPr/>
+        </p:nvPicPr>
+        <p:blipFill>
+          <a:blip r:embed="rId2"/>
+          <a:stretch>
+            <a:fillRect/>
+          </a:stretch>
+        </p:blipFill>
+        <p:spPr>
+          <a:xfrm>
+            <a:off x="1212532" y="2040255"/>
+            <a:ext cx="5345679" cy="3034665"/>
+          </a:xfrm>
+          <a:prstGeom prst="rect">
+            <a:avLst/>
+          </a:prstGeom>
+        </p:spPr>
+      </p:pic>
+      <p:pic>
+        <p:nvPicPr>
+          <p:cNvPr id="7" name="Imagen 6">
+            <a:extLst>
+              <a:ext uri="{FF2B5EF4-FFF2-40B4-BE49-F238E27FC236}">
+                <a16:creationId xmlns:a16="http://schemas.microsoft.com/office/drawing/2014/main" id="{141923E9-6BDD-4E70-BF13-E62A963179EB}"/>
+              </a:ext>
+            </a:extLst>
+          </p:cNvPr>
+          <p:cNvPicPr>
+            <a:picLocks noChangeAspect="1"/>
+          </p:cNvPicPr>
+          <p:nvPr/>
+        </p:nvPicPr>
+        <p:blipFill>
+          <a:blip r:embed="rId3"/>
+          <a:stretch>
+            <a:fillRect/>
+          </a:stretch>
+        </p:blipFill>
+        <p:spPr>
+          <a:xfrm>
+            <a:off x="7909560" y="2150745"/>
+            <a:ext cx="2362200" cy="2762250"/>
+          </a:xfrm>
+          <a:prstGeom prst="rect">
+            <a:avLst/>
+          </a:prstGeom>
+        </p:spPr>
+      </p:pic>
+      <p:sp>
+        <p:nvSpPr>
+          <p:cNvPr id="10" name="CuadroTexto 9">
+            <a:extLst>
+              <a:ext uri="{FF2B5EF4-FFF2-40B4-BE49-F238E27FC236}">
+                <a16:creationId xmlns:a16="http://schemas.microsoft.com/office/drawing/2014/main" id="{2AB37186-B156-4B19-85C3-26622A603AD5}"/>
               </a:ext>
             </a:extLst>
           </p:cNvPr>
@@ -3606,8 +3995,8 @@
         </p:nvSpPr>
         <p:spPr>
           <a:xfrm>
-            <a:off x="750762" y="1155036"/>
-            <a:ext cx="1080745" cy="369332"/>
+            <a:off x="4137661" y="487681"/>
+            <a:ext cx="4400550" cy="461665"/>
           </a:xfrm>
           <a:prstGeom prst="rect">
             <a:avLst/>
@@ -3615,22 +4004,93 @@
           <a:noFill/>
         </p:spPr>
         <p:txBody>
-          <a:bodyPr wrap="none" rtlCol="0">
+          <a:bodyPr wrap="square" rtlCol="0">
             <a:spAutoFit/>
           </a:bodyPr>
           <a:lstStyle/>
           <a:p>
             <a:r>
-              <a:rPr lang="es-ES" dirty="0"/>
-              <a:t>Ejecución</a:t>
-            </a:r>
+              <a:rPr lang="es-ES" sz="2400" b="1" dirty="0"/>
+              <a:t>Recompensas y penalizaciones</a:t>
+            </a:r>
+          </a:p>
+        </p:txBody>
+      </p:sp>
+      <p:pic>
+        <p:nvPicPr>
+          <p:cNvPr id="11" name="Imagen 10" descr="Texto&#10;&#10;Descripción generada automáticamente con confianza media">
+            <a:extLst>
+              <a:ext uri="{FF2B5EF4-FFF2-40B4-BE49-F238E27FC236}">
+                <a16:creationId xmlns:a16="http://schemas.microsoft.com/office/drawing/2014/main" id="{9ED741D8-01FC-4F1A-BE9B-A78B8C6265BF}"/>
+              </a:ext>
+            </a:extLst>
+          </p:cNvPr>
+          <p:cNvPicPr/>
+          <p:nvPr/>
+        </p:nvPicPr>
+        <p:blipFill>
+          <a:blip r:embed="rId4"/>
+          <a:stretch>
+            <a:fillRect/>
+          </a:stretch>
+        </p:blipFill>
+        <p:spPr>
+          <a:xfrm>
+            <a:off x="67627" y="66675"/>
+            <a:ext cx="1629728" cy="514350"/>
+          </a:xfrm>
+          <a:prstGeom prst="rect">
+            <a:avLst/>
+          </a:prstGeom>
+        </p:spPr>
+      </p:pic>
+      <p:sp>
+        <p:nvSpPr>
+          <p:cNvPr id="12" name="CuadroTexto 11">
+            <a:extLst>
+              <a:ext uri="{FF2B5EF4-FFF2-40B4-BE49-F238E27FC236}">
+                <a16:creationId xmlns:a16="http://schemas.microsoft.com/office/drawing/2014/main" id="{A5650A20-5AEB-4250-9363-C184CC2D64E2}"/>
+              </a:ext>
+            </a:extLst>
+          </p:cNvPr>
+          <p:cNvSpPr txBox="1"/>
+          <p:nvPr/>
+        </p:nvSpPr>
+        <p:spPr>
+          <a:xfrm>
+            <a:off x="9886949" y="9525"/>
+            <a:ext cx="2263141" cy="338554"/>
+          </a:xfrm>
+          <a:prstGeom prst="rect">
+            <a:avLst/>
+          </a:prstGeom>
+          <a:noFill/>
+        </p:spPr>
+        <p:txBody>
+          <a:bodyPr wrap="square" rtlCol="0">
+            <a:spAutoFit/>
+          </a:bodyPr>
+          <a:lstStyle/>
+          <a:p>
+            <a:r>
+              <a:rPr lang="es-ES" sz="1600" dirty="0">
+                <a:solidFill>
+                  <a:srgbClr val="4F81BD"/>
+                </a:solidFill>
+                <a:effectLst/>
+                <a:latin typeface="Arial" panose="020B0604020202020204" pitchFamily="34" charset="0"/>
+                <a:ea typeface="Arial" panose="020B0604020202020204" pitchFamily="34" charset="0"/>
+              </a:rPr>
+              <a:t>Master Deep Learning</a:t>
+            </a:r>
+            <a:endParaRPr lang="es-ES" sz="1600" dirty="0"/>
           </a:p>
         </p:txBody>
       </p:sp>
     </p:spTree>
     <p:extLst>
       <p:ext uri="{BB962C8B-B14F-4D97-AF65-F5344CB8AC3E}">
-        <p14:creationId xmlns:p14="http://schemas.microsoft.com/office/powerpoint/2010/main" val="3481283892"/>
+        <p14:creationId xmlns:p14="http://schemas.microsoft.com/office/powerpoint/2010/main" val="3628896935"/>
       </p:ext>
     </p:extLst>
   </p:cSld>
@@ -3659,10 +4119,10 @@
       </p:grpSpPr>
       <p:sp>
         <p:nvSpPr>
-          <p:cNvPr id="4" name="CuadroTexto 3">
-            <a:extLst>
-              <a:ext uri="{FF2B5EF4-FFF2-40B4-BE49-F238E27FC236}">
-                <a16:creationId xmlns:a16="http://schemas.microsoft.com/office/drawing/2014/main" id="{567FB592-ED5E-482F-AC0B-996601BF20B9}"/>
+          <p:cNvPr id="8" name="CuadroTexto 7">
+            <a:extLst>
+              <a:ext uri="{FF2B5EF4-FFF2-40B4-BE49-F238E27FC236}">
+                <a16:creationId xmlns:a16="http://schemas.microsoft.com/office/drawing/2014/main" id="{8D22B611-AB50-4B72-A1AD-2421287614EF}"/>
               </a:ext>
             </a:extLst>
           </p:cNvPr>
@@ -3671,8 +4131,8 @@
         </p:nvSpPr>
         <p:spPr>
           <a:xfrm>
-            <a:off x="789267" y="664144"/>
-            <a:ext cx="2093202" cy="369332"/>
+            <a:off x="750762" y="1155036"/>
+            <a:ext cx="927049" cy="369332"/>
           </a:xfrm>
           <a:prstGeom prst="rect">
             <a:avLst/>
@@ -3687,17 +4147,47 @@
           <a:p>
             <a:r>
               <a:rPr lang="es-ES" dirty="0"/>
-              <a:t>Prueba Comparativa</a:t>
-            </a:r>
-          </a:p>
-        </p:txBody>
-      </p:sp>
-      <p:sp>
-        <p:nvSpPr>
-          <p:cNvPr id="5" name="CuadroTexto 4">
-            <a:extLst>
-              <a:ext uri="{FF2B5EF4-FFF2-40B4-BE49-F238E27FC236}">
-                <a16:creationId xmlns:a16="http://schemas.microsoft.com/office/drawing/2014/main" id="{1AF16191-A74E-48E0-8F5A-0D03D800DFDB}"/>
+              <a:t>Training</a:t>
+            </a:r>
+          </a:p>
+        </p:txBody>
+      </p:sp>
+      <p:pic>
+        <p:nvPicPr>
+          <p:cNvPr id="3" name="Imagen 2">
+            <a:extLst>
+              <a:ext uri="{FF2B5EF4-FFF2-40B4-BE49-F238E27FC236}">
+                <a16:creationId xmlns:a16="http://schemas.microsoft.com/office/drawing/2014/main" id="{6C216D47-F67C-4279-8967-DCEF325A54EE}"/>
+              </a:ext>
+            </a:extLst>
+          </p:cNvPr>
+          <p:cNvPicPr>
+            <a:picLocks noChangeAspect="1"/>
+          </p:cNvPicPr>
+          <p:nvPr/>
+        </p:nvPicPr>
+        <p:blipFill>
+          <a:blip r:embed="rId2"/>
+          <a:stretch>
+            <a:fillRect/>
+          </a:stretch>
+        </p:blipFill>
+        <p:spPr>
+          <a:xfrm>
+            <a:off x="7179994" y="996933"/>
+            <a:ext cx="3876675" cy="1590675"/>
+          </a:xfrm>
+          <a:prstGeom prst="rect">
+            <a:avLst/>
+          </a:prstGeom>
+        </p:spPr>
+      </p:pic>
+      <p:sp>
+        <p:nvSpPr>
+          <p:cNvPr id="4" name="CuadroTexto 3">
+            <a:extLst>
+              <a:ext uri="{FF2B5EF4-FFF2-40B4-BE49-F238E27FC236}">
+                <a16:creationId xmlns:a16="http://schemas.microsoft.com/office/drawing/2014/main" id="{749BFABB-78C9-4A17-AE14-C1B3CB85CB20}"/>
               </a:ext>
             </a:extLst>
           </p:cNvPr>
@@ -3706,8 +4196,8 @@
         </p:nvSpPr>
         <p:spPr>
           <a:xfrm>
-            <a:off x="4061861" y="2310063"/>
-            <a:ext cx="1555490" cy="1200329"/>
+            <a:off x="7246239" y="3020724"/>
+            <a:ext cx="3505575" cy="1754326"/>
           </a:xfrm>
           <a:prstGeom prst="rect">
             <a:avLst/>
@@ -3721,26 +4211,36 @@
           <a:lstStyle/>
           <a:p>
             <a:r>
+              <a:rPr lang="es-ES" dirty="0" err="1"/>
+              <a:t>Sleep</a:t>
+            </a:r>
+            <a:r>
               <a:rPr lang="es-ES" dirty="0"/>
-              <a:t>5 Minutos idle</a:t>
-            </a:r>
+              <a:t> 20</a:t>
+            </a:r>
+          </a:p>
+          <a:p>
+            <a:endParaRPr lang="es-ES" dirty="0"/>
           </a:p>
           <a:p>
             <a:r>
               <a:rPr lang="es-ES" dirty="0"/>
-              <a:t>5 media carga</a:t>
+              <a:t>Dejar tiempo a K8s para establecer </a:t>
             </a:r>
           </a:p>
           <a:p>
             <a:r>
               <a:rPr lang="es-ES" dirty="0"/>
-              <a:t>5 Mucha carga</a:t>
-            </a:r>
+              <a:t>el nuevo estado</a:t>
+            </a:r>
+          </a:p>
+          <a:p>
+            <a:endParaRPr lang="es-ES" dirty="0"/>
           </a:p>
           <a:p>
             <a:r>
               <a:rPr lang="es-ES" dirty="0"/>
-              <a:t>Repetimos</a:t>
+              <a:t>Retardo en el aprendizaje</a:t>
             </a:r>
           </a:p>
         </p:txBody>
@@ -3748,7 +4248,7 @@
     </p:spTree>
     <p:extLst>
       <p:ext uri="{BB962C8B-B14F-4D97-AF65-F5344CB8AC3E}">
-        <p14:creationId xmlns:p14="http://schemas.microsoft.com/office/powerpoint/2010/main" val="2953845717"/>
+        <p14:creationId xmlns:p14="http://schemas.microsoft.com/office/powerpoint/2010/main" val="3835027089"/>
       </p:ext>
     </p:extLst>
   </p:cSld>
@@ -3777,10 +4277,10 @@
       </p:grpSpPr>
       <p:sp>
         <p:nvSpPr>
-          <p:cNvPr id="4" name="CuadroTexto 3">
-            <a:extLst>
-              <a:ext uri="{FF2B5EF4-FFF2-40B4-BE49-F238E27FC236}">
-                <a16:creationId xmlns:a16="http://schemas.microsoft.com/office/drawing/2014/main" id="{50E85720-7EDC-4EE4-ADE7-D5C4531962BE}"/>
+          <p:cNvPr id="8" name="CuadroTexto 7">
+            <a:extLst>
+              <a:ext uri="{FF2B5EF4-FFF2-40B4-BE49-F238E27FC236}">
+                <a16:creationId xmlns:a16="http://schemas.microsoft.com/office/drawing/2014/main" id="{8D22B611-AB50-4B72-A1AD-2421287614EF}"/>
               </a:ext>
             </a:extLst>
           </p:cNvPr>
@@ -3789,8 +4289,8 @@
         </p:nvSpPr>
         <p:spPr>
           <a:xfrm>
-            <a:off x="539013" y="471637"/>
-            <a:ext cx="1203727" cy="369332"/>
+            <a:off x="750762" y="1155036"/>
+            <a:ext cx="1080745" cy="369332"/>
           </a:xfrm>
           <a:prstGeom prst="rect">
             <a:avLst/>
@@ -3805,229 +4305,86 @@
           <a:p>
             <a:r>
               <a:rPr lang="es-ES" dirty="0"/>
-              <a:t>Resultados</a:t>
-            </a:r>
-          </a:p>
-        </p:txBody>
-      </p:sp>
-      <p:sp>
-        <p:nvSpPr>
-          <p:cNvPr id="5" name="CuadroTexto 4">
-            <a:extLst>
-              <a:ext uri="{FF2B5EF4-FFF2-40B4-BE49-F238E27FC236}">
-                <a16:creationId xmlns:a16="http://schemas.microsoft.com/office/drawing/2014/main" id="{2F91DFC6-BFD0-4CE8-8F24-7F2F7DFA3F08}"/>
-              </a:ext>
-            </a:extLst>
-          </p:cNvPr>
-          <p:cNvSpPr txBox="1"/>
-          <p:nvPr/>
-        </p:nvSpPr>
-        <p:spPr>
-          <a:xfrm>
-            <a:off x="585534" y="1095676"/>
-            <a:ext cx="563616" cy="369332"/>
-          </a:xfrm>
-          <a:prstGeom prst="rect">
-            <a:avLst/>
-          </a:prstGeom>
-          <a:noFill/>
-        </p:spPr>
-        <p:txBody>
-          <a:bodyPr wrap="none" rtlCol="0">
-            <a:spAutoFit/>
-          </a:bodyPr>
-          <a:lstStyle/>
-          <a:p>
-            <a:r>
-              <a:rPr lang="es-ES" dirty="0"/>
-              <a:t>HPA</a:t>
-            </a:r>
-          </a:p>
-        </p:txBody>
-      </p:sp>
-      <p:sp>
-        <p:nvSpPr>
-          <p:cNvPr id="6" name="CuadroTexto 5">
-            <a:extLst>
-              <a:ext uri="{FF2B5EF4-FFF2-40B4-BE49-F238E27FC236}">
-                <a16:creationId xmlns:a16="http://schemas.microsoft.com/office/drawing/2014/main" id="{DBE721F6-101F-48BB-BC90-5D7E3B9D0D35}"/>
-              </a:ext>
-            </a:extLst>
-          </p:cNvPr>
-          <p:cNvSpPr txBox="1"/>
-          <p:nvPr/>
-        </p:nvSpPr>
-        <p:spPr>
-          <a:xfrm>
-            <a:off x="7350510" y="1084447"/>
-            <a:ext cx="550151" cy="369332"/>
-          </a:xfrm>
-          <a:prstGeom prst="rect">
-            <a:avLst/>
-          </a:prstGeom>
-          <a:noFill/>
-        </p:spPr>
-        <p:txBody>
-          <a:bodyPr wrap="none" rtlCol="0">
-            <a:spAutoFit/>
-          </a:bodyPr>
-          <a:lstStyle/>
-          <a:p>
-            <a:r>
-              <a:rPr lang="es-ES" dirty="0"/>
-              <a:t>DRL</a:t>
+              <a:t>Ejecución</a:t>
             </a:r>
           </a:p>
         </p:txBody>
       </p:sp>
       <p:pic>
         <p:nvPicPr>
-          <p:cNvPr id="8" name="Imagen 7">
-            <a:extLst>
-              <a:ext uri="{FF2B5EF4-FFF2-40B4-BE49-F238E27FC236}">
-                <a16:creationId xmlns:a16="http://schemas.microsoft.com/office/drawing/2014/main" id="{B1F7ECE9-5CE9-4D21-931C-323FDDA94182}"/>
-              </a:ext>
-            </a:extLst>
-          </p:cNvPr>
-          <p:cNvPicPr>
-            <a:picLocks noChangeAspect="1"/>
-          </p:cNvPicPr>
+          <p:cNvPr id="3" name="Imagen 2" descr="Texto&#10;&#10;Descripción generada automáticamente con confianza media">
+            <a:extLst>
+              <a:ext uri="{FF2B5EF4-FFF2-40B4-BE49-F238E27FC236}">
+                <a16:creationId xmlns:a16="http://schemas.microsoft.com/office/drawing/2014/main" id="{754AE3C4-383D-43E4-9F96-671BD92F6D60}"/>
+              </a:ext>
+            </a:extLst>
+          </p:cNvPr>
+          <p:cNvPicPr/>
           <p:nvPr/>
         </p:nvPicPr>
         <p:blipFill>
-          <a:blip r:embed="rId2">
-            <a:extLst>
-              <a:ext uri="{28A0092B-C50C-407E-A947-70E740481C1C}">
-                <a14:useLocalDpi xmlns:a14="http://schemas.microsoft.com/office/drawing/2010/main" val="0"/>
-              </a:ext>
-            </a:extLst>
-          </a:blip>
+          <a:blip r:embed="rId2"/>
           <a:stretch>
             <a:fillRect/>
           </a:stretch>
         </p:blipFill>
         <p:spPr>
           <a:xfrm>
-            <a:off x="6867624" y="1450370"/>
-            <a:ext cx="3734602" cy="2800951"/>
+            <a:off x="67627" y="66675"/>
+            <a:ext cx="1629728" cy="514350"/>
           </a:xfrm>
           <a:prstGeom prst="rect">
             <a:avLst/>
           </a:prstGeom>
         </p:spPr>
       </p:pic>
-      <p:pic>
-        <p:nvPicPr>
-          <p:cNvPr id="10" name="Imagen 9">
-            <a:extLst>
-              <a:ext uri="{FF2B5EF4-FFF2-40B4-BE49-F238E27FC236}">
-                <a16:creationId xmlns:a16="http://schemas.microsoft.com/office/drawing/2014/main" id="{6082DC60-CD5B-4F41-A53A-9C0806FF9E9C}"/>
-              </a:ext>
-            </a:extLst>
-          </p:cNvPr>
-          <p:cNvPicPr>
-            <a:picLocks noChangeAspect="1"/>
-          </p:cNvPicPr>
-          <p:nvPr/>
-        </p:nvPicPr>
-        <p:blipFill>
-          <a:blip r:embed="rId3">
-            <a:extLst>
-              <a:ext uri="{28A0092B-C50C-407E-A947-70E740481C1C}">
-                <a14:useLocalDpi xmlns:a14="http://schemas.microsoft.com/office/drawing/2010/main" val="0"/>
-              </a:ext>
-            </a:extLst>
-          </a:blip>
-          <a:stretch>
-            <a:fillRect/>
-          </a:stretch>
-        </p:blipFill>
-        <p:spPr>
-          <a:xfrm>
-            <a:off x="6939814" y="4118849"/>
-            <a:ext cx="3590223" cy="2363001"/>
-          </a:xfrm>
-          <a:prstGeom prst="rect">
-            <a:avLst/>
-          </a:prstGeom>
-        </p:spPr>
-      </p:pic>
-      <p:pic>
-        <p:nvPicPr>
-          <p:cNvPr id="12" name="Imagen 11">
-            <a:extLst>
-              <a:ext uri="{FF2B5EF4-FFF2-40B4-BE49-F238E27FC236}">
-                <a16:creationId xmlns:a16="http://schemas.microsoft.com/office/drawing/2014/main" id="{1D3ECC54-1C73-4DA0-8B00-884D835D245E}"/>
-              </a:ext>
-            </a:extLst>
-          </p:cNvPr>
-          <p:cNvPicPr>
-            <a:picLocks noChangeAspect="1"/>
-          </p:cNvPicPr>
-          <p:nvPr/>
-        </p:nvPicPr>
-        <p:blipFill>
-          <a:blip r:embed="rId3">
-            <a:extLst>
-              <a:ext uri="{28A0092B-C50C-407E-A947-70E740481C1C}">
-                <a14:useLocalDpi xmlns:a14="http://schemas.microsoft.com/office/drawing/2010/main" val="0"/>
-              </a:ext>
-            </a:extLst>
-          </a:blip>
-          <a:stretch>
-            <a:fillRect/>
-          </a:stretch>
-        </p:blipFill>
-        <p:spPr>
-          <a:xfrm>
-            <a:off x="489263" y="4261624"/>
-            <a:ext cx="3590223" cy="2363001"/>
-          </a:xfrm>
-          <a:prstGeom prst="rect">
-            <a:avLst/>
-          </a:prstGeom>
-        </p:spPr>
-      </p:pic>
-      <p:pic>
-        <p:nvPicPr>
-          <p:cNvPr id="13" name="Imagen 12">
-            <a:extLst>
-              <a:ext uri="{FF2B5EF4-FFF2-40B4-BE49-F238E27FC236}">
-                <a16:creationId xmlns:a16="http://schemas.microsoft.com/office/drawing/2014/main" id="{A2E19EFF-9CF7-45DA-B4A2-23E062F07AF2}"/>
-              </a:ext>
-            </a:extLst>
-          </p:cNvPr>
-          <p:cNvPicPr>
-            <a:picLocks noChangeAspect="1"/>
-          </p:cNvPicPr>
-          <p:nvPr/>
-        </p:nvPicPr>
-        <p:blipFill>
-          <a:blip r:embed="rId2">
-            <a:extLst>
-              <a:ext uri="{28A0092B-C50C-407E-A947-70E740481C1C}">
-                <a14:useLocalDpi xmlns:a14="http://schemas.microsoft.com/office/drawing/2010/main" val="0"/>
-              </a:ext>
-            </a:extLst>
-          </a:blip>
-          <a:stretch>
-            <a:fillRect/>
-          </a:stretch>
-        </p:blipFill>
-        <p:spPr>
-          <a:xfrm>
-            <a:off x="176441" y="1371762"/>
-            <a:ext cx="3734602" cy="2800951"/>
-          </a:xfrm>
-          <a:prstGeom prst="rect">
-            <a:avLst/>
-          </a:prstGeom>
-        </p:spPr>
-      </p:pic>
+      <p:sp>
+        <p:nvSpPr>
+          <p:cNvPr id="4" name="CuadroTexto 3">
+            <a:extLst>
+              <a:ext uri="{FF2B5EF4-FFF2-40B4-BE49-F238E27FC236}">
+                <a16:creationId xmlns:a16="http://schemas.microsoft.com/office/drawing/2014/main" id="{6662040A-7D7A-452C-80DB-ED2163B54FDC}"/>
+              </a:ext>
+            </a:extLst>
+          </p:cNvPr>
+          <p:cNvSpPr txBox="1"/>
+          <p:nvPr/>
+        </p:nvSpPr>
+        <p:spPr>
+          <a:xfrm>
+            <a:off x="9886949" y="9525"/>
+            <a:ext cx="2263141" cy="338554"/>
+          </a:xfrm>
+          <a:prstGeom prst="rect">
+            <a:avLst/>
+          </a:prstGeom>
+          <a:noFill/>
+        </p:spPr>
+        <p:txBody>
+          <a:bodyPr wrap="square" rtlCol="0">
+            <a:spAutoFit/>
+          </a:bodyPr>
+          <a:lstStyle/>
+          <a:p>
+            <a:r>
+              <a:rPr lang="es-ES" sz="1600" dirty="0">
+                <a:solidFill>
+                  <a:srgbClr val="4F81BD"/>
+                </a:solidFill>
+                <a:effectLst/>
+                <a:latin typeface="Arial" panose="020B0604020202020204" pitchFamily="34" charset="0"/>
+                <a:ea typeface="Arial" panose="020B0604020202020204" pitchFamily="34" charset="0"/>
+              </a:rPr>
+              <a:t>Master Deep Learning</a:t>
+            </a:r>
+            <a:endParaRPr lang="es-ES" sz="1600" dirty="0"/>
+          </a:p>
+        </p:txBody>
+      </p:sp>
     </p:spTree>
     <p:extLst>
       <p:ext uri="{BB962C8B-B14F-4D97-AF65-F5344CB8AC3E}">
-        <p14:creationId xmlns:p14="http://schemas.microsoft.com/office/powerpoint/2010/main" val="747198360"/>
+        <p14:creationId xmlns:p14="http://schemas.microsoft.com/office/powerpoint/2010/main" val="3481283892"/>
       </p:ext>
     </p:extLst>
   </p:cSld>
@@ -4059,7 +4416,7 @@
           <p:cNvPr id="4" name="CuadroTexto 3">
             <a:extLst>
               <a:ext uri="{FF2B5EF4-FFF2-40B4-BE49-F238E27FC236}">
-                <a16:creationId xmlns:a16="http://schemas.microsoft.com/office/drawing/2014/main" id="{C0F33B96-FE6B-4021-9C1C-DA07D9F69EDD}"/>
+                <a16:creationId xmlns:a16="http://schemas.microsoft.com/office/drawing/2014/main" id="{567FB592-ED5E-482F-AC0B-996601BF20B9}"/>
               </a:ext>
             </a:extLst>
           </p:cNvPr>
@@ -4068,8 +4425,8 @@
         </p:nvSpPr>
         <p:spPr>
           <a:xfrm>
-            <a:off x="539013" y="471637"/>
-            <a:ext cx="4193840" cy="369332"/>
+            <a:off x="789267" y="664144"/>
+            <a:ext cx="2093202" cy="369332"/>
           </a:xfrm>
           <a:prstGeom prst="rect">
             <a:avLst/>
@@ -4084,8 +4441,680 @@
           <a:p>
             <a:r>
               <a:rPr lang="es-ES" dirty="0"/>
-              <a:t>Conclusiones y nuevas vías de exploración</a:t>
-            </a:r>
+              <a:t>Prueba Comparativa</a:t>
+            </a:r>
+          </a:p>
+        </p:txBody>
+      </p:sp>
+      <p:sp>
+        <p:nvSpPr>
+          <p:cNvPr id="5" name="CuadroTexto 4">
+            <a:extLst>
+              <a:ext uri="{FF2B5EF4-FFF2-40B4-BE49-F238E27FC236}">
+                <a16:creationId xmlns:a16="http://schemas.microsoft.com/office/drawing/2014/main" id="{1AF16191-A74E-48E0-8F5A-0D03D800DFDB}"/>
+              </a:ext>
+            </a:extLst>
+          </p:cNvPr>
+          <p:cNvSpPr txBox="1"/>
+          <p:nvPr/>
+        </p:nvSpPr>
+        <p:spPr>
+          <a:xfrm>
+            <a:off x="4061861" y="2310063"/>
+            <a:ext cx="1555490" cy="1200329"/>
+          </a:xfrm>
+          <a:prstGeom prst="rect">
+            <a:avLst/>
+          </a:prstGeom>
+          <a:noFill/>
+        </p:spPr>
+        <p:txBody>
+          <a:bodyPr wrap="none" rtlCol="0">
+            <a:spAutoFit/>
+          </a:bodyPr>
+          <a:lstStyle/>
+          <a:p>
+            <a:r>
+              <a:rPr lang="es-ES" dirty="0"/>
+              <a:t>5 Minutos idle</a:t>
+            </a:r>
+          </a:p>
+          <a:p>
+            <a:r>
+              <a:rPr lang="es-ES" dirty="0"/>
+              <a:t>5 media carga</a:t>
+            </a:r>
+          </a:p>
+          <a:p>
+            <a:r>
+              <a:rPr lang="es-ES" dirty="0"/>
+              <a:t>5 Mucha carga</a:t>
+            </a:r>
+          </a:p>
+          <a:p>
+            <a:r>
+              <a:rPr lang="es-ES" dirty="0"/>
+              <a:t>Repetimos</a:t>
+            </a:r>
+          </a:p>
+        </p:txBody>
+      </p:sp>
+      <p:pic>
+        <p:nvPicPr>
+          <p:cNvPr id="6" name="Imagen 5" descr="Texto&#10;&#10;Descripción generada automáticamente con confianza media">
+            <a:extLst>
+              <a:ext uri="{FF2B5EF4-FFF2-40B4-BE49-F238E27FC236}">
+                <a16:creationId xmlns:a16="http://schemas.microsoft.com/office/drawing/2014/main" id="{0E2795B9-DD63-4098-AA87-84654EB01C42}"/>
+              </a:ext>
+            </a:extLst>
+          </p:cNvPr>
+          <p:cNvPicPr/>
+          <p:nvPr/>
+        </p:nvPicPr>
+        <p:blipFill>
+          <a:blip r:embed="rId2"/>
+          <a:stretch>
+            <a:fillRect/>
+          </a:stretch>
+        </p:blipFill>
+        <p:spPr>
+          <a:xfrm>
+            <a:off x="67627" y="66675"/>
+            <a:ext cx="1629728" cy="514350"/>
+          </a:xfrm>
+          <a:prstGeom prst="rect">
+            <a:avLst/>
+          </a:prstGeom>
+        </p:spPr>
+      </p:pic>
+      <p:sp>
+        <p:nvSpPr>
+          <p:cNvPr id="7" name="CuadroTexto 6">
+            <a:extLst>
+              <a:ext uri="{FF2B5EF4-FFF2-40B4-BE49-F238E27FC236}">
+                <a16:creationId xmlns:a16="http://schemas.microsoft.com/office/drawing/2014/main" id="{00BD2D81-0007-4650-BADA-2B16D0FEDEF7}"/>
+              </a:ext>
+            </a:extLst>
+          </p:cNvPr>
+          <p:cNvSpPr txBox="1"/>
+          <p:nvPr/>
+        </p:nvSpPr>
+        <p:spPr>
+          <a:xfrm>
+            <a:off x="9886949" y="9525"/>
+            <a:ext cx="2263141" cy="338554"/>
+          </a:xfrm>
+          <a:prstGeom prst="rect">
+            <a:avLst/>
+          </a:prstGeom>
+          <a:noFill/>
+        </p:spPr>
+        <p:txBody>
+          <a:bodyPr wrap="square" rtlCol="0">
+            <a:spAutoFit/>
+          </a:bodyPr>
+          <a:lstStyle/>
+          <a:p>
+            <a:r>
+              <a:rPr lang="es-ES" sz="1600" dirty="0">
+                <a:solidFill>
+                  <a:srgbClr val="4F81BD"/>
+                </a:solidFill>
+                <a:effectLst/>
+                <a:latin typeface="Arial" panose="020B0604020202020204" pitchFamily="34" charset="0"/>
+                <a:ea typeface="Arial" panose="020B0604020202020204" pitchFamily="34" charset="0"/>
+              </a:rPr>
+              <a:t>Master Deep Learning</a:t>
+            </a:r>
+            <a:endParaRPr lang="es-ES" sz="1600" dirty="0"/>
+          </a:p>
+        </p:txBody>
+      </p:sp>
+    </p:spTree>
+    <p:extLst>
+      <p:ext uri="{BB962C8B-B14F-4D97-AF65-F5344CB8AC3E}">
+        <p14:creationId xmlns:p14="http://schemas.microsoft.com/office/powerpoint/2010/main" val="2953845717"/>
+      </p:ext>
+    </p:extLst>
+  </p:cSld>
+  <p:clrMapOvr>
+    <a:masterClrMapping/>
+  </p:clrMapOvr>
+</p:sld>
+</file>
+
+<file path=ppt/slides/slide15.xml><?xml version="1.0" encoding="utf-8"?>
+<p:sld xmlns:a="http://schemas.openxmlformats.org/drawingml/2006/main" xmlns:r="http://schemas.openxmlformats.org/officeDocument/2006/relationships" xmlns:p="http://schemas.openxmlformats.org/presentationml/2006/main">
+  <p:cSld>
+    <p:spTree>
+      <p:nvGrpSpPr>
+        <p:cNvPr id="1" name=""/>
+        <p:cNvGrpSpPr/>
+        <p:nvPr/>
+      </p:nvGrpSpPr>
+      <p:grpSpPr>
+        <a:xfrm>
+          <a:off x="0" y="0"/>
+          <a:ext cx="0" cy="0"/>
+          <a:chOff x="0" y="0"/>
+          <a:chExt cx="0" cy="0"/>
+        </a:xfrm>
+      </p:grpSpPr>
+      <p:sp>
+        <p:nvSpPr>
+          <p:cNvPr id="5" name="CuadroTexto 4">
+            <a:extLst>
+              <a:ext uri="{FF2B5EF4-FFF2-40B4-BE49-F238E27FC236}">
+                <a16:creationId xmlns:a16="http://schemas.microsoft.com/office/drawing/2014/main" id="{2F91DFC6-BFD0-4CE8-8F24-7F2F7DFA3F08}"/>
+              </a:ext>
+            </a:extLst>
+          </p:cNvPr>
+          <p:cNvSpPr txBox="1"/>
+          <p:nvPr/>
+        </p:nvSpPr>
+        <p:spPr>
+          <a:xfrm>
+            <a:off x="3500184" y="1015867"/>
+            <a:ext cx="660336" cy="369332"/>
+          </a:xfrm>
+          <a:prstGeom prst="rect">
+            <a:avLst/>
+          </a:prstGeom>
+          <a:noFill/>
+        </p:spPr>
+        <p:txBody>
+          <a:bodyPr wrap="square" rtlCol="0">
+            <a:spAutoFit/>
+          </a:bodyPr>
+          <a:lstStyle/>
+          <a:p>
+            <a:r>
+              <a:rPr lang="es-ES" b="1" dirty="0"/>
+              <a:t>HPA</a:t>
+            </a:r>
+          </a:p>
+        </p:txBody>
+      </p:sp>
+      <p:sp>
+        <p:nvSpPr>
+          <p:cNvPr id="6" name="CuadroTexto 5">
+            <a:extLst>
+              <a:ext uri="{FF2B5EF4-FFF2-40B4-BE49-F238E27FC236}">
+                <a16:creationId xmlns:a16="http://schemas.microsoft.com/office/drawing/2014/main" id="{DBE721F6-101F-48BB-BC90-5D7E3B9D0D35}"/>
+              </a:ext>
+            </a:extLst>
+          </p:cNvPr>
+          <p:cNvSpPr txBox="1"/>
+          <p:nvPr/>
+        </p:nvSpPr>
+        <p:spPr>
+          <a:xfrm>
+            <a:off x="8653530" y="1015867"/>
+            <a:ext cx="641522" cy="369332"/>
+          </a:xfrm>
+          <a:prstGeom prst="rect">
+            <a:avLst/>
+          </a:prstGeom>
+          <a:noFill/>
+        </p:spPr>
+        <p:txBody>
+          <a:bodyPr wrap="none" rtlCol="0">
+            <a:spAutoFit/>
+          </a:bodyPr>
+          <a:lstStyle/>
+          <a:p>
+            <a:r>
+              <a:rPr lang="es-ES" b="1" dirty="0"/>
+              <a:t>DQN</a:t>
+            </a:r>
+          </a:p>
+        </p:txBody>
+      </p:sp>
+      <p:pic>
+        <p:nvPicPr>
+          <p:cNvPr id="9" name="Imagen 8">
+            <a:extLst>
+              <a:ext uri="{FF2B5EF4-FFF2-40B4-BE49-F238E27FC236}">
+                <a16:creationId xmlns:a16="http://schemas.microsoft.com/office/drawing/2014/main" id="{948E7F8C-020C-422A-99AD-DF3C168DA198}"/>
+              </a:ext>
+            </a:extLst>
+          </p:cNvPr>
+          <p:cNvPicPr/>
+          <p:nvPr/>
+        </p:nvPicPr>
+        <p:blipFill>
+          <a:blip r:embed="rId2">
+            <a:extLst>
+              <a:ext uri="{28A0092B-C50C-407E-A947-70E740481C1C}">
+                <a14:useLocalDpi xmlns:a14="http://schemas.microsoft.com/office/drawing/2010/main" val="0"/>
+              </a:ext>
+            </a:extLst>
+          </a:blip>
+          <a:stretch>
+            <a:fillRect/>
+          </a:stretch>
+        </p:blipFill>
+        <p:spPr>
+          <a:xfrm>
+            <a:off x="1851659" y="1280342"/>
+            <a:ext cx="3850640" cy="2838507"/>
+          </a:xfrm>
+          <a:prstGeom prst="rect">
+            <a:avLst/>
+          </a:prstGeom>
+        </p:spPr>
+      </p:pic>
+      <p:pic>
+        <p:nvPicPr>
+          <p:cNvPr id="11" name="Imagen 10">
+            <a:extLst>
+              <a:ext uri="{FF2B5EF4-FFF2-40B4-BE49-F238E27FC236}">
+                <a16:creationId xmlns:a16="http://schemas.microsoft.com/office/drawing/2014/main" id="{63A93875-A4BB-4F2D-AE5C-CD5799DBC31E}"/>
+              </a:ext>
+            </a:extLst>
+          </p:cNvPr>
+          <p:cNvPicPr/>
+          <p:nvPr/>
+        </p:nvPicPr>
+        <p:blipFill>
+          <a:blip r:embed="rId3">
+            <a:extLst>
+              <a:ext uri="{28A0092B-C50C-407E-A947-70E740481C1C}">
+                <a14:useLocalDpi xmlns:a14="http://schemas.microsoft.com/office/drawing/2010/main" val="0"/>
+              </a:ext>
+            </a:extLst>
+          </a:blip>
+          <a:stretch>
+            <a:fillRect/>
+          </a:stretch>
+        </p:blipFill>
+        <p:spPr>
+          <a:xfrm>
+            <a:off x="1949767" y="4062730"/>
+            <a:ext cx="3674745" cy="2755900"/>
+          </a:xfrm>
+          <a:prstGeom prst="rect">
+            <a:avLst/>
+          </a:prstGeom>
+        </p:spPr>
+      </p:pic>
+      <p:sp>
+        <p:nvSpPr>
+          <p:cNvPr id="14" name="CuadroTexto 13">
+            <a:extLst>
+              <a:ext uri="{FF2B5EF4-FFF2-40B4-BE49-F238E27FC236}">
+                <a16:creationId xmlns:a16="http://schemas.microsoft.com/office/drawing/2014/main" id="{922126D0-80F2-4F3C-873A-57560D2154E6}"/>
+              </a:ext>
+            </a:extLst>
+          </p:cNvPr>
+          <p:cNvSpPr txBox="1"/>
+          <p:nvPr/>
+        </p:nvSpPr>
+        <p:spPr>
+          <a:xfrm>
+            <a:off x="382804" y="2292817"/>
+            <a:ext cx="1385035" cy="646331"/>
+          </a:xfrm>
+          <a:prstGeom prst="rect">
+            <a:avLst/>
+          </a:prstGeom>
+          <a:noFill/>
+        </p:spPr>
+        <p:txBody>
+          <a:bodyPr wrap="square" rtlCol="0">
+            <a:spAutoFit/>
+          </a:bodyPr>
+          <a:lstStyle/>
+          <a:p>
+            <a:r>
+              <a:rPr lang="es-ES" dirty="0"/>
+              <a:t>Uso de CPU en milicores</a:t>
+            </a:r>
+          </a:p>
+        </p:txBody>
+      </p:sp>
+      <p:sp>
+        <p:nvSpPr>
+          <p:cNvPr id="15" name="CuadroTexto 14">
+            <a:extLst>
+              <a:ext uri="{FF2B5EF4-FFF2-40B4-BE49-F238E27FC236}">
+                <a16:creationId xmlns:a16="http://schemas.microsoft.com/office/drawing/2014/main" id="{F1E2A2FC-73B0-4CAB-8014-BCA9AF07026C}"/>
+              </a:ext>
+            </a:extLst>
+          </p:cNvPr>
+          <p:cNvSpPr txBox="1"/>
+          <p:nvPr/>
+        </p:nvSpPr>
+        <p:spPr>
+          <a:xfrm>
+            <a:off x="466624" y="5039827"/>
+            <a:ext cx="1385035" cy="923330"/>
+          </a:xfrm>
+          <a:prstGeom prst="rect">
+            <a:avLst/>
+          </a:prstGeom>
+          <a:noFill/>
+        </p:spPr>
+        <p:txBody>
+          <a:bodyPr wrap="square" rtlCol="0">
+            <a:spAutoFit/>
+          </a:bodyPr>
+          <a:lstStyle/>
+          <a:p>
+            <a:r>
+              <a:rPr lang="es-ES" dirty="0"/>
+              <a:t>Número de pods funcionando</a:t>
+            </a:r>
+          </a:p>
+        </p:txBody>
+      </p:sp>
+      <p:pic>
+        <p:nvPicPr>
+          <p:cNvPr id="16" name="Imagen 15">
+            <a:extLst>
+              <a:ext uri="{FF2B5EF4-FFF2-40B4-BE49-F238E27FC236}">
+                <a16:creationId xmlns:a16="http://schemas.microsoft.com/office/drawing/2014/main" id="{AE66C174-9A29-4AC6-819D-A11B691233EB}"/>
+              </a:ext>
+            </a:extLst>
+          </p:cNvPr>
+          <p:cNvPicPr/>
+          <p:nvPr/>
+        </p:nvPicPr>
+        <p:blipFill>
+          <a:blip r:embed="rId4">
+            <a:extLst>
+              <a:ext uri="{28A0092B-C50C-407E-A947-70E740481C1C}">
+                <a14:useLocalDpi xmlns:a14="http://schemas.microsoft.com/office/drawing/2010/main" val="0"/>
+              </a:ext>
+            </a:extLst>
+          </a:blip>
+          <a:stretch>
+            <a:fillRect/>
+          </a:stretch>
+        </p:blipFill>
+        <p:spPr>
+          <a:xfrm>
+            <a:off x="6732270" y="1280342"/>
+            <a:ext cx="4143057" cy="2838507"/>
+          </a:xfrm>
+          <a:prstGeom prst="rect">
+            <a:avLst/>
+          </a:prstGeom>
+        </p:spPr>
+      </p:pic>
+      <p:pic>
+        <p:nvPicPr>
+          <p:cNvPr id="17" name="Imagen 16">
+            <a:extLst>
+              <a:ext uri="{FF2B5EF4-FFF2-40B4-BE49-F238E27FC236}">
+                <a16:creationId xmlns:a16="http://schemas.microsoft.com/office/drawing/2014/main" id="{5C377635-F71B-48DA-B38C-0E4D5D8B2900}"/>
+              </a:ext>
+            </a:extLst>
+          </p:cNvPr>
+          <p:cNvPicPr/>
+          <p:nvPr/>
+        </p:nvPicPr>
+        <p:blipFill>
+          <a:blip r:embed="rId5">
+            <a:extLst>
+              <a:ext uri="{28A0092B-C50C-407E-A947-70E740481C1C}">
+                <a14:useLocalDpi xmlns:a14="http://schemas.microsoft.com/office/drawing/2010/main" val="0"/>
+              </a:ext>
+            </a:extLst>
+          </a:blip>
+          <a:stretch>
+            <a:fillRect/>
+          </a:stretch>
+        </p:blipFill>
+        <p:spPr>
+          <a:xfrm>
+            <a:off x="6732270" y="4062729"/>
+            <a:ext cx="4057650" cy="2755901"/>
+          </a:xfrm>
+          <a:prstGeom prst="rect">
+            <a:avLst/>
+          </a:prstGeom>
+        </p:spPr>
+      </p:pic>
+      <p:sp>
+        <p:nvSpPr>
+          <p:cNvPr id="18" name="CuadroTexto 17">
+            <a:extLst>
+              <a:ext uri="{FF2B5EF4-FFF2-40B4-BE49-F238E27FC236}">
+                <a16:creationId xmlns:a16="http://schemas.microsoft.com/office/drawing/2014/main" id="{732FBB64-EA36-46FD-A433-0832A81B1154}"/>
+              </a:ext>
+            </a:extLst>
+          </p:cNvPr>
+          <p:cNvSpPr txBox="1"/>
+          <p:nvPr/>
+        </p:nvSpPr>
+        <p:spPr>
+          <a:xfrm>
+            <a:off x="3143250" y="361951"/>
+            <a:ext cx="6549389" cy="461665"/>
+          </a:xfrm>
+          <a:prstGeom prst="rect">
+            <a:avLst/>
+          </a:prstGeom>
+          <a:noFill/>
+        </p:spPr>
+        <p:txBody>
+          <a:bodyPr wrap="square" rtlCol="0">
+            <a:spAutoFit/>
+          </a:bodyPr>
+          <a:lstStyle/>
+          <a:p>
+            <a:r>
+              <a:rPr lang="es-ES" sz="2400" b="1" dirty="0"/>
+              <a:t>Comparativa comportamiento: HPA vs DQN</a:t>
+            </a:r>
+          </a:p>
+        </p:txBody>
+      </p:sp>
+      <p:pic>
+        <p:nvPicPr>
+          <p:cNvPr id="19" name="Imagen 18" descr="Texto&#10;&#10;Descripción generada automáticamente con confianza media">
+            <a:extLst>
+              <a:ext uri="{FF2B5EF4-FFF2-40B4-BE49-F238E27FC236}">
+                <a16:creationId xmlns:a16="http://schemas.microsoft.com/office/drawing/2014/main" id="{024E3142-E20C-4B1A-9481-2C29046A0B3E}"/>
+              </a:ext>
+            </a:extLst>
+          </p:cNvPr>
+          <p:cNvPicPr/>
+          <p:nvPr/>
+        </p:nvPicPr>
+        <p:blipFill>
+          <a:blip r:embed="rId6"/>
+          <a:stretch>
+            <a:fillRect/>
+          </a:stretch>
+        </p:blipFill>
+        <p:spPr>
+          <a:xfrm>
+            <a:off x="67627" y="66675"/>
+            <a:ext cx="1629728" cy="514350"/>
+          </a:xfrm>
+          <a:prstGeom prst="rect">
+            <a:avLst/>
+          </a:prstGeom>
+        </p:spPr>
+      </p:pic>
+      <p:sp>
+        <p:nvSpPr>
+          <p:cNvPr id="20" name="CuadroTexto 19">
+            <a:extLst>
+              <a:ext uri="{FF2B5EF4-FFF2-40B4-BE49-F238E27FC236}">
+                <a16:creationId xmlns:a16="http://schemas.microsoft.com/office/drawing/2014/main" id="{2F3DF9EA-B91B-435E-8CE5-89ED5EFB4C9C}"/>
+              </a:ext>
+            </a:extLst>
+          </p:cNvPr>
+          <p:cNvSpPr txBox="1"/>
+          <p:nvPr/>
+        </p:nvSpPr>
+        <p:spPr>
+          <a:xfrm>
+            <a:off x="9886949" y="66675"/>
+            <a:ext cx="2263141" cy="338554"/>
+          </a:xfrm>
+          <a:prstGeom prst="rect">
+            <a:avLst/>
+          </a:prstGeom>
+          <a:noFill/>
+        </p:spPr>
+        <p:txBody>
+          <a:bodyPr wrap="square" rtlCol="0">
+            <a:spAutoFit/>
+          </a:bodyPr>
+          <a:lstStyle/>
+          <a:p>
+            <a:r>
+              <a:rPr lang="es-ES" sz="1600" dirty="0">
+                <a:solidFill>
+                  <a:srgbClr val="4F81BD"/>
+                </a:solidFill>
+                <a:effectLst/>
+                <a:latin typeface="Arial" panose="020B0604020202020204" pitchFamily="34" charset="0"/>
+                <a:ea typeface="Arial" panose="020B0604020202020204" pitchFamily="34" charset="0"/>
+              </a:rPr>
+              <a:t>Master Deep Learning</a:t>
+            </a:r>
+            <a:endParaRPr lang="es-ES" sz="1600" dirty="0"/>
+          </a:p>
+        </p:txBody>
+      </p:sp>
+    </p:spTree>
+    <p:extLst>
+      <p:ext uri="{BB962C8B-B14F-4D97-AF65-F5344CB8AC3E}">
+        <p14:creationId xmlns:p14="http://schemas.microsoft.com/office/powerpoint/2010/main" val="747198360"/>
+      </p:ext>
+    </p:extLst>
+  </p:cSld>
+  <p:clrMapOvr>
+    <a:masterClrMapping/>
+  </p:clrMapOvr>
+</p:sld>
+</file>
+
+<file path=ppt/slides/slide16.xml><?xml version="1.0" encoding="utf-8"?>
+<p:sld xmlns:a="http://schemas.openxmlformats.org/drawingml/2006/main" xmlns:r="http://schemas.openxmlformats.org/officeDocument/2006/relationships" xmlns:p="http://schemas.openxmlformats.org/presentationml/2006/main">
+  <p:cSld>
+    <p:spTree>
+      <p:nvGrpSpPr>
+        <p:cNvPr id="1" name=""/>
+        <p:cNvGrpSpPr/>
+        <p:nvPr/>
+      </p:nvGrpSpPr>
+      <p:grpSpPr>
+        <a:xfrm>
+          <a:off x="0" y="0"/>
+          <a:ext cx="0" cy="0"/>
+          <a:chOff x="0" y="0"/>
+          <a:chExt cx="0" cy="0"/>
+        </a:xfrm>
+      </p:grpSpPr>
+      <p:sp>
+        <p:nvSpPr>
+          <p:cNvPr id="3" name="CuadroTexto 2">
+            <a:extLst>
+              <a:ext uri="{FF2B5EF4-FFF2-40B4-BE49-F238E27FC236}">
+                <a16:creationId xmlns:a16="http://schemas.microsoft.com/office/drawing/2014/main" id="{DB759584-1444-4840-A165-D8913DDA9104}"/>
+              </a:ext>
+            </a:extLst>
+          </p:cNvPr>
+          <p:cNvSpPr txBox="1"/>
+          <p:nvPr/>
+        </p:nvSpPr>
+        <p:spPr>
+          <a:xfrm>
+            <a:off x="3143250" y="361951"/>
+            <a:ext cx="6549389" cy="461665"/>
+          </a:xfrm>
+          <a:prstGeom prst="rect">
+            <a:avLst/>
+          </a:prstGeom>
+          <a:noFill/>
+        </p:spPr>
+        <p:txBody>
+          <a:bodyPr wrap="square" rtlCol="0">
+            <a:spAutoFit/>
+          </a:bodyPr>
+          <a:lstStyle/>
+          <a:p>
+            <a:r>
+              <a:rPr lang="es-ES" sz="2400" b="1" dirty="0"/>
+              <a:t>Conclusiones y nuevas líneas de exploración</a:t>
+            </a:r>
+          </a:p>
+        </p:txBody>
+      </p:sp>
+      <p:pic>
+        <p:nvPicPr>
+          <p:cNvPr id="5" name="Imagen 4" descr="Texto&#10;&#10;Descripción generada automáticamente con confianza media">
+            <a:extLst>
+              <a:ext uri="{FF2B5EF4-FFF2-40B4-BE49-F238E27FC236}">
+                <a16:creationId xmlns:a16="http://schemas.microsoft.com/office/drawing/2014/main" id="{28D44C4E-3475-4924-ACF2-EC195EF6EA12}"/>
+              </a:ext>
+            </a:extLst>
+          </p:cNvPr>
+          <p:cNvPicPr/>
+          <p:nvPr/>
+        </p:nvPicPr>
+        <p:blipFill>
+          <a:blip r:embed="rId2"/>
+          <a:stretch>
+            <a:fillRect/>
+          </a:stretch>
+        </p:blipFill>
+        <p:spPr>
+          <a:xfrm>
+            <a:off x="44767" y="43815"/>
+            <a:ext cx="1629728" cy="514350"/>
+          </a:xfrm>
+          <a:prstGeom prst="rect">
+            <a:avLst/>
+          </a:prstGeom>
+        </p:spPr>
+      </p:pic>
+      <p:sp>
+        <p:nvSpPr>
+          <p:cNvPr id="6" name="CuadroTexto 5">
+            <a:extLst>
+              <a:ext uri="{FF2B5EF4-FFF2-40B4-BE49-F238E27FC236}">
+                <a16:creationId xmlns:a16="http://schemas.microsoft.com/office/drawing/2014/main" id="{3C653DEA-F9D8-45CE-B9DD-D73E2453CCA8}"/>
+              </a:ext>
+            </a:extLst>
+          </p:cNvPr>
+          <p:cNvSpPr txBox="1"/>
+          <p:nvPr/>
+        </p:nvSpPr>
+        <p:spPr>
+          <a:xfrm>
+            <a:off x="9886949" y="66675"/>
+            <a:ext cx="2263141" cy="338554"/>
+          </a:xfrm>
+          <a:prstGeom prst="rect">
+            <a:avLst/>
+          </a:prstGeom>
+          <a:noFill/>
+        </p:spPr>
+        <p:txBody>
+          <a:bodyPr wrap="square" rtlCol="0">
+            <a:spAutoFit/>
+          </a:bodyPr>
+          <a:lstStyle/>
+          <a:p>
+            <a:r>
+              <a:rPr lang="es-ES" sz="1600" dirty="0">
+                <a:solidFill>
+                  <a:srgbClr val="4F81BD"/>
+                </a:solidFill>
+                <a:effectLst/>
+                <a:latin typeface="Arial" panose="020B0604020202020204" pitchFamily="34" charset="0"/>
+                <a:ea typeface="Arial" panose="020B0604020202020204" pitchFamily="34" charset="0"/>
+              </a:rPr>
+              <a:t>Master Deep Learning</a:t>
+            </a:r>
+            <a:endParaRPr lang="es-ES" sz="1600" dirty="0"/>
           </a:p>
         </p:txBody>
       </p:sp>
@@ -4145,8 +5174,8 @@
         </p:blipFill>
         <p:spPr>
           <a:xfrm>
-            <a:off x="852287" y="809273"/>
-            <a:ext cx="5750644" cy="3512469"/>
+            <a:off x="5400675" y="2523773"/>
+            <a:ext cx="5964756" cy="3657952"/>
           </a:xfrm>
           <a:prstGeom prst="rect">
             <a:avLst/>
@@ -4160,16 +5189,14 @@
       </p:pic>
       <p:pic>
         <p:nvPicPr>
-          <p:cNvPr id="14" name="Imagen 13">
-            <a:extLst>
-              <a:ext uri="{FF2B5EF4-FFF2-40B4-BE49-F238E27FC236}">
-                <a16:creationId xmlns:a16="http://schemas.microsoft.com/office/drawing/2014/main" id="{E4A4C91A-4E7A-4458-B099-C4733E63E0F9}"/>
-              </a:ext>
-            </a:extLst>
-          </p:cNvPr>
-          <p:cNvPicPr>
-            <a:picLocks noChangeAspect="1"/>
-          </p:cNvPicPr>
+          <p:cNvPr id="5" name="Imagen 4" descr="Interfaz de usuario gráfica&#10;&#10;Descripción generada automáticamente">
+            <a:extLst>
+              <a:ext uri="{FF2B5EF4-FFF2-40B4-BE49-F238E27FC236}">
+                <a16:creationId xmlns:a16="http://schemas.microsoft.com/office/drawing/2014/main" id="{F6377264-0DF3-4A6E-861C-16C7E0E64FDA}"/>
+              </a:ext>
+            </a:extLst>
+          </p:cNvPr>
+          <p:cNvPicPr/>
           <p:nvPr/>
         </p:nvPicPr>
         <p:blipFill>
@@ -4180,14 +5207,270 @@
         </p:blipFill>
         <p:spPr>
           <a:xfrm>
-            <a:off x="5900487" y="5035767"/>
-            <a:ext cx="4914900" cy="790575"/>
+            <a:off x="1293294" y="2552699"/>
+            <a:ext cx="2811981" cy="3533775"/>
           </a:xfrm>
           <a:prstGeom prst="rect">
             <a:avLst/>
           </a:prstGeom>
         </p:spPr>
       </p:pic>
+      <p:sp>
+        <p:nvSpPr>
+          <p:cNvPr id="2" name="CuadroTexto 1">
+            <a:extLst>
+              <a:ext uri="{FF2B5EF4-FFF2-40B4-BE49-F238E27FC236}">
+                <a16:creationId xmlns:a16="http://schemas.microsoft.com/office/drawing/2014/main" id="{44D1EEE5-5B6F-4132-BD4D-D05119854812}"/>
+              </a:ext>
+            </a:extLst>
+          </p:cNvPr>
+          <p:cNvSpPr txBox="1"/>
+          <p:nvPr/>
+        </p:nvSpPr>
+        <p:spPr>
+          <a:xfrm>
+            <a:off x="2914651" y="476251"/>
+            <a:ext cx="5845570" cy="461665"/>
+          </a:xfrm>
+          <a:prstGeom prst="rect">
+            <a:avLst/>
+          </a:prstGeom>
+          <a:noFill/>
+        </p:spPr>
+        <p:txBody>
+          <a:bodyPr wrap="square" rtlCol="0">
+            <a:spAutoFit/>
+          </a:bodyPr>
+          <a:lstStyle/>
+          <a:p>
+            <a:r>
+              <a:rPr lang="es-ES" sz="2400" b="1" dirty="0"/>
+              <a:t>Kubernetes: Orquestador de Contenedores</a:t>
+            </a:r>
+          </a:p>
+        </p:txBody>
+      </p:sp>
+      <p:pic>
+        <p:nvPicPr>
+          <p:cNvPr id="6" name="Imagen 5" descr="Texto&#10;&#10;Descripción generada automáticamente con confianza media">
+            <a:extLst>
+              <a:ext uri="{FF2B5EF4-FFF2-40B4-BE49-F238E27FC236}">
+                <a16:creationId xmlns:a16="http://schemas.microsoft.com/office/drawing/2014/main" id="{CAC129A2-CE3A-4A08-966E-410B488B52BA}"/>
+              </a:ext>
+            </a:extLst>
+          </p:cNvPr>
+          <p:cNvPicPr/>
+          <p:nvPr/>
+        </p:nvPicPr>
+        <p:blipFill>
+          <a:blip r:embed="rId4"/>
+          <a:stretch>
+            <a:fillRect/>
+          </a:stretch>
+        </p:blipFill>
+        <p:spPr>
+          <a:xfrm>
+            <a:off x="67627" y="66675"/>
+            <a:ext cx="1629728" cy="514350"/>
+          </a:xfrm>
+          <a:prstGeom prst="rect">
+            <a:avLst/>
+          </a:prstGeom>
+        </p:spPr>
+      </p:pic>
+      <p:sp>
+        <p:nvSpPr>
+          <p:cNvPr id="7" name="CuadroTexto 6">
+            <a:extLst>
+              <a:ext uri="{FF2B5EF4-FFF2-40B4-BE49-F238E27FC236}">
+                <a16:creationId xmlns:a16="http://schemas.microsoft.com/office/drawing/2014/main" id="{93F82F90-CE21-4797-9FB6-DD1F22269E42}"/>
+              </a:ext>
+            </a:extLst>
+          </p:cNvPr>
+          <p:cNvSpPr txBox="1"/>
+          <p:nvPr/>
+        </p:nvSpPr>
+        <p:spPr>
+          <a:xfrm>
+            <a:off x="9886949" y="66675"/>
+            <a:ext cx="2263141" cy="338554"/>
+          </a:xfrm>
+          <a:prstGeom prst="rect">
+            <a:avLst/>
+          </a:prstGeom>
+          <a:noFill/>
+        </p:spPr>
+        <p:txBody>
+          <a:bodyPr wrap="square" rtlCol="0">
+            <a:spAutoFit/>
+          </a:bodyPr>
+          <a:lstStyle/>
+          <a:p>
+            <a:r>
+              <a:rPr lang="es-ES" sz="1600" dirty="0">
+                <a:solidFill>
+                  <a:srgbClr val="4F81BD"/>
+                </a:solidFill>
+                <a:effectLst/>
+                <a:latin typeface="Arial" panose="020B0604020202020204" pitchFamily="34" charset="0"/>
+                <a:ea typeface="Arial" panose="020B0604020202020204" pitchFamily="34" charset="0"/>
+              </a:rPr>
+              <a:t>Master Deep Learning</a:t>
+            </a:r>
+            <a:endParaRPr lang="es-ES" sz="1600" dirty="0"/>
+          </a:p>
+        </p:txBody>
+      </p:sp>
+      <p:sp>
+        <p:nvSpPr>
+          <p:cNvPr id="3" name="CuadroTexto 2">
+            <a:extLst>
+              <a:ext uri="{FF2B5EF4-FFF2-40B4-BE49-F238E27FC236}">
+                <a16:creationId xmlns:a16="http://schemas.microsoft.com/office/drawing/2014/main" id="{F851A8B6-9234-4E8C-A110-AB73681D62FA}"/>
+              </a:ext>
+            </a:extLst>
+          </p:cNvPr>
+          <p:cNvSpPr txBox="1"/>
+          <p:nvPr/>
+        </p:nvSpPr>
+        <p:spPr>
+          <a:xfrm>
+            <a:off x="1209676" y="1752600"/>
+            <a:ext cx="3248024" cy="646331"/>
+          </a:xfrm>
+          <a:prstGeom prst="rect">
+            <a:avLst/>
+          </a:prstGeom>
+          <a:noFill/>
+        </p:spPr>
+        <p:txBody>
+          <a:bodyPr wrap="square" rtlCol="0">
+            <a:spAutoFit/>
+          </a:bodyPr>
+          <a:lstStyle/>
+          <a:p>
+            <a:r>
+              <a:rPr lang="es-ES" dirty="0"/>
+              <a:t>Despliegue de aplicaciones en contenedores</a:t>
+            </a:r>
+          </a:p>
+        </p:txBody>
+      </p:sp>
+      <p:sp>
+        <p:nvSpPr>
+          <p:cNvPr id="10" name="CuadroTexto 9">
+            <a:extLst>
+              <a:ext uri="{FF2B5EF4-FFF2-40B4-BE49-F238E27FC236}">
+                <a16:creationId xmlns:a16="http://schemas.microsoft.com/office/drawing/2014/main" id="{FA3EFB0D-96DF-451E-B476-C97B2C9AC1BD}"/>
+              </a:ext>
+            </a:extLst>
+          </p:cNvPr>
+          <p:cNvSpPr txBox="1"/>
+          <p:nvPr/>
+        </p:nvSpPr>
+        <p:spPr>
+          <a:xfrm>
+            <a:off x="5591175" y="1790700"/>
+            <a:ext cx="5495923" cy="369332"/>
+          </a:xfrm>
+          <a:prstGeom prst="rect">
+            <a:avLst/>
+          </a:prstGeom>
+          <a:noFill/>
+        </p:spPr>
+        <p:txBody>
+          <a:bodyPr wrap="square" rtlCol="0">
+            <a:spAutoFit/>
+          </a:bodyPr>
+          <a:lstStyle/>
+          <a:p>
+            <a:r>
+              <a:rPr lang="es-ES" dirty="0"/>
+              <a:t>Elementos de un despliegue en Kubernetes</a:t>
+            </a:r>
+          </a:p>
+        </p:txBody>
+      </p:sp>
+      <p:sp>
+        <p:nvSpPr>
+          <p:cNvPr id="12" name="CuadroTexto 11">
+            <a:extLst>
+              <a:ext uri="{FF2B5EF4-FFF2-40B4-BE49-F238E27FC236}">
+                <a16:creationId xmlns:a16="http://schemas.microsoft.com/office/drawing/2014/main" id="{EBC49CBC-AD1C-4550-A193-E67A13800129}"/>
+              </a:ext>
+            </a:extLst>
+          </p:cNvPr>
+          <p:cNvSpPr txBox="1"/>
+          <p:nvPr/>
+        </p:nvSpPr>
+        <p:spPr>
+          <a:xfrm>
+            <a:off x="314325" y="6525310"/>
+            <a:ext cx="4010025" cy="246221"/>
+          </a:xfrm>
+          <a:prstGeom prst="rect">
+            <a:avLst/>
+          </a:prstGeom>
+          <a:noFill/>
+        </p:spPr>
+        <p:txBody>
+          <a:bodyPr wrap="square">
+            <a:spAutoFit/>
+          </a:bodyPr>
+          <a:lstStyle/>
+          <a:p>
+            <a:r>
+              <a:rPr lang="es-ES" sz="1000" dirty="0">
+                <a:effectLst/>
+                <a:latin typeface="Arial" panose="020B0604020202020204" pitchFamily="34" charset="0"/>
+                <a:ea typeface="Arial" panose="020B0604020202020204" pitchFamily="34" charset="0"/>
+              </a:rPr>
+              <a:t>https://kubernetes.io/es/docs/concepts/overview/what-is-kubernetes/</a:t>
+            </a:r>
+            <a:endParaRPr lang="es-ES" sz="1000" dirty="0"/>
+          </a:p>
+        </p:txBody>
+      </p:sp>
+      <p:sp>
+        <p:nvSpPr>
+          <p:cNvPr id="15" name="CuadroTexto 14">
+            <a:extLst>
+              <a:ext uri="{FF2B5EF4-FFF2-40B4-BE49-F238E27FC236}">
+                <a16:creationId xmlns:a16="http://schemas.microsoft.com/office/drawing/2014/main" id="{EAF7BC90-DB8B-4DA7-8CA4-803F50AD4576}"/>
+              </a:ext>
+            </a:extLst>
+          </p:cNvPr>
+          <p:cNvSpPr txBox="1"/>
+          <p:nvPr/>
+        </p:nvSpPr>
+        <p:spPr>
+          <a:xfrm>
+            <a:off x="7296150" y="6496735"/>
+            <a:ext cx="4724400" cy="246221"/>
+          </a:xfrm>
+          <a:prstGeom prst="rect">
+            <a:avLst/>
+          </a:prstGeom>
+          <a:noFill/>
+        </p:spPr>
+        <p:txBody>
+          <a:bodyPr wrap="square">
+            <a:spAutoFit/>
+          </a:bodyPr>
+          <a:lstStyle/>
+          <a:p>
+            <a:r>
+              <a:rPr lang="es-ES" sz="1000" dirty="0">
+                <a:effectLst/>
+                <a:latin typeface="Arial" panose="020B0604020202020204" pitchFamily="34" charset="0"/>
+                <a:ea typeface="Arial" panose="020B0604020202020204" pitchFamily="34" charset="0"/>
+              </a:rPr>
+              <a:t>https://tsuyoshiushio.medium.com/kubernetes-in-three-diagrams-6aba8432541c</a:t>
+            </a:r>
+            <a:endParaRPr lang="es-ES" sz="1000" dirty="0"/>
+          </a:p>
+        </p:txBody>
+      </p:sp>
     </p:spTree>
     <p:extLst>
       <p:ext uri="{BB962C8B-B14F-4D97-AF65-F5344CB8AC3E}">
@@ -4240,8 +5523,8 @@
         </p:blipFill>
         <p:spPr>
           <a:xfrm>
-            <a:off x="730315" y="684144"/>
-            <a:ext cx="6505575" cy="3139115"/>
+            <a:off x="730315" y="1209924"/>
+            <a:ext cx="7701966" cy="3716406"/>
           </a:xfrm>
           <a:prstGeom prst="rect">
             <a:avLst/>
@@ -4262,8 +5545,8 @@
         </p:nvSpPr>
         <p:spPr>
           <a:xfrm>
-            <a:off x="317783" y="6317529"/>
-            <a:ext cx="6097904" cy="400110"/>
+            <a:off x="136808" y="6563334"/>
+            <a:ext cx="7006942" cy="246221"/>
           </a:xfrm>
           <a:prstGeom prst="rect">
             <a:avLst/>
@@ -4283,36 +5566,6 @@
           </a:p>
         </p:txBody>
       </p:sp>
-      <p:pic>
-        <p:nvPicPr>
-          <p:cNvPr id="9" name="Imagen 8">
-            <a:extLst>
-              <a:ext uri="{FF2B5EF4-FFF2-40B4-BE49-F238E27FC236}">
-                <a16:creationId xmlns:a16="http://schemas.microsoft.com/office/drawing/2014/main" id="{4CBBD871-F824-4F53-90EA-6FAFE4BF0D92}"/>
-              </a:ext>
-            </a:extLst>
-          </p:cNvPr>
-          <p:cNvPicPr>
-            <a:picLocks noChangeAspect="1"/>
-          </p:cNvPicPr>
-          <p:nvPr/>
-        </p:nvPicPr>
-        <p:blipFill>
-          <a:blip r:embed="rId3"/>
-          <a:stretch>
-            <a:fillRect/>
-          </a:stretch>
-        </p:blipFill>
-        <p:spPr>
-          <a:xfrm>
-            <a:off x="730314" y="3994654"/>
-            <a:ext cx="6505575" cy="838200"/>
-          </a:xfrm>
-          <a:prstGeom prst="rect">
-            <a:avLst/>
-          </a:prstGeom>
-        </p:spPr>
-      </p:pic>
       <p:sp>
         <p:nvSpPr>
           <p:cNvPr id="11" name="CuadroTexto 10">
@@ -4327,13 +5580,18 @@
         </p:nvSpPr>
         <p:spPr>
           <a:xfrm>
-            <a:off x="8053939" y="880440"/>
-            <a:ext cx="3323122" cy="2746521"/>
+            <a:off x="8614009" y="1909140"/>
+            <a:ext cx="3323122" cy="2519921"/>
           </a:xfrm>
           <a:prstGeom prst="rect">
             <a:avLst/>
           </a:prstGeom>
           <a:noFill/>
+          <a:ln>
+            <a:solidFill>
+              <a:schemeClr val="tx1"/>
+            </a:solidFill>
+          </a:ln>
         </p:spPr>
         <p:txBody>
           <a:bodyPr wrap="square">
@@ -4350,7 +5608,7 @@
               </a:spcAft>
             </a:pPr>
             <a:r>
-              <a:rPr lang="es-ES" sz="1800" dirty="0">
+              <a:rPr lang="es-ES" sz="1600" dirty="0">
                 <a:effectLst/>
                 <a:latin typeface="Calibri" panose="020F0502020204030204" pitchFamily="34" charset="0"/>
                 <a:ea typeface="Calibri" panose="020F0502020204030204" pitchFamily="34" charset="0"/>
@@ -4369,7 +5627,7 @@
               </a:spcAft>
             </a:pPr>
             <a:r>
-              <a:rPr lang="es-ES" sz="1800" dirty="0">
+              <a:rPr lang="es-ES" sz="1600" dirty="0">
                 <a:effectLst/>
                 <a:latin typeface="Calibri" panose="020F0502020204030204" pitchFamily="34" charset="0"/>
                 <a:ea typeface="Calibri" panose="020F0502020204030204" pitchFamily="34" charset="0"/>
@@ -4388,7 +5646,7 @@
               </a:spcAft>
             </a:pPr>
             <a:r>
-              <a:rPr lang="es-ES" sz="1800" dirty="0">
+              <a:rPr lang="es-ES" sz="1600" dirty="0">
                 <a:effectLst/>
                 <a:latin typeface="Calibri" panose="020F0502020204030204" pitchFamily="34" charset="0"/>
                 <a:ea typeface="Calibri" panose="020F0502020204030204" pitchFamily="34" charset="0"/>
@@ -4397,7 +5655,7 @@
               <a:t>  </a:t>
             </a:r>
             <a:r>
-              <a:rPr lang="es-ES" sz="1800" dirty="0" err="1">
+              <a:rPr lang="es-ES" sz="1600" dirty="0" err="1">
                 <a:effectLst/>
                 <a:latin typeface="Calibri" panose="020F0502020204030204" pitchFamily="34" charset="0"/>
                 <a:ea typeface="Calibri" panose="020F0502020204030204" pitchFamily="34" charset="0"/>
@@ -4406,7 +5664,7 @@
               <a:t>for</a:t>
             </a:r>
             <a:r>
-              <a:rPr lang="es-ES" sz="1800" dirty="0">
+              <a:rPr lang="es-ES" sz="1600" dirty="0">
                 <a:effectLst/>
                 <a:latin typeface="Calibri" panose="020F0502020204030204" pitchFamily="34" charset="0"/>
                 <a:ea typeface="Calibri" panose="020F0502020204030204" pitchFamily="34" charset="0"/>
@@ -4425,7 +5683,7 @@
               </a:spcAft>
             </a:pPr>
             <a:r>
-              <a:rPr lang="es-ES" sz="1800" dirty="0">
+              <a:rPr lang="es-ES" sz="1600" dirty="0">
                 <a:effectLst/>
                 <a:latin typeface="Calibri" panose="020F0502020204030204" pitchFamily="34" charset="0"/>
                 <a:ea typeface="Calibri" panose="020F0502020204030204" pitchFamily="34" charset="0"/>
@@ -4434,7 +5692,7 @@
               <a:t>    $x += </a:t>
             </a:r>
             <a:r>
-              <a:rPr lang="es-ES" sz="1800" dirty="0" err="1">
+              <a:rPr lang="es-ES" sz="1600" dirty="0" err="1">
                 <a:effectLst/>
                 <a:latin typeface="Calibri" panose="020F0502020204030204" pitchFamily="34" charset="0"/>
                 <a:ea typeface="Calibri" panose="020F0502020204030204" pitchFamily="34" charset="0"/>
@@ -4443,7 +5701,7 @@
               <a:t>sqrt</a:t>
             </a:r>
             <a:r>
-              <a:rPr lang="es-ES" sz="1800" dirty="0">
+              <a:rPr lang="es-ES" sz="1600" dirty="0">
                 <a:effectLst/>
                 <a:latin typeface="Calibri" panose="020F0502020204030204" pitchFamily="34" charset="0"/>
                 <a:ea typeface="Calibri" panose="020F0502020204030204" pitchFamily="34" charset="0"/>
@@ -4462,7 +5720,7 @@
               </a:spcAft>
             </a:pPr>
             <a:r>
-              <a:rPr lang="es-ES" sz="1800" dirty="0">
+              <a:rPr lang="es-ES" sz="1600" dirty="0">
                 <a:effectLst/>
                 <a:latin typeface="Calibri" panose="020F0502020204030204" pitchFamily="34" charset="0"/>
                 <a:ea typeface="Calibri" panose="020F0502020204030204" pitchFamily="34" charset="0"/>
@@ -4481,7 +5739,7 @@
               </a:spcAft>
             </a:pPr>
             <a:r>
-              <a:rPr lang="es-ES" sz="1800" dirty="0">
+              <a:rPr lang="es-ES" sz="1600" dirty="0">
                 <a:effectLst/>
                 <a:latin typeface="Calibri" panose="020F0502020204030204" pitchFamily="34" charset="0"/>
                 <a:ea typeface="Calibri" panose="020F0502020204030204" pitchFamily="34" charset="0"/>
@@ -4492,7 +5750,7 @@
           </a:p>
           <a:p>
             <a:r>
-              <a:rPr lang="es-ES" sz="1800" dirty="0">
+              <a:rPr lang="es-ES" sz="1600" dirty="0">
                 <a:effectLst/>
                 <a:latin typeface="Calibri" panose="020F0502020204030204" pitchFamily="34" charset="0"/>
                 <a:ea typeface="Calibri" panose="020F0502020204030204" pitchFamily="34" charset="0"/>
@@ -4500,7 +5758,7 @@
               </a:rPr>
               <a:t>?&gt;</a:t>
             </a:r>
-            <a:endParaRPr lang="es-ES" dirty="0"/>
+            <a:endParaRPr lang="es-ES" sz="1600" dirty="0"/>
           </a:p>
         </p:txBody>
       </p:sp>
@@ -4516,6 +5774,69 @@
           <p:cNvPicPr>
             <a:picLocks noChangeAspect="1"/>
           </p:cNvPicPr>
+          <p:nvPr/>
+        </p:nvPicPr>
+        <p:blipFill>
+          <a:blip r:embed="rId3"/>
+          <a:stretch>
+            <a:fillRect/>
+          </a:stretch>
+        </p:blipFill>
+        <p:spPr>
+          <a:xfrm>
+            <a:off x="770106" y="5157444"/>
+            <a:ext cx="11071374" cy="1174776"/>
+          </a:xfrm>
+          <a:prstGeom prst="rect">
+            <a:avLst/>
+          </a:prstGeom>
+        </p:spPr>
+      </p:pic>
+      <p:sp>
+        <p:nvSpPr>
+          <p:cNvPr id="8" name="CuadroTexto 7">
+            <a:extLst>
+              <a:ext uri="{FF2B5EF4-FFF2-40B4-BE49-F238E27FC236}">
+                <a16:creationId xmlns:a16="http://schemas.microsoft.com/office/drawing/2014/main" id="{AC6151E3-BDCA-4133-9AD6-622987A4CCC9}"/>
+              </a:ext>
+            </a:extLst>
+          </p:cNvPr>
+          <p:cNvSpPr txBox="1"/>
+          <p:nvPr/>
+        </p:nvSpPr>
+        <p:spPr>
+          <a:xfrm>
+            <a:off x="3371850" y="521971"/>
+            <a:ext cx="5474969" cy="461665"/>
+          </a:xfrm>
+          <a:prstGeom prst="rect">
+            <a:avLst/>
+          </a:prstGeom>
+          <a:noFill/>
+        </p:spPr>
+        <p:txBody>
+          <a:bodyPr wrap="square" rtlCol="0">
+            <a:spAutoFit/>
+          </a:bodyPr>
+          <a:lstStyle/>
+          <a:p>
+            <a:r>
+              <a:rPr lang="es-ES" sz="2400" b="1" dirty="0"/>
+              <a:t>Kubernetes:  Horizontal Pod Autoscaler</a:t>
+            </a:r>
+          </a:p>
+        </p:txBody>
+      </p:sp>
+      <p:pic>
+        <p:nvPicPr>
+          <p:cNvPr id="10" name="Imagen 9" descr="Texto&#10;&#10;Descripción generada automáticamente con confianza media">
+            <a:extLst>
+              <a:ext uri="{FF2B5EF4-FFF2-40B4-BE49-F238E27FC236}">
+                <a16:creationId xmlns:a16="http://schemas.microsoft.com/office/drawing/2014/main" id="{5102E52B-6609-4A43-84C9-0147D690FFD2}"/>
+              </a:ext>
+            </a:extLst>
+          </p:cNvPr>
+          <p:cNvPicPr/>
           <p:nvPr/>
         </p:nvPicPr>
         <p:blipFill>
@@ -4526,14 +5847,57 @@
         </p:blipFill>
         <p:spPr>
           <a:xfrm>
-            <a:off x="3258852" y="5004248"/>
-            <a:ext cx="7899391" cy="838199"/>
+            <a:off x="67627" y="66675"/>
+            <a:ext cx="1629728" cy="514350"/>
           </a:xfrm>
           <a:prstGeom prst="rect">
             <a:avLst/>
           </a:prstGeom>
         </p:spPr>
       </p:pic>
+      <p:sp>
+        <p:nvSpPr>
+          <p:cNvPr id="12" name="CuadroTexto 11">
+            <a:extLst>
+              <a:ext uri="{FF2B5EF4-FFF2-40B4-BE49-F238E27FC236}">
+                <a16:creationId xmlns:a16="http://schemas.microsoft.com/office/drawing/2014/main" id="{ED1D1858-3291-4283-982A-25DA760D28D5}"/>
+              </a:ext>
+            </a:extLst>
+          </p:cNvPr>
+          <p:cNvSpPr txBox="1"/>
+          <p:nvPr/>
+        </p:nvSpPr>
+        <p:spPr>
+          <a:xfrm>
+            <a:off x="9886949" y="20955"/>
+            <a:ext cx="2263141" cy="338554"/>
+          </a:xfrm>
+          <a:prstGeom prst="rect">
+            <a:avLst/>
+          </a:prstGeom>
+          <a:noFill/>
+        </p:spPr>
+        <p:txBody>
+          <a:bodyPr wrap="square" rtlCol="0">
+            <a:spAutoFit/>
+          </a:bodyPr>
+          <a:lstStyle/>
+          <a:p>
+            <a:r>
+              <a:rPr lang="es-ES" sz="1600" dirty="0">
+                <a:solidFill>
+                  <a:srgbClr val="4F81BD"/>
+                </a:solidFill>
+                <a:effectLst/>
+                <a:latin typeface="Arial" panose="020B0604020202020204" pitchFamily="34" charset="0"/>
+                <a:ea typeface="Arial" panose="020B0604020202020204" pitchFamily="34" charset="0"/>
+              </a:rPr>
+              <a:t>Master Deep Learning</a:t>
+            </a:r>
+            <a:endParaRPr lang="es-ES" sz="1600" dirty="0"/>
+          </a:p>
+        </p:txBody>
+      </p:sp>
     </p:spTree>
     <p:extLst>
       <p:ext uri="{BB962C8B-B14F-4D97-AF65-F5344CB8AC3E}">
@@ -4585,7 +5949,7 @@
         </p:blipFill>
         <p:spPr>
           <a:xfrm>
-            <a:off x="2893218" y="401262"/>
+            <a:off x="3361848" y="1052772"/>
             <a:ext cx="5734050" cy="2095500"/>
           </a:xfrm>
           <a:prstGeom prst="rect">
@@ -4596,16 +5960,14 @@
       </p:pic>
       <p:pic>
         <p:nvPicPr>
-          <p:cNvPr id="5" name="Imagen 4">
-            <a:extLst>
-              <a:ext uri="{FF2B5EF4-FFF2-40B4-BE49-F238E27FC236}">
-                <a16:creationId xmlns:a16="http://schemas.microsoft.com/office/drawing/2014/main" id="{26F85787-9F7A-4513-81FF-D75AAD3C019A}"/>
-              </a:ext>
-            </a:extLst>
-          </p:cNvPr>
-          <p:cNvPicPr>
-            <a:picLocks noChangeAspect="1"/>
-          </p:cNvPicPr>
+          <p:cNvPr id="14" name="Imagen 13">
+            <a:extLst>
+              <a:ext uri="{FF2B5EF4-FFF2-40B4-BE49-F238E27FC236}">
+                <a16:creationId xmlns:a16="http://schemas.microsoft.com/office/drawing/2014/main" id="{E47FAAC5-F8B2-4B52-A667-79CBFE1A2729}"/>
+              </a:ext>
+            </a:extLst>
+          </p:cNvPr>
+          <p:cNvPicPr/>
           <p:nvPr/>
         </p:nvPicPr>
         <p:blipFill>
@@ -4616,8 +5978,8 @@
         </p:blipFill>
         <p:spPr>
           <a:xfrm>
-            <a:off x="2329313" y="3207971"/>
-            <a:ext cx="4040204" cy="2020102"/>
+            <a:off x="1908810" y="3451861"/>
+            <a:ext cx="8703142" cy="2824480"/>
           </a:xfrm>
           <a:prstGeom prst="rect">
             <a:avLst/>
@@ -4626,10 +5988,10 @@
       </p:pic>
       <p:sp>
         <p:nvSpPr>
-          <p:cNvPr id="6" name="Rectángulo 5">
-            <a:extLst>
-              <a:ext uri="{FF2B5EF4-FFF2-40B4-BE49-F238E27FC236}">
-                <a16:creationId xmlns:a16="http://schemas.microsoft.com/office/drawing/2014/main" id="{CD398F36-CDA7-4642-97FD-0FB3DC7DEAF8}"/>
+          <p:cNvPr id="15" name="Rectángulo 14">
+            <a:extLst>
+              <a:ext uri="{FF2B5EF4-FFF2-40B4-BE49-F238E27FC236}">
+                <a16:creationId xmlns:a16="http://schemas.microsoft.com/office/drawing/2014/main" id="{8FD2C660-E407-4553-8D66-BB51833172A2}"/>
               </a:ext>
             </a:extLst>
           </p:cNvPr>
@@ -4638,8 +6000,8 @@
         </p:nvSpPr>
         <p:spPr>
           <a:xfrm>
-            <a:off x="7455367" y="3207970"/>
-            <a:ext cx="2882165" cy="1720065"/>
+            <a:off x="2194561" y="4240530"/>
+            <a:ext cx="1265872" cy="1451609"/>
           </a:xfrm>
           <a:prstGeom prst="rect">
             <a:avLst/>
@@ -4647,17 +6009,20 @@
           <a:solidFill>
             <a:schemeClr val="bg1"/>
           </a:solidFill>
+          <a:ln>
+            <a:solidFill>
+              <a:schemeClr val="tx1"/>
+            </a:solidFill>
+          </a:ln>
         </p:spPr>
         <p:style>
-          <a:lnRef idx="2">
-            <a:schemeClr val="accent1">
-              <a:shade val="50000"/>
-            </a:schemeClr>
+          <a:lnRef idx="1">
+            <a:schemeClr val="accent1"/>
           </a:lnRef>
-          <a:fillRef idx="1">
+          <a:fillRef idx="3">
             <a:schemeClr val="accent1"/>
           </a:fillRef>
-          <a:effectRef idx="0">
+          <a:effectRef idx="2">
             <a:schemeClr val="accent1"/>
           </a:effectRef>
           <a:fontRef idx="minor">
@@ -4665,20 +6030,24 @@
           </a:fontRef>
         </p:style>
         <p:txBody>
-          <a:bodyPr rtlCol="0" anchor="ctr"/>
-          <a:lstStyle/>
-          <a:p>
-            <a:pPr algn="ctr"/>
-            <a:endParaRPr lang="es-ES" dirty="0"/>
-          </a:p>
-        </p:txBody>
-      </p:sp>
-      <p:sp>
-        <p:nvSpPr>
-          <p:cNvPr id="7" name="CuadroTexto 6">
-            <a:extLst>
-              <a:ext uri="{FF2B5EF4-FFF2-40B4-BE49-F238E27FC236}">
-                <a16:creationId xmlns:a16="http://schemas.microsoft.com/office/drawing/2014/main" id="{E2A92FD3-AA1D-4666-89BF-E9652CECACED}"/>
+          <a:bodyPr rot="0" spcFirstLastPara="0" vert="horz" wrap="square" lIns="91440" tIns="45720" rIns="91440" bIns="45720" numCol="1" spcCol="0" rtlCol="0" fromWordArt="0" anchor="ctr" anchorCtr="0" forceAA="0" compatLnSpc="1">
+            <a:prstTxWarp prst="textNoShape">
+              <a:avLst/>
+            </a:prstTxWarp>
+            <a:noAutofit/>
+          </a:bodyPr>
+          <a:lstStyle/>
+          <a:p>
+            <a:endParaRPr lang="es-ES"/>
+          </a:p>
+        </p:txBody>
+      </p:sp>
+      <p:sp>
+        <p:nvSpPr>
+          <p:cNvPr id="16" name="Cuadro de texto 14">
+            <a:extLst>
+              <a:ext uri="{FF2B5EF4-FFF2-40B4-BE49-F238E27FC236}">
+                <a16:creationId xmlns:a16="http://schemas.microsoft.com/office/drawing/2014/main" id="{EB5B2134-44C2-4191-934B-B4EEA46F835D}"/>
               </a:ext>
             </a:extLst>
           </p:cNvPr>
@@ -4687,8 +6056,68 @@
         </p:nvSpPr>
         <p:spPr>
           <a:xfrm>
-            <a:off x="9143800" y="2600126"/>
-            <a:ext cx="1964449" cy="646331"/>
+            <a:off x="2251710" y="4480560"/>
+            <a:ext cx="1098708" cy="822960"/>
+          </a:xfrm>
+          <a:prstGeom prst="rect">
+            <a:avLst/>
+          </a:prstGeom>
+          <a:solidFill>
+            <a:schemeClr val="lt1"/>
+          </a:solidFill>
+          <a:ln w="6350">
+            <a:noFill/>
+          </a:ln>
+        </p:spPr>
+        <p:txBody>
+          <a:bodyPr rot="0" spcFirstLastPara="0" vert="horz" wrap="square" lIns="91440" tIns="45720" rIns="91440" bIns="45720" numCol="1" spcCol="0" rtlCol="0" fromWordArt="0" anchor="t" anchorCtr="0" forceAA="0" compatLnSpc="1">
+            <a:prstTxWarp prst="textNoShape">
+              <a:avLst/>
+            </a:prstTxWarp>
+            <a:noAutofit/>
+          </a:bodyPr>
+          <a:lstStyle/>
+          <a:p>
+            <a:pPr>
+              <a:lnSpc>
+                <a:spcPct val="115000"/>
+              </a:lnSpc>
+            </a:pPr>
+            <a:r>
+              <a:rPr lang="es-ES" sz="900" dirty="0">
+                <a:solidFill>
+                  <a:srgbClr val="808080"/>
+                </a:solidFill>
+                <a:effectLst/>
+                <a:latin typeface="Arial" panose="020B0604020202020204" pitchFamily="34" charset="0"/>
+                <a:ea typeface="Arial" panose="020B0604020202020204" pitchFamily="34" charset="0"/>
+              </a:rPr>
+              <a:t>Reinforcemement Learning Algorithm</a:t>
+            </a:r>
+            <a:endParaRPr lang="es-ES" sz="1100" dirty="0">
+              <a:effectLst/>
+              <a:latin typeface="Arial" panose="020B0604020202020204" pitchFamily="34" charset="0"/>
+              <a:ea typeface="Arial" panose="020B0604020202020204" pitchFamily="34" charset="0"/>
+            </a:endParaRPr>
+          </a:p>
+        </p:txBody>
+      </p:sp>
+      <p:sp>
+        <p:nvSpPr>
+          <p:cNvPr id="17" name="CuadroTexto 16">
+            <a:extLst>
+              <a:ext uri="{FF2B5EF4-FFF2-40B4-BE49-F238E27FC236}">
+                <a16:creationId xmlns:a16="http://schemas.microsoft.com/office/drawing/2014/main" id="{B9AA27B7-DCF5-4DAA-8468-B59407B2BA5B}"/>
+              </a:ext>
+            </a:extLst>
+          </p:cNvPr>
+          <p:cNvSpPr txBox="1"/>
+          <p:nvPr/>
+        </p:nvSpPr>
+        <p:spPr>
+          <a:xfrm>
+            <a:off x="111442" y="6567785"/>
+            <a:ext cx="8163877" cy="246221"/>
           </a:xfrm>
           <a:prstGeom prst="rect">
             <a:avLst/>
@@ -4696,105 +6125,61 @@
           <a:noFill/>
         </p:spPr>
         <p:txBody>
-          <a:bodyPr wrap="none" rtlCol="0">
+          <a:bodyPr wrap="square">
             <a:spAutoFit/>
           </a:bodyPr>
           <a:lstStyle/>
           <a:p>
             <a:r>
-              <a:rPr lang="es-ES" dirty="0"/>
-              <a:t>Kubernetes Cluster</a:t>
-            </a:r>
-          </a:p>
-          <a:p>
-            <a:endParaRPr lang="es-ES" dirty="0"/>
-          </a:p>
-        </p:txBody>
-      </p:sp>
-      <p:cxnSp>
-        <p:nvCxnSpPr>
-          <p:cNvPr id="8" name="Conector: curvado 7">
-            <a:extLst>
-              <a:ext uri="{FF2B5EF4-FFF2-40B4-BE49-F238E27FC236}">
-                <a16:creationId xmlns:a16="http://schemas.microsoft.com/office/drawing/2014/main" id="{6B02CE74-C5C0-4720-B0B4-8BBC2E5AD064}"/>
-              </a:ext>
-            </a:extLst>
-          </p:cNvPr>
-          <p:cNvCxnSpPr/>
-          <p:nvPr/>
-        </p:nvCxnSpPr>
-        <p:spPr>
-          <a:xfrm flipV="1">
-            <a:off x="5988517" y="3486454"/>
-            <a:ext cx="1400175" cy="523875"/>
-          </a:xfrm>
-          <a:prstGeom prst="curvedConnector3">
-            <a:avLst/>
-          </a:prstGeom>
-          <a:ln>
-            <a:tailEnd type="triangle"/>
-          </a:ln>
-        </p:spPr>
-        <p:style>
-          <a:lnRef idx="1">
-            <a:schemeClr val="accent1"/>
-          </a:lnRef>
-          <a:fillRef idx="0">
-            <a:schemeClr val="accent1"/>
-          </a:fillRef>
-          <a:effectRef idx="0">
-            <a:schemeClr val="accent1"/>
-          </a:effectRef>
-          <a:fontRef idx="minor">
-            <a:schemeClr val="tx1"/>
-          </a:fontRef>
-        </p:style>
-      </p:cxnSp>
-      <p:cxnSp>
-        <p:nvCxnSpPr>
-          <p:cNvPr id="9" name="Conector: curvado 8">
-            <a:extLst>
-              <a:ext uri="{FF2B5EF4-FFF2-40B4-BE49-F238E27FC236}">
-                <a16:creationId xmlns:a16="http://schemas.microsoft.com/office/drawing/2014/main" id="{E28FE66E-68C5-48B2-B6D4-DFFB9401AA22}"/>
-              </a:ext>
-            </a:extLst>
-          </p:cNvPr>
-          <p:cNvCxnSpPr/>
-          <p:nvPr/>
-        </p:nvCxnSpPr>
-        <p:spPr>
-          <a:xfrm rot="10800000">
-            <a:off x="6159968" y="4540319"/>
-            <a:ext cx="1228725" cy="304800"/>
-          </a:xfrm>
-          <a:prstGeom prst="curvedConnector3">
-            <a:avLst/>
-          </a:prstGeom>
-          <a:ln>
-            <a:tailEnd type="triangle"/>
-          </a:ln>
-        </p:spPr>
-        <p:style>
-          <a:lnRef idx="1">
-            <a:schemeClr val="accent1"/>
-          </a:lnRef>
-          <a:fillRef idx="0">
-            <a:schemeClr val="accent1"/>
-          </a:fillRef>
-          <a:effectRef idx="0">
-            <a:schemeClr val="accent1"/>
-          </a:effectRef>
-          <a:fontRef idx="minor">
-            <a:schemeClr val="tx1"/>
-          </a:fontRef>
-        </p:style>
-      </p:cxnSp>
-      <p:sp>
-        <p:nvSpPr>
-          <p:cNvPr id="10" name="CuadroTexto 9">
-            <a:extLst>
-              <a:ext uri="{FF2B5EF4-FFF2-40B4-BE49-F238E27FC236}">
-                <a16:creationId xmlns:a16="http://schemas.microsoft.com/office/drawing/2014/main" id="{898315D2-FB99-482E-B1A7-C214514758E5}"/>
+              <a:rPr lang="en-US" sz="1000" dirty="0">
+                <a:effectLst/>
+                <a:latin typeface="Arial" panose="020B0604020202020204" pitchFamily="34" charset="0"/>
+                <a:ea typeface="Arial" panose="020B0604020202020204" pitchFamily="34" charset="0"/>
+              </a:rPr>
+              <a:t>Sutton, Richard S., y Andrew G. </a:t>
+            </a:r>
+            <a:r>
+              <a:rPr lang="en-US" sz="1000" dirty="0" err="1">
+                <a:effectLst/>
+                <a:latin typeface="Arial" panose="020B0604020202020204" pitchFamily="34" charset="0"/>
+                <a:ea typeface="Arial" panose="020B0604020202020204" pitchFamily="34" charset="0"/>
+              </a:rPr>
+              <a:t>Barto</a:t>
+            </a:r>
+            <a:r>
+              <a:rPr lang="en-US" sz="1000" dirty="0">
+                <a:effectLst/>
+                <a:latin typeface="Arial" panose="020B0604020202020204" pitchFamily="34" charset="0"/>
+                <a:ea typeface="Arial" panose="020B0604020202020204" pitchFamily="34" charset="0"/>
+              </a:rPr>
+              <a:t>. </a:t>
+            </a:r>
+            <a:r>
+              <a:rPr lang="en-US" sz="1000" i="1" dirty="0">
+                <a:effectLst/>
+                <a:latin typeface="Arial" panose="020B0604020202020204" pitchFamily="34" charset="0"/>
+                <a:ea typeface="Arial" panose="020B0604020202020204" pitchFamily="34" charset="0"/>
+              </a:rPr>
+              <a:t>Reinforcement Learning: An Introduction</a:t>
+            </a:r>
+            <a:r>
+              <a:rPr lang="en-US" sz="1000" dirty="0">
+                <a:effectLst/>
+                <a:latin typeface="Arial" panose="020B0604020202020204" pitchFamily="34" charset="0"/>
+                <a:ea typeface="Arial" panose="020B0604020202020204" pitchFamily="34" charset="0"/>
+              </a:rPr>
+              <a:t>. Second edition. Cambridge, Mass: A Bradford Book, 1998</a:t>
+            </a:r>
+            <a:endParaRPr lang="es-ES" sz="1000" dirty="0"/>
+          </a:p>
+        </p:txBody>
+      </p:sp>
+      <p:sp>
+        <p:nvSpPr>
+          <p:cNvPr id="18" name="CuadroTexto 17">
+            <a:extLst>
+              <a:ext uri="{FF2B5EF4-FFF2-40B4-BE49-F238E27FC236}">
+                <a16:creationId xmlns:a16="http://schemas.microsoft.com/office/drawing/2014/main" id="{B9D20F54-3081-4AA0-80F3-5E7F15500AE7}"/>
               </a:ext>
             </a:extLst>
           </p:cNvPr>
@@ -4803,8 +6188,8 @@
         </p:nvSpPr>
         <p:spPr>
           <a:xfrm>
-            <a:off x="6567486" y="2283946"/>
-            <a:ext cx="881064" cy="276999"/>
+            <a:off x="3166110" y="521971"/>
+            <a:ext cx="6549389" cy="461665"/>
           </a:xfrm>
           <a:prstGeom prst="rect">
             <a:avLst/>
@@ -4818,25 +6203,18 @@
           <a:lstStyle/>
           <a:p>
             <a:r>
-              <a:rPr lang="es-ES" sz="1200" dirty="0">
-                <a:solidFill>
-                  <a:schemeClr val="tx1">
-                    <a:lumMod val="50000"/>
-                    <a:lumOff val="50000"/>
-                  </a:schemeClr>
-                </a:solidFill>
-              </a:rPr>
-              <a:t>Set pods</a:t>
-            </a:r>
-          </a:p>
-        </p:txBody>
-      </p:sp>
-      <p:sp>
-        <p:nvSpPr>
-          <p:cNvPr id="11" name="CuadroTexto 10">
-            <a:extLst>
-              <a:ext uri="{FF2B5EF4-FFF2-40B4-BE49-F238E27FC236}">
-                <a16:creationId xmlns:a16="http://schemas.microsoft.com/office/drawing/2014/main" id="{62A30299-84DF-4033-BCD7-487A60332F33}"/>
+              <a:rPr lang="es-ES" sz="2400" b="1" dirty="0"/>
+              <a:t>Aprendizaje por Refuerzo: Agente y Entorno</a:t>
+            </a:r>
+          </a:p>
+        </p:txBody>
+      </p:sp>
+      <p:sp>
+        <p:nvSpPr>
+          <p:cNvPr id="19" name="CuadroTexto 18">
+            <a:extLst>
+              <a:ext uri="{FF2B5EF4-FFF2-40B4-BE49-F238E27FC236}">
+                <a16:creationId xmlns:a16="http://schemas.microsoft.com/office/drawing/2014/main" id="{C73FC442-19DF-4471-BB73-DAFDAD3049AD}"/>
               </a:ext>
             </a:extLst>
           </p:cNvPr>
@@ -4845,8 +6223,8 @@
         </p:nvSpPr>
         <p:spPr>
           <a:xfrm>
-            <a:off x="6326653" y="4630707"/>
-            <a:ext cx="881064" cy="276999"/>
+            <a:off x="9886949" y="66675"/>
+            <a:ext cx="2263141" cy="338554"/>
           </a:xfrm>
           <a:prstGeom prst="rect">
             <a:avLst/>
@@ -4860,156 +6238,48 @@
           <a:lstStyle/>
           <a:p>
             <a:r>
-              <a:rPr lang="es-ES" sz="1200" dirty="0" err="1">
+              <a:rPr lang="es-ES" sz="1600" dirty="0">
                 <a:solidFill>
-                  <a:schemeClr val="tx1">
-                    <a:lumMod val="50000"/>
-                    <a:lumOff val="50000"/>
-                  </a:schemeClr>
+                  <a:srgbClr val="4F81BD"/>
                 </a:solidFill>
+                <a:effectLst/>
+                <a:latin typeface="Arial" panose="020B0604020202020204" pitchFamily="34" charset="0"/>
+                <a:ea typeface="Arial" panose="020B0604020202020204" pitchFamily="34" charset="0"/>
               </a:rPr>
-              <a:t>Get</a:t>
-            </a:r>
-            <a:r>
-              <a:rPr lang="es-ES" sz="1200" dirty="0">
-                <a:solidFill>
-                  <a:schemeClr val="tx1">
-                    <a:lumMod val="50000"/>
-                    <a:lumOff val="50000"/>
-                  </a:schemeClr>
-                </a:solidFill>
-              </a:rPr>
-              <a:t> </a:t>
-            </a:r>
-            <a:r>
-              <a:rPr lang="es-ES" sz="1200" dirty="0" err="1">
-                <a:solidFill>
-                  <a:schemeClr val="tx1">
-                    <a:lumMod val="50000"/>
-                    <a:lumOff val="50000"/>
-                  </a:schemeClr>
-                </a:solidFill>
-              </a:rPr>
-              <a:t>State</a:t>
-            </a:r>
-            <a:endParaRPr lang="es-ES" sz="1200" dirty="0">
-              <a:solidFill>
-                <a:schemeClr val="tx1">
-                  <a:lumMod val="50000"/>
-                  <a:lumOff val="50000"/>
-                </a:schemeClr>
-              </a:solidFill>
-            </a:endParaRPr>
-          </a:p>
-        </p:txBody>
-      </p:sp>
-      <p:sp>
-        <p:nvSpPr>
-          <p:cNvPr id="12" name="CuadroTexto 11">
-            <a:extLst>
-              <a:ext uri="{FF2B5EF4-FFF2-40B4-BE49-F238E27FC236}">
-                <a16:creationId xmlns:a16="http://schemas.microsoft.com/office/drawing/2014/main" id="{7D5267A4-FF09-4D4D-9C48-D67EDE3703CB}"/>
-              </a:ext>
-            </a:extLst>
-          </p:cNvPr>
-          <p:cNvSpPr txBox="1"/>
-          <p:nvPr/>
-        </p:nvSpPr>
-        <p:spPr>
-          <a:xfrm>
-            <a:off x="5059828" y="4630707"/>
-            <a:ext cx="881064" cy="461665"/>
-          </a:xfrm>
-          <a:prstGeom prst="rect">
-            <a:avLst/>
-          </a:prstGeom>
-          <a:noFill/>
-        </p:spPr>
-        <p:txBody>
-          <a:bodyPr wrap="square" rtlCol="0">
-            <a:spAutoFit/>
-          </a:bodyPr>
-          <a:lstStyle/>
-          <a:p>
-            <a:r>
-              <a:rPr lang="es-ES" sz="1200" dirty="0" err="1">
-                <a:solidFill>
-                  <a:schemeClr val="tx1">
-                    <a:lumMod val="50000"/>
-                    <a:lumOff val="50000"/>
-                  </a:schemeClr>
-                </a:solidFill>
-              </a:rPr>
-              <a:t>Calculate</a:t>
-            </a:r>
-            <a:r>
-              <a:rPr lang="es-ES" sz="1200" dirty="0">
-                <a:solidFill>
-                  <a:schemeClr val="tx1">
-                    <a:lumMod val="50000"/>
-                    <a:lumOff val="50000"/>
-                  </a:schemeClr>
-                </a:solidFill>
-              </a:rPr>
-              <a:t> </a:t>
-            </a:r>
-            <a:r>
-              <a:rPr lang="es-ES" sz="1200" dirty="0" err="1">
-                <a:solidFill>
-                  <a:schemeClr val="tx1">
-                    <a:lumMod val="50000"/>
-                    <a:lumOff val="50000"/>
-                  </a:schemeClr>
-                </a:solidFill>
-              </a:rPr>
-              <a:t>Reward</a:t>
-            </a:r>
-            <a:endParaRPr lang="es-ES" sz="1200" dirty="0">
-              <a:solidFill>
-                <a:schemeClr val="tx1">
-                  <a:lumMod val="50000"/>
-                  <a:lumOff val="50000"/>
-                </a:schemeClr>
-              </a:solidFill>
-            </a:endParaRPr>
-          </a:p>
-        </p:txBody>
-      </p:sp>
-      <p:sp>
-        <p:nvSpPr>
-          <p:cNvPr id="13" name="CuadroTexto 12">
-            <a:extLst>
-              <a:ext uri="{FF2B5EF4-FFF2-40B4-BE49-F238E27FC236}">
-                <a16:creationId xmlns:a16="http://schemas.microsoft.com/office/drawing/2014/main" id="{5A184CEA-5FA9-465C-B332-FF085D8149C3}"/>
-              </a:ext>
-            </a:extLst>
-          </p:cNvPr>
-          <p:cNvSpPr txBox="1"/>
-          <p:nvPr/>
-        </p:nvSpPr>
-        <p:spPr>
-          <a:xfrm>
-            <a:off x="3086100" y="5381625"/>
-            <a:ext cx="6686550" cy="646331"/>
-          </a:xfrm>
-          <a:prstGeom prst="rect">
-            <a:avLst/>
-          </a:prstGeom>
-          <a:noFill/>
-        </p:spPr>
-        <p:txBody>
-          <a:bodyPr wrap="square" rtlCol="0">
-            <a:spAutoFit/>
-          </a:bodyPr>
-          <a:lstStyle/>
-          <a:p>
-            <a:r>
-              <a:rPr lang="es-ES" dirty="0"/>
-              <a:t>https://livebook.manning.com/book/grokking-deep-reinforcement-learning</a:t>
-            </a:r>
-          </a:p>
-        </p:txBody>
-      </p:sp>
+              <a:t>Master Deep Learning</a:t>
+            </a:r>
+            <a:endParaRPr lang="es-ES" sz="1600" dirty="0"/>
+          </a:p>
+        </p:txBody>
+      </p:sp>
+      <p:pic>
+        <p:nvPicPr>
+          <p:cNvPr id="20" name="Imagen 19" descr="Texto&#10;&#10;Descripción generada automáticamente con confianza media">
+            <a:extLst>
+              <a:ext uri="{FF2B5EF4-FFF2-40B4-BE49-F238E27FC236}">
+                <a16:creationId xmlns:a16="http://schemas.microsoft.com/office/drawing/2014/main" id="{A0C33223-E986-4B25-8B77-A75E5A7DD72A}"/>
+              </a:ext>
+            </a:extLst>
+          </p:cNvPr>
+          <p:cNvPicPr/>
+          <p:nvPr/>
+        </p:nvPicPr>
+        <p:blipFill>
+          <a:blip r:embed="rId4"/>
+          <a:stretch>
+            <a:fillRect/>
+          </a:stretch>
+        </p:blipFill>
+        <p:spPr>
+          <a:xfrm>
+            <a:off x="67627" y="66675"/>
+            <a:ext cx="1629728" cy="514350"/>
+          </a:xfrm>
+          <a:prstGeom prst="rect">
+            <a:avLst/>
+          </a:prstGeom>
+        </p:spPr>
+      </p:pic>
     </p:spTree>
     <p:extLst>
       <p:ext uri="{BB962C8B-B14F-4D97-AF65-F5344CB8AC3E}">
@@ -5042,10 +6312,10 @@
       </p:grpSpPr>
       <p:pic>
         <p:nvPicPr>
-          <p:cNvPr id="4" name="Imagen 3">
-            <a:extLst>
-              <a:ext uri="{FF2B5EF4-FFF2-40B4-BE49-F238E27FC236}">
-                <a16:creationId xmlns:a16="http://schemas.microsoft.com/office/drawing/2014/main" id="{836CF37B-D135-4DC9-AADD-DF6369FCB623}"/>
+          <p:cNvPr id="5" name="image2.png">
+            <a:extLst>
+              <a:ext uri="{FF2B5EF4-FFF2-40B4-BE49-F238E27FC236}">
+                <a16:creationId xmlns:a16="http://schemas.microsoft.com/office/drawing/2014/main" id="{0812CDF6-AFEF-46D8-9B6D-63307F36F771}"/>
               </a:ext>
             </a:extLst>
           </p:cNvPr>
@@ -5054,26 +6324,28 @@
         </p:nvPicPr>
         <p:blipFill>
           <a:blip r:embed="rId2"/>
+          <a:srcRect/>
           <a:stretch>
             <a:fillRect/>
           </a:stretch>
         </p:blipFill>
         <p:spPr>
           <a:xfrm>
-            <a:off x="313623" y="1621222"/>
-            <a:ext cx="5943600" cy="3018790"/>
-          </a:xfrm>
-          <a:prstGeom prst="rect">
-            <a:avLst/>
-          </a:prstGeom>
+            <a:off x="3041015" y="1123950"/>
+            <a:ext cx="6515100" cy="3086100"/>
+          </a:xfrm>
+          <a:prstGeom prst="rect">
+            <a:avLst/>
+          </a:prstGeom>
+          <a:ln/>
         </p:spPr>
       </p:pic>
       <p:sp>
         <p:nvSpPr>
-          <p:cNvPr id="5" name="CuadroTexto 4">
-            <a:extLst>
-              <a:ext uri="{FF2B5EF4-FFF2-40B4-BE49-F238E27FC236}">
-                <a16:creationId xmlns:a16="http://schemas.microsoft.com/office/drawing/2014/main" id="{C055953D-7CA2-4C6E-B189-699B2645697E}"/>
+          <p:cNvPr id="11" name="CuadroTexto 10">
+            <a:extLst>
+              <a:ext uri="{FF2B5EF4-FFF2-40B4-BE49-F238E27FC236}">
+                <a16:creationId xmlns:a16="http://schemas.microsoft.com/office/drawing/2014/main" id="{B87124F6-169C-494B-8284-D5403419A5DB}"/>
               </a:ext>
             </a:extLst>
           </p:cNvPr>
@@ -5082,8 +6354,8 @@
         </p:nvSpPr>
         <p:spPr>
           <a:xfrm>
-            <a:off x="702638" y="741148"/>
-            <a:ext cx="1388457" cy="369332"/>
+            <a:off x="3550920" y="6532931"/>
+            <a:ext cx="5078730" cy="246221"/>
           </a:xfrm>
           <a:prstGeom prst="rect">
             <a:avLst/>
@@ -5091,106 +6363,28 @@
           <a:noFill/>
         </p:spPr>
         <p:txBody>
-          <a:bodyPr wrap="none" rtlCol="0">
+          <a:bodyPr wrap="square">
             <a:spAutoFit/>
           </a:bodyPr>
           <a:lstStyle/>
           <a:p>
             <a:r>
-              <a:rPr lang="es-ES" dirty="0" err="1"/>
-              <a:t>Environment</a:t>
-            </a:r>
-            <a:endParaRPr lang="es-ES" dirty="0"/>
-          </a:p>
-        </p:txBody>
-      </p:sp>
-      <p:sp>
-        <p:nvSpPr>
-          <p:cNvPr id="6" name="CuadroTexto 5">
-            <a:extLst>
-              <a:ext uri="{FF2B5EF4-FFF2-40B4-BE49-F238E27FC236}">
-                <a16:creationId xmlns:a16="http://schemas.microsoft.com/office/drawing/2014/main" id="{9C3A8BAA-EF77-4D76-8D56-70CEBD74D4D3}"/>
-              </a:ext>
-            </a:extLst>
-          </p:cNvPr>
-          <p:cNvSpPr txBox="1"/>
-          <p:nvPr/>
-        </p:nvSpPr>
-        <p:spPr>
-          <a:xfrm>
-            <a:off x="518154" y="1422939"/>
-            <a:ext cx="662938" cy="369332"/>
-          </a:xfrm>
-          <a:prstGeom prst="rect">
-            <a:avLst/>
-          </a:prstGeom>
-          <a:noFill/>
-        </p:spPr>
-        <p:txBody>
-          <a:bodyPr wrap="none" rtlCol="0">
-            <a:spAutoFit/>
-          </a:bodyPr>
-          <a:lstStyle/>
-          <a:p>
-            <a:r>
-              <a:rPr lang="es-ES" dirty="0" err="1"/>
-              <a:t>State</a:t>
-            </a:r>
-            <a:endParaRPr lang="es-ES" dirty="0"/>
-          </a:p>
-        </p:txBody>
-      </p:sp>
-      <p:sp>
-        <p:nvSpPr>
-          <p:cNvPr id="8" name="CuadroTexto 7">
-            <a:extLst>
-              <a:ext uri="{FF2B5EF4-FFF2-40B4-BE49-F238E27FC236}">
-                <a16:creationId xmlns:a16="http://schemas.microsoft.com/office/drawing/2014/main" id="{9480C166-CD63-425B-9A6E-472EAB065982}"/>
-              </a:ext>
-            </a:extLst>
-          </p:cNvPr>
-          <p:cNvSpPr txBox="1"/>
-          <p:nvPr/>
-        </p:nvSpPr>
-        <p:spPr>
-          <a:xfrm>
-            <a:off x="1424537" y="4446870"/>
-            <a:ext cx="2170659" cy="369332"/>
-          </a:xfrm>
-          <a:prstGeom prst="rect">
-            <a:avLst/>
-          </a:prstGeom>
-          <a:noFill/>
-        </p:spPr>
-        <p:txBody>
-          <a:bodyPr wrap="none" rtlCol="0">
-            <a:spAutoFit/>
-          </a:bodyPr>
-          <a:lstStyle/>
-          <a:p>
-            <a:r>
-              <a:rPr lang="es-ES" dirty="0" err="1"/>
-              <a:t>Snapshots</a:t>
-            </a:r>
-            <a:r>
-              <a:rPr lang="es-ES" dirty="0"/>
-              <a:t> del estado</a:t>
+              <a:rPr lang="es-ES" sz="1000" dirty="0"/>
+              <a:t>https://www.analyticsvidhya.com/blog/2019/04/introduction-deep-q-learning-python/</a:t>
             </a:r>
           </a:p>
         </p:txBody>
       </p:sp>
       <p:pic>
         <p:nvPicPr>
-          <p:cNvPr id="10" name="Imagen 9">
-            <a:extLst>
-              <a:ext uri="{FF2B5EF4-FFF2-40B4-BE49-F238E27FC236}">
-                <a16:creationId xmlns:a16="http://schemas.microsoft.com/office/drawing/2014/main" id="{756A5646-AEDE-439B-83C1-42DA53018EC6}"/>
-              </a:ext>
-            </a:extLst>
-          </p:cNvPr>
-          <p:cNvPicPr>
-            <a:picLocks noChangeAspect="1"/>
-          </p:cNvPicPr>
+          <p:cNvPr id="6" name="Imagen 5" descr="Texto&#10;&#10;Descripción generada automáticamente con confianza media">
+            <a:extLst>
+              <a:ext uri="{FF2B5EF4-FFF2-40B4-BE49-F238E27FC236}">
+                <a16:creationId xmlns:a16="http://schemas.microsoft.com/office/drawing/2014/main" id="{AF430AFC-3CB0-4E2C-8E70-EEC7972AC1E2}"/>
+              </a:ext>
+            </a:extLst>
+          </p:cNvPr>
+          <p:cNvPicPr/>
           <p:nvPr/>
         </p:nvPicPr>
         <p:blipFill>
@@ -5201,8 +6395,8 @@
         </p:blipFill>
         <p:spPr>
           <a:xfrm>
-            <a:off x="7179994" y="996933"/>
-            <a:ext cx="3876675" cy="1590675"/>
+            <a:off x="67627" y="66675"/>
+            <a:ext cx="1629728" cy="514350"/>
           </a:xfrm>
           <a:prstGeom prst="rect">
             <a:avLst/>
@@ -5211,10 +6405,10 @@
       </p:pic>
       <p:sp>
         <p:nvSpPr>
-          <p:cNvPr id="11" name="CuadroTexto 10">
-            <a:extLst>
-              <a:ext uri="{FF2B5EF4-FFF2-40B4-BE49-F238E27FC236}">
-                <a16:creationId xmlns:a16="http://schemas.microsoft.com/office/drawing/2014/main" id="{2FF54065-38BE-4B68-86BB-D4006758B817}"/>
+          <p:cNvPr id="7" name="CuadroTexto 6">
+            <a:extLst>
+              <a:ext uri="{FF2B5EF4-FFF2-40B4-BE49-F238E27FC236}">
+                <a16:creationId xmlns:a16="http://schemas.microsoft.com/office/drawing/2014/main" id="{08DD2B20-5C4B-4C92-9101-4B9C059AB7F0}"/>
               </a:ext>
             </a:extLst>
           </p:cNvPr>
@@ -5223,8 +6417,8 @@
         </p:nvSpPr>
         <p:spPr>
           <a:xfrm>
-            <a:off x="7246239" y="3020724"/>
-            <a:ext cx="3505575" cy="1754326"/>
+            <a:off x="9886949" y="66675"/>
+            <a:ext cx="2263141" cy="338554"/>
           </a:xfrm>
           <a:prstGeom prst="rect">
             <a:avLst/>
@@ -5232,52 +6426,67 @@
           <a:noFill/>
         </p:spPr>
         <p:txBody>
-          <a:bodyPr wrap="none" rtlCol="0">
+          <a:bodyPr wrap="square" rtlCol="0">
             <a:spAutoFit/>
           </a:bodyPr>
           <a:lstStyle/>
           <a:p>
             <a:r>
-              <a:rPr lang="es-ES" dirty="0" err="1"/>
-              <a:t>Sleep</a:t>
-            </a:r>
-            <a:r>
-              <a:rPr lang="es-ES" dirty="0"/>
-              <a:t> 20</a:t>
-            </a:r>
-          </a:p>
-          <a:p>
-            <a:endParaRPr lang="es-ES" dirty="0"/>
-          </a:p>
-          <a:p>
-            <a:r>
-              <a:rPr lang="es-ES" dirty="0"/>
-              <a:t>Dejar tiempo a K8s para establecer </a:t>
-            </a:r>
-          </a:p>
-          <a:p>
-            <a:r>
-              <a:rPr lang="es-ES" dirty="0"/>
-              <a:t>el nuevo estado</a:t>
-            </a:r>
-          </a:p>
-          <a:p>
-            <a:endParaRPr lang="es-ES" dirty="0"/>
-          </a:p>
-          <a:p>
-            <a:r>
-              <a:rPr lang="es-ES" dirty="0"/>
-              <a:t>Retardo en el aprendizaje</a:t>
+              <a:rPr lang="es-ES" sz="1600" dirty="0">
+                <a:solidFill>
+                  <a:srgbClr val="4F81BD"/>
+                </a:solidFill>
+                <a:effectLst/>
+                <a:latin typeface="Arial" panose="020B0604020202020204" pitchFamily="34" charset="0"/>
+                <a:ea typeface="Arial" panose="020B0604020202020204" pitchFamily="34" charset="0"/>
+              </a:rPr>
+              <a:t>Master Deep Learning</a:t>
+            </a:r>
+            <a:endParaRPr lang="es-ES" sz="1600" dirty="0"/>
+          </a:p>
+        </p:txBody>
+      </p:sp>
+      <p:sp>
+        <p:nvSpPr>
+          <p:cNvPr id="8" name="CuadroTexto 7">
+            <a:extLst>
+              <a:ext uri="{FF2B5EF4-FFF2-40B4-BE49-F238E27FC236}">
+                <a16:creationId xmlns:a16="http://schemas.microsoft.com/office/drawing/2014/main" id="{BBE656D8-6D83-4DB4-8734-2B7A8490DB35}"/>
+              </a:ext>
+            </a:extLst>
+          </p:cNvPr>
+          <p:cNvSpPr txBox="1"/>
+          <p:nvPr/>
+        </p:nvSpPr>
+        <p:spPr>
+          <a:xfrm>
+            <a:off x="5177791" y="327661"/>
+            <a:ext cx="1977389" cy="461665"/>
+          </a:xfrm>
+          <a:prstGeom prst="rect">
+            <a:avLst/>
+          </a:prstGeom>
+          <a:noFill/>
+        </p:spPr>
+        <p:txBody>
+          <a:bodyPr wrap="square" rtlCol="0">
+            <a:spAutoFit/>
+          </a:bodyPr>
+          <a:lstStyle/>
+          <a:p>
+            <a:r>
+              <a:rPr lang="es-ES" sz="2400" b="1" dirty="0"/>
+              <a:t>Q - Learning</a:t>
             </a:r>
           </a:p>
         </p:txBody>
       </p:sp>
       <p:pic>
         <p:nvPicPr>
-          <p:cNvPr id="12" name="Imagen 11">
-            <a:extLst>
-              <a:ext uri="{FF2B5EF4-FFF2-40B4-BE49-F238E27FC236}">
-                <a16:creationId xmlns:a16="http://schemas.microsoft.com/office/drawing/2014/main" id="{63652FEF-9877-40AD-8210-26138DFB9149}"/>
+          <p:cNvPr id="3" name="Imagen 2">
+            <a:extLst>
+              <a:ext uri="{FF2B5EF4-FFF2-40B4-BE49-F238E27FC236}">
+                <a16:creationId xmlns:a16="http://schemas.microsoft.com/office/drawing/2014/main" id="{7658BCAC-7E31-4B87-AD7D-0794F14DDB52}"/>
               </a:ext>
             </a:extLst>
           </p:cNvPr>
@@ -5294,8 +6503,8 @@
         </p:blipFill>
         <p:spPr>
           <a:xfrm>
-            <a:off x="582191" y="5506740"/>
-            <a:ext cx="7807951" cy="1019199"/>
+            <a:off x="2224087" y="4466272"/>
+            <a:ext cx="7743825" cy="1857375"/>
           </a:xfrm>
           <a:prstGeom prst="rect">
             <a:avLst/>
@@ -5305,7 +6514,7 @@
     </p:spTree>
     <p:extLst>
       <p:ext uri="{BB962C8B-B14F-4D97-AF65-F5344CB8AC3E}">
-        <p14:creationId xmlns:p14="http://schemas.microsoft.com/office/powerpoint/2010/main" val="300288635"/>
+        <p14:creationId xmlns:p14="http://schemas.microsoft.com/office/powerpoint/2010/main" val="3490400601"/>
       </p:ext>
     </p:extLst>
   </p:cSld>
@@ -5332,12 +6541,42 @@
           <a:chExt cx="0" cy="0"/>
         </a:xfrm>
       </p:grpSpPr>
+      <p:pic>
+        <p:nvPicPr>
+          <p:cNvPr id="6" name="Imagen 5">
+            <a:extLst>
+              <a:ext uri="{FF2B5EF4-FFF2-40B4-BE49-F238E27FC236}">
+                <a16:creationId xmlns:a16="http://schemas.microsoft.com/office/drawing/2014/main" id="{5C9AF96F-FDAF-4F24-B019-8519C9B144BC}"/>
+              </a:ext>
+            </a:extLst>
+          </p:cNvPr>
+          <p:cNvPicPr>
+            <a:picLocks noChangeAspect="1"/>
+          </p:cNvPicPr>
+          <p:nvPr/>
+        </p:nvPicPr>
+        <p:blipFill>
+          <a:blip r:embed="rId2"/>
+          <a:stretch>
+            <a:fillRect/>
+          </a:stretch>
+        </p:blipFill>
+        <p:spPr>
+          <a:xfrm>
+            <a:off x="438284" y="2715956"/>
+            <a:ext cx="6501008" cy="3250504"/>
+          </a:xfrm>
+          <a:prstGeom prst="rect">
+            <a:avLst/>
+          </a:prstGeom>
+        </p:spPr>
+      </p:pic>
       <p:sp>
         <p:nvSpPr>
           <p:cNvPr id="12" name="CuadroTexto 11">
             <a:extLst>
               <a:ext uri="{FF2B5EF4-FFF2-40B4-BE49-F238E27FC236}">
-                <a16:creationId xmlns:a16="http://schemas.microsoft.com/office/drawing/2014/main" id="{B6ADCBD6-E7F0-4833-9CB1-1208A55090C2}"/>
+                <a16:creationId xmlns:a16="http://schemas.microsoft.com/office/drawing/2014/main" id="{CC7416A2-D381-41A2-A6BC-2A218CBA61F4}"/>
               </a:ext>
             </a:extLst>
           </p:cNvPr>
@@ -5346,8 +6585,314 @@
         </p:nvSpPr>
         <p:spPr>
           <a:xfrm>
-            <a:off x="981777" y="808522"/>
-            <a:ext cx="981679" cy="369332"/>
+            <a:off x="120320" y="6496449"/>
+            <a:ext cx="4245940" cy="246221"/>
+          </a:xfrm>
+          <a:prstGeom prst="rect">
+            <a:avLst/>
+          </a:prstGeom>
+          <a:noFill/>
+        </p:spPr>
+        <p:txBody>
+          <a:bodyPr wrap="square" rtlCol="0">
+            <a:spAutoFit/>
+          </a:bodyPr>
+          <a:lstStyle/>
+          <a:p>
+            <a:r>
+              <a:rPr lang="es-ES" sz="1000" dirty="0"/>
+              <a:t>https://livebook.manning.com/book/grokking-deep-reinforcement-learning</a:t>
+            </a:r>
+          </a:p>
+        </p:txBody>
+      </p:sp>
+      <p:pic>
+        <p:nvPicPr>
+          <p:cNvPr id="13" name="Imagen 12">
+            <a:extLst>
+              <a:ext uri="{FF2B5EF4-FFF2-40B4-BE49-F238E27FC236}">
+                <a16:creationId xmlns:a16="http://schemas.microsoft.com/office/drawing/2014/main" id="{74CA582A-FC34-4310-9C51-8553D94075DA}"/>
+              </a:ext>
+            </a:extLst>
+          </p:cNvPr>
+          <p:cNvPicPr>
+            <a:picLocks noChangeAspect="1"/>
+          </p:cNvPicPr>
+          <p:nvPr/>
+        </p:nvPicPr>
+        <p:blipFill>
+          <a:blip r:embed="rId3"/>
+          <a:stretch>
+            <a:fillRect/>
+          </a:stretch>
+        </p:blipFill>
+        <p:spPr>
+          <a:xfrm>
+            <a:off x="7372518" y="4287280"/>
+            <a:ext cx="4324048" cy="2204673"/>
+          </a:xfrm>
+          <a:prstGeom prst="rect">
+            <a:avLst/>
+          </a:prstGeom>
+        </p:spPr>
+      </p:pic>
+      <p:sp>
+        <p:nvSpPr>
+          <p:cNvPr id="14" name="CuadroTexto 13">
+            <a:extLst>
+              <a:ext uri="{FF2B5EF4-FFF2-40B4-BE49-F238E27FC236}">
+                <a16:creationId xmlns:a16="http://schemas.microsoft.com/office/drawing/2014/main" id="{EE6AEF7A-A228-48C3-9B93-A24D8BC31222}"/>
+              </a:ext>
+            </a:extLst>
+          </p:cNvPr>
+          <p:cNvSpPr txBox="1"/>
+          <p:nvPr/>
+        </p:nvSpPr>
+        <p:spPr>
+          <a:xfrm>
+            <a:off x="7712074" y="6587490"/>
+            <a:ext cx="4495033" cy="246221"/>
+          </a:xfrm>
+          <a:prstGeom prst="rect">
+            <a:avLst/>
+          </a:prstGeom>
+          <a:noFill/>
+        </p:spPr>
+        <p:txBody>
+          <a:bodyPr wrap="square">
+            <a:spAutoFit/>
+          </a:bodyPr>
+          <a:lstStyle/>
+          <a:p>
+            <a:r>
+              <a:rPr lang="es-ES" sz="1000" dirty="0"/>
+              <a:t>https://wpumacay.github.io/research_blog/posts/deeprlnd-project1-navigation/</a:t>
+            </a:r>
+          </a:p>
+        </p:txBody>
+      </p:sp>
+      <p:sp>
+        <p:nvSpPr>
+          <p:cNvPr id="15" name="CuadroTexto 14">
+            <a:extLst>
+              <a:ext uri="{FF2B5EF4-FFF2-40B4-BE49-F238E27FC236}">
+                <a16:creationId xmlns:a16="http://schemas.microsoft.com/office/drawing/2014/main" id="{360536DB-665F-4178-A2A7-5EAC0E2217D7}"/>
+              </a:ext>
+            </a:extLst>
+          </p:cNvPr>
+          <p:cNvSpPr txBox="1"/>
+          <p:nvPr/>
+        </p:nvSpPr>
+        <p:spPr>
+          <a:xfrm>
+            <a:off x="7452994" y="3359598"/>
+            <a:ext cx="4495032" cy="246221"/>
+          </a:xfrm>
+          <a:prstGeom prst="rect">
+            <a:avLst/>
+          </a:prstGeom>
+          <a:noFill/>
+        </p:spPr>
+        <p:txBody>
+          <a:bodyPr wrap="square">
+            <a:spAutoFit/>
+          </a:bodyPr>
+          <a:lstStyle/>
+          <a:p>
+            <a:r>
+              <a:rPr lang="es-ES" sz="1000" dirty="0"/>
+              <a:t>https://wpumacay.github.io/research_blog/posts/deeprlnd-project1-navigation/</a:t>
+            </a:r>
+          </a:p>
+        </p:txBody>
+      </p:sp>
+      <p:sp>
+        <p:nvSpPr>
+          <p:cNvPr id="8" name="CuadroTexto 7">
+            <a:extLst>
+              <a:ext uri="{FF2B5EF4-FFF2-40B4-BE49-F238E27FC236}">
+                <a16:creationId xmlns:a16="http://schemas.microsoft.com/office/drawing/2014/main" id="{998FAAAE-BE49-4628-87DC-0ED523671AD6}"/>
+              </a:ext>
+            </a:extLst>
+          </p:cNvPr>
+          <p:cNvSpPr txBox="1"/>
+          <p:nvPr/>
+        </p:nvSpPr>
+        <p:spPr>
+          <a:xfrm>
+            <a:off x="4229101" y="487681"/>
+            <a:ext cx="3989070" cy="461665"/>
+          </a:xfrm>
+          <a:prstGeom prst="rect">
+            <a:avLst/>
+          </a:prstGeom>
+          <a:noFill/>
+        </p:spPr>
+        <p:txBody>
+          <a:bodyPr wrap="square" rtlCol="0">
+            <a:spAutoFit/>
+          </a:bodyPr>
+          <a:lstStyle/>
+          <a:p>
+            <a:r>
+              <a:rPr lang="es-ES" sz="2400" b="1" dirty="0"/>
+              <a:t>DQN:  Deep Q Network</a:t>
+            </a:r>
+          </a:p>
+        </p:txBody>
+      </p:sp>
+      <p:pic>
+        <p:nvPicPr>
+          <p:cNvPr id="9" name="Imagen 8" descr="Texto&#10;&#10;Descripción generada automáticamente con confianza media">
+            <a:extLst>
+              <a:ext uri="{FF2B5EF4-FFF2-40B4-BE49-F238E27FC236}">
+                <a16:creationId xmlns:a16="http://schemas.microsoft.com/office/drawing/2014/main" id="{EFF5E069-F453-460B-9714-74E156B7E914}"/>
+              </a:ext>
+            </a:extLst>
+          </p:cNvPr>
+          <p:cNvPicPr/>
+          <p:nvPr/>
+        </p:nvPicPr>
+        <p:blipFill>
+          <a:blip r:embed="rId4"/>
+          <a:stretch>
+            <a:fillRect/>
+          </a:stretch>
+        </p:blipFill>
+        <p:spPr>
+          <a:xfrm>
+            <a:off x="67627" y="66675"/>
+            <a:ext cx="1629728" cy="514350"/>
+          </a:xfrm>
+          <a:prstGeom prst="rect">
+            <a:avLst/>
+          </a:prstGeom>
+        </p:spPr>
+      </p:pic>
+      <p:sp>
+        <p:nvSpPr>
+          <p:cNvPr id="10" name="CuadroTexto 9">
+            <a:extLst>
+              <a:ext uri="{FF2B5EF4-FFF2-40B4-BE49-F238E27FC236}">
+                <a16:creationId xmlns:a16="http://schemas.microsoft.com/office/drawing/2014/main" id="{01CB5CEF-BBC8-47A5-BA84-6B9730E2F39C}"/>
+              </a:ext>
+            </a:extLst>
+          </p:cNvPr>
+          <p:cNvSpPr txBox="1"/>
+          <p:nvPr/>
+        </p:nvSpPr>
+        <p:spPr>
+          <a:xfrm>
+            <a:off x="9886949" y="66675"/>
+            <a:ext cx="2263141" cy="338554"/>
+          </a:xfrm>
+          <a:prstGeom prst="rect">
+            <a:avLst/>
+          </a:prstGeom>
+          <a:noFill/>
+        </p:spPr>
+        <p:txBody>
+          <a:bodyPr wrap="square" rtlCol="0">
+            <a:spAutoFit/>
+          </a:bodyPr>
+          <a:lstStyle/>
+          <a:p>
+            <a:r>
+              <a:rPr lang="es-ES" sz="1600" dirty="0">
+                <a:solidFill>
+                  <a:srgbClr val="4F81BD"/>
+                </a:solidFill>
+                <a:effectLst/>
+                <a:latin typeface="Arial" panose="020B0604020202020204" pitchFamily="34" charset="0"/>
+                <a:ea typeface="Arial" panose="020B0604020202020204" pitchFamily="34" charset="0"/>
+              </a:rPr>
+              <a:t>Master Deep Learning</a:t>
+            </a:r>
+            <a:endParaRPr lang="es-ES" sz="1600" dirty="0"/>
+          </a:p>
+        </p:txBody>
+      </p:sp>
+      <p:sp>
+        <p:nvSpPr>
+          <p:cNvPr id="2" name="CuadroTexto 1">
+            <a:extLst>
+              <a:ext uri="{FF2B5EF4-FFF2-40B4-BE49-F238E27FC236}">
+                <a16:creationId xmlns:a16="http://schemas.microsoft.com/office/drawing/2014/main" id="{38EBD910-8F04-476D-B153-79B2E3A18662}"/>
+              </a:ext>
+            </a:extLst>
+          </p:cNvPr>
+          <p:cNvSpPr txBox="1"/>
+          <p:nvPr/>
+        </p:nvSpPr>
+        <p:spPr>
+          <a:xfrm>
+            <a:off x="438284" y="1383029"/>
+            <a:ext cx="3927976" cy="923330"/>
+          </a:xfrm>
+          <a:prstGeom prst="rect">
+            <a:avLst/>
+          </a:prstGeom>
+          <a:noFill/>
+        </p:spPr>
+        <p:txBody>
+          <a:bodyPr wrap="square" rtlCol="0">
+            <a:spAutoFit/>
+          </a:bodyPr>
+          <a:lstStyle/>
+          <a:p>
+            <a:r>
+              <a:rPr lang="es-ES" dirty="0"/>
+              <a:t>Se implementa la función Q con una red neuronal profunda en lugar de con una tabla</a:t>
+            </a:r>
+          </a:p>
+        </p:txBody>
+      </p:sp>
+      <p:pic>
+        <p:nvPicPr>
+          <p:cNvPr id="4" name="Imagen 3">
+            <a:extLst>
+              <a:ext uri="{FF2B5EF4-FFF2-40B4-BE49-F238E27FC236}">
+                <a16:creationId xmlns:a16="http://schemas.microsoft.com/office/drawing/2014/main" id="{41ADB4D8-670E-4FDD-92A0-86C1A6380CC0}"/>
+              </a:ext>
+            </a:extLst>
+          </p:cNvPr>
+          <p:cNvPicPr>
+            <a:picLocks noChangeAspect="1"/>
+          </p:cNvPicPr>
+          <p:nvPr/>
+        </p:nvPicPr>
+        <p:blipFill>
+          <a:blip r:embed="rId5"/>
+          <a:stretch>
+            <a:fillRect/>
+          </a:stretch>
+        </p:blipFill>
+        <p:spPr>
+          <a:xfrm>
+            <a:off x="4812030" y="1326899"/>
+            <a:ext cx="6914197" cy="1936366"/>
+          </a:xfrm>
+          <a:prstGeom prst="rect">
+            <a:avLst/>
+          </a:prstGeom>
+        </p:spPr>
+      </p:pic>
+      <p:sp>
+        <p:nvSpPr>
+          <p:cNvPr id="7" name="CuadroTexto 6">
+            <a:extLst>
+              <a:ext uri="{FF2B5EF4-FFF2-40B4-BE49-F238E27FC236}">
+                <a16:creationId xmlns:a16="http://schemas.microsoft.com/office/drawing/2014/main" id="{88D228F0-11D4-4BB5-BACC-BB5B944B4F2B}"/>
+              </a:ext>
+            </a:extLst>
+          </p:cNvPr>
+          <p:cNvSpPr txBox="1"/>
+          <p:nvPr/>
+        </p:nvSpPr>
+        <p:spPr>
+          <a:xfrm>
+            <a:off x="8378190" y="4046220"/>
+            <a:ext cx="1471493" cy="369332"/>
           </a:xfrm>
           <a:prstGeom prst="rect">
             <a:avLst/>
@@ -5361,17 +6906,16 @@
           <a:lstStyle/>
           <a:p>
             <a:r>
-              <a:rPr lang="es-ES" dirty="0" err="1"/>
-              <a:t>Rewards</a:t>
-            </a:r>
-            <a:endParaRPr lang="es-ES" dirty="0"/>
+              <a:rPr lang="es-ES" b="1" dirty="0"/>
+              <a:t>Replay Buffer</a:t>
+            </a:r>
           </a:p>
         </p:txBody>
       </p:sp>
     </p:spTree>
     <p:extLst>
       <p:ext uri="{BB962C8B-B14F-4D97-AF65-F5344CB8AC3E}">
-        <p14:creationId xmlns:p14="http://schemas.microsoft.com/office/powerpoint/2010/main" val="1333816836"/>
+        <p14:creationId xmlns:p14="http://schemas.microsoft.com/office/powerpoint/2010/main" val="3213844953"/>
       </p:ext>
     </p:extLst>
   </p:cSld>
@@ -5400,40 +6944,75 @@
       </p:grpSpPr>
       <p:pic>
         <p:nvPicPr>
-          <p:cNvPr id="5" name="image2.png">
-            <a:extLst>
-              <a:ext uri="{FF2B5EF4-FFF2-40B4-BE49-F238E27FC236}">
-                <a16:creationId xmlns:a16="http://schemas.microsoft.com/office/drawing/2014/main" id="{0812CDF6-AFEF-46D8-9B6D-63307F36F771}"/>
-              </a:ext>
-            </a:extLst>
-          </p:cNvPr>
-          <p:cNvPicPr/>
+          <p:cNvPr id="7" name="Imagen 6">
+            <a:extLst>
+              <a:ext uri="{FF2B5EF4-FFF2-40B4-BE49-F238E27FC236}">
+                <a16:creationId xmlns:a16="http://schemas.microsoft.com/office/drawing/2014/main" id="{556E4CC3-6022-4A0C-9085-42EB2CB4E888}"/>
+              </a:ext>
+            </a:extLst>
+          </p:cNvPr>
+          <p:cNvPicPr>
+            <a:picLocks noChangeAspect="1"/>
+          </p:cNvPicPr>
           <p:nvPr/>
         </p:nvPicPr>
         <p:blipFill>
           <a:blip r:embed="rId2"/>
-          <a:srcRect/>
           <a:stretch>
             <a:fillRect/>
           </a:stretch>
         </p:blipFill>
         <p:spPr>
           <a:xfrm>
-            <a:off x="2657475" y="381000"/>
-            <a:ext cx="6515100" cy="3086100"/>
-          </a:xfrm>
-          <a:prstGeom prst="rect">
-            <a:avLst/>
-          </a:prstGeom>
-          <a:ln/>
+            <a:off x="5493397" y="1708972"/>
+            <a:ext cx="5954130" cy="4420490"/>
+          </a:xfrm>
+          <a:prstGeom prst="rect">
+            <a:avLst/>
+          </a:prstGeom>
         </p:spPr>
       </p:pic>
+      <p:sp>
+        <p:nvSpPr>
+          <p:cNvPr id="9" name="CuadroTexto 8">
+            <a:extLst>
+              <a:ext uri="{FF2B5EF4-FFF2-40B4-BE49-F238E27FC236}">
+                <a16:creationId xmlns:a16="http://schemas.microsoft.com/office/drawing/2014/main" id="{90D46404-112F-4200-838F-3F6F9750DBBA}"/>
+              </a:ext>
+            </a:extLst>
+          </p:cNvPr>
+          <p:cNvSpPr txBox="1"/>
+          <p:nvPr/>
+        </p:nvSpPr>
+        <p:spPr>
+          <a:xfrm>
+            <a:off x="6217920" y="6312368"/>
+            <a:ext cx="5631180" cy="276999"/>
+          </a:xfrm>
+          <a:prstGeom prst="rect">
+            <a:avLst/>
+          </a:prstGeom>
+          <a:noFill/>
+        </p:spPr>
+        <p:txBody>
+          <a:bodyPr wrap="square">
+            <a:spAutoFit/>
+          </a:bodyPr>
+          <a:lstStyle/>
+          <a:p>
+            <a:r>
+              <a:rPr lang="es-ES" sz="1200" dirty="0"/>
+              <a:t>https://www.analyticsvidhya.com/blog/2019/04/introduction-deep-q-learning-python/</a:t>
+            </a:r>
+          </a:p>
+        </p:txBody>
+      </p:sp>
       <p:pic>
         <p:nvPicPr>
-          <p:cNvPr id="9" name="Imagen 8">
-            <a:extLst>
-              <a:ext uri="{FF2B5EF4-FFF2-40B4-BE49-F238E27FC236}">
-                <a16:creationId xmlns:a16="http://schemas.microsoft.com/office/drawing/2014/main" id="{0A603822-AFBC-4709-BCD1-839AB8B2862F}"/>
+          <p:cNvPr id="11" name="Imagen 10">
+            <a:extLst>
+              <a:ext uri="{FF2B5EF4-FFF2-40B4-BE49-F238E27FC236}">
+                <a16:creationId xmlns:a16="http://schemas.microsoft.com/office/drawing/2014/main" id="{A6FD1BDC-8489-46D7-9677-92D67FEFFDF5}"/>
               </a:ext>
             </a:extLst>
           </p:cNvPr>
@@ -5450,20 +7029,149 @@
         </p:blipFill>
         <p:spPr>
           <a:xfrm>
-            <a:off x="2955925" y="3762374"/>
-            <a:ext cx="5964238" cy="2105025"/>
+            <a:off x="6096000" y="3599336"/>
+            <a:ext cx="698381" cy="434022"/>
           </a:xfrm>
           <a:prstGeom prst="rect">
             <a:avLst/>
           </a:prstGeom>
         </p:spPr>
       </p:pic>
-      <p:sp>
-        <p:nvSpPr>
-          <p:cNvPr id="11" name="CuadroTexto 10">
-            <a:extLst>
-              <a:ext uri="{FF2B5EF4-FFF2-40B4-BE49-F238E27FC236}">
-                <a16:creationId xmlns:a16="http://schemas.microsoft.com/office/drawing/2014/main" id="{B87124F6-169C-494B-8284-D5403419A5DB}"/>
+      <p:pic>
+        <p:nvPicPr>
+          <p:cNvPr id="13" name="Imagen 12">
+            <a:extLst>
+              <a:ext uri="{FF2B5EF4-FFF2-40B4-BE49-F238E27FC236}">
+                <a16:creationId xmlns:a16="http://schemas.microsoft.com/office/drawing/2014/main" id="{121FD159-2B44-4ECD-80A2-8FECF84B678B}"/>
+              </a:ext>
+            </a:extLst>
+          </p:cNvPr>
+          <p:cNvPicPr>
+            <a:picLocks noChangeAspect="1"/>
+          </p:cNvPicPr>
+          <p:nvPr/>
+        </p:nvPicPr>
+        <p:blipFill>
+          <a:blip r:embed="rId3"/>
+          <a:stretch>
+            <a:fillRect/>
+          </a:stretch>
+        </p:blipFill>
+        <p:spPr>
+          <a:xfrm>
+            <a:off x="8946885" y="3599335"/>
+            <a:ext cx="698382" cy="434023"/>
+          </a:xfrm>
+          <a:prstGeom prst="rect">
+            <a:avLst/>
+          </a:prstGeom>
+        </p:spPr>
+      </p:pic>
+      <p:pic>
+        <p:nvPicPr>
+          <p:cNvPr id="21" name="Imagen 20">
+            <a:extLst>
+              <a:ext uri="{FF2B5EF4-FFF2-40B4-BE49-F238E27FC236}">
+                <a16:creationId xmlns:a16="http://schemas.microsoft.com/office/drawing/2014/main" id="{00FD2C65-D1C0-4649-8A08-1D441F7BD6CE}"/>
+              </a:ext>
+            </a:extLst>
+          </p:cNvPr>
+          <p:cNvPicPr>
+            <a:picLocks noChangeAspect="1"/>
+          </p:cNvPicPr>
+          <p:nvPr/>
+        </p:nvPicPr>
+        <p:blipFill>
+          <a:blip r:embed="rId4"/>
+          <a:stretch>
+            <a:fillRect/>
+          </a:stretch>
+        </p:blipFill>
+        <p:spPr>
+          <a:xfrm>
+            <a:off x="1306830" y="5274944"/>
+            <a:ext cx="3609975" cy="1095375"/>
+          </a:xfrm>
+          <a:prstGeom prst="rect">
+            <a:avLst/>
+          </a:prstGeom>
+        </p:spPr>
+      </p:pic>
+      <p:pic>
+        <p:nvPicPr>
+          <p:cNvPr id="25" name="Imagen 24">
+            <a:extLst>
+              <a:ext uri="{FF2B5EF4-FFF2-40B4-BE49-F238E27FC236}">
+                <a16:creationId xmlns:a16="http://schemas.microsoft.com/office/drawing/2014/main" id="{E0A63E11-5E5B-47C9-9D10-789E28AAEB9E}"/>
+              </a:ext>
+            </a:extLst>
+          </p:cNvPr>
+          <p:cNvPicPr>
+            <a:picLocks noChangeAspect="1"/>
+          </p:cNvPicPr>
+          <p:nvPr/>
+        </p:nvPicPr>
+        <p:blipFill>
+          <a:blip r:embed="rId5"/>
+          <a:stretch>
+            <a:fillRect/>
+          </a:stretch>
+        </p:blipFill>
+        <p:spPr>
+          <a:xfrm>
+            <a:off x="761152" y="2365365"/>
+            <a:ext cx="4636565" cy="635331"/>
+          </a:xfrm>
+          <a:prstGeom prst="rect">
+            <a:avLst/>
+          </a:prstGeom>
+        </p:spPr>
+      </p:pic>
+      <p:pic>
+        <p:nvPicPr>
+          <p:cNvPr id="5" name="Imagen 4">
+            <a:extLst>
+              <a:ext uri="{FF2B5EF4-FFF2-40B4-BE49-F238E27FC236}">
+                <a16:creationId xmlns:a16="http://schemas.microsoft.com/office/drawing/2014/main" id="{EF3EAB40-A5C8-4B26-B399-904E75FF4A8C}"/>
+              </a:ext>
+            </a:extLst>
+          </p:cNvPr>
+          <p:cNvPicPr/>
+          <p:nvPr/>
+        </p:nvPicPr>
+        <p:blipFill>
+          <a:blip r:embed="rId6">
+            <a:extLst>
+              <a:ext uri="{28A0092B-C50C-407E-A947-70E740481C1C}">
+                <a14:useLocalDpi xmlns:a14="http://schemas.microsoft.com/office/drawing/2010/main" val="0"/>
+              </a:ext>
+            </a:extLst>
+          </a:blip>
+          <a:srcRect/>
+          <a:stretch>
+            <a:fillRect/>
+          </a:stretch>
+        </p:blipFill>
+        <p:spPr bwMode="auto">
+          <a:xfrm>
+            <a:off x="1947521" y="3078373"/>
+            <a:ext cx="1903730" cy="1951355"/>
+          </a:xfrm>
+          <a:prstGeom prst="rect">
+            <a:avLst/>
+          </a:prstGeom>
+          <a:noFill/>
+          <a:ln>
+            <a:noFill/>
+          </a:ln>
+        </p:spPr>
+      </p:pic>
+      <p:sp>
+        <p:nvSpPr>
+          <p:cNvPr id="10" name="CuadroTexto 9">
+            <a:extLst>
+              <a:ext uri="{FF2B5EF4-FFF2-40B4-BE49-F238E27FC236}">
+                <a16:creationId xmlns:a16="http://schemas.microsoft.com/office/drawing/2014/main" id="{1CD877D6-6EA8-48D5-943C-8399F1FD88D7}"/>
               </a:ext>
             </a:extLst>
           </p:cNvPr>
@@ -5472,8 +7180,8 @@
         </p:nvSpPr>
         <p:spPr>
           <a:xfrm>
-            <a:off x="3105150" y="5858560"/>
-            <a:ext cx="6096000" cy="646331"/>
+            <a:off x="4674871" y="361951"/>
+            <a:ext cx="2794111" cy="461665"/>
           </a:xfrm>
           <a:prstGeom prst="rect">
             <a:avLst/>
@@ -5481,22 +7189,128 @@
           <a:noFill/>
         </p:spPr>
         <p:txBody>
-          <a:bodyPr wrap="square">
+          <a:bodyPr wrap="square" rtlCol="0">
             <a:spAutoFit/>
           </a:bodyPr>
           <a:lstStyle/>
           <a:p>
             <a:r>
+              <a:rPr lang="es-ES" sz="2400" b="1" dirty="0"/>
+              <a:t>Target Network</a:t>
+            </a:r>
+          </a:p>
+        </p:txBody>
+      </p:sp>
+      <p:sp>
+        <p:nvSpPr>
+          <p:cNvPr id="2" name="CuadroTexto 1">
+            <a:extLst>
+              <a:ext uri="{FF2B5EF4-FFF2-40B4-BE49-F238E27FC236}">
+                <a16:creationId xmlns:a16="http://schemas.microsoft.com/office/drawing/2014/main" id="{2B957F21-6C6B-4FE4-871E-44C4AB6BD13F}"/>
+              </a:ext>
+            </a:extLst>
+          </p:cNvPr>
+          <p:cNvSpPr txBox="1"/>
+          <p:nvPr/>
+        </p:nvSpPr>
+        <p:spPr>
+          <a:xfrm>
+            <a:off x="994410" y="1657350"/>
+            <a:ext cx="3940502" cy="369332"/>
+          </a:xfrm>
+          <a:prstGeom prst="rect">
+            <a:avLst/>
+          </a:prstGeom>
+          <a:noFill/>
+        </p:spPr>
+        <p:txBody>
+          <a:bodyPr wrap="none" rtlCol="0">
+            <a:spAutoFit/>
+          </a:bodyPr>
+          <a:lstStyle/>
+          <a:p>
+            <a:r>
               <a:rPr lang="es-ES" dirty="0"/>
-              <a:t>https://www.analyticsvidhya.com/blog/2019/04/introduction-deep-q-learning-python/</a:t>
-            </a:r>
+              <a:t>Necesaria para estabilizar el aprendizaje</a:t>
+            </a:r>
+          </a:p>
+        </p:txBody>
+      </p:sp>
+      <p:pic>
+        <p:nvPicPr>
+          <p:cNvPr id="12" name="Imagen 11" descr="Texto&#10;&#10;Descripción generada automáticamente con confianza media">
+            <a:extLst>
+              <a:ext uri="{FF2B5EF4-FFF2-40B4-BE49-F238E27FC236}">
+                <a16:creationId xmlns:a16="http://schemas.microsoft.com/office/drawing/2014/main" id="{6F4367E1-8498-4D7D-9F19-333CAFF13144}"/>
+              </a:ext>
+            </a:extLst>
+          </p:cNvPr>
+          <p:cNvPicPr/>
+          <p:nvPr/>
+        </p:nvPicPr>
+        <p:blipFill>
+          <a:blip r:embed="rId7"/>
+          <a:stretch>
+            <a:fillRect/>
+          </a:stretch>
+        </p:blipFill>
+        <p:spPr>
+          <a:xfrm>
+            <a:off x="67627" y="66675"/>
+            <a:ext cx="1629728" cy="514350"/>
+          </a:xfrm>
+          <a:prstGeom prst="rect">
+            <a:avLst/>
+          </a:prstGeom>
+        </p:spPr>
+      </p:pic>
+      <p:sp>
+        <p:nvSpPr>
+          <p:cNvPr id="14" name="CuadroTexto 13">
+            <a:extLst>
+              <a:ext uri="{FF2B5EF4-FFF2-40B4-BE49-F238E27FC236}">
+                <a16:creationId xmlns:a16="http://schemas.microsoft.com/office/drawing/2014/main" id="{5E3814D5-3719-4BD3-95E8-4BB045BDE4E7}"/>
+              </a:ext>
+            </a:extLst>
+          </p:cNvPr>
+          <p:cNvSpPr txBox="1"/>
+          <p:nvPr/>
+        </p:nvSpPr>
+        <p:spPr>
+          <a:xfrm>
+            <a:off x="9886949" y="66675"/>
+            <a:ext cx="2263141" cy="338554"/>
+          </a:xfrm>
+          <a:prstGeom prst="rect">
+            <a:avLst/>
+          </a:prstGeom>
+          <a:noFill/>
+        </p:spPr>
+        <p:txBody>
+          <a:bodyPr wrap="square" rtlCol="0">
+            <a:spAutoFit/>
+          </a:bodyPr>
+          <a:lstStyle/>
+          <a:p>
+            <a:r>
+              <a:rPr lang="es-ES" sz="1600" dirty="0">
+                <a:solidFill>
+                  <a:srgbClr val="4F81BD"/>
+                </a:solidFill>
+                <a:effectLst/>
+                <a:latin typeface="Arial" panose="020B0604020202020204" pitchFamily="34" charset="0"/>
+                <a:ea typeface="Arial" panose="020B0604020202020204" pitchFamily="34" charset="0"/>
+              </a:rPr>
+              <a:t>Master Deep Learning</a:t>
+            </a:r>
+            <a:endParaRPr lang="es-ES" sz="1600" dirty="0"/>
           </a:p>
         </p:txBody>
       </p:sp>
     </p:spTree>
     <p:extLst>
       <p:ext uri="{BB962C8B-B14F-4D97-AF65-F5344CB8AC3E}">
-        <p14:creationId xmlns:p14="http://schemas.microsoft.com/office/powerpoint/2010/main" val="3490400601"/>
+        <p14:creationId xmlns:p14="http://schemas.microsoft.com/office/powerpoint/2010/main" val="1649122035"/>
       </p:ext>
     </p:extLst>
   </p:cSld>
@@ -5523,12 +7337,47 @@
           <a:chExt cx="0" cy="0"/>
         </a:xfrm>
       </p:grpSpPr>
+      <p:sp>
+        <p:nvSpPr>
+          <p:cNvPr id="9" name="CuadroTexto 8">
+            <a:extLst>
+              <a:ext uri="{FF2B5EF4-FFF2-40B4-BE49-F238E27FC236}">
+                <a16:creationId xmlns:a16="http://schemas.microsoft.com/office/drawing/2014/main" id="{DDF7A8ED-46C7-4765-BF74-74BD3594954A}"/>
+              </a:ext>
+            </a:extLst>
+          </p:cNvPr>
+          <p:cNvSpPr txBox="1"/>
+          <p:nvPr/>
+        </p:nvSpPr>
+        <p:spPr>
+          <a:xfrm>
+            <a:off x="3192954" y="604194"/>
+            <a:ext cx="5711016" cy="461665"/>
+          </a:xfrm>
+          <a:prstGeom prst="rect">
+            <a:avLst/>
+          </a:prstGeom>
+          <a:noFill/>
+        </p:spPr>
+        <p:txBody>
+          <a:bodyPr wrap="square" rtlCol="0">
+            <a:spAutoFit/>
+          </a:bodyPr>
+          <a:lstStyle/>
+          <a:p>
+            <a:r>
+              <a:rPr lang="es-ES" sz="2400" b="1" dirty="0"/>
+              <a:t>Caracterización del Estado y discretización</a:t>
+            </a:r>
+          </a:p>
+        </p:txBody>
+      </p:sp>
       <p:pic>
         <p:nvPicPr>
-          <p:cNvPr id="5" name="Imagen 4">
-            <a:extLst>
-              <a:ext uri="{FF2B5EF4-FFF2-40B4-BE49-F238E27FC236}">
-                <a16:creationId xmlns:a16="http://schemas.microsoft.com/office/drawing/2014/main" id="{8E7E89FF-9FCC-4FB8-AE95-9B079AA6217C}"/>
+          <p:cNvPr id="3" name="Imagen 2">
+            <a:extLst>
+              <a:ext uri="{FF2B5EF4-FFF2-40B4-BE49-F238E27FC236}">
+                <a16:creationId xmlns:a16="http://schemas.microsoft.com/office/drawing/2014/main" id="{7040DF93-EC43-416E-9940-D60A9CE3C2E5}"/>
               </a:ext>
             </a:extLst>
           </p:cNvPr>
@@ -5545,26 +7394,73 @@
         </p:blipFill>
         <p:spPr>
           <a:xfrm>
-            <a:off x="115000" y="1171224"/>
-            <a:ext cx="4495032" cy="1562351"/>
+            <a:off x="370836" y="3144846"/>
+            <a:ext cx="5390665" cy="3348990"/>
           </a:xfrm>
           <a:prstGeom prst="rect">
             <a:avLst/>
           </a:prstGeom>
         </p:spPr>
       </p:pic>
+      <p:sp>
+        <p:nvSpPr>
+          <p:cNvPr id="7" name="Flecha: a la derecha 6">
+            <a:extLst>
+              <a:ext uri="{FF2B5EF4-FFF2-40B4-BE49-F238E27FC236}">
+                <a16:creationId xmlns:a16="http://schemas.microsoft.com/office/drawing/2014/main" id="{6490BED4-716E-427D-8B44-CEBB1693BE1E}"/>
+              </a:ext>
+            </a:extLst>
+          </p:cNvPr>
+          <p:cNvSpPr/>
+          <p:nvPr/>
+        </p:nvSpPr>
+        <p:spPr>
+          <a:xfrm>
+            <a:off x="6284879" y="4717946"/>
+            <a:ext cx="1854954" cy="628650"/>
+          </a:xfrm>
+          <a:prstGeom prst="rightArrow">
+            <a:avLst/>
+          </a:prstGeom>
+          <a:solidFill>
+            <a:schemeClr val="accent2"/>
+          </a:solidFill>
+        </p:spPr>
+        <p:style>
+          <a:lnRef idx="2">
+            <a:schemeClr val="accent1">
+              <a:shade val="50000"/>
+            </a:schemeClr>
+          </a:lnRef>
+          <a:fillRef idx="1">
+            <a:schemeClr val="accent1"/>
+          </a:fillRef>
+          <a:effectRef idx="0">
+            <a:schemeClr val="accent1"/>
+          </a:effectRef>
+          <a:fontRef idx="minor">
+            <a:schemeClr val="lt1"/>
+          </a:fontRef>
+        </p:style>
+        <p:txBody>
+          <a:bodyPr rtlCol="0" anchor="ctr"/>
+          <a:lstStyle/>
+          <a:p>
+            <a:pPr algn="ctr"/>
+            <a:endParaRPr lang="es-ES"/>
+          </a:p>
+        </p:txBody>
+      </p:sp>
       <p:pic>
         <p:nvPicPr>
-          <p:cNvPr id="6" name="Imagen 5">
-            <a:extLst>
-              <a:ext uri="{FF2B5EF4-FFF2-40B4-BE49-F238E27FC236}">
-                <a16:creationId xmlns:a16="http://schemas.microsoft.com/office/drawing/2014/main" id="{5C9AF96F-FDAF-4F24-B019-8519C9B144BC}"/>
-              </a:ext>
-            </a:extLst>
-          </p:cNvPr>
-          <p:cNvPicPr>
-            <a:picLocks noChangeAspect="1"/>
-          </p:cNvPicPr>
+          <p:cNvPr id="13" name="Imagen 12" descr="Texto&#10;&#10;Descripción generada automáticamente con confianza media">
+            <a:extLst>
+              <a:ext uri="{FF2B5EF4-FFF2-40B4-BE49-F238E27FC236}">
+                <a16:creationId xmlns:a16="http://schemas.microsoft.com/office/drawing/2014/main" id="{6E9214DA-0D0D-4702-B60C-0346E042BBB8}"/>
+              </a:ext>
+            </a:extLst>
+          </p:cNvPr>
+          <p:cNvPicPr/>
           <p:nvPr/>
         </p:nvPicPr>
         <p:blipFill>
@@ -5575,8 +7471,8 @@
         </p:blipFill>
         <p:spPr>
           <a:xfrm>
-            <a:off x="5611227" y="1817420"/>
-            <a:ext cx="6102416" cy="3051208"/>
+            <a:off x="67627" y="66675"/>
+            <a:ext cx="1629728" cy="514350"/>
           </a:xfrm>
           <a:prstGeom prst="rect">
             <a:avLst/>
@@ -5585,10 +7481,10 @@
       </p:pic>
       <p:sp>
         <p:nvSpPr>
-          <p:cNvPr id="12" name="CuadroTexto 11">
-            <a:extLst>
-              <a:ext uri="{FF2B5EF4-FFF2-40B4-BE49-F238E27FC236}">
-                <a16:creationId xmlns:a16="http://schemas.microsoft.com/office/drawing/2014/main" id="{CC7416A2-D381-41A2-A6BC-2A218CBA61F4}"/>
+          <p:cNvPr id="14" name="CuadroTexto 13">
+            <a:extLst>
+              <a:ext uri="{FF2B5EF4-FFF2-40B4-BE49-F238E27FC236}">
+                <a16:creationId xmlns:a16="http://schemas.microsoft.com/office/drawing/2014/main" id="{10B488C6-E6E1-434A-9F2A-1B1C00D93864}"/>
               </a:ext>
             </a:extLst>
           </p:cNvPr>
@@ -5597,8 +7493,8 @@
         </p:nvSpPr>
         <p:spPr>
           <a:xfrm>
-            <a:off x="6063920" y="6073539"/>
-            <a:ext cx="5980296" cy="646331"/>
+            <a:off x="9886949" y="9525"/>
+            <a:ext cx="2263141" cy="338554"/>
           </a:xfrm>
           <a:prstGeom prst="rect">
             <a:avLst/>
@@ -5612,18 +7508,26 @@
           <a:lstStyle/>
           <a:p>
             <a:r>
-              <a:rPr lang="es-ES" dirty="0"/>
-              <a:t>https://livebook.manning.com/book/grokking-deep-reinforcement-learning</a:t>
-            </a:r>
+              <a:rPr lang="es-ES" sz="1600" dirty="0">
+                <a:solidFill>
+                  <a:srgbClr val="4F81BD"/>
+                </a:solidFill>
+                <a:effectLst/>
+                <a:latin typeface="Arial" panose="020B0604020202020204" pitchFamily="34" charset="0"/>
+                <a:ea typeface="Arial" panose="020B0604020202020204" pitchFamily="34" charset="0"/>
+              </a:rPr>
+              <a:t>Master Deep Learning</a:t>
+            </a:r>
+            <a:endParaRPr lang="es-ES" sz="1600" dirty="0"/>
           </a:p>
         </p:txBody>
       </p:sp>
       <p:pic>
         <p:nvPicPr>
-          <p:cNvPr id="13" name="Imagen 12">
-            <a:extLst>
-              <a:ext uri="{FF2B5EF4-FFF2-40B4-BE49-F238E27FC236}">
-                <a16:creationId xmlns:a16="http://schemas.microsoft.com/office/drawing/2014/main" id="{74CA582A-FC34-4310-9C51-8553D94075DA}"/>
+          <p:cNvPr id="16" name="Imagen 15">
+            <a:extLst>
+              <a:ext uri="{FF2B5EF4-FFF2-40B4-BE49-F238E27FC236}">
+                <a16:creationId xmlns:a16="http://schemas.microsoft.com/office/drawing/2014/main" id="{77704491-391F-41EA-8CFE-E2E61F7DD2FB}"/>
               </a:ext>
             </a:extLst>
           </p:cNvPr>
@@ -5640,20 +7544,50 @@
         </p:blipFill>
         <p:spPr>
           <a:xfrm>
-            <a:off x="352380" y="3593281"/>
-            <a:ext cx="4495033" cy="2291852"/>
+            <a:off x="6430500" y="1600200"/>
+            <a:ext cx="5150947" cy="2240280"/>
           </a:xfrm>
           <a:prstGeom prst="rect">
             <a:avLst/>
           </a:prstGeom>
         </p:spPr>
       </p:pic>
-      <p:sp>
-        <p:nvSpPr>
-          <p:cNvPr id="14" name="CuadroTexto 13">
-            <a:extLst>
-              <a:ext uri="{FF2B5EF4-FFF2-40B4-BE49-F238E27FC236}">
-                <a16:creationId xmlns:a16="http://schemas.microsoft.com/office/drawing/2014/main" id="{EE6AEF7A-A228-48C3-9B93-A24D8BC31222}"/>
+      <p:pic>
+        <p:nvPicPr>
+          <p:cNvPr id="18" name="Imagen 17">
+            <a:extLst>
+              <a:ext uri="{FF2B5EF4-FFF2-40B4-BE49-F238E27FC236}">
+                <a16:creationId xmlns:a16="http://schemas.microsoft.com/office/drawing/2014/main" id="{497DA0E1-B6F6-4836-BC51-7FC23EB0C2A7}"/>
+              </a:ext>
+            </a:extLst>
+          </p:cNvPr>
+          <p:cNvPicPr>
+            <a:picLocks noChangeAspect="1"/>
+          </p:cNvPicPr>
+          <p:nvPr/>
+        </p:nvPicPr>
+        <p:blipFill>
+          <a:blip r:embed="rId5"/>
+          <a:stretch>
+            <a:fillRect/>
+          </a:stretch>
+        </p:blipFill>
+        <p:spPr>
+          <a:xfrm>
+            <a:off x="8805862" y="4724400"/>
+            <a:ext cx="2124075" cy="609600"/>
+          </a:xfrm>
+          <a:prstGeom prst="rect">
+            <a:avLst/>
+          </a:prstGeom>
+        </p:spPr>
+      </p:pic>
+      <p:sp>
+        <p:nvSpPr>
+          <p:cNvPr id="19" name="CuadroTexto 18">
+            <a:extLst>
+              <a:ext uri="{FF2B5EF4-FFF2-40B4-BE49-F238E27FC236}">
+                <a16:creationId xmlns:a16="http://schemas.microsoft.com/office/drawing/2014/main" id="{2A64CC08-8ABE-4F6D-9110-4776885589A5}"/>
               </a:ext>
             </a:extLst>
           </p:cNvPr>
@@ -5662,8 +7596,8 @@
         </p:nvSpPr>
         <p:spPr>
           <a:xfrm>
-            <a:off x="534034" y="5695950"/>
-            <a:ext cx="3656965" cy="923330"/>
+            <a:off x="1074421" y="1680211"/>
+            <a:ext cx="3726180" cy="1754326"/>
           </a:xfrm>
           <a:prstGeom prst="rect">
             <a:avLst/>
@@ -5671,24 +7605,30 @@
           <a:noFill/>
         </p:spPr>
         <p:txBody>
-          <a:bodyPr wrap="square">
+          <a:bodyPr wrap="square" rtlCol="0">
             <a:spAutoFit/>
           </a:bodyPr>
           <a:lstStyle/>
           <a:p>
             <a:r>
               <a:rPr lang="es-ES" dirty="0"/>
-              <a:t>https://wpumacay.github.io/research_blog/posts/deeprlnd-project1-navigation/</a:t>
-            </a:r>
-          </a:p>
-        </p:txBody>
-      </p:sp>
-      <p:sp>
-        <p:nvSpPr>
-          <p:cNvPr id="15" name="CuadroTexto 14">
-            <a:extLst>
-              <a:ext uri="{FF2B5EF4-FFF2-40B4-BE49-F238E27FC236}">
-                <a16:creationId xmlns:a16="http://schemas.microsoft.com/office/drawing/2014/main" id="{360536DB-665F-4178-A2A7-5EAC0E2217D7}"/>
+              <a:t>Para simplificar y acelerar el aprendizaje establecemos un máximo de 5 pods y discretizamos el valor de uso de CPU</a:t>
+            </a:r>
+          </a:p>
+          <a:p>
+            <a:endParaRPr lang="es-ES" dirty="0"/>
+          </a:p>
+          <a:p>
+            <a:endParaRPr lang="es-ES" dirty="0"/>
+          </a:p>
+        </p:txBody>
+      </p:sp>
+      <p:sp>
+        <p:nvSpPr>
+          <p:cNvPr id="20" name="CuadroTexto 19">
+            <a:extLst>
+              <a:ext uri="{FF2B5EF4-FFF2-40B4-BE49-F238E27FC236}">
+                <a16:creationId xmlns:a16="http://schemas.microsoft.com/office/drawing/2014/main" id="{323D5EAD-3512-4A24-9F6A-326BD916B250}"/>
               </a:ext>
             </a:extLst>
           </p:cNvPr>
@@ -5697,8 +7637,8 @@
         </p:nvSpPr>
         <p:spPr>
           <a:xfrm>
-            <a:off x="686434" y="102048"/>
-            <a:ext cx="3656965" cy="923330"/>
+            <a:off x="8938260" y="5417820"/>
+            <a:ext cx="1991677" cy="369332"/>
           </a:xfrm>
           <a:prstGeom prst="rect">
             <a:avLst/>
@@ -5706,14 +7646,49 @@
           <a:noFill/>
         </p:spPr>
         <p:txBody>
-          <a:bodyPr wrap="square">
+          <a:bodyPr wrap="square" rtlCol="0">
             <a:spAutoFit/>
           </a:bodyPr>
           <a:lstStyle/>
           <a:p>
             <a:r>
               <a:rPr lang="es-ES" dirty="0"/>
-              <a:t>https://wpumacay.github.io/research_blog/posts/deeprlnd-project1-navigation/</a:t>
+              <a:t>Vector estado final</a:t>
+            </a:r>
+          </a:p>
+        </p:txBody>
+      </p:sp>
+      <p:sp>
+        <p:nvSpPr>
+          <p:cNvPr id="21" name="CuadroTexto 20">
+            <a:extLst>
+              <a:ext uri="{FF2B5EF4-FFF2-40B4-BE49-F238E27FC236}">
+                <a16:creationId xmlns:a16="http://schemas.microsoft.com/office/drawing/2014/main" id="{D0E8FF75-84AF-48C4-80FC-48EBFB78F701}"/>
+              </a:ext>
+            </a:extLst>
+          </p:cNvPr>
+          <p:cNvSpPr txBox="1"/>
+          <p:nvPr/>
+        </p:nvSpPr>
+        <p:spPr>
+          <a:xfrm>
+            <a:off x="4469130" y="6195060"/>
+            <a:ext cx="7623810" cy="369332"/>
+          </a:xfrm>
+          <a:prstGeom prst="rect">
+            <a:avLst/>
+          </a:prstGeom>
+          <a:noFill/>
+        </p:spPr>
+        <p:txBody>
+          <a:bodyPr wrap="square" rtlCol="0">
+            <a:spAutoFit/>
+          </a:bodyPr>
+          <a:lstStyle/>
+          <a:p>
+            <a:r>
+              <a:rPr lang="es-ES" dirty="0"/>
+              <a:t>Desventajas: Rigidez en cuanto a número de pods y caracterización de la carga </a:t>
             </a:r>
           </a:p>
         </p:txBody>
@@ -5721,7 +7696,7 @@
     </p:spTree>
     <p:extLst>
       <p:ext uri="{BB962C8B-B14F-4D97-AF65-F5344CB8AC3E}">
-        <p14:creationId xmlns:p14="http://schemas.microsoft.com/office/powerpoint/2010/main" val="3213844953"/>
+        <p14:creationId xmlns:p14="http://schemas.microsoft.com/office/powerpoint/2010/main" val="300288635"/>
       </p:ext>
     </p:extLst>
   </p:cSld>
@@ -5750,16 +7725,14 @@
       </p:grpSpPr>
       <p:pic>
         <p:nvPicPr>
-          <p:cNvPr id="7" name="Imagen 6">
-            <a:extLst>
-              <a:ext uri="{FF2B5EF4-FFF2-40B4-BE49-F238E27FC236}">
-                <a16:creationId xmlns:a16="http://schemas.microsoft.com/office/drawing/2014/main" id="{556E4CC3-6022-4A0C-9085-42EB2CB4E888}"/>
-              </a:ext>
-            </a:extLst>
-          </p:cNvPr>
-          <p:cNvPicPr>
-            <a:picLocks noChangeAspect="1"/>
-          </p:cNvPicPr>
+          <p:cNvPr id="7" name="Imagen 6" descr="Texto&#10;&#10;Descripción generada automáticamente con confianza media">
+            <a:extLst>
+              <a:ext uri="{FF2B5EF4-FFF2-40B4-BE49-F238E27FC236}">
+                <a16:creationId xmlns:a16="http://schemas.microsoft.com/office/drawing/2014/main" id="{522F3205-AB50-49D8-8AAE-7D167D24477E}"/>
+              </a:ext>
+            </a:extLst>
+          </p:cNvPr>
+          <p:cNvPicPr/>
           <p:nvPr/>
         </p:nvPicPr>
         <p:blipFill>
@@ -5770,8 +7743,8 @@
         </p:blipFill>
         <p:spPr>
           <a:xfrm>
-            <a:off x="6491340" y="1877376"/>
-            <a:ext cx="5657850" cy="4200525"/>
+            <a:off x="67627" y="66675"/>
+            <a:ext cx="1629728" cy="514350"/>
           </a:xfrm>
           <a:prstGeom prst="rect">
             <a:avLst/>
@@ -5780,10 +7753,10 @@
       </p:pic>
       <p:sp>
         <p:nvSpPr>
-          <p:cNvPr id="9" name="CuadroTexto 8">
-            <a:extLst>
-              <a:ext uri="{FF2B5EF4-FFF2-40B4-BE49-F238E27FC236}">
-                <a16:creationId xmlns:a16="http://schemas.microsoft.com/office/drawing/2014/main" id="{90D46404-112F-4200-838F-3F6F9750DBBA}"/>
+          <p:cNvPr id="8" name="CuadroTexto 7">
+            <a:extLst>
+              <a:ext uri="{FF2B5EF4-FFF2-40B4-BE49-F238E27FC236}">
+                <a16:creationId xmlns:a16="http://schemas.microsoft.com/office/drawing/2014/main" id="{FBF8CEED-FFDF-4705-B3C0-BD2C8BC16A4F}"/>
               </a:ext>
             </a:extLst>
           </p:cNvPr>
@@ -5792,8 +7765,8 @@
         </p:nvSpPr>
         <p:spPr>
           <a:xfrm>
-            <a:off x="6535554" y="6140918"/>
-            <a:ext cx="5313546" cy="461665"/>
+            <a:off x="9886949" y="9525"/>
+            <a:ext cx="2263141" cy="338554"/>
           </a:xfrm>
           <a:prstGeom prst="rect">
             <a:avLst/>
@@ -5801,107 +7774,44 @@
           <a:noFill/>
         </p:spPr>
         <p:txBody>
-          <a:bodyPr wrap="square">
+          <a:bodyPr wrap="square" rtlCol="0">
             <a:spAutoFit/>
           </a:bodyPr>
           <a:lstStyle/>
           <a:p>
             <a:r>
-              <a:rPr lang="es-ES" sz="1200" dirty="0"/>
-              <a:t>https://www.analyticsvidhya.com/blog/2019/04/introduction-deep-q-learning-python/</a:t>
-            </a:r>
-          </a:p>
-        </p:txBody>
-      </p:sp>
-      <p:pic>
-        <p:nvPicPr>
-          <p:cNvPr id="11" name="Imagen 10">
-            <a:extLst>
-              <a:ext uri="{FF2B5EF4-FFF2-40B4-BE49-F238E27FC236}">
-                <a16:creationId xmlns:a16="http://schemas.microsoft.com/office/drawing/2014/main" id="{A6FD1BDC-8489-46D7-9677-92D67FEFFDF5}"/>
-              </a:ext>
-            </a:extLst>
-          </p:cNvPr>
-          <p:cNvPicPr>
-            <a:picLocks noChangeAspect="1"/>
-          </p:cNvPicPr>
-          <p:nvPr/>
-        </p:nvPicPr>
-        <p:blipFill>
-          <a:blip r:embed="rId3"/>
-          <a:stretch>
-            <a:fillRect/>
-          </a:stretch>
-        </p:blipFill>
-        <p:spPr>
-          <a:xfrm>
-            <a:off x="7023212" y="3608861"/>
-            <a:ext cx="698381" cy="434022"/>
-          </a:xfrm>
-          <a:prstGeom prst="rect">
-            <a:avLst/>
-          </a:prstGeom>
-        </p:spPr>
-      </p:pic>
-      <p:pic>
-        <p:nvPicPr>
-          <p:cNvPr id="13" name="Imagen 12">
-            <a:extLst>
-              <a:ext uri="{FF2B5EF4-FFF2-40B4-BE49-F238E27FC236}">
-                <a16:creationId xmlns:a16="http://schemas.microsoft.com/office/drawing/2014/main" id="{121FD159-2B44-4ECD-80A2-8FECF84B678B}"/>
-              </a:ext>
-            </a:extLst>
-          </p:cNvPr>
-          <p:cNvPicPr>
-            <a:picLocks noChangeAspect="1"/>
-          </p:cNvPicPr>
-          <p:nvPr/>
-        </p:nvPicPr>
-        <p:blipFill>
-          <a:blip r:embed="rId3"/>
-          <a:stretch>
-            <a:fillRect/>
-          </a:stretch>
-        </p:blipFill>
-        <p:spPr>
-          <a:xfrm>
-            <a:off x="10958565" y="3599336"/>
-            <a:ext cx="698382" cy="434023"/>
-          </a:xfrm>
-          <a:prstGeom prst="rect">
-            <a:avLst/>
-          </a:prstGeom>
-        </p:spPr>
-      </p:pic>
-      <p:pic>
-        <p:nvPicPr>
-          <p:cNvPr id="5" name="Imagen 4">
-            <a:extLst>
-              <a:ext uri="{FF2B5EF4-FFF2-40B4-BE49-F238E27FC236}">
-                <a16:creationId xmlns:a16="http://schemas.microsoft.com/office/drawing/2014/main" id="{EF3EAB40-A5C8-4B26-B399-904E75FF4A8C}"/>
-              </a:ext>
-            </a:extLst>
-          </p:cNvPr>
-          <p:cNvPicPr/>
-          <p:nvPr/>
-        </p:nvPicPr>
-        <p:blipFill>
-          <a:blip r:embed="rId4">
-            <a:extLst>
-              <a:ext uri="{28A0092B-C50C-407E-A947-70E740481C1C}">
-                <a14:useLocalDpi xmlns:a14="http://schemas.microsoft.com/office/drawing/2010/main" val="0"/>
-              </a:ext>
-            </a:extLst>
-          </a:blip>
-          <a:srcRect/>
-          <a:stretch>
-            <a:fillRect/>
-          </a:stretch>
-        </p:blipFill>
+              <a:rPr lang="es-ES" sz="1600" dirty="0">
+                <a:solidFill>
+                  <a:srgbClr val="4F81BD"/>
+                </a:solidFill>
+                <a:effectLst/>
+                <a:latin typeface="Arial" panose="020B0604020202020204" pitchFamily="34" charset="0"/>
+                <a:ea typeface="Arial" panose="020B0604020202020204" pitchFamily="34" charset="0"/>
+              </a:rPr>
+              <a:t>Master Deep Learning</a:t>
+            </a:r>
+            <a:endParaRPr lang="es-ES" sz="1600" dirty="0"/>
+          </a:p>
+        </p:txBody>
+      </p:sp>
+      <p:sp>
+        <p:nvSpPr>
+          <p:cNvPr id="2" name="Rectangle 2">
+            <a:extLst>
+              <a:ext uri="{FF2B5EF4-FFF2-40B4-BE49-F238E27FC236}">
+                <a16:creationId xmlns:a16="http://schemas.microsoft.com/office/drawing/2014/main" id="{E5640DBE-BBDA-42C4-8BD9-7E755B08B925}"/>
+              </a:ext>
+            </a:extLst>
+          </p:cNvPr>
+          <p:cNvSpPr>
+            <a:spLocks noChangeArrowheads="1"/>
+          </p:cNvSpPr>
+          <p:nvPr/>
+        </p:nvSpPr>
         <p:spPr bwMode="auto">
           <a:xfrm>
-            <a:off x="1947521" y="4335673"/>
-            <a:ext cx="1903730" cy="1951355"/>
+            <a:off x="5989320" y="872183"/>
+            <a:ext cx="12192000" cy="0"/>
           </a:xfrm>
           <a:prstGeom prst="rect">
             <a:avLst/>
@@ -5910,14 +7820,163 @@
           <a:ln>
             <a:noFill/>
           </a:ln>
-        </p:spPr>
-      </p:pic>
+          <a:effectLst/>
+          <a:extLst>
+            <a:ext uri="{909E8E84-426E-40DD-AFC4-6F175D3DCCD1}">
+              <a14:hiddenFill xmlns:a14="http://schemas.microsoft.com/office/drawing/2010/main">
+                <a:solidFill>
+                  <a:schemeClr val="accent1"/>
+                </a:solidFill>
+              </a14:hiddenFill>
+            </a:ext>
+            <a:ext uri="{91240B29-F687-4F45-9708-019B960494DF}">
+              <a14:hiddenLine xmlns:a14="http://schemas.microsoft.com/office/drawing/2010/main" w="9525">
+                <a:solidFill>
+                  <a:schemeClr val="tx1"/>
+                </a:solidFill>
+                <a:miter lim="800000"/>
+                <a:headEnd/>
+                <a:tailEnd/>
+              </a14:hiddenLine>
+            </a:ext>
+            <a:ext uri="{AF507438-7753-43E0-B8FC-AC1667EBCBE1}">
+              <a14:hiddenEffects xmlns:a14="http://schemas.microsoft.com/office/drawing/2010/main">
+                <a:effectLst>
+                  <a:outerShdw dist="35921" dir="2700000" algn="ctr" rotWithShape="0">
+                    <a:schemeClr val="bg2"/>
+                  </a:outerShdw>
+                </a:effectLst>
+              </a14:hiddenEffects>
+            </a:ext>
+          </a:extLst>
+        </p:spPr>
+        <p:txBody>
+          <a:bodyPr vert="horz" wrap="none" lIns="91440" tIns="45720" rIns="91440" bIns="45720" numCol="1" anchor="ctr" anchorCtr="0" compatLnSpc="1">
+            <a:prstTxWarp prst="textNoShape">
+              <a:avLst/>
+            </a:prstTxWarp>
+            <a:spAutoFit/>
+          </a:bodyPr>
+          <a:lstStyle/>
+          <a:p>
+            <a:endParaRPr lang="es-ES"/>
+          </a:p>
+        </p:txBody>
+      </p:sp>
+      <p:graphicFrame>
+        <p:nvGraphicFramePr>
+          <p:cNvPr id="9" name="Objeto 8">
+            <a:extLst>
+              <a:ext uri="{FF2B5EF4-FFF2-40B4-BE49-F238E27FC236}">
+                <a16:creationId xmlns:a16="http://schemas.microsoft.com/office/drawing/2014/main" id="{711366B1-E567-4FAE-91EA-F867EBE938DB}"/>
+              </a:ext>
+            </a:extLst>
+          </p:cNvPr>
+          <p:cNvGraphicFramePr>
+            <a:graphicFrameLocks noChangeAspect="1"/>
+          </p:cNvGraphicFramePr>
+          <p:nvPr>
+            <p:extLst>
+              <p:ext uri="{D42A27DB-BD31-4B8C-83A1-F6EECF244321}">
+                <p14:modId xmlns:p14="http://schemas.microsoft.com/office/powerpoint/2010/main" val="3460425080"/>
+              </p:ext>
+            </p:extLst>
+          </p:nvPr>
+        </p:nvGraphicFramePr>
+        <p:xfrm>
+          <a:off x="478944" y="4213451"/>
+          <a:ext cx="5723823" cy="2301643"/>
+        </p:xfrm>
+        <a:graphic>
+          <a:graphicData uri="http://schemas.openxmlformats.org/presentationml/2006/ole">
+            <mc:AlternateContent xmlns:mc="http://schemas.openxmlformats.org/markup-compatibility/2006">
+              <mc:Choice xmlns:v="urn:schemas-microsoft-com:vml" Requires="v">
+                <p:oleObj name="Document" r:id="rId3" imgW="5386812" imgH="2168135" progId="Word.OpenDocumentText.12">
+                  <p:embed/>
+                </p:oleObj>
+              </mc:Choice>
+              <mc:Fallback>
+                <p:oleObj name="Document" r:id="rId3" imgW="5386812" imgH="2168135" progId="Word.OpenDocumentText.12">
+                  <p:embed/>
+                  <p:pic>
+                    <p:nvPicPr>
+                      <p:cNvPr id="0" name="Object 1"/>
+                      <p:cNvPicPr>
+                        <a:picLocks noChangeAspect="1" noChangeArrowheads="1"/>
+                      </p:cNvPicPr>
+                      <p:nvPr/>
+                    </p:nvPicPr>
+                    <p:blipFill>
+                      <a:blip r:embed="rId4">
+                        <a:extLst>
+                          <a:ext uri="{28A0092B-C50C-407E-A947-70E740481C1C}">
+                            <a14:useLocalDpi xmlns:a14="http://schemas.microsoft.com/office/drawing/2010/main" val="0"/>
+                          </a:ext>
+                        </a:extLst>
+                      </a:blip>
+                      <a:srcRect/>
+                      <a:stretch>
+                        <a:fillRect/>
+                      </a:stretch>
+                    </p:blipFill>
+                    <p:spPr bwMode="auto">
+                      <a:xfrm>
+                        <a:off x="478944" y="4213451"/>
+                        <a:ext cx="5723823" cy="2301643"/>
+                      </a:xfrm>
+                      <a:prstGeom prst="rect">
+                        <a:avLst/>
+                      </a:prstGeom>
+                      <a:noFill/>
+                    </p:spPr>
+                  </p:pic>
+                </p:oleObj>
+              </mc:Fallback>
+            </mc:AlternateContent>
+          </a:graphicData>
+        </a:graphic>
+      </p:graphicFrame>
+      <p:sp>
+        <p:nvSpPr>
+          <p:cNvPr id="13" name="CuadroTexto 12">
+            <a:extLst>
+              <a:ext uri="{FF2B5EF4-FFF2-40B4-BE49-F238E27FC236}">
+                <a16:creationId xmlns:a16="http://schemas.microsoft.com/office/drawing/2014/main" id="{8715AEC9-EDCD-486C-B6B3-5A156F7C51EB}"/>
+              </a:ext>
+            </a:extLst>
+          </p:cNvPr>
+          <p:cNvSpPr txBox="1"/>
+          <p:nvPr/>
+        </p:nvSpPr>
+        <p:spPr>
+          <a:xfrm>
+            <a:off x="4907454" y="352734"/>
+            <a:ext cx="2590626" cy="461665"/>
+          </a:xfrm>
+          <a:prstGeom prst="rect">
+            <a:avLst/>
+          </a:prstGeom>
+          <a:noFill/>
+        </p:spPr>
+        <p:txBody>
+          <a:bodyPr wrap="square" rtlCol="0">
+            <a:spAutoFit/>
+          </a:bodyPr>
+          <a:lstStyle/>
+          <a:p>
+            <a:r>
+              <a:rPr lang="es-ES" sz="2400" b="1" dirty="0"/>
+              <a:t>Acciones: Agente</a:t>
+            </a:r>
+          </a:p>
+        </p:txBody>
+      </p:sp>
       <p:pic>
         <p:nvPicPr>
-          <p:cNvPr id="19" name="Imagen 18">
-            <a:extLst>
-              <a:ext uri="{FF2B5EF4-FFF2-40B4-BE49-F238E27FC236}">
-                <a16:creationId xmlns:a16="http://schemas.microsoft.com/office/drawing/2014/main" id="{A3DDEAF9-B330-4091-8D02-3AC6FBA778BE}"/>
+          <p:cNvPr id="15" name="Imagen 14">
+            <a:extLst>
+              <a:ext uri="{FF2B5EF4-FFF2-40B4-BE49-F238E27FC236}">
+                <a16:creationId xmlns:a16="http://schemas.microsoft.com/office/drawing/2014/main" id="{4FC7D009-5BB2-4D30-8DC3-BDECBE764647}"/>
               </a:ext>
             </a:extLst>
           </p:cNvPr>
@@ -5934,78 +7993,53 @@
         </p:blipFill>
         <p:spPr>
           <a:xfrm>
-            <a:off x="264246" y="752384"/>
-            <a:ext cx="5270280" cy="2155675"/>
+            <a:off x="7315200" y="3894428"/>
+            <a:ext cx="4194810" cy="2706116"/>
           </a:xfrm>
           <a:prstGeom prst="rect">
             <a:avLst/>
           </a:prstGeom>
         </p:spPr>
       </p:pic>
-      <p:pic>
-        <p:nvPicPr>
-          <p:cNvPr id="21" name="Imagen 20">
-            <a:extLst>
-              <a:ext uri="{FF2B5EF4-FFF2-40B4-BE49-F238E27FC236}">
-                <a16:creationId xmlns:a16="http://schemas.microsoft.com/office/drawing/2014/main" id="{00FD2C65-D1C0-4649-8A08-1D441F7BD6CE}"/>
-              </a:ext>
-            </a:extLst>
-          </p:cNvPr>
-          <p:cNvPicPr>
-            <a:picLocks noChangeAspect="1"/>
-          </p:cNvPicPr>
-          <p:nvPr/>
-        </p:nvPicPr>
-        <p:blipFill>
-          <a:blip r:embed="rId6"/>
-          <a:stretch>
-            <a:fillRect/>
-          </a:stretch>
-        </p:blipFill>
-        <p:spPr>
-          <a:xfrm>
-            <a:off x="7333737" y="718984"/>
-            <a:ext cx="3609975" cy="1095375"/>
-          </a:xfrm>
-          <a:prstGeom prst="rect">
-            <a:avLst/>
-          </a:prstGeom>
-        </p:spPr>
-      </p:pic>
-      <p:pic>
-        <p:nvPicPr>
-          <p:cNvPr id="25" name="Imagen 24">
-            <a:extLst>
-              <a:ext uri="{FF2B5EF4-FFF2-40B4-BE49-F238E27FC236}">
-                <a16:creationId xmlns:a16="http://schemas.microsoft.com/office/drawing/2014/main" id="{E0A63E11-5E5B-47C9-9D10-789E28AAEB9E}"/>
-              </a:ext>
-            </a:extLst>
-          </p:cNvPr>
-          <p:cNvPicPr>
-            <a:picLocks noChangeAspect="1"/>
-          </p:cNvPicPr>
-          <p:nvPr/>
-        </p:nvPicPr>
-        <p:blipFill>
-          <a:blip r:embed="rId7"/>
-          <a:stretch>
-            <a:fillRect/>
-          </a:stretch>
-        </p:blipFill>
-        <p:spPr>
-          <a:xfrm>
-            <a:off x="601132" y="3291195"/>
-            <a:ext cx="4636565" cy="635331"/>
-          </a:xfrm>
-          <a:prstGeom prst="rect">
-            <a:avLst/>
-          </a:prstGeom>
-        </p:spPr>
-      </p:pic>
+      <p:sp>
+        <p:nvSpPr>
+          <p:cNvPr id="16" name="CuadroTexto 15">
+            <a:extLst>
+              <a:ext uri="{FF2B5EF4-FFF2-40B4-BE49-F238E27FC236}">
+                <a16:creationId xmlns:a16="http://schemas.microsoft.com/office/drawing/2014/main" id="{18ADE18B-FE83-4DCF-A6D6-18BFFB2CE9CF}"/>
+              </a:ext>
+            </a:extLst>
+          </p:cNvPr>
+          <p:cNvSpPr txBox="1"/>
+          <p:nvPr/>
+        </p:nvSpPr>
+        <p:spPr>
+          <a:xfrm>
+            <a:off x="6423660" y="6457950"/>
+            <a:ext cx="5692140" cy="400110"/>
+          </a:xfrm>
+          <a:prstGeom prst="rect">
+            <a:avLst/>
+          </a:prstGeom>
+          <a:noFill/>
+        </p:spPr>
+        <p:txBody>
+          <a:bodyPr wrap="square" rtlCol="0">
+            <a:spAutoFit/>
+          </a:bodyPr>
+          <a:lstStyle/>
+          <a:p>
+            <a:r>
+              <a:rPr lang="es-ES" sz="1000" dirty="0"/>
+              <a:t>https://medium.com/analytics-vidhya/the-epsilon-greedy-algorithm-for-reinforcement-learning-5fe6f96dc870</a:t>
+            </a:r>
+          </a:p>
+        </p:txBody>
+      </p:sp>
     </p:spTree>
     <p:extLst>
       <p:ext uri="{BB962C8B-B14F-4D97-AF65-F5344CB8AC3E}">
-        <p14:creationId xmlns:p14="http://schemas.microsoft.com/office/powerpoint/2010/main" val="1649122035"/>
+        <p14:creationId xmlns:p14="http://schemas.microsoft.com/office/powerpoint/2010/main" val="1333816836"/>
       </p:ext>
     </p:extLst>
   </p:cSld>

--- a/doc/HpaWithDrl.pptx
+++ b/doc/HpaWithDrl.pptx
@@ -7878,14 +7878,14 @@
           <p:nvPr>
             <p:extLst>
               <p:ext uri="{D42A27DB-BD31-4B8C-83A1-F6EECF244321}">
-                <p14:modId xmlns:p14="http://schemas.microsoft.com/office/powerpoint/2010/main" val="3460425080"/>
+                <p14:modId xmlns:p14="http://schemas.microsoft.com/office/powerpoint/2010/main" val="1955453922"/>
               </p:ext>
             </p:extLst>
           </p:nvPr>
         </p:nvGraphicFramePr>
         <p:xfrm>
-          <a:off x="478944" y="4213451"/>
-          <a:ext cx="5723823" cy="2301643"/>
+          <a:off x="6900203" y="1095380"/>
+          <a:ext cx="5159795" cy="2228845"/>
         </p:xfrm>
         <a:graphic>
           <a:graphicData uri="http://schemas.openxmlformats.org/presentationml/2006/ole">
@@ -7921,8 +7921,8 @@
                     </p:blipFill>
                     <p:spPr bwMode="auto">
                       <a:xfrm>
-                        <a:off x="478944" y="4213451"/>
-                        <a:ext cx="5723823" cy="2301643"/>
+                        <a:off x="6900203" y="1095380"/>
+                        <a:ext cx="5159795" cy="2228845"/>
                       </a:xfrm>
                       <a:prstGeom prst="rect">
                         <a:avLst/>
@@ -7950,7 +7950,7 @@
         </p:nvSpPr>
         <p:spPr>
           <a:xfrm>
-            <a:off x="4907454" y="352734"/>
+            <a:off x="4907454" y="247959"/>
             <a:ext cx="2590626" cy="461665"/>
           </a:xfrm>
           <a:prstGeom prst="rect">
@@ -7993,8 +7993,8 @@
         </p:blipFill>
         <p:spPr>
           <a:xfrm>
-            <a:off x="7315200" y="3894428"/>
-            <a:ext cx="4194810" cy="2706116"/>
+            <a:off x="7543799" y="3897356"/>
+            <a:ext cx="3969231" cy="2560593"/>
           </a:xfrm>
           <a:prstGeom prst="rect">
             <a:avLst/>
@@ -8032,6 +8032,622 @@
             <a:r>
               <a:rPr lang="es-ES" sz="1000" dirty="0"/>
               <a:t>https://medium.com/analytics-vidhya/the-epsilon-greedy-algorithm-for-reinforcement-learning-5fe6f96dc870</a:t>
+            </a:r>
+          </a:p>
+        </p:txBody>
+      </p:sp>
+      <p:pic>
+        <p:nvPicPr>
+          <p:cNvPr id="6" name="Imagen 5">
+            <a:extLst>
+              <a:ext uri="{FF2B5EF4-FFF2-40B4-BE49-F238E27FC236}">
+                <a16:creationId xmlns:a16="http://schemas.microsoft.com/office/drawing/2014/main" id="{D94D305B-EF52-456B-957A-BF7C443400AC}"/>
+              </a:ext>
+            </a:extLst>
+          </p:cNvPr>
+          <p:cNvPicPr>
+            <a:picLocks noChangeAspect="1"/>
+          </p:cNvPicPr>
+          <p:nvPr/>
+        </p:nvPicPr>
+        <p:blipFill>
+          <a:blip r:embed="rId6"/>
+          <a:stretch>
+            <a:fillRect/>
+          </a:stretch>
+        </p:blipFill>
+        <p:spPr>
+          <a:xfrm>
+            <a:off x="1095769" y="2062162"/>
+            <a:ext cx="4153854" cy="3357562"/>
+          </a:xfrm>
+          <a:prstGeom prst="rect">
+            <a:avLst/>
+          </a:prstGeom>
+        </p:spPr>
+      </p:pic>
+      <p:sp>
+        <p:nvSpPr>
+          <p:cNvPr id="14" name="CuadroTexto 13">
+            <a:extLst>
+              <a:ext uri="{FF2B5EF4-FFF2-40B4-BE49-F238E27FC236}">
+                <a16:creationId xmlns:a16="http://schemas.microsoft.com/office/drawing/2014/main" id="{EC13A798-F3FD-47FF-A01B-40A6AB9E9552}"/>
+              </a:ext>
+            </a:extLst>
+          </p:cNvPr>
+          <p:cNvSpPr txBox="1"/>
+          <p:nvPr/>
+        </p:nvSpPr>
+        <p:spPr>
+          <a:xfrm>
+            <a:off x="38100" y="6477297"/>
+            <a:ext cx="6029325" cy="400110"/>
+          </a:xfrm>
+          <a:prstGeom prst="rect">
+            <a:avLst/>
+          </a:prstGeom>
+          <a:noFill/>
+        </p:spPr>
+        <p:txBody>
+          <a:bodyPr wrap="square">
+            <a:spAutoFit/>
+          </a:bodyPr>
+          <a:lstStyle/>
+          <a:p>
+            <a:r>
+              <a:rPr lang="es-ES" sz="1000" dirty="0"/>
+              <a:t>https://www.researchgate.net/figure/Neural-network-architecture-setting-There-are-five-inputs-one-output-and-three-hidden_fig5_320696945</a:t>
+            </a:r>
+          </a:p>
+        </p:txBody>
+      </p:sp>
+      <p:pic>
+        <p:nvPicPr>
+          <p:cNvPr id="12" name="Imagen 11">
+            <a:extLst>
+              <a:ext uri="{FF2B5EF4-FFF2-40B4-BE49-F238E27FC236}">
+                <a16:creationId xmlns:a16="http://schemas.microsoft.com/office/drawing/2014/main" id="{A1813F21-CF56-4140-B4C8-AB8950FE7205}"/>
+              </a:ext>
+            </a:extLst>
+          </p:cNvPr>
+          <p:cNvPicPr>
+            <a:picLocks noChangeAspect="1"/>
+          </p:cNvPicPr>
+          <p:nvPr/>
+        </p:nvPicPr>
+        <p:blipFill>
+          <a:blip r:embed="rId7"/>
+          <a:stretch>
+            <a:fillRect/>
+          </a:stretch>
+        </p:blipFill>
+        <p:spPr>
+          <a:xfrm>
+            <a:off x="323850" y="2543175"/>
+            <a:ext cx="457200" cy="190500"/>
+          </a:xfrm>
+          <a:prstGeom prst="rect">
+            <a:avLst/>
+          </a:prstGeom>
+        </p:spPr>
+      </p:pic>
+      <p:pic>
+        <p:nvPicPr>
+          <p:cNvPr id="18" name="Imagen 17">
+            <a:extLst>
+              <a:ext uri="{FF2B5EF4-FFF2-40B4-BE49-F238E27FC236}">
+                <a16:creationId xmlns:a16="http://schemas.microsoft.com/office/drawing/2014/main" id="{8043FACD-F7FC-4104-B1BA-8EA61B63EEBC}"/>
+              </a:ext>
+            </a:extLst>
+          </p:cNvPr>
+          <p:cNvPicPr>
+            <a:picLocks noChangeAspect="1"/>
+          </p:cNvPicPr>
+          <p:nvPr/>
+        </p:nvPicPr>
+        <p:blipFill>
+          <a:blip r:embed="rId7"/>
+          <a:stretch>
+            <a:fillRect/>
+          </a:stretch>
+        </p:blipFill>
+        <p:spPr>
+          <a:xfrm rot="10800000">
+            <a:off x="323850" y="4848225"/>
+            <a:ext cx="457200" cy="190500"/>
+          </a:xfrm>
+          <a:prstGeom prst="rect">
+            <a:avLst/>
+          </a:prstGeom>
+        </p:spPr>
+      </p:pic>
+      <p:pic>
+        <p:nvPicPr>
+          <p:cNvPr id="20" name="Imagen 19">
+            <a:extLst>
+              <a:ext uri="{FF2B5EF4-FFF2-40B4-BE49-F238E27FC236}">
+                <a16:creationId xmlns:a16="http://schemas.microsoft.com/office/drawing/2014/main" id="{309705BE-5A7A-47E7-A4A7-6CB76EFB61CF}"/>
+              </a:ext>
+            </a:extLst>
+          </p:cNvPr>
+          <p:cNvPicPr>
+            <a:picLocks noChangeAspect="1"/>
+          </p:cNvPicPr>
+          <p:nvPr/>
+        </p:nvPicPr>
+        <p:blipFill>
+          <a:blip r:embed="rId8"/>
+          <a:stretch>
+            <a:fillRect/>
+          </a:stretch>
+        </p:blipFill>
+        <p:spPr>
+          <a:xfrm>
+            <a:off x="438149" y="2695576"/>
+            <a:ext cx="191386" cy="342900"/>
+          </a:xfrm>
+          <a:prstGeom prst="rect">
+            <a:avLst/>
+          </a:prstGeom>
+        </p:spPr>
+      </p:pic>
+      <p:pic>
+        <p:nvPicPr>
+          <p:cNvPr id="22" name="Imagen 21">
+            <a:extLst>
+              <a:ext uri="{FF2B5EF4-FFF2-40B4-BE49-F238E27FC236}">
+                <a16:creationId xmlns:a16="http://schemas.microsoft.com/office/drawing/2014/main" id="{0DF49E74-6E27-4698-8D2C-44CE22AAF377}"/>
+              </a:ext>
+            </a:extLst>
+          </p:cNvPr>
+          <p:cNvPicPr>
+            <a:picLocks noChangeAspect="1"/>
+          </p:cNvPicPr>
+          <p:nvPr/>
+        </p:nvPicPr>
+        <p:blipFill>
+          <a:blip r:embed="rId8"/>
+          <a:stretch>
+            <a:fillRect/>
+          </a:stretch>
+        </p:blipFill>
+        <p:spPr>
+          <a:xfrm>
+            <a:off x="430925" y="3991125"/>
+            <a:ext cx="191386" cy="342900"/>
+          </a:xfrm>
+          <a:prstGeom prst="rect">
+            <a:avLst/>
+          </a:prstGeom>
+        </p:spPr>
+      </p:pic>
+      <p:pic>
+        <p:nvPicPr>
+          <p:cNvPr id="24" name="Imagen 23">
+            <a:extLst>
+              <a:ext uri="{FF2B5EF4-FFF2-40B4-BE49-F238E27FC236}">
+                <a16:creationId xmlns:a16="http://schemas.microsoft.com/office/drawing/2014/main" id="{F9E4043B-7E7D-442B-8483-2E43F66C2B7E}"/>
+              </a:ext>
+            </a:extLst>
+          </p:cNvPr>
+          <p:cNvPicPr>
+            <a:picLocks noChangeAspect="1"/>
+          </p:cNvPicPr>
+          <p:nvPr/>
+        </p:nvPicPr>
+        <p:blipFill>
+          <a:blip r:embed="rId9"/>
+          <a:stretch>
+            <a:fillRect/>
+          </a:stretch>
+        </p:blipFill>
+        <p:spPr>
+          <a:xfrm>
+            <a:off x="447675" y="3186113"/>
+            <a:ext cx="191386" cy="304478"/>
+          </a:xfrm>
+          <a:prstGeom prst="rect">
+            <a:avLst/>
+          </a:prstGeom>
+        </p:spPr>
+      </p:pic>
+      <p:pic>
+        <p:nvPicPr>
+          <p:cNvPr id="26" name="Imagen 25">
+            <a:extLst>
+              <a:ext uri="{FF2B5EF4-FFF2-40B4-BE49-F238E27FC236}">
+                <a16:creationId xmlns:a16="http://schemas.microsoft.com/office/drawing/2014/main" id="{0F8CCFDF-6017-4740-BC02-424C6212144B}"/>
+              </a:ext>
+            </a:extLst>
+          </p:cNvPr>
+          <p:cNvPicPr>
+            <a:picLocks noChangeAspect="1"/>
+          </p:cNvPicPr>
+          <p:nvPr/>
+        </p:nvPicPr>
+        <p:blipFill>
+          <a:blip r:embed="rId10"/>
+          <a:stretch>
+            <a:fillRect/>
+          </a:stretch>
+        </p:blipFill>
+        <p:spPr>
+          <a:xfrm>
+            <a:off x="457200" y="3524250"/>
+            <a:ext cx="198520" cy="342900"/>
+          </a:xfrm>
+          <a:prstGeom prst="rect">
+            <a:avLst/>
+          </a:prstGeom>
+        </p:spPr>
+      </p:pic>
+      <p:pic>
+        <p:nvPicPr>
+          <p:cNvPr id="28" name="Imagen 27">
+            <a:extLst>
+              <a:ext uri="{FF2B5EF4-FFF2-40B4-BE49-F238E27FC236}">
+                <a16:creationId xmlns:a16="http://schemas.microsoft.com/office/drawing/2014/main" id="{142130F2-14E9-43D0-A1DA-BC3436ED5C1A}"/>
+              </a:ext>
+            </a:extLst>
+          </p:cNvPr>
+          <p:cNvPicPr>
+            <a:picLocks noChangeAspect="1"/>
+          </p:cNvPicPr>
+          <p:nvPr/>
+        </p:nvPicPr>
+        <p:blipFill>
+          <a:blip r:embed="rId11"/>
+          <a:stretch>
+            <a:fillRect/>
+          </a:stretch>
+        </p:blipFill>
+        <p:spPr>
+          <a:xfrm>
+            <a:off x="433387" y="4505325"/>
+            <a:ext cx="219075" cy="304800"/>
+          </a:xfrm>
+          <a:prstGeom prst="rect">
+            <a:avLst/>
+          </a:prstGeom>
+        </p:spPr>
+      </p:pic>
+      <p:sp>
+        <p:nvSpPr>
+          <p:cNvPr id="29" name="CuadroTexto 28">
+            <a:extLst>
+              <a:ext uri="{FF2B5EF4-FFF2-40B4-BE49-F238E27FC236}">
+                <a16:creationId xmlns:a16="http://schemas.microsoft.com/office/drawing/2014/main" id="{F4AF663E-9151-4A77-B520-F29E2F28538C}"/>
+              </a:ext>
+            </a:extLst>
+          </p:cNvPr>
+          <p:cNvSpPr txBox="1"/>
+          <p:nvPr/>
+        </p:nvSpPr>
+        <p:spPr>
+          <a:xfrm>
+            <a:off x="155586" y="1600200"/>
+            <a:ext cx="824265" cy="646331"/>
+          </a:xfrm>
+          <a:prstGeom prst="rect">
+            <a:avLst/>
+          </a:prstGeom>
+          <a:noFill/>
+        </p:spPr>
+        <p:txBody>
+          <a:bodyPr wrap="none" rtlCol="0">
+            <a:spAutoFit/>
+          </a:bodyPr>
+          <a:lstStyle/>
+          <a:p>
+            <a:r>
+              <a:rPr lang="es-ES" b="1" dirty="0"/>
+              <a:t>Vector</a:t>
+            </a:r>
+          </a:p>
+          <a:p>
+            <a:r>
+              <a:rPr lang="es-ES" b="1" dirty="0"/>
+              <a:t>Estado</a:t>
+            </a:r>
+          </a:p>
+        </p:txBody>
+      </p:sp>
+      <p:sp>
+        <p:nvSpPr>
+          <p:cNvPr id="30" name="CuadroTexto 29">
+            <a:extLst>
+              <a:ext uri="{FF2B5EF4-FFF2-40B4-BE49-F238E27FC236}">
+                <a16:creationId xmlns:a16="http://schemas.microsoft.com/office/drawing/2014/main" id="{D7B5E6E1-2F6B-4BC2-BE3A-EB1B8F0A1C4D}"/>
+              </a:ext>
+            </a:extLst>
+          </p:cNvPr>
+          <p:cNvSpPr txBox="1"/>
+          <p:nvPr/>
+        </p:nvSpPr>
+        <p:spPr>
+          <a:xfrm>
+            <a:off x="5070486" y="1514475"/>
+            <a:ext cx="1194238" cy="923330"/>
+          </a:xfrm>
+          <a:prstGeom prst="rect">
+            <a:avLst/>
+          </a:prstGeom>
+          <a:noFill/>
+        </p:spPr>
+        <p:txBody>
+          <a:bodyPr wrap="none" rtlCol="0">
+            <a:spAutoFit/>
+          </a:bodyPr>
+          <a:lstStyle/>
+          <a:p>
+            <a:r>
+              <a:rPr lang="es-ES" b="1" dirty="0"/>
+              <a:t>Salida con</a:t>
+            </a:r>
+          </a:p>
+          <a:p>
+            <a:r>
+              <a:rPr lang="es-ES" b="1" dirty="0"/>
+              <a:t>Activación</a:t>
+            </a:r>
+          </a:p>
+          <a:p>
+            <a:r>
+              <a:rPr lang="es-ES" b="1" dirty="0"/>
+              <a:t>Lineal</a:t>
+            </a:r>
+          </a:p>
+        </p:txBody>
+      </p:sp>
+      <p:sp>
+        <p:nvSpPr>
+          <p:cNvPr id="31" name="CuadroTexto 30">
+            <a:extLst>
+              <a:ext uri="{FF2B5EF4-FFF2-40B4-BE49-F238E27FC236}">
+                <a16:creationId xmlns:a16="http://schemas.microsoft.com/office/drawing/2014/main" id="{94E767AA-54B3-42FF-BD72-146A6EAF5648}"/>
+              </a:ext>
+            </a:extLst>
+          </p:cNvPr>
+          <p:cNvSpPr txBox="1"/>
+          <p:nvPr/>
+        </p:nvSpPr>
+        <p:spPr>
+          <a:xfrm>
+            <a:off x="5259148" y="2676525"/>
+            <a:ext cx="836852" cy="369332"/>
+          </a:xfrm>
+          <a:prstGeom prst="rect">
+            <a:avLst/>
+          </a:prstGeom>
+          <a:noFill/>
+        </p:spPr>
+        <p:txBody>
+          <a:bodyPr wrap="square" rtlCol="0">
+            <a:spAutoFit/>
+          </a:bodyPr>
+          <a:lstStyle/>
+          <a:p>
+            <a:r>
+              <a:rPr lang="es-ES" dirty="0"/>
+              <a:t>528.01</a:t>
+            </a:r>
+          </a:p>
+        </p:txBody>
+      </p:sp>
+      <p:sp>
+        <p:nvSpPr>
+          <p:cNvPr id="32" name="CuadroTexto 31">
+            <a:extLst>
+              <a:ext uri="{FF2B5EF4-FFF2-40B4-BE49-F238E27FC236}">
+                <a16:creationId xmlns:a16="http://schemas.microsoft.com/office/drawing/2014/main" id="{CEB6F5AC-E156-4F37-B619-01A642F3D555}"/>
+              </a:ext>
+            </a:extLst>
+          </p:cNvPr>
+          <p:cNvSpPr txBox="1"/>
+          <p:nvPr/>
+        </p:nvSpPr>
+        <p:spPr>
+          <a:xfrm>
+            <a:off x="5259148" y="3133725"/>
+            <a:ext cx="836852" cy="369332"/>
+          </a:xfrm>
+          <a:prstGeom prst="rect">
+            <a:avLst/>
+          </a:prstGeom>
+          <a:noFill/>
+        </p:spPr>
+        <p:txBody>
+          <a:bodyPr wrap="square" rtlCol="0">
+            <a:spAutoFit/>
+          </a:bodyPr>
+          <a:lstStyle/>
+          <a:p>
+            <a:r>
+              <a:rPr lang="es-ES" dirty="0"/>
+              <a:t>553.00</a:t>
+            </a:r>
+          </a:p>
+        </p:txBody>
+      </p:sp>
+      <p:sp>
+        <p:nvSpPr>
+          <p:cNvPr id="33" name="CuadroTexto 32">
+            <a:extLst>
+              <a:ext uri="{FF2B5EF4-FFF2-40B4-BE49-F238E27FC236}">
+                <a16:creationId xmlns:a16="http://schemas.microsoft.com/office/drawing/2014/main" id="{C1DA5249-58F4-4F8B-A5A0-4E36054D9ADD}"/>
+              </a:ext>
+            </a:extLst>
+          </p:cNvPr>
+          <p:cNvSpPr txBox="1"/>
+          <p:nvPr/>
+        </p:nvSpPr>
+        <p:spPr>
+          <a:xfrm>
+            <a:off x="5268673" y="3571875"/>
+            <a:ext cx="836852" cy="369332"/>
+          </a:xfrm>
+          <a:prstGeom prst="rect">
+            <a:avLst/>
+          </a:prstGeom>
+          <a:noFill/>
+        </p:spPr>
+        <p:txBody>
+          <a:bodyPr wrap="square" rtlCol="0">
+            <a:spAutoFit/>
+          </a:bodyPr>
+          <a:lstStyle/>
+          <a:p>
+            <a:r>
+              <a:rPr lang="es-ES" dirty="0"/>
+              <a:t>512.54 </a:t>
+            </a:r>
+          </a:p>
+        </p:txBody>
+      </p:sp>
+      <p:sp>
+        <p:nvSpPr>
+          <p:cNvPr id="34" name="CuadroTexto 33">
+            <a:extLst>
+              <a:ext uri="{FF2B5EF4-FFF2-40B4-BE49-F238E27FC236}">
+                <a16:creationId xmlns:a16="http://schemas.microsoft.com/office/drawing/2014/main" id="{D6FA658A-2259-4C63-BD4F-73826E23B2FA}"/>
+              </a:ext>
+            </a:extLst>
+          </p:cNvPr>
+          <p:cNvSpPr txBox="1"/>
+          <p:nvPr/>
+        </p:nvSpPr>
+        <p:spPr>
+          <a:xfrm>
+            <a:off x="5259148" y="4000500"/>
+            <a:ext cx="836852" cy="369332"/>
+          </a:xfrm>
+          <a:prstGeom prst="rect">
+            <a:avLst/>
+          </a:prstGeom>
+          <a:noFill/>
+        </p:spPr>
+        <p:txBody>
+          <a:bodyPr wrap="square" rtlCol="0">
+            <a:spAutoFit/>
+          </a:bodyPr>
+          <a:lstStyle/>
+          <a:p>
+            <a:r>
+              <a:rPr lang="es-ES" dirty="0"/>
+              <a:t>582.60 </a:t>
+            </a:r>
+          </a:p>
+        </p:txBody>
+      </p:sp>
+      <p:sp>
+        <p:nvSpPr>
+          <p:cNvPr id="35" name="CuadroTexto 34">
+            <a:extLst>
+              <a:ext uri="{FF2B5EF4-FFF2-40B4-BE49-F238E27FC236}">
+                <a16:creationId xmlns:a16="http://schemas.microsoft.com/office/drawing/2014/main" id="{5B295DEC-2449-41CB-995F-D6250264AB79}"/>
+              </a:ext>
+            </a:extLst>
+          </p:cNvPr>
+          <p:cNvSpPr txBox="1"/>
+          <p:nvPr/>
+        </p:nvSpPr>
+        <p:spPr>
+          <a:xfrm>
+            <a:off x="5259148" y="4400550"/>
+            <a:ext cx="836852" cy="369332"/>
+          </a:xfrm>
+          <a:prstGeom prst="rect">
+            <a:avLst/>
+          </a:prstGeom>
+          <a:noFill/>
+        </p:spPr>
+        <p:txBody>
+          <a:bodyPr wrap="square" rtlCol="0">
+            <a:spAutoFit/>
+          </a:bodyPr>
+          <a:lstStyle/>
+          <a:p>
+            <a:r>
+              <a:rPr lang="es-ES" dirty="0"/>
+              <a:t>503.00 </a:t>
+            </a:r>
+          </a:p>
+        </p:txBody>
+      </p:sp>
+      <p:sp>
+        <p:nvSpPr>
+          <p:cNvPr id="36" name="CuadroTexto 35">
+            <a:extLst>
+              <a:ext uri="{FF2B5EF4-FFF2-40B4-BE49-F238E27FC236}">
+                <a16:creationId xmlns:a16="http://schemas.microsoft.com/office/drawing/2014/main" id="{49CC7FB3-F9BF-4B06-A729-9B03CDE790A6}"/>
+              </a:ext>
+            </a:extLst>
+          </p:cNvPr>
+          <p:cNvSpPr txBox="1"/>
+          <p:nvPr/>
+        </p:nvSpPr>
+        <p:spPr>
+          <a:xfrm>
+            <a:off x="3924300" y="5267325"/>
+            <a:ext cx="3286125" cy="923330"/>
+          </a:xfrm>
+          <a:prstGeom prst="rect">
+            <a:avLst/>
+          </a:prstGeom>
+          <a:noFill/>
+        </p:spPr>
+        <p:txBody>
+          <a:bodyPr wrap="square" rtlCol="0">
+            <a:spAutoFit/>
+          </a:bodyPr>
+          <a:lstStyle/>
+          <a:p>
+            <a:r>
+              <a:rPr lang="es-ES" dirty="0"/>
+              <a:t>Se escoge como valor predicho el máximo. Su posición indica el número de pods a establecer</a:t>
+            </a:r>
+          </a:p>
+        </p:txBody>
+      </p:sp>
+      <p:sp>
+        <p:nvSpPr>
+          <p:cNvPr id="37" name="CuadroTexto 36">
+            <a:extLst>
+              <a:ext uri="{FF2B5EF4-FFF2-40B4-BE49-F238E27FC236}">
+                <a16:creationId xmlns:a16="http://schemas.microsoft.com/office/drawing/2014/main" id="{0D2508FE-901A-474A-B119-BCFEF9F825B7}"/>
+              </a:ext>
+            </a:extLst>
+          </p:cNvPr>
+          <p:cNvSpPr txBox="1"/>
+          <p:nvPr/>
+        </p:nvSpPr>
+        <p:spPr>
+          <a:xfrm>
+            <a:off x="7613661" y="3457575"/>
+            <a:ext cx="3969230" cy="400110"/>
+          </a:xfrm>
+          <a:prstGeom prst="rect">
+            <a:avLst/>
+          </a:prstGeom>
+          <a:noFill/>
+        </p:spPr>
+        <p:txBody>
+          <a:bodyPr wrap="square" rtlCol="0">
+            <a:spAutoFit/>
+          </a:bodyPr>
+          <a:lstStyle/>
+          <a:p>
+            <a:r>
+              <a:rPr lang="el-GR" sz="2000" b="1" dirty="0"/>
+              <a:t>ε</a:t>
+            </a:r>
+            <a:r>
+              <a:rPr lang="es-ES" sz="2000" b="1" dirty="0"/>
+              <a:t> – </a:t>
+            </a:r>
+            <a:r>
+              <a:rPr lang="es-ES" b="1" dirty="0"/>
+              <a:t>greedy: Exploración vs explotación</a:t>
             </a:r>
           </a:p>
         </p:txBody>

--- a/doc/HpaWithDrl.pptx
+++ b/doc/HpaWithDrl.pptx
@@ -3596,8 +3596,8 @@
         </p:blipFill>
         <p:spPr>
           <a:xfrm>
-            <a:off x="993671" y="5451604"/>
-            <a:ext cx="10230589" cy="1335435"/>
+            <a:off x="577266" y="5359628"/>
+            <a:ext cx="11296738" cy="1402034"/>
           </a:xfrm>
           <a:prstGeom prst="rect">
             <a:avLst/>
@@ -3744,88 +3744,6 @@
           </a:p>
         </p:txBody>
       </p:sp>
-      <p:graphicFrame>
-        <p:nvGraphicFramePr>
-          <p:cNvPr id="9" name="Objeto 8">
-            <a:extLst>
-              <a:ext uri="{FF2B5EF4-FFF2-40B4-BE49-F238E27FC236}">
-                <a16:creationId xmlns:a16="http://schemas.microsoft.com/office/drawing/2014/main" id="{711366B1-E567-4FAE-91EA-F867EBE938DB}"/>
-              </a:ext>
-            </a:extLst>
-          </p:cNvPr>
-          <p:cNvGraphicFramePr>
-            <a:graphicFrameLocks noChangeAspect="1"/>
-          </p:cNvGraphicFramePr>
-          <p:nvPr/>
-        </p:nvGraphicFramePr>
-        <p:xfrm>
-          <a:off x="6540604" y="2567532"/>
-          <a:ext cx="5400675" cy="2171700"/>
-        </p:xfrm>
-        <a:graphic>
-          <a:graphicData uri="http://schemas.openxmlformats.org/presentationml/2006/ole">
-            <mc:AlternateContent xmlns:mc="http://schemas.openxmlformats.org/markup-compatibility/2006">
-              <mc:Choice xmlns:v="urn:schemas-microsoft-com:vml" Requires="v">
-                <p:oleObj name="Document" r:id="rId4" imgW="5386812" imgH="2168135" progId="Word.OpenDocumentText.12">
-                  <p:embed/>
-                </p:oleObj>
-              </mc:Choice>
-              <mc:Fallback>
-                <p:oleObj name="Document" r:id="rId4" imgW="5386812" imgH="2168135" progId="Word.OpenDocumentText.12">
-                  <p:embed/>
-                  <p:pic>
-                    <p:nvPicPr>
-                      <p:cNvPr id="9" name="Objeto 8">
-                        <a:extLst>
-                          <a:ext uri="{FF2B5EF4-FFF2-40B4-BE49-F238E27FC236}">
-                            <a16:creationId xmlns:a16="http://schemas.microsoft.com/office/drawing/2014/main" id="{711366B1-E567-4FAE-91EA-F867EBE938DB}"/>
-                          </a:ext>
-                        </a:extLst>
-                      </p:cNvPr>
-                      <p:cNvPicPr>
-                        <a:picLocks noChangeAspect="1" noChangeArrowheads="1"/>
-                      </p:cNvPicPr>
-                      <p:nvPr/>
-                    </p:nvPicPr>
-                    <p:blipFill>
-                      <a:blip r:embed="rId5">
-                        <a:extLst>
-                          <a:ext uri="{28A0092B-C50C-407E-A947-70E740481C1C}">
-                            <a14:useLocalDpi xmlns:a14="http://schemas.microsoft.com/office/drawing/2010/main" val="0"/>
-                          </a:ext>
-                        </a:extLst>
-                      </a:blip>
-                      <a:srcRect/>
-                      <a:stretch>
-                        <a:fillRect/>
-                      </a:stretch>
-                    </p:blipFill>
-                    <p:spPr bwMode="auto">
-                      <a:xfrm>
-                        <a:off x="6540604" y="2567532"/>
-                        <a:ext cx="5400675" cy="2171700"/>
-                      </a:xfrm>
-                      <a:prstGeom prst="rect">
-                        <a:avLst/>
-                      </a:prstGeom>
-                      <a:noFill/>
-                      <a:extLst>
-                        <a:ext uri="{909E8E84-426E-40DD-AFC4-6F175D3DCCD1}">
-                          <a14:hiddenFill xmlns:a14="http://schemas.microsoft.com/office/drawing/2010/main">
-                            <a:solidFill>
-                              <a:srgbClr val="FFFFFF"/>
-                            </a:solidFill>
-                          </a14:hiddenFill>
-                        </a:ext>
-                      </a:extLst>
-                    </p:spPr>
-                  </p:pic>
-                </p:oleObj>
-              </mc:Fallback>
-            </mc:AlternateContent>
-          </a:graphicData>
-        </a:graphic>
-      </p:graphicFrame>
       <p:pic>
         <p:nvPicPr>
           <p:cNvPr id="11" name="Imagen 10">
@@ -3841,15 +3759,15 @@
           <p:nvPr/>
         </p:nvPicPr>
         <p:blipFill>
-          <a:blip r:embed="rId6"/>
+          <a:blip r:embed="rId4"/>
           <a:stretch>
             <a:fillRect/>
           </a:stretch>
         </p:blipFill>
         <p:spPr>
           <a:xfrm>
-            <a:off x="993671" y="3754347"/>
-            <a:ext cx="3876675" cy="1590675"/>
+            <a:off x="5631338" y="1650287"/>
+            <a:ext cx="6242666" cy="2561487"/>
           </a:xfrm>
           <a:prstGeom prst="rect">
             <a:avLst/>
@@ -3887,6 +3805,113 @@
             <a:r>
               <a:rPr lang="es-ES" sz="2400" b="1" dirty="0"/>
               <a:t>Acciones: Entorno</a:t>
+            </a:r>
+          </a:p>
+        </p:txBody>
+      </p:sp>
+      <p:sp>
+        <p:nvSpPr>
+          <p:cNvPr id="3" name="CuadroTexto 2">
+            <a:extLst>
+              <a:ext uri="{FF2B5EF4-FFF2-40B4-BE49-F238E27FC236}">
+                <a16:creationId xmlns:a16="http://schemas.microsoft.com/office/drawing/2014/main" id="{F64AC057-662D-4B2D-A741-64E49F110706}"/>
+              </a:ext>
+            </a:extLst>
+          </p:cNvPr>
+          <p:cNvSpPr txBox="1"/>
+          <p:nvPr/>
+        </p:nvSpPr>
+        <p:spPr>
+          <a:xfrm>
+            <a:off x="440675" y="1163364"/>
+            <a:ext cx="4880471" cy="3970318"/>
+          </a:xfrm>
+          <a:prstGeom prst="rect">
+            <a:avLst/>
+          </a:prstGeom>
+          <a:noFill/>
+        </p:spPr>
+        <p:txBody>
+          <a:bodyPr wrap="square" rtlCol="0">
+            <a:spAutoFit/>
+          </a:bodyPr>
+          <a:lstStyle/>
+          <a:p>
+            <a:pPr marL="285750" indent="-285750">
+              <a:buFont typeface="Arial" panose="020B0604020202020204" pitchFamily="34" charset="0"/>
+              <a:buChar char="•"/>
+            </a:pPr>
+            <a:r>
+              <a:rPr lang="es-ES" dirty="0"/>
+              <a:t>El agente transmite al entorno la acción a realizar mediante la función “step” de este</a:t>
+            </a:r>
+          </a:p>
+          <a:p>
+            <a:pPr marL="285750" indent="-285750">
+              <a:buFont typeface="Arial" panose="020B0604020202020204" pitchFamily="34" charset="0"/>
+              <a:buChar char="•"/>
+            </a:pPr>
+            <a:endParaRPr lang="es-ES" dirty="0"/>
+          </a:p>
+          <a:p>
+            <a:pPr marL="285750" indent="-285750">
+              <a:buFont typeface="Arial" panose="020B0604020202020204" pitchFamily="34" charset="0"/>
+              <a:buChar char="•"/>
+            </a:pPr>
+            <a:r>
+              <a:rPr lang="es-ES" dirty="0"/>
+              <a:t>Esta ejecuta la acción en Kubernetes invocando el comando correspondiente</a:t>
+            </a:r>
+          </a:p>
+          <a:p>
+            <a:pPr marL="285750" indent="-285750">
+              <a:buFont typeface="Arial" panose="020B0604020202020204" pitchFamily="34" charset="0"/>
+              <a:buChar char="•"/>
+            </a:pPr>
+            <a:endParaRPr lang="es-ES" dirty="0"/>
+          </a:p>
+          <a:p>
+            <a:pPr marL="285750" indent="-285750">
+              <a:buFont typeface="Arial" panose="020B0604020202020204" pitchFamily="34" charset="0"/>
+              <a:buChar char="•"/>
+            </a:pPr>
+            <a:r>
+              <a:rPr lang="es-ES" dirty="0"/>
+              <a:t>Se hace una espera de 20 segundos para permitir a Kubernetes establecer el nuevo estado</a:t>
+            </a:r>
+          </a:p>
+          <a:p>
+            <a:pPr marL="285750" indent="-285750">
+              <a:buFont typeface="Arial" panose="020B0604020202020204" pitchFamily="34" charset="0"/>
+              <a:buChar char="•"/>
+            </a:pPr>
+            <a:endParaRPr lang="es-ES" dirty="0"/>
+          </a:p>
+          <a:p>
+            <a:pPr marL="285750" indent="-285750">
+              <a:buFont typeface="Arial" panose="020B0604020202020204" pitchFamily="34" charset="0"/>
+              <a:buChar char="•"/>
+            </a:pPr>
+            <a:r>
+              <a:rPr lang="es-ES" dirty="0"/>
+              <a:t>Calcula la recompensa en función del estado y la acción tomada</a:t>
+            </a:r>
+          </a:p>
+          <a:p>
+            <a:pPr marL="285750" indent="-285750">
+              <a:buFont typeface="Arial" panose="020B0604020202020204" pitchFamily="34" charset="0"/>
+              <a:buChar char="•"/>
+            </a:pPr>
+            <a:endParaRPr lang="es-ES" dirty="0"/>
+          </a:p>
+          <a:p>
+            <a:pPr marL="285750" indent="-285750">
+              <a:buFont typeface="Arial" panose="020B0604020202020204" pitchFamily="34" charset="0"/>
+              <a:buChar char="•"/>
+            </a:pPr>
+            <a:r>
+              <a:rPr lang="es-ES" dirty="0"/>
+              <a:t>Devuelve la recompensa y el nuevo estado</a:t>
             </a:r>
           </a:p>
         </p:txBody>
@@ -3943,7 +3968,7 @@
         </p:blipFill>
         <p:spPr>
           <a:xfrm>
-            <a:off x="1212532" y="2040255"/>
+            <a:off x="1212532" y="2018217"/>
             <a:ext cx="5345679" cy="3034665"/>
           </a:xfrm>
           <a:prstGeom prst="rect">
@@ -3973,7 +3998,7 @@
         </p:blipFill>
         <p:spPr>
           <a:xfrm>
-            <a:off x="7909560" y="2150745"/>
+            <a:off x="7909560" y="2106672"/>
             <a:ext cx="2362200" cy="2762250"/>
           </a:xfrm>
           <a:prstGeom prst="rect">
@@ -4084,6 +4109,155 @@
               <a:t>Master Deep Learning</a:t>
             </a:r>
             <a:endParaRPr lang="es-ES" sz="1600" dirty="0"/>
+          </a:p>
+        </p:txBody>
+      </p:sp>
+      <p:sp>
+        <p:nvSpPr>
+          <p:cNvPr id="9" name="CuadroTexto 8">
+            <a:extLst>
+              <a:ext uri="{FF2B5EF4-FFF2-40B4-BE49-F238E27FC236}">
+                <a16:creationId xmlns:a16="http://schemas.microsoft.com/office/drawing/2014/main" id="{B915B83E-C6AF-4DAE-9B5E-3CA129DFAB1D}"/>
+              </a:ext>
+            </a:extLst>
+          </p:cNvPr>
+          <p:cNvSpPr txBox="1"/>
+          <p:nvPr/>
+        </p:nvSpPr>
+        <p:spPr>
+          <a:xfrm>
+            <a:off x="1157448" y="1270906"/>
+            <a:ext cx="8097536" cy="646331"/>
+          </a:xfrm>
+          <a:prstGeom prst="rect">
+            <a:avLst/>
+          </a:prstGeom>
+          <a:noFill/>
+        </p:spPr>
+        <p:txBody>
+          <a:bodyPr wrap="square" rtlCol="0">
+            <a:spAutoFit/>
+          </a:bodyPr>
+          <a:lstStyle/>
+          <a:p>
+            <a:pPr marL="285750" indent="-285750">
+              <a:buFont typeface="Arial" panose="020B0604020202020204" pitchFamily="34" charset="0"/>
+              <a:buChar char="•"/>
+            </a:pPr>
+            <a:r>
+              <a:rPr lang="es-ES" dirty="0"/>
+              <a:t>Modelamos las recompensas mediante una tabla</a:t>
+            </a:r>
+          </a:p>
+          <a:p>
+            <a:pPr marL="285750" indent="-285750">
+              <a:buFont typeface="Arial" panose="020B0604020202020204" pitchFamily="34" charset="0"/>
+              <a:buChar char="•"/>
+            </a:pPr>
+            <a:r>
+              <a:rPr lang="es-ES" dirty="0"/>
+              <a:t>Traducimos el vector estado a una clave para la tabla de recompensas</a:t>
+            </a:r>
+          </a:p>
+        </p:txBody>
+      </p:sp>
+      <p:sp>
+        <p:nvSpPr>
+          <p:cNvPr id="13" name="CuadroTexto 12">
+            <a:extLst>
+              <a:ext uri="{FF2B5EF4-FFF2-40B4-BE49-F238E27FC236}">
+                <a16:creationId xmlns:a16="http://schemas.microsoft.com/office/drawing/2014/main" id="{0DDBB995-0329-48D2-94AA-67FB910B205C}"/>
+              </a:ext>
+            </a:extLst>
+          </p:cNvPr>
+          <p:cNvSpPr txBox="1"/>
+          <p:nvPr/>
+        </p:nvSpPr>
+        <p:spPr>
+          <a:xfrm>
+            <a:off x="1221712" y="4882609"/>
+            <a:ext cx="8097536" cy="2308324"/>
+          </a:xfrm>
+          <a:prstGeom prst="rect">
+            <a:avLst/>
+          </a:prstGeom>
+          <a:noFill/>
+        </p:spPr>
+        <p:txBody>
+          <a:bodyPr wrap="square" rtlCol="0">
+            <a:spAutoFit/>
+          </a:bodyPr>
+          <a:lstStyle/>
+          <a:p>
+            <a:pPr marL="285750" indent="-285750">
+              <a:buFont typeface="Arial" panose="020B0604020202020204" pitchFamily="34" charset="0"/>
+              <a:buChar char="•"/>
+            </a:pPr>
+            <a:r>
+              <a:rPr lang="es-ES" dirty="0"/>
+              <a:t>Pros: </a:t>
+            </a:r>
+          </a:p>
+          <a:p>
+            <a:pPr marL="742950" lvl="1" indent="-285750">
+              <a:buFont typeface="Arial" panose="020B0604020202020204" pitchFamily="34" charset="0"/>
+              <a:buChar char="•"/>
+            </a:pPr>
+            <a:r>
+              <a:rPr lang="es-ES" dirty="0"/>
+              <a:t>Sencillez</a:t>
+            </a:r>
+          </a:p>
+          <a:p>
+            <a:pPr marL="742950" lvl="1" indent="-285750">
+              <a:buFont typeface="Arial" panose="020B0604020202020204" pitchFamily="34" charset="0"/>
+              <a:buChar char="•"/>
+            </a:pPr>
+            <a:r>
+              <a:rPr lang="es-ES" dirty="0"/>
+              <a:t>La clave es independiente del número de pods máximo</a:t>
+            </a:r>
+          </a:p>
+          <a:p>
+            <a:pPr marL="742950" lvl="1" indent="-285750">
+              <a:buFont typeface="Arial" panose="020B0604020202020204" pitchFamily="34" charset="0"/>
+              <a:buChar char="•"/>
+            </a:pPr>
+            <a:r>
+              <a:rPr lang="es-ES" dirty="0"/>
+              <a:t>Granularidad</a:t>
+            </a:r>
+          </a:p>
+          <a:p>
+            <a:pPr marL="285750" indent="-285750">
+              <a:buFont typeface="Arial" panose="020B0604020202020204" pitchFamily="34" charset="0"/>
+              <a:buChar char="•"/>
+            </a:pPr>
+            <a:r>
+              <a:rPr lang="es-ES" dirty="0"/>
+              <a:t>Contras: </a:t>
+            </a:r>
+          </a:p>
+          <a:p>
+            <a:pPr marL="742950" lvl="1" indent="-285750">
+              <a:buFont typeface="Arial" panose="020B0604020202020204" pitchFamily="34" charset="0"/>
+              <a:buChar char="•"/>
+            </a:pPr>
+            <a:r>
+              <a:rPr lang="es-ES" dirty="0"/>
+              <a:t>Rigidez y Escalabilidad si aumenta el número de pods máximo.</a:t>
+            </a:r>
+          </a:p>
+          <a:p>
+            <a:pPr lvl="1"/>
+            <a:endParaRPr lang="es-ES" dirty="0"/>
+          </a:p>
+          <a:p>
+            <a:pPr marL="285750" indent="-285750">
+              <a:buFont typeface="Arial" panose="020B0604020202020204" pitchFamily="34" charset="0"/>
+              <a:buChar char="•"/>
+            </a:pPr>
+            <a:endParaRPr lang="es-ES" dirty="0"/>
           </a:p>
         </p:txBody>
       </p:sp>
@@ -4119,10 +4293,10 @@
       </p:grpSpPr>
       <p:sp>
         <p:nvSpPr>
-          <p:cNvPr id="8" name="CuadroTexto 7">
-            <a:extLst>
-              <a:ext uri="{FF2B5EF4-FFF2-40B4-BE49-F238E27FC236}">
-                <a16:creationId xmlns:a16="http://schemas.microsoft.com/office/drawing/2014/main" id="{8D22B611-AB50-4B72-A1AD-2421287614EF}"/>
+          <p:cNvPr id="5" name="CuadroTexto 4">
+            <a:extLst>
+              <a:ext uri="{FF2B5EF4-FFF2-40B4-BE49-F238E27FC236}">
+                <a16:creationId xmlns:a16="http://schemas.microsoft.com/office/drawing/2014/main" id="{3940953D-F142-4EB5-8C10-7B446165DCB7}"/>
               </a:ext>
             </a:extLst>
           </p:cNvPr>
@@ -4131,8 +4305,8 @@
         </p:nvSpPr>
         <p:spPr>
           <a:xfrm>
-            <a:off x="750762" y="1155036"/>
-            <a:ext cx="927049" cy="369332"/>
+            <a:off x="4715219" y="443614"/>
+            <a:ext cx="2170323" cy="461665"/>
           </a:xfrm>
           <a:prstGeom prst="rect">
             <a:avLst/>
@@ -4140,30 +4314,28 @@
           <a:noFill/>
         </p:spPr>
         <p:txBody>
-          <a:bodyPr wrap="none" rtlCol="0">
+          <a:bodyPr wrap="square" rtlCol="0">
             <a:spAutoFit/>
           </a:bodyPr>
           <a:lstStyle/>
           <a:p>
             <a:r>
-              <a:rPr lang="es-ES" dirty="0"/>
-              <a:t>Training</a:t>
+              <a:rPr lang="es-ES" sz="2400" b="1" dirty="0"/>
+              <a:t>Entrenamiento</a:t>
             </a:r>
           </a:p>
         </p:txBody>
       </p:sp>
       <p:pic>
         <p:nvPicPr>
-          <p:cNvPr id="3" name="Imagen 2">
-            <a:extLst>
-              <a:ext uri="{FF2B5EF4-FFF2-40B4-BE49-F238E27FC236}">
-                <a16:creationId xmlns:a16="http://schemas.microsoft.com/office/drawing/2014/main" id="{6C216D47-F67C-4279-8967-DCEF325A54EE}"/>
-              </a:ext>
-            </a:extLst>
-          </p:cNvPr>
-          <p:cNvPicPr>
-            <a:picLocks noChangeAspect="1"/>
-          </p:cNvPicPr>
+          <p:cNvPr id="6" name="Imagen 5" descr="Texto&#10;&#10;Descripción generada automáticamente con confianza media">
+            <a:extLst>
+              <a:ext uri="{FF2B5EF4-FFF2-40B4-BE49-F238E27FC236}">
+                <a16:creationId xmlns:a16="http://schemas.microsoft.com/office/drawing/2014/main" id="{24D8E9F1-6253-4A03-A310-C7536A8A0383}"/>
+              </a:ext>
+            </a:extLst>
+          </p:cNvPr>
+          <p:cNvPicPr/>
           <p:nvPr/>
         </p:nvPicPr>
         <p:blipFill>
@@ -4174,8 +4346,8 @@
         </p:blipFill>
         <p:spPr>
           <a:xfrm>
-            <a:off x="7179994" y="996933"/>
-            <a:ext cx="3876675" cy="1590675"/>
+            <a:off x="67627" y="66675"/>
+            <a:ext cx="1629728" cy="514350"/>
           </a:xfrm>
           <a:prstGeom prst="rect">
             <a:avLst/>
@@ -4184,10 +4356,10 @@
       </p:pic>
       <p:sp>
         <p:nvSpPr>
-          <p:cNvPr id="4" name="CuadroTexto 3">
-            <a:extLst>
-              <a:ext uri="{FF2B5EF4-FFF2-40B4-BE49-F238E27FC236}">
-                <a16:creationId xmlns:a16="http://schemas.microsoft.com/office/drawing/2014/main" id="{749BFABB-78C9-4A17-AE14-C1B3CB85CB20}"/>
+          <p:cNvPr id="9" name="CuadroTexto 8">
+            <a:extLst>
+              <a:ext uri="{FF2B5EF4-FFF2-40B4-BE49-F238E27FC236}">
+                <a16:creationId xmlns:a16="http://schemas.microsoft.com/office/drawing/2014/main" id="{A640E466-38CB-4D33-91DC-45CF9DF513F7}"/>
               </a:ext>
             </a:extLst>
           </p:cNvPr>
@@ -4196,8 +4368,8 @@
         </p:nvSpPr>
         <p:spPr>
           <a:xfrm>
-            <a:off x="7246239" y="3020724"/>
-            <a:ext cx="3505575" cy="1754326"/>
+            <a:off x="9886949" y="9525"/>
+            <a:ext cx="2263141" cy="338554"/>
           </a:xfrm>
           <a:prstGeom prst="rect">
             <a:avLst/>
@@ -4205,42 +4377,394 @@
           <a:noFill/>
         </p:spPr>
         <p:txBody>
-          <a:bodyPr wrap="none" rtlCol="0">
+          <a:bodyPr wrap="square" rtlCol="0">
             <a:spAutoFit/>
           </a:bodyPr>
           <a:lstStyle/>
           <a:p>
             <a:r>
-              <a:rPr lang="es-ES" dirty="0" err="1"/>
-              <a:t>Sleep</a:t>
-            </a:r>
+              <a:rPr lang="es-ES" sz="1600" dirty="0">
+                <a:solidFill>
+                  <a:srgbClr val="4F81BD"/>
+                </a:solidFill>
+                <a:effectLst/>
+                <a:latin typeface="Arial" panose="020B0604020202020204" pitchFamily="34" charset="0"/>
+                <a:ea typeface="Arial" panose="020B0604020202020204" pitchFamily="34" charset="0"/>
+              </a:rPr>
+              <a:t>Master Deep Learning</a:t>
+            </a:r>
+            <a:endParaRPr lang="es-ES" sz="1600" dirty="0"/>
+          </a:p>
+        </p:txBody>
+      </p:sp>
+      <p:sp>
+        <p:nvSpPr>
+          <p:cNvPr id="2" name="Rectangle 2">
+            <a:extLst>
+              <a:ext uri="{FF2B5EF4-FFF2-40B4-BE49-F238E27FC236}">
+                <a16:creationId xmlns:a16="http://schemas.microsoft.com/office/drawing/2014/main" id="{842579C9-6570-48BF-B76C-BDE90046A6DA}"/>
+              </a:ext>
+            </a:extLst>
+          </p:cNvPr>
+          <p:cNvSpPr>
+            <a:spLocks noChangeArrowheads="1"/>
+          </p:cNvSpPr>
+          <p:nvPr/>
+        </p:nvSpPr>
+        <p:spPr bwMode="auto">
+          <a:xfrm>
+            <a:off x="360218" y="1699491"/>
+            <a:ext cx="12192000" cy="0"/>
+          </a:xfrm>
+          <a:prstGeom prst="rect">
+            <a:avLst/>
+          </a:prstGeom>
+          <a:noFill/>
+          <a:ln>
+            <a:noFill/>
+          </a:ln>
+          <a:effectLst/>
+          <a:extLst>
+            <a:ext uri="{909E8E84-426E-40DD-AFC4-6F175D3DCCD1}">
+              <a14:hiddenFill xmlns:a14="http://schemas.microsoft.com/office/drawing/2010/main">
+                <a:solidFill>
+                  <a:schemeClr val="accent1"/>
+                </a:solidFill>
+              </a14:hiddenFill>
+            </a:ext>
+            <a:ext uri="{91240B29-F687-4F45-9708-019B960494DF}">
+              <a14:hiddenLine xmlns:a14="http://schemas.microsoft.com/office/drawing/2010/main" w="9525">
+                <a:solidFill>
+                  <a:schemeClr val="tx1"/>
+                </a:solidFill>
+                <a:miter lim="800000"/>
+                <a:headEnd/>
+                <a:tailEnd/>
+              </a14:hiddenLine>
+            </a:ext>
+            <a:ext uri="{AF507438-7753-43E0-B8FC-AC1667EBCBE1}">
+              <a14:hiddenEffects xmlns:a14="http://schemas.microsoft.com/office/drawing/2010/main">
+                <a:effectLst>
+                  <a:outerShdw dist="35921" dir="2700000" algn="ctr" rotWithShape="0">
+                    <a:schemeClr val="bg2"/>
+                  </a:outerShdw>
+                </a:effectLst>
+              </a14:hiddenEffects>
+            </a:ext>
+          </a:extLst>
+        </p:spPr>
+        <p:txBody>
+          <a:bodyPr vert="horz" wrap="none" lIns="91440" tIns="45720" rIns="91440" bIns="45720" numCol="1" anchor="ctr" anchorCtr="0" compatLnSpc="1">
+            <a:prstTxWarp prst="textNoShape">
+              <a:avLst/>
+            </a:prstTxWarp>
+            <a:spAutoFit/>
+          </a:bodyPr>
+          <a:lstStyle/>
+          <a:p>
+            <a:endParaRPr lang="es-ES"/>
+          </a:p>
+        </p:txBody>
+      </p:sp>
+      <p:graphicFrame>
+        <p:nvGraphicFramePr>
+          <p:cNvPr id="10" name="Objeto 9">
+            <a:extLst>
+              <a:ext uri="{FF2B5EF4-FFF2-40B4-BE49-F238E27FC236}">
+                <a16:creationId xmlns:a16="http://schemas.microsoft.com/office/drawing/2014/main" id="{363206F7-368A-4F44-B49F-78042E8771F3}"/>
+              </a:ext>
+            </a:extLst>
+          </p:cNvPr>
+          <p:cNvGraphicFramePr>
+            <a:graphicFrameLocks noChangeAspect="1"/>
+          </p:cNvGraphicFramePr>
+          <p:nvPr>
+            <p:extLst>
+              <p:ext uri="{D42A27DB-BD31-4B8C-83A1-F6EECF244321}">
+                <p14:modId xmlns:p14="http://schemas.microsoft.com/office/powerpoint/2010/main" val="644126272"/>
+              </p:ext>
+            </p:extLst>
+          </p:nvPr>
+        </p:nvGraphicFramePr>
+        <p:xfrm>
+          <a:off x="360218" y="2013523"/>
+          <a:ext cx="5400675" cy="4682839"/>
+        </p:xfrm>
+        <a:graphic>
+          <a:graphicData uri="http://schemas.openxmlformats.org/presentationml/2006/ole">
+            <mc:AlternateContent xmlns:mc="http://schemas.openxmlformats.org/markup-compatibility/2006">
+              <mc:Choice xmlns:v="urn:schemas-microsoft-com:vml" Requires="v">
+                <p:oleObj name="Document" r:id="rId3" imgW="5386812" imgH="4877854" progId="Word.OpenDocumentText.12">
+                  <p:embed/>
+                </p:oleObj>
+              </mc:Choice>
+              <mc:Fallback>
+                <p:oleObj name="Document" r:id="rId3" imgW="5386812" imgH="4877854" progId="Word.OpenDocumentText.12">
+                  <p:embed/>
+                  <p:pic>
+                    <p:nvPicPr>
+                      <p:cNvPr id="0" name="Object 1"/>
+                      <p:cNvPicPr>
+                        <a:picLocks noChangeAspect="1" noChangeArrowheads="1"/>
+                      </p:cNvPicPr>
+                      <p:nvPr/>
+                    </p:nvPicPr>
+                    <p:blipFill>
+                      <a:blip r:embed="rId4">
+                        <a:extLst>
+                          <a:ext uri="{28A0092B-C50C-407E-A947-70E740481C1C}">
+                            <a14:useLocalDpi xmlns:a14="http://schemas.microsoft.com/office/drawing/2010/main" val="0"/>
+                          </a:ext>
+                        </a:extLst>
+                      </a:blip>
+                      <a:srcRect/>
+                      <a:stretch>
+                        <a:fillRect/>
+                      </a:stretch>
+                    </p:blipFill>
+                    <p:spPr bwMode="auto">
+                      <a:xfrm>
+                        <a:off x="360218" y="2013523"/>
+                        <a:ext cx="5400675" cy="4682839"/>
+                      </a:xfrm>
+                      <a:prstGeom prst="rect">
+                        <a:avLst/>
+                      </a:prstGeom>
+                      <a:noFill/>
+                    </p:spPr>
+                  </p:pic>
+                </p:oleObj>
+              </mc:Fallback>
+            </mc:AlternateContent>
+          </a:graphicData>
+        </a:graphic>
+      </p:graphicFrame>
+      <p:sp>
+        <p:nvSpPr>
+          <p:cNvPr id="11" name="Rectangle 4">
+            <a:extLst>
+              <a:ext uri="{FF2B5EF4-FFF2-40B4-BE49-F238E27FC236}">
+                <a16:creationId xmlns:a16="http://schemas.microsoft.com/office/drawing/2014/main" id="{AB302E14-DBDC-407F-972E-B07C19F36A99}"/>
+              </a:ext>
+            </a:extLst>
+          </p:cNvPr>
+          <p:cNvSpPr>
+            <a:spLocks noChangeArrowheads="1"/>
+          </p:cNvSpPr>
+          <p:nvPr/>
+        </p:nvSpPr>
+        <p:spPr bwMode="auto">
+          <a:xfrm>
+            <a:off x="6216073" y="2775816"/>
+            <a:ext cx="12192000" cy="0"/>
+          </a:xfrm>
+          <a:prstGeom prst="rect">
+            <a:avLst/>
+          </a:prstGeom>
+          <a:noFill/>
+          <a:ln>
+            <a:noFill/>
+          </a:ln>
+          <a:effectLst/>
+          <a:extLst>
+            <a:ext uri="{909E8E84-426E-40DD-AFC4-6F175D3DCCD1}">
+              <a14:hiddenFill xmlns:a14="http://schemas.microsoft.com/office/drawing/2010/main">
+                <a:solidFill>
+                  <a:schemeClr val="accent1"/>
+                </a:solidFill>
+              </a14:hiddenFill>
+            </a:ext>
+            <a:ext uri="{91240B29-F687-4F45-9708-019B960494DF}">
+              <a14:hiddenLine xmlns:a14="http://schemas.microsoft.com/office/drawing/2010/main" w="9525">
+                <a:solidFill>
+                  <a:schemeClr val="tx1"/>
+                </a:solidFill>
+                <a:miter lim="800000"/>
+                <a:headEnd/>
+                <a:tailEnd/>
+              </a14:hiddenLine>
+            </a:ext>
+            <a:ext uri="{AF507438-7753-43E0-B8FC-AC1667EBCBE1}">
+              <a14:hiddenEffects xmlns:a14="http://schemas.microsoft.com/office/drawing/2010/main">
+                <a:effectLst>
+                  <a:outerShdw dist="35921" dir="2700000" algn="ctr" rotWithShape="0">
+                    <a:schemeClr val="bg2"/>
+                  </a:outerShdw>
+                </a:effectLst>
+              </a14:hiddenEffects>
+            </a:ext>
+          </a:extLst>
+        </p:spPr>
+        <p:txBody>
+          <a:bodyPr vert="horz" wrap="none" lIns="91440" tIns="45720" rIns="91440" bIns="45720" numCol="1" anchor="ctr" anchorCtr="0" compatLnSpc="1">
+            <a:prstTxWarp prst="textNoShape">
+              <a:avLst/>
+            </a:prstTxWarp>
+            <a:spAutoFit/>
+          </a:bodyPr>
+          <a:lstStyle/>
+          <a:p>
+            <a:endParaRPr lang="es-ES"/>
+          </a:p>
+        </p:txBody>
+      </p:sp>
+      <p:graphicFrame>
+        <p:nvGraphicFramePr>
+          <p:cNvPr id="12" name="Objeto 11">
+            <a:extLst>
+              <a:ext uri="{FF2B5EF4-FFF2-40B4-BE49-F238E27FC236}">
+                <a16:creationId xmlns:a16="http://schemas.microsoft.com/office/drawing/2014/main" id="{0E01B704-9382-4588-AED9-E4C0C391D96D}"/>
+              </a:ext>
+            </a:extLst>
+          </p:cNvPr>
+          <p:cNvGraphicFramePr>
+            <a:graphicFrameLocks noChangeAspect="1"/>
+          </p:cNvGraphicFramePr>
+          <p:nvPr>
+            <p:extLst>
+              <p:ext uri="{D42A27DB-BD31-4B8C-83A1-F6EECF244321}">
+                <p14:modId xmlns:p14="http://schemas.microsoft.com/office/powerpoint/2010/main" val="2062565540"/>
+              </p:ext>
+            </p:extLst>
+          </p:nvPr>
+        </p:nvGraphicFramePr>
+        <p:xfrm>
+          <a:off x="6216073" y="2914362"/>
+          <a:ext cx="5400675" cy="3800475"/>
+        </p:xfrm>
+        <a:graphic>
+          <a:graphicData uri="http://schemas.openxmlformats.org/presentationml/2006/ole">
+            <mc:AlternateContent xmlns:mc="http://schemas.openxmlformats.org/markup-compatibility/2006">
+              <mc:Choice xmlns:v="urn:schemas-microsoft-com:vml" Requires="v">
+                <p:oleObj name="Document" r:id="rId5" imgW="5386812" imgH="3793967" progId="Word.OpenDocumentText.12">
+                  <p:embed/>
+                </p:oleObj>
+              </mc:Choice>
+              <mc:Fallback>
+                <p:oleObj name="Document" r:id="rId5" imgW="5386812" imgH="3793967" progId="Word.OpenDocumentText.12">
+                  <p:embed/>
+                  <p:pic>
+                    <p:nvPicPr>
+                      <p:cNvPr id="0" name="Object 3"/>
+                      <p:cNvPicPr>
+                        <a:picLocks noChangeAspect="1" noChangeArrowheads="1"/>
+                      </p:cNvPicPr>
+                      <p:nvPr/>
+                    </p:nvPicPr>
+                    <p:blipFill>
+                      <a:blip r:embed="rId6">
+                        <a:extLst>
+                          <a:ext uri="{28A0092B-C50C-407E-A947-70E740481C1C}">
+                            <a14:useLocalDpi xmlns:a14="http://schemas.microsoft.com/office/drawing/2010/main" val="0"/>
+                          </a:ext>
+                        </a:extLst>
+                      </a:blip>
+                      <a:srcRect/>
+                      <a:stretch>
+                        <a:fillRect/>
+                      </a:stretch>
+                    </p:blipFill>
+                    <p:spPr bwMode="auto">
+                      <a:xfrm>
+                        <a:off x="6216073" y="2914362"/>
+                        <a:ext cx="5400675" cy="3800475"/>
+                      </a:xfrm>
+                      <a:prstGeom prst="rect">
+                        <a:avLst/>
+                      </a:prstGeom>
+                      <a:noFill/>
+                      <a:extLst>
+                        <a:ext uri="{909E8E84-426E-40DD-AFC4-6F175D3DCCD1}">
+                          <a14:hiddenFill xmlns:a14="http://schemas.microsoft.com/office/drawing/2010/main">
+                            <a:solidFill>
+                              <a:srgbClr val="FFFFFF"/>
+                            </a:solidFill>
+                          </a14:hiddenFill>
+                        </a:ext>
+                      </a:extLst>
+                    </p:spPr>
+                  </p:pic>
+                </p:oleObj>
+              </mc:Fallback>
+            </mc:AlternateContent>
+          </a:graphicData>
+        </a:graphic>
+      </p:graphicFrame>
+      <p:pic>
+        <p:nvPicPr>
+          <p:cNvPr id="13" name="Imagen 12">
+            <a:extLst>
+              <a:ext uri="{FF2B5EF4-FFF2-40B4-BE49-F238E27FC236}">
+                <a16:creationId xmlns:a16="http://schemas.microsoft.com/office/drawing/2014/main" id="{E2712934-7E4C-40DC-B753-7349FBC82A40}"/>
+              </a:ext>
+            </a:extLst>
+          </p:cNvPr>
+          <p:cNvPicPr>
+            <a:picLocks noChangeAspect="1"/>
+          </p:cNvPicPr>
+          <p:nvPr/>
+        </p:nvPicPr>
+        <p:blipFill>
+          <a:blip r:embed="rId7"/>
+          <a:stretch>
+            <a:fillRect/>
+          </a:stretch>
+        </p:blipFill>
+        <p:spPr>
+          <a:xfrm>
+            <a:off x="6561600" y="2162160"/>
+            <a:ext cx="4636565" cy="635331"/>
+          </a:xfrm>
+          <a:prstGeom prst="rect">
+            <a:avLst/>
+          </a:prstGeom>
+        </p:spPr>
+      </p:pic>
+      <p:sp>
+        <p:nvSpPr>
+          <p:cNvPr id="14" name="CuadroTexto 13">
+            <a:extLst>
+              <a:ext uri="{FF2B5EF4-FFF2-40B4-BE49-F238E27FC236}">
+                <a16:creationId xmlns:a16="http://schemas.microsoft.com/office/drawing/2014/main" id="{80452897-67F4-4DEB-85A2-D9ADA0D6B005}"/>
+              </a:ext>
+            </a:extLst>
+          </p:cNvPr>
+          <p:cNvSpPr txBox="1"/>
+          <p:nvPr/>
+        </p:nvSpPr>
+        <p:spPr>
+          <a:xfrm>
+            <a:off x="417589" y="1057154"/>
+            <a:ext cx="10231942" cy="923330"/>
+          </a:xfrm>
+          <a:prstGeom prst="rect">
+            <a:avLst/>
+          </a:prstGeom>
+          <a:noFill/>
+        </p:spPr>
+        <p:txBody>
+          <a:bodyPr wrap="square" rtlCol="0">
+            <a:spAutoFit/>
+          </a:bodyPr>
+          <a:lstStyle/>
+          <a:p>
+            <a:pPr marL="285750" indent="-285750">
+              <a:buFont typeface="Arial" panose="020B0604020202020204" pitchFamily="34" charset="0"/>
+              <a:buChar char="•"/>
+            </a:pPr>
             <a:r>
               <a:rPr lang="es-ES" dirty="0"/>
-              <a:t> 20</a:t>
-            </a:r>
-          </a:p>
-          <a:p>
-            <a:endParaRPr lang="es-ES" dirty="0"/>
-          </a:p>
-          <a:p>
+              <a:t>Entrenamos el modelo mediante episodios de determinado número de pasos</a:t>
+            </a:r>
+          </a:p>
+          <a:p>
+            <a:pPr marL="285750" indent="-285750">
+              <a:buFont typeface="Arial" panose="020B0604020202020204" pitchFamily="34" charset="0"/>
+              <a:buChar char="•"/>
+            </a:pPr>
             <a:r>
               <a:rPr lang="es-ES" dirty="0"/>
-              <a:t>Dejar tiempo a K8s para establecer </a:t>
-            </a:r>
-          </a:p>
-          <a:p>
-            <a:r>
-              <a:rPr lang="es-ES" dirty="0"/>
-              <a:t>el nuevo estado</a:t>
-            </a:r>
-          </a:p>
-          <a:p>
-            <a:endParaRPr lang="es-ES" dirty="0"/>
-          </a:p>
-          <a:p>
-            <a:r>
-              <a:rPr lang="es-ES" dirty="0"/>
-              <a:t>Retardo en el aprendizaje</a:t>
+              <a:t>Cada cierto número de pasos obtenemos una muestra del replay buffer, calculamos Q y ajustamos los pesos de la red</a:t>
             </a:r>
           </a:p>
         </p:txBody>
@@ -4275,41 +4799,6 @@
           <a:chExt cx="0" cy="0"/>
         </a:xfrm>
       </p:grpSpPr>
-      <p:sp>
-        <p:nvSpPr>
-          <p:cNvPr id="8" name="CuadroTexto 7">
-            <a:extLst>
-              <a:ext uri="{FF2B5EF4-FFF2-40B4-BE49-F238E27FC236}">
-                <a16:creationId xmlns:a16="http://schemas.microsoft.com/office/drawing/2014/main" id="{8D22B611-AB50-4B72-A1AD-2421287614EF}"/>
-              </a:ext>
-            </a:extLst>
-          </p:cNvPr>
-          <p:cNvSpPr txBox="1"/>
-          <p:nvPr/>
-        </p:nvSpPr>
-        <p:spPr>
-          <a:xfrm>
-            <a:off x="750762" y="1155036"/>
-            <a:ext cx="1080745" cy="369332"/>
-          </a:xfrm>
-          <a:prstGeom prst="rect">
-            <a:avLst/>
-          </a:prstGeom>
-          <a:noFill/>
-        </p:spPr>
-        <p:txBody>
-          <a:bodyPr wrap="none" rtlCol="0">
-            <a:spAutoFit/>
-          </a:bodyPr>
-          <a:lstStyle/>
-          <a:p>
-            <a:r>
-              <a:rPr lang="es-ES" dirty="0"/>
-              <a:t>Ejecución</a:t>
-            </a:r>
-          </a:p>
-        </p:txBody>
-      </p:sp>
       <p:pic>
         <p:nvPicPr>
           <p:cNvPr id="3" name="Imagen 2" descr="Texto&#10;&#10;Descripción generada automáticamente con confianza media">
@@ -4381,6 +4870,343 @@
           </a:p>
         </p:txBody>
       </p:sp>
+      <p:sp>
+        <p:nvSpPr>
+          <p:cNvPr id="5" name="CuadroTexto 4">
+            <a:extLst>
+              <a:ext uri="{FF2B5EF4-FFF2-40B4-BE49-F238E27FC236}">
+                <a16:creationId xmlns:a16="http://schemas.microsoft.com/office/drawing/2014/main" id="{5CCAAED5-DB95-467F-B54A-F61DA34388AA}"/>
+              </a:ext>
+            </a:extLst>
+          </p:cNvPr>
+          <p:cNvSpPr txBox="1"/>
+          <p:nvPr/>
+        </p:nvSpPr>
+        <p:spPr>
+          <a:xfrm>
+            <a:off x="5188945" y="443614"/>
+            <a:ext cx="1531345" cy="461665"/>
+          </a:xfrm>
+          <a:prstGeom prst="rect">
+            <a:avLst/>
+          </a:prstGeom>
+          <a:noFill/>
+        </p:spPr>
+        <p:txBody>
+          <a:bodyPr wrap="square" rtlCol="0">
+            <a:spAutoFit/>
+          </a:bodyPr>
+          <a:lstStyle/>
+          <a:p>
+            <a:r>
+              <a:rPr lang="es-ES" sz="2400" b="1" dirty="0"/>
+              <a:t>Ejecución</a:t>
+            </a:r>
+          </a:p>
+        </p:txBody>
+      </p:sp>
+      <p:sp>
+        <p:nvSpPr>
+          <p:cNvPr id="2" name="Rectangle 2">
+            <a:extLst>
+              <a:ext uri="{FF2B5EF4-FFF2-40B4-BE49-F238E27FC236}">
+                <a16:creationId xmlns:a16="http://schemas.microsoft.com/office/drawing/2014/main" id="{D87F829D-0D03-4E65-A6D7-024FA32E92D2}"/>
+              </a:ext>
+            </a:extLst>
+          </p:cNvPr>
+          <p:cNvSpPr>
+            <a:spLocks noChangeArrowheads="1"/>
+          </p:cNvSpPr>
+          <p:nvPr/>
+        </p:nvSpPr>
+        <p:spPr bwMode="auto">
+          <a:xfrm>
+            <a:off x="424873" y="3158836"/>
+            <a:ext cx="12192000" cy="0"/>
+          </a:xfrm>
+          <a:prstGeom prst="rect">
+            <a:avLst/>
+          </a:prstGeom>
+          <a:noFill/>
+          <a:ln>
+            <a:noFill/>
+          </a:ln>
+          <a:effectLst/>
+          <a:extLst>
+            <a:ext uri="{909E8E84-426E-40DD-AFC4-6F175D3DCCD1}">
+              <a14:hiddenFill xmlns:a14="http://schemas.microsoft.com/office/drawing/2010/main">
+                <a:solidFill>
+                  <a:schemeClr val="accent1"/>
+                </a:solidFill>
+              </a14:hiddenFill>
+            </a:ext>
+            <a:ext uri="{91240B29-F687-4F45-9708-019B960494DF}">
+              <a14:hiddenLine xmlns:a14="http://schemas.microsoft.com/office/drawing/2010/main" w="9525">
+                <a:solidFill>
+                  <a:schemeClr val="tx1"/>
+                </a:solidFill>
+                <a:miter lim="800000"/>
+                <a:headEnd/>
+                <a:tailEnd/>
+              </a14:hiddenLine>
+            </a:ext>
+            <a:ext uri="{AF507438-7753-43E0-B8FC-AC1667EBCBE1}">
+              <a14:hiddenEffects xmlns:a14="http://schemas.microsoft.com/office/drawing/2010/main">
+                <a:effectLst>
+                  <a:outerShdw dist="35921" dir="2700000" algn="ctr" rotWithShape="0">
+                    <a:schemeClr val="bg2"/>
+                  </a:outerShdw>
+                </a:effectLst>
+              </a14:hiddenEffects>
+            </a:ext>
+          </a:extLst>
+        </p:spPr>
+        <p:txBody>
+          <a:bodyPr vert="horz" wrap="none" lIns="91440" tIns="45720" rIns="91440" bIns="45720" numCol="1" anchor="ctr" anchorCtr="0" compatLnSpc="1">
+            <a:prstTxWarp prst="textNoShape">
+              <a:avLst/>
+            </a:prstTxWarp>
+            <a:spAutoFit/>
+          </a:bodyPr>
+          <a:lstStyle/>
+          <a:p>
+            <a:endParaRPr lang="es-ES"/>
+          </a:p>
+        </p:txBody>
+      </p:sp>
+      <p:graphicFrame>
+        <p:nvGraphicFramePr>
+          <p:cNvPr id="6" name="Objeto 5">
+            <a:extLst>
+              <a:ext uri="{FF2B5EF4-FFF2-40B4-BE49-F238E27FC236}">
+                <a16:creationId xmlns:a16="http://schemas.microsoft.com/office/drawing/2014/main" id="{6696693F-686D-4E15-AF2E-752B3C2581F8}"/>
+              </a:ext>
+            </a:extLst>
+          </p:cNvPr>
+          <p:cNvGraphicFramePr>
+            <a:graphicFrameLocks noChangeAspect="1"/>
+          </p:cNvGraphicFramePr>
+          <p:nvPr>
+            <p:extLst>
+              <p:ext uri="{D42A27DB-BD31-4B8C-83A1-F6EECF244321}">
+                <p14:modId xmlns:p14="http://schemas.microsoft.com/office/powerpoint/2010/main" val="1452173830"/>
+              </p:ext>
+            </p:extLst>
+          </p:nvPr>
+        </p:nvGraphicFramePr>
+        <p:xfrm>
+          <a:off x="6287401" y="3168626"/>
+          <a:ext cx="5486384" cy="3511998"/>
+        </p:xfrm>
+        <a:graphic>
+          <a:graphicData uri="http://schemas.openxmlformats.org/presentationml/2006/ole">
+            <mc:AlternateContent xmlns:mc="http://schemas.openxmlformats.org/markup-compatibility/2006">
+              <mc:Choice xmlns:v="urn:schemas-microsoft-com:vml" Requires="v">
+                <p:oleObj name="Document" r:id="rId3" imgW="5386812" imgH="3252023" progId="Word.OpenDocumentText.12">
+                  <p:embed/>
+                </p:oleObj>
+              </mc:Choice>
+              <mc:Fallback>
+                <p:oleObj name="Document" r:id="rId3" imgW="5386812" imgH="3252023" progId="Word.OpenDocumentText.12">
+                  <p:embed/>
+                  <p:pic>
+                    <p:nvPicPr>
+                      <p:cNvPr id="0" name="Object 1"/>
+                      <p:cNvPicPr>
+                        <a:picLocks noChangeAspect="1" noChangeArrowheads="1"/>
+                      </p:cNvPicPr>
+                      <p:nvPr/>
+                    </p:nvPicPr>
+                    <p:blipFill>
+                      <a:blip r:embed="rId4">
+                        <a:extLst>
+                          <a:ext uri="{28A0092B-C50C-407E-A947-70E740481C1C}">
+                            <a14:useLocalDpi xmlns:a14="http://schemas.microsoft.com/office/drawing/2010/main" val="0"/>
+                          </a:ext>
+                        </a:extLst>
+                      </a:blip>
+                      <a:srcRect/>
+                      <a:stretch>
+                        <a:fillRect/>
+                      </a:stretch>
+                    </p:blipFill>
+                    <p:spPr bwMode="auto">
+                      <a:xfrm>
+                        <a:off x="6287401" y="3168626"/>
+                        <a:ext cx="5486384" cy="3511998"/>
+                      </a:xfrm>
+                      <a:prstGeom prst="rect">
+                        <a:avLst/>
+                      </a:prstGeom>
+                      <a:noFill/>
+                    </p:spPr>
+                  </p:pic>
+                </p:oleObj>
+              </mc:Fallback>
+            </mc:AlternateContent>
+          </a:graphicData>
+        </a:graphic>
+      </p:graphicFrame>
+      <p:pic>
+        <p:nvPicPr>
+          <p:cNvPr id="9" name="Imagen 8">
+            <a:extLst>
+              <a:ext uri="{FF2B5EF4-FFF2-40B4-BE49-F238E27FC236}">
+                <a16:creationId xmlns:a16="http://schemas.microsoft.com/office/drawing/2014/main" id="{6CD52989-FABE-4BFA-BA23-B9A393D062B5}"/>
+              </a:ext>
+            </a:extLst>
+          </p:cNvPr>
+          <p:cNvPicPr>
+            <a:picLocks noChangeAspect="1"/>
+          </p:cNvPicPr>
+          <p:nvPr/>
+        </p:nvPicPr>
+        <p:blipFill>
+          <a:blip r:embed="rId5"/>
+          <a:stretch>
+            <a:fillRect/>
+          </a:stretch>
+        </p:blipFill>
+        <p:spPr>
+          <a:xfrm>
+            <a:off x="6287400" y="1420816"/>
+            <a:ext cx="5484488" cy="1738019"/>
+          </a:xfrm>
+          <a:prstGeom prst="rect">
+            <a:avLst/>
+          </a:prstGeom>
+        </p:spPr>
+      </p:pic>
+      <p:sp>
+        <p:nvSpPr>
+          <p:cNvPr id="10" name="CuadroTexto 9">
+            <a:extLst>
+              <a:ext uri="{FF2B5EF4-FFF2-40B4-BE49-F238E27FC236}">
+                <a16:creationId xmlns:a16="http://schemas.microsoft.com/office/drawing/2014/main" id="{8D28D2F4-E222-4E41-9A5B-CE2B6500D775}"/>
+              </a:ext>
+            </a:extLst>
+          </p:cNvPr>
+          <p:cNvSpPr txBox="1"/>
+          <p:nvPr/>
+        </p:nvSpPr>
+        <p:spPr>
+          <a:xfrm>
+            <a:off x="8653530" y="1015867"/>
+            <a:ext cx="641522" cy="369332"/>
+          </a:xfrm>
+          <a:prstGeom prst="rect">
+            <a:avLst/>
+          </a:prstGeom>
+          <a:noFill/>
+        </p:spPr>
+        <p:txBody>
+          <a:bodyPr wrap="none" rtlCol="0">
+            <a:spAutoFit/>
+          </a:bodyPr>
+          <a:lstStyle/>
+          <a:p>
+            <a:r>
+              <a:rPr lang="es-ES" b="1" dirty="0"/>
+              <a:t>DQN</a:t>
+            </a:r>
+          </a:p>
+        </p:txBody>
+      </p:sp>
+      <p:sp>
+        <p:nvSpPr>
+          <p:cNvPr id="11" name="CuadroTexto 10">
+            <a:extLst>
+              <a:ext uri="{FF2B5EF4-FFF2-40B4-BE49-F238E27FC236}">
+                <a16:creationId xmlns:a16="http://schemas.microsoft.com/office/drawing/2014/main" id="{878912C5-0619-41EC-BF53-31CBCC916FA7}"/>
+              </a:ext>
+            </a:extLst>
+          </p:cNvPr>
+          <p:cNvSpPr txBox="1"/>
+          <p:nvPr/>
+        </p:nvSpPr>
+        <p:spPr>
+          <a:xfrm>
+            <a:off x="2327163" y="1015867"/>
+            <a:ext cx="660336" cy="369332"/>
+          </a:xfrm>
+          <a:prstGeom prst="rect">
+            <a:avLst/>
+          </a:prstGeom>
+          <a:noFill/>
+        </p:spPr>
+        <p:txBody>
+          <a:bodyPr wrap="square" rtlCol="0">
+            <a:spAutoFit/>
+          </a:bodyPr>
+          <a:lstStyle/>
+          <a:p>
+            <a:r>
+              <a:rPr lang="es-ES" b="1" dirty="0"/>
+              <a:t>HPA</a:t>
+            </a:r>
+          </a:p>
+        </p:txBody>
+      </p:sp>
+      <p:pic>
+        <p:nvPicPr>
+          <p:cNvPr id="15" name="Imagen 14">
+            <a:extLst>
+              <a:ext uri="{FF2B5EF4-FFF2-40B4-BE49-F238E27FC236}">
+                <a16:creationId xmlns:a16="http://schemas.microsoft.com/office/drawing/2014/main" id="{CF98605D-3272-4927-AD1D-3245BB40084B}"/>
+              </a:ext>
+            </a:extLst>
+          </p:cNvPr>
+          <p:cNvPicPr>
+            <a:picLocks noChangeAspect="1"/>
+          </p:cNvPicPr>
+          <p:nvPr/>
+        </p:nvPicPr>
+        <p:blipFill>
+          <a:blip r:embed="rId6"/>
+          <a:stretch>
+            <a:fillRect/>
+          </a:stretch>
+        </p:blipFill>
+        <p:spPr>
+          <a:xfrm>
+            <a:off x="267855" y="1389065"/>
+            <a:ext cx="5652654" cy="3456428"/>
+          </a:xfrm>
+          <a:prstGeom prst="rect">
+            <a:avLst/>
+          </a:prstGeom>
+        </p:spPr>
+      </p:pic>
+      <p:pic>
+        <p:nvPicPr>
+          <p:cNvPr id="19" name="Imagen 18">
+            <a:extLst>
+              <a:ext uri="{FF2B5EF4-FFF2-40B4-BE49-F238E27FC236}">
+                <a16:creationId xmlns:a16="http://schemas.microsoft.com/office/drawing/2014/main" id="{AE6DF268-16C5-4173-AB93-075D98E663BC}"/>
+              </a:ext>
+            </a:extLst>
+          </p:cNvPr>
+          <p:cNvPicPr>
+            <a:picLocks noChangeAspect="1"/>
+          </p:cNvPicPr>
+          <p:nvPr/>
+        </p:nvPicPr>
+        <p:blipFill>
+          <a:blip r:embed="rId7"/>
+          <a:stretch>
+            <a:fillRect/>
+          </a:stretch>
+        </p:blipFill>
+        <p:spPr>
+          <a:xfrm>
+            <a:off x="268192" y="4910136"/>
+            <a:ext cx="5652317" cy="1770491"/>
+          </a:xfrm>
+          <a:prstGeom prst="rect">
+            <a:avLst/>
+          </a:prstGeom>
+        </p:spPr>
+      </p:pic>
     </p:spTree>
     <p:extLst>
       <p:ext uri="{BB962C8B-B14F-4D97-AF65-F5344CB8AC3E}">
@@ -4411,94 +5237,6 @@
           <a:chExt cx="0" cy="0"/>
         </a:xfrm>
       </p:grpSpPr>
-      <p:sp>
-        <p:nvSpPr>
-          <p:cNvPr id="4" name="CuadroTexto 3">
-            <a:extLst>
-              <a:ext uri="{FF2B5EF4-FFF2-40B4-BE49-F238E27FC236}">
-                <a16:creationId xmlns:a16="http://schemas.microsoft.com/office/drawing/2014/main" id="{567FB592-ED5E-482F-AC0B-996601BF20B9}"/>
-              </a:ext>
-            </a:extLst>
-          </p:cNvPr>
-          <p:cNvSpPr txBox="1"/>
-          <p:nvPr/>
-        </p:nvSpPr>
-        <p:spPr>
-          <a:xfrm>
-            <a:off x="789267" y="664144"/>
-            <a:ext cx="2093202" cy="369332"/>
-          </a:xfrm>
-          <a:prstGeom prst="rect">
-            <a:avLst/>
-          </a:prstGeom>
-          <a:noFill/>
-        </p:spPr>
-        <p:txBody>
-          <a:bodyPr wrap="none" rtlCol="0">
-            <a:spAutoFit/>
-          </a:bodyPr>
-          <a:lstStyle/>
-          <a:p>
-            <a:r>
-              <a:rPr lang="es-ES" dirty="0"/>
-              <a:t>Prueba Comparativa</a:t>
-            </a:r>
-          </a:p>
-        </p:txBody>
-      </p:sp>
-      <p:sp>
-        <p:nvSpPr>
-          <p:cNvPr id="5" name="CuadroTexto 4">
-            <a:extLst>
-              <a:ext uri="{FF2B5EF4-FFF2-40B4-BE49-F238E27FC236}">
-                <a16:creationId xmlns:a16="http://schemas.microsoft.com/office/drawing/2014/main" id="{1AF16191-A74E-48E0-8F5A-0D03D800DFDB}"/>
-              </a:ext>
-            </a:extLst>
-          </p:cNvPr>
-          <p:cNvSpPr txBox="1"/>
-          <p:nvPr/>
-        </p:nvSpPr>
-        <p:spPr>
-          <a:xfrm>
-            <a:off x="4061861" y="2310063"/>
-            <a:ext cx="1555490" cy="1200329"/>
-          </a:xfrm>
-          <a:prstGeom prst="rect">
-            <a:avLst/>
-          </a:prstGeom>
-          <a:noFill/>
-        </p:spPr>
-        <p:txBody>
-          <a:bodyPr wrap="none" rtlCol="0">
-            <a:spAutoFit/>
-          </a:bodyPr>
-          <a:lstStyle/>
-          <a:p>
-            <a:r>
-              <a:rPr lang="es-ES" dirty="0"/>
-              <a:t>5 Minutos idle</a:t>
-            </a:r>
-          </a:p>
-          <a:p>
-            <a:r>
-              <a:rPr lang="es-ES" dirty="0"/>
-              <a:t>5 media carga</a:t>
-            </a:r>
-          </a:p>
-          <a:p>
-            <a:r>
-              <a:rPr lang="es-ES" dirty="0"/>
-              <a:t>5 Mucha carga</a:t>
-            </a:r>
-          </a:p>
-          <a:p>
-            <a:r>
-              <a:rPr lang="es-ES" dirty="0"/>
-              <a:t>Repetimos</a:t>
-            </a:r>
-          </a:p>
-        </p:txBody>
-      </p:sp>
       <p:pic>
         <p:nvPicPr>
           <p:cNvPr id="6" name="Imagen 5" descr="Texto&#10;&#10;Descripción generada automáticamente con confianza media">
@@ -4567,6 +5305,364 @@
               <a:t>Master Deep Learning</a:t>
             </a:r>
             <a:endParaRPr lang="es-ES" sz="1600" dirty="0"/>
+          </a:p>
+        </p:txBody>
+      </p:sp>
+      <p:sp>
+        <p:nvSpPr>
+          <p:cNvPr id="8" name="CuadroTexto 7">
+            <a:extLst>
+              <a:ext uri="{FF2B5EF4-FFF2-40B4-BE49-F238E27FC236}">
+                <a16:creationId xmlns:a16="http://schemas.microsoft.com/office/drawing/2014/main" id="{9AC12BB4-D2FD-49E3-8B19-3BB7E4187DDF}"/>
+              </a:ext>
+            </a:extLst>
+          </p:cNvPr>
+          <p:cNvSpPr txBox="1"/>
+          <p:nvPr/>
+        </p:nvSpPr>
+        <p:spPr>
+          <a:xfrm>
+            <a:off x="4572000" y="344461"/>
+            <a:ext cx="2853369" cy="461665"/>
+          </a:xfrm>
+          <a:prstGeom prst="rect">
+            <a:avLst/>
+          </a:prstGeom>
+          <a:noFill/>
+        </p:spPr>
+        <p:txBody>
+          <a:bodyPr wrap="square" rtlCol="0">
+            <a:spAutoFit/>
+          </a:bodyPr>
+          <a:lstStyle/>
+          <a:p>
+            <a:r>
+              <a:rPr lang="es-ES" sz="2400" b="1" dirty="0"/>
+              <a:t>Prueba Comparativa</a:t>
+            </a:r>
+          </a:p>
+        </p:txBody>
+      </p:sp>
+      <p:sp>
+        <p:nvSpPr>
+          <p:cNvPr id="2" name="Rectangle 2">
+            <a:extLst>
+              <a:ext uri="{FF2B5EF4-FFF2-40B4-BE49-F238E27FC236}">
+                <a16:creationId xmlns:a16="http://schemas.microsoft.com/office/drawing/2014/main" id="{CEDF40EA-4AE4-4F98-BCF9-6651272C933F}"/>
+              </a:ext>
+            </a:extLst>
+          </p:cNvPr>
+          <p:cNvSpPr>
+            <a:spLocks noChangeArrowheads="1"/>
+          </p:cNvSpPr>
+          <p:nvPr/>
+        </p:nvSpPr>
+        <p:spPr bwMode="auto">
+          <a:xfrm>
+            <a:off x="484742" y="1707615"/>
+            <a:ext cx="12192000" cy="0"/>
+          </a:xfrm>
+          <a:prstGeom prst="rect">
+            <a:avLst/>
+          </a:prstGeom>
+          <a:noFill/>
+          <a:ln>
+            <a:noFill/>
+          </a:ln>
+          <a:effectLst/>
+          <a:extLst>
+            <a:ext uri="{909E8E84-426E-40DD-AFC4-6F175D3DCCD1}">
+              <a14:hiddenFill xmlns:a14="http://schemas.microsoft.com/office/drawing/2010/main">
+                <a:solidFill>
+                  <a:schemeClr val="accent1"/>
+                </a:solidFill>
+              </a14:hiddenFill>
+            </a:ext>
+            <a:ext uri="{91240B29-F687-4F45-9708-019B960494DF}">
+              <a14:hiddenLine xmlns:a14="http://schemas.microsoft.com/office/drawing/2010/main" w="9525">
+                <a:solidFill>
+                  <a:schemeClr val="tx1"/>
+                </a:solidFill>
+                <a:miter lim="800000"/>
+                <a:headEnd/>
+                <a:tailEnd/>
+              </a14:hiddenLine>
+            </a:ext>
+            <a:ext uri="{AF507438-7753-43E0-B8FC-AC1667EBCBE1}">
+              <a14:hiddenEffects xmlns:a14="http://schemas.microsoft.com/office/drawing/2010/main">
+                <a:effectLst>
+                  <a:outerShdw dist="35921" dir="2700000" algn="ctr" rotWithShape="0">
+                    <a:schemeClr val="bg2"/>
+                  </a:outerShdw>
+                </a:effectLst>
+              </a14:hiddenEffects>
+            </a:ext>
+          </a:extLst>
+        </p:spPr>
+        <p:txBody>
+          <a:bodyPr vert="horz" wrap="none" lIns="91440" tIns="45720" rIns="91440" bIns="45720" numCol="1" anchor="ctr" anchorCtr="0" compatLnSpc="1">
+            <a:prstTxWarp prst="textNoShape">
+              <a:avLst/>
+            </a:prstTxWarp>
+            <a:spAutoFit/>
+          </a:bodyPr>
+          <a:lstStyle/>
+          <a:p>
+            <a:endParaRPr lang="es-ES"/>
+          </a:p>
+        </p:txBody>
+      </p:sp>
+      <p:graphicFrame>
+        <p:nvGraphicFramePr>
+          <p:cNvPr id="3" name="Objeto 2">
+            <a:extLst>
+              <a:ext uri="{FF2B5EF4-FFF2-40B4-BE49-F238E27FC236}">
+                <a16:creationId xmlns:a16="http://schemas.microsoft.com/office/drawing/2014/main" id="{120A6B0E-5B7C-4CDF-B101-1584F3D476C5}"/>
+              </a:ext>
+            </a:extLst>
+          </p:cNvPr>
+          <p:cNvGraphicFramePr>
+            <a:graphicFrameLocks noChangeAspect="1"/>
+          </p:cNvGraphicFramePr>
+          <p:nvPr>
+            <p:extLst>
+              <p:ext uri="{D42A27DB-BD31-4B8C-83A1-F6EECF244321}">
+                <p14:modId xmlns:p14="http://schemas.microsoft.com/office/powerpoint/2010/main" val="560879119"/>
+              </p:ext>
+            </p:extLst>
+          </p:nvPr>
+        </p:nvGraphicFramePr>
+        <p:xfrm>
+          <a:off x="378467" y="1922024"/>
+          <a:ext cx="5569751" cy="2249511"/>
+        </p:xfrm>
+        <a:graphic>
+          <a:graphicData uri="http://schemas.openxmlformats.org/presentationml/2006/ole">
+            <mc:AlternateContent xmlns:mc="http://schemas.openxmlformats.org/markup-compatibility/2006">
+              <mc:Choice xmlns:v="urn:schemas-microsoft-com:vml" Requires="v">
+                <p:oleObj name="Document" r:id="rId3" imgW="5387530" imgH="2192573" progId="Word.OpenDocumentText.12">
+                  <p:embed/>
+                </p:oleObj>
+              </mc:Choice>
+              <mc:Fallback>
+                <p:oleObj name="Document" r:id="rId3" imgW="5387530" imgH="2192573" progId="Word.OpenDocumentText.12">
+                  <p:embed/>
+                  <p:pic>
+                    <p:nvPicPr>
+                      <p:cNvPr id="0" name="Object 1"/>
+                      <p:cNvPicPr>
+                        <a:picLocks noChangeAspect="1" noChangeArrowheads="1"/>
+                      </p:cNvPicPr>
+                      <p:nvPr/>
+                    </p:nvPicPr>
+                    <p:blipFill>
+                      <a:blip r:embed="rId4">
+                        <a:extLst>
+                          <a:ext uri="{28A0092B-C50C-407E-A947-70E740481C1C}">
+                            <a14:useLocalDpi xmlns:a14="http://schemas.microsoft.com/office/drawing/2010/main" val="0"/>
+                          </a:ext>
+                        </a:extLst>
+                      </a:blip>
+                      <a:srcRect/>
+                      <a:stretch>
+                        <a:fillRect/>
+                      </a:stretch>
+                    </p:blipFill>
+                    <p:spPr bwMode="auto">
+                      <a:xfrm>
+                        <a:off x="378467" y="1922024"/>
+                        <a:ext cx="5569751" cy="2249511"/>
+                      </a:xfrm>
+                      <a:prstGeom prst="rect">
+                        <a:avLst/>
+                      </a:prstGeom>
+                      <a:noFill/>
+                    </p:spPr>
+                  </p:pic>
+                </p:oleObj>
+              </mc:Fallback>
+            </mc:AlternateContent>
+          </a:graphicData>
+        </a:graphic>
+      </p:graphicFrame>
+      <p:sp>
+        <p:nvSpPr>
+          <p:cNvPr id="11" name="CuadroTexto 10">
+            <a:extLst>
+              <a:ext uri="{FF2B5EF4-FFF2-40B4-BE49-F238E27FC236}">
+                <a16:creationId xmlns:a16="http://schemas.microsoft.com/office/drawing/2014/main" id="{E531E31C-8300-4771-9802-10722A3075A2}"/>
+              </a:ext>
+            </a:extLst>
+          </p:cNvPr>
+          <p:cNvSpPr txBox="1"/>
+          <p:nvPr/>
+        </p:nvSpPr>
+        <p:spPr>
+          <a:xfrm>
+            <a:off x="6758364" y="1311142"/>
+            <a:ext cx="4880471" cy="2585323"/>
+          </a:xfrm>
+          <a:prstGeom prst="rect">
+            <a:avLst/>
+          </a:prstGeom>
+          <a:noFill/>
+        </p:spPr>
+        <p:txBody>
+          <a:bodyPr wrap="square" rtlCol="0">
+            <a:spAutoFit/>
+          </a:bodyPr>
+          <a:lstStyle/>
+          <a:p>
+            <a:pPr marL="285750" indent="-285750">
+              <a:buFont typeface="Arial" panose="020B0604020202020204" pitchFamily="34" charset="0"/>
+              <a:buChar char="•"/>
+            </a:pPr>
+            <a:r>
+              <a:rPr lang="es-ES" dirty="0"/>
+              <a:t>Cada hora o media hora, durante los 10 primeros minutos de la hora aplicamos poca carga (1 llamada por minuto)</a:t>
+            </a:r>
+          </a:p>
+          <a:p>
+            <a:pPr marL="285750" indent="-285750">
+              <a:buFont typeface="Arial" panose="020B0604020202020204" pitchFamily="34" charset="0"/>
+              <a:buChar char="•"/>
+            </a:pPr>
+            <a:endParaRPr lang="es-ES" dirty="0"/>
+          </a:p>
+          <a:p>
+            <a:pPr marL="285750" indent="-285750">
+              <a:buFont typeface="Arial" panose="020B0604020202020204" pitchFamily="34" charset="0"/>
+              <a:buChar char="•"/>
+            </a:pPr>
+            <a:r>
+              <a:rPr lang="es-ES" dirty="0"/>
+              <a:t>Los 10 siguientes carga media (una llamada cada décima de segundo)</a:t>
+            </a:r>
+          </a:p>
+          <a:p>
+            <a:pPr marL="285750" indent="-285750">
+              <a:buFont typeface="Arial" panose="020B0604020202020204" pitchFamily="34" charset="0"/>
+              <a:buChar char="•"/>
+            </a:pPr>
+            <a:endParaRPr lang="es-ES" dirty="0"/>
+          </a:p>
+          <a:p>
+            <a:pPr marL="285750" indent="-285750">
+              <a:buFont typeface="Arial" panose="020B0604020202020204" pitchFamily="34" charset="0"/>
+              <a:buChar char="•"/>
+            </a:pPr>
+            <a:r>
+              <a:rPr lang="es-ES" dirty="0"/>
+              <a:t>Los 10 siguientes uso intenso de CPU (1 llamada cada centésima de segundo)</a:t>
+            </a:r>
+          </a:p>
+        </p:txBody>
+      </p:sp>
+      <p:sp>
+        <p:nvSpPr>
+          <p:cNvPr id="13" name="CuadroTexto 12">
+            <a:extLst>
+              <a:ext uri="{FF2B5EF4-FFF2-40B4-BE49-F238E27FC236}">
+                <a16:creationId xmlns:a16="http://schemas.microsoft.com/office/drawing/2014/main" id="{7321878D-169F-40DC-83DC-5CA86799C685}"/>
+              </a:ext>
+            </a:extLst>
+          </p:cNvPr>
+          <p:cNvSpPr txBox="1"/>
+          <p:nvPr/>
+        </p:nvSpPr>
+        <p:spPr>
+          <a:xfrm>
+            <a:off x="750094" y="5038026"/>
+            <a:ext cx="3332376" cy="646331"/>
+          </a:xfrm>
+          <a:prstGeom prst="rect">
+            <a:avLst/>
+          </a:prstGeom>
+          <a:noFill/>
+        </p:spPr>
+        <p:txBody>
+          <a:bodyPr wrap="square" rtlCol="0">
+            <a:spAutoFit/>
+          </a:bodyPr>
+          <a:lstStyle/>
+          <a:p>
+            <a:pPr marL="285750" indent="-285750">
+              <a:buFont typeface="Arial" panose="020B0604020202020204" pitchFamily="34" charset="0"/>
+              <a:buChar char="•"/>
+            </a:pPr>
+            <a:r>
+              <a:rPr lang="es-ES" dirty="0"/>
+              <a:t>Perfil del patrón de uso de CPU cada media hora</a:t>
+            </a:r>
+          </a:p>
+        </p:txBody>
+      </p:sp>
+      <p:pic>
+        <p:nvPicPr>
+          <p:cNvPr id="15" name="Imagen 14">
+            <a:extLst>
+              <a:ext uri="{FF2B5EF4-FFF2-40B4-BE49-F238E27FC236}">
+                <a16:creationId xmlns:a16="http://schemas.microsoft.com/office/drawing/2014/main" id="{AD92180A-F4CF-4DD3-BD02-9DE4AC7B1554}"/>
+              </a:ext>
+            </a:extLst>
+          </p:cNvPr>
+          <p:cNvPicPr>
+            <a:picLocks noChangeAspect="1"/>
+          </p:cNvPicPr>
+          <p:nvPr/>
+        </p:nvPicPr>
+        <p:blipFill>
+          <a:blip r:embed="rId5"/>
+          <a:stretch>
+            <a:fillRect/>
+          </a:stretch>
+        </p:blipFill>
+        <p:spPr>
+          <a:xfrm>
+            <a:off x="3830358" y="4129615"/>
+            <a:ext cx="7808477" cy="2252771"/>
+          </a:xfrm>
+          <a:prstGeom prst="rect">
+            <a:avLst/>
+          </a:prstGeom>
+        </p:spPr>
+      </p:pic>
+      <p:sp>
+        <p:nvSpPr>
+          <p:cNvPr id="16" name="CuadroTexto 15">
+            <a:extLst>
+              <a:ext uri="{FF2B5EF4-FFF2-40B4-BE49-F238E27FC236}">
+                <a16:creationId xmlns:a16="http://schemas.microsoft.com/office/drawing/2014/main" id="{FC2E8434-0312-4210-A250-B2C0C08C8180}"/>
+              </a:ext>
+            </a:extLst>
+          </p:cNvPr>
+          <p:cNvSpPr txBox="1"/>
+          <p:nvPr/>
+        </p:nvSpPr>
+        <p:spPr>
+          <a:xfrm>
+            <a:off x="403736" y="1338856"/>
+            <a:ext cx="5692264" cy="369332"/>
+          </a:xfrm>
+          <a:prstGeom prst="rect">
+            <a:avLst/>
+          </a:prstGeom>
+          <a:noFill/>
+        </p:spPr>
+        <p:txBody>
+          <a:bodyPr wrap="square" rtlCol="0">
+            <a:spAutoFit/>
+          </a:bodyPr>
+          <a:lstStyle/>
+          <a:p>
+            <a:pPr marL="285750" indent="-285750">
+              <a:buFont typeface="Arial" panose="020B0604020202020204" pitchFamily="34" charset="0"/>
+              <a:buChar char="•"/>
+            </a:pPr>
+            <a:r>
+              <a:rPr lang="es-ES" dirty="0"/>
+              <a:t>1 hora de duración para cada método (HPA vs DQN)</a:t>
+            </a:r>
           </a:p>
         </p:txBody>
       </p:sp>
@@ -5026,7 +6122,7 @@
         </p:nvSpPr>
         <p:spPr>
           <a:xfrm>
-            <a:off x="3143250" y="361951"/>
+            <a:off x="3143250" y="241879"/>
             <a:ext cx="6549389" cy="461665"/>
           </a:xfrm>
           <a:prstGeom prst="rect">
@@ -5115,6 +6211,256 @@
               <a:t>Master Deep Learning</a:t>
             </a:r>
             <a:endParaRPr lang="es-ES" sz="1600" dirty="0"/>
+          </a:p>
+        </p:txBody>
+      </p:sp>
+      <p:sp>
+        <p:nvSpPr>
+          <p:cNvPr id="7" name="CuadroTexto 6">
+            <a:extLst>
+              <a:ext uri="{FF2B5EF4-FFF2-40B4-BE49-F238E27FC236}">
+                <a16:creationId xmlns:a16="http://schemas.microsoft.com/office/drawing/2014/main" id="{524B3ED6-1B94-4154-A66A-FAA90FBEDAEF}"/>
+              </a:ext>
+            </a:extLst>
+          </p:cNvPr>
+          <p:cNvSpPr txBox="1"/>
+          <p:nvPr/>
+        </p:nvSpPr>
+        <p:spPr>
+          <a:xfrm>
+            <a:off x="440675" y="2391801"/>
+            <a:ext cx="4880471" cy="3693319"/>
+          </a:xfrm>
+          <a:prstGeom prst="rect">
+            <a:avLst/>
+          </a:prstGeom>
+          <a:noFill/>
+        </p:spPr>
+        <p:txBody>
+          <a:bodyPr wrap="square" rtlCol="0">
+            <a:spAutoFit/>
+          </a:bodyPr>
+          <a:lstStyle/>
+          <a:p>
+            <a:pPr marL="285750" indent="-285750">
+              <a:buFont typeface="Arial" panose="020B0604020202020204" pitchFamily="34" charset="0"/>
+              <a:buChar char="•"/>
+            </a:pPr>
+            <a:r>
+              <a:rPr lang="es-ES" dirty="0"/>
+              <a:t>El agente es capaz de capturar y diferenciar los tres escenarios de carga baja, media y alta y actuar en consecuencia</a:t>
+            </a:r>
+          </a:p>
+          <a:p>
+            <a:pPr marL="285750" indent="-285750">
+              <a:buFont typeface="Arial" panose="020B0604020202020204" pitchFamily="34" charset="0"/>
+              <a:buChar char="•"/>
+            </a:pPr>
+            <a:endParaRPr lang="es-ES" dirty="0"/>
+          </a:p>
+          <a:p>
+            <a:pPr marL="285750" indent="-285750">
+              <a:buFont typeface="Arial" panose="020B0604020202020204" pitchFamily="34" charset="0"/>
+              <a:buChar char="•"/>
+            </a:pPr>
+            <a:r>
+              <a:rPr lang="es-ES" dirty="0"/>
+              <a:t>En la fase de uso intensivo de CPU es más inestable tomando eventualmente decisiones incorrectas</a:t>
+            </a:r>
+          </a:p>
+          <a:p>
+            <a:pPr marL="285750" indent="-285750">
+              <a:buFont typeface="Arial" panose="020B0604020202020204" pitchFamily="34" charset="0"/>
+              <a:buChar char="•"/>
+            </a:pPr>
+            <a:endParaRPr lang="es-ES" dirty="0"/>
+          </a:p>
+          <a:p>
+            <a:pPr marL="285750" indent="-285750">
+              <a:buFont typeface="Arial" panose="020B0604020202020204" pitchFamily="34" charset="0"/>
+              <a:buChar char="•"/>
+            </a:pPr>
+            <a:r>
+              <a:rPr lang="es-ES" dirty="0"/>
+              <a:t>No hemos mejorado el rendimiento de HPA pero nos hemos aproximado</a:t>
+            </a:r>
+          </a:p>
+          <a:p>
+            <a:pPr marL="285750" indent="-285750">
+              <a:buFont typeface="Arial" panose="020B0604020202020204" pitchFamily="34" charset="0"/>
+              <a:buChar char="•"/>
+            </a:pPr>
+            <a:endParaRPr lang="es-ES" dirty="0"/>
+          </a:p>
+          <a:p>
+            <a:pPr marL="285750" indent="-285750">
+              <a:buFont typeface="Arial" panose="020B0604020202020204" pitchFamily="34" charset="0"/>
+              <a:buChar char="•"/>
+            </a:pPr>
+            <a:r>
+              <a:rPr lang="es-ES" dirty="0"/>
+              <a:t>Necesidad de periodos de entrenamiento más prolongados</a:t>
+            </a:r>
+          </a:p>
+        </p:txBody>
+      </p:sp>
+      <p:sp>
+        <p:nvSpPr>
+          <p:cNvPr id="8" name="CuadroTexto 7">
+            <a:extLst>
+              <a:ext uri="{FF2B5EF4-FFF2-40B4-BE49-F238E27FC236}">
+                <a16:creationId xmlns:a16="http://schemas.microsoft.com/office/drawing/2014/main" id="{A361759C-D29A-4124-A317-46250C15ACC4}"/>
+              </a:ext>
+            </a:extLst>
+          </p:cNvPr>
+          <p:cNvSpPr txBox="1"/>
+          <p:nvPr/>
+        </p:nvSpPr>
+        <p:spPr>
+          <a:xfrm>
+            <a:off x="6564399" y="2391803"/>
+            <a:ext cx="4880471" cy="3139321"/>
+          </a:xfrm>
+          <a:prstGeom prst="rect">
+            <a:avLst/>
+          </a:prstGeom>
+          <a:noFill/>
+        </p:spPr>
+        <p:txBody>
+          <a:bodyPr wrap="square" rtlCol="0">
+            <a:spAutoFit/>
+          </a:bodyPr>
+          <a:lstStyle/>
+          <a:p>
+            <a:pPr marL="285750" indent="-285750">
+              <a:buFont typeface="Arial" panose="020B0604020202020204" pitchFamily="34" charset="0"/>
+              <a:buChar char="•"/>
+            </a:pPr>
+            <a:r>
+              <a:rPr lang="es-ES" dirty="0"/>
+              <a:t>Función de recompensa no tabulada. Posibilidad de usar una red neuronal</a:t>
+            </a:r>
+          </a:p>
+          <a:p>
+            <a:pPr marL="285750" indent="-285750">
+              <a:buFont typeface="Arial" panose="020B0604020202020204" pitchFamily="34" charset="0"/>
+              <a:buChar char="•"/>
+            </a:pPr>
+            <a:endParaRPr lang="es-ES" dirty="0"/>
+          </a:p>
+          <a:p>
+            <a:pPr marL="285750" indent="-285750">
+              <a:buFont typeface="Arial" panose="020B0604020202020204" pitchFamily="34" charset="0"/>
+              <a:buChar char="•"/>
+            </a:pPr>
+            <a:r>
+              <a:rPr lang="es-ES" dirty="0"/>
+              <a:t>Caracterización del estado no discretizada e independiente del número máximo de pods</a:t>
+            </a:r>
+          </a:p>
+          <a:p>
+            <a:pPr marL="285750" indent="-285750">
+              <a:buFont typeface="Arial" panose="020B0604020202020204" pitchFamily="34" charset="0"/>
+              <a:buChar char="•"/>
+            </a:pPr>
+            <a:endParaRPr lang="es-ES" dirty="0"/>
+          </a:p>
+          <a:p>
+            <a:pPr marL="285750" indent="-285750">
+              <a:buFont typeface="Arial" panose="020B0604020202020204" pitchFamily="34" charset="0"/>
+              <a:buChar char="•"/>
+            </a:pPr>
+            <a:r>
+              <a:rPr lang="es-ES" dirty="0"/>
+              <a:t>Exploración de otros algoritmos de aprendizaje reforzado (PPO, DDPG, …)</a:t>
+            </a:r>
+          </a:p>
+          <a:p>
+            <a:pPr marL="285750" indent="-285750">
+              <a:buFont typeface="Arial" panose="020B0604020202020204" pitchFamily="34" charset="0"/>
+              <a:buChar char="•"/>
+            </a:pPr>
+            <a:endParaRPr lang="es-ES" u="sng" dirty="0"/>
+          </a:p>
+          <a:p>
+            <a:pPr marL="285750" indent="-285750">
+              <a:buFont typeface="Arial" panose="020B0604020202020204" pitchFamily="34" charset="0"/>
+              <a:buChar char="•"/>
+            </a:pPr>
+            <a:r>
+              <a:rPr lang="es-ES" dirty="0"/>
+              <a:t>Uso de aprendizaje supervisado para entrenar al agente</a:t>
+            </a:r>
+          </a:p>
+        </p:txBody>
+      </p:sp>
+      <p:sp>
+        <p:nvSpPr>
+          <p:cNvPr id="9" name="CuadroTexto 8">
+            <a:extLst>
+              <a:ext uri="{FF2B5EF4-FFF2-40B4-BE49-F238E27FC236}">
+                <a16:creationId xmlns:a16="http://schemas.microsoft.com/office/drawing/2014/main" id="{7A25230C-5E45-465B-8DC1-CBEF4DF1E027}"/>
+              </a:ext>
+            </a:extLst>
+          </p:cNvPr>
+          <p:cNvSpPr txBox="1"/>
+          <p:nvPr/>
+        </p:nvSpPr>
+        <p:spPr>
+          <a:xfrm>
+            <a:off x="2031606" y="1662410"/>
+            <a:ext cx="2124761" cy="369332"/>
+          </a:xfrm>
+          <a:prstGeom prst="rect">
+            <a:avLst/>
+          </a:prstGeom>
+          <a:noFill/>
+        </p:spPr>
+        <p:txBody>
+          <a:bodyPr wrap="square" rtlCol="0">
+            <a:spAutoFit/>
+          </a:bodyPr>
+          <a:lstStyle/>
+          <a:p>
+            <a:r>
+              <a:rPr lang="es-ES" b="1" dirty="0"/>
+              <a:t>Conclusiones</a:t>
+            </a:r>
+          </a:p>
+        </p:txBody>
+      </p:sp>
+      <p:sp>
+        <p:nvSpPr>
+          <p:cNvPr id="10" name="CuadroTexto 9">
+            <a:extLst>
+              <a:ext uri="{FF2B5EF4-FFF2-40B4-BE49-F238E27FC236}">
+                <a16:creationId xmlns:a16="http://schemas.microsoft.com/office/drawing/2014/main" id="{4C640DD4-DD36-44CB-A028-28ED13D907D3}"/>
+              </a:ext>
+            </a:extLst>
+          </p:cNvPr>
+          <p:cNvSpPr txBox="1"/>
+          <p:nvPr/>
+        </p:nvSpPr>
+        <p:spPr>
+          <a:xfrm>
+            <a:off x="7568826" y="1676265"/>
+            <a:ext cx="2591568" cy="369332"/>
+          </a:xfrm>
+          <a:prstGeom prst="rect">
+            <a:avLst/>
+          </a:prstGeom>
+          <a:noFill/>
+        </p:spPr>
+        <p:txBody>
+          <a:bodyPr wrap="square" rtlCol="0">
+            <a:spAutoFit/>
+          </a:bodyPr>
+          <a:lstStyle/>
+          <a:p>
+            <a:r>
+              <a:rPr lang="es-ES" b="1" dirty="0"/>
+              <a:t>Líneas de exploración</a:t>
+            </a:r>
           </a:p>
         </p:txBody>
       </p:sp>
@@ -8015,8 +9361,8 @@
         </p:nvSpPr>
         <p:spPr>
           <a:xfrm>
-            <a:off x="6423660" y="6457950"/>
-            <a:ext cx="5692140" cy="400110"/>
+            <a:off x="7907190" y="6439471"/>
+            <a:ext cx="4239057" cy="400110"/>
           </a:xfrm>
           <a:prstGeom prst="rect">
             <a:avLst/>
@@ -8058,7 +9404,7 @@
         </p:blipFill>
         <p:spPr>
           <a:xfrm>
-            <a:off x="1095769" y="2062162"/>
+            <a:off x="1095769" y="1277085"/>
             <a:ext cx="4153854" cy="3357562"/>
           </a:xfrm>
           <a:prstGeom prst="rect">
@@ -8080,8 +9426,8 @@
         </p:nvSpPr>
         <p:spPr>
           <a:xfrm>
-            <a:off x="38100" y="6477297"/>
-            <a:ext cx="6029325" cy="400110"/>
+            <a:off x="10392" y="6597367"/>
+            <a:ext cx="8173027" cy="246221"/>
           </a:xfrm>
           <a:prstGeom prst="rect">
             <a:avLst/>
@@ -8123,7 +9469,7 @@
         </p:blipFill>
         <p:spPr>
           <a:xfrm>
-            <a:off x="323850" y="2543175"/>
+            <a:off x="323850" y="1758098"/>
             <a:ext cx="457200" cy="190500"/>
           </a:xfrm>
           <a:prstGeom prst="rect">
@@ -8153,7 +9499,7 @@
         </p:blipFill>
         <p:spPr>
           <a:xfrm rot="10800000">
-            <a:off x="323850" y="4848225"/>
+            <a:off x="323850" y="4063148"/>
             <a:ext cx="457200" cy="190500"/>
           </a:xfrm>
           <a:prstGeom prst="rect">
@@ -8183,7 +9529,7 @@
         </p:blipFill>
         <p:spPr>
           <a:xfrm>
-            <a:off x="438149" y="2695576"/>
+            <a:off x="438149" y="1910499"/>
             <a:ext cx="191386" cy="342900"/>
           </a:xfrm>
           <a:prstGeom prst="rect">
@@ -8213,7 +9559,7 @@
         </p:blipFill>
         <p:spPr>
           <a:xfrm>
-            <a:off x="430925" y="3991125"/>
+            <a:off x="430925" y="3206048"/>
             <a:ext cx="191386" cy="342900"/>
           </a:xfrm>
           <a:prstGeom prst="rect">
@@ -8243,7 +9589,7 @@
         </p:blipFill>
         <p:spPr>
           <a:xfrm>
-            <a:off x="447675" y="3186113"/>
+            <a:off x="447675" y="2401036"/>
             <a:ext cx="191386" cy="304478"/>
           </a:xfrm>
           <a:prstGeom prst="rect">
@@ -8273,7 +9619,7 @@
         </p:blipFill>
         <p:spPr>
           <a:xfrm>
-            <a:off x="457200" y="3524250"/>
+            <a:off x="457200" y="2739173"/>
             <a:ext cx="198520" cy="342900"/>
           </a:xfrm>
           <a:prstGeom prst="rect">
@@ -8303,7 +9649,7 @@
         </p:blipFill>
         <p:spPr>
           <a:xfrm>
-            <a:off x="433387" y="4505325"/>
+            <a:off x="433387" y="3720248"/>
             <a:ext cx="219075" cy="304800"/>
           </a:xfrm>
           <a:prstGeom prst="rect">
@@ -8325,7 +9671,7 @@
         </p:nvSpPr>
         <p:spPr>
           <a:xfrm>
-            <a:off x="155586" y="1600200"/>
+            <a:off x="155586" y="1036792"/>
             <a:ext cx="824265" cy="646331"/>
           </a:xfrm>
           <a:prstGeom prst="rect">
@@ -8366,55 +9712,8 @@
         </p:nvSpPr>
         <p:spPr>
           <a:xfrm>
-            <a:off x="5070486" y="1514475"/>
-            <a:ext cx="1194238" cy="923330"/>
-          </a:xfrm>
-          <a:prstGeom prst="rect">
-            <a:avLst/>
-          </a:prstGeom>
-          <a:noFill/>
-        </p:spPr>
-        <p:txBody>
-          <a:bodyPr wrap="none" rtlCol="0">
-            <a:spAutoFit/>
-          </a:bodyPr>
-          <a:lstStyle/>
-          <a:p>
-            <a:r>
-              <a:rPr lang="es-ES" b="1" dirty="0"/>
-              <a:t>Salida con</a:t>
-            </a:r>
-          </a:p>
-          <a:p>
-            <a:r>
-              <a:rPr lang="es-ES" b="1" dirty="0"/>
-              <a:t>Activación</a:t>
-            </a:r>
-          </a:p>
-          <a:p>
-            <a:r>
-              <a:rPr lang="es-ES" b="1" dirty="0"/>
-              <a:t>Lineal</a:t>
-            </a:r>
-          </a:p>
-        </p:txBody>
-      </p:sp>
-      <p:sp>
-        <p:nvSpPr>
-          <p:cNvPr id="31" name="CuadroTexto 30">
-            <a:extLst>
-              <a:ext uri="{FF2B5EF4-FFF2-40B4-BE49-F238E27FC236}">
-                <a16:creationId xmlns:a16="http://schemas.microsoft.com/office/drawing/2014/main" id="{94E767AA-54B3-42FF-BD72-146A6EAF5648}"/>
-              </a:ext>
-            </a:extLst>
-          </p:cNvPr>
-          <p:cNvSpPr txBox="1"/>
-          <p:nvPr/>
-        </p:nvSpPr>
-        <p:spPr>
-          <a:xfrm>
-            <a:off x="5259148" y="2676525"/>
-            <a:ext cx="836852" cy="369332"/>
+            <a:off x="4341091" y="1154267"/>
+            <a:ext cx="2272145" cy="646331"/>
           </a:xfrm>
           <a:prstGeom prst="rect">
             <a:avLst/>
@@ -8428,18 +9727,24 @@
           <a:lstStyle/>
           <a:p>
             <a:r>
-              <a:rPr lang="es-ES" dirty="0"/>
-              <a:t>528.01</a:t>
-            </a:r>
-          </a:p>
-        </p:txBody>
-      </p:sp>
-      <p:sp>
-        <p:nvSpPr>
-          <p:cNvPr id="32" name="CuadroTexto 31">
-            <a:extLst>
-              <a:ext uri="{FF2B5EF4-FFF2-40B4-BE49-F238E27FC236}">
-                <a16:creationId xmlns:a16="http://schemas.microsoft.com/office/drawing/2014/main" id="{CEB6F5AC-E156-4F37-B619-01A642F3D555}"/>
+              <a:rPr lang="es-ES" b="1" dirty="0"/>
+              <a:t>Salida con activación</a:t>
+            </a:r>
+          </a:p>
+          <a:p>
+            <a:r>
+              <a:rPr lang="es-ES" b="1" dirty="0"/>
+              <a:t>Lineal</a:t>
+            </a:r>
+          </a:p>
+        </p:txBody>
+      </p:sp>
+      <p:sp>
+        <p:nvSpPr>
+          <p:cNvPr id="31" name="CuadroTexto 30">
+            <a:extLst>
+              <a:ext uri="{FF2B5EF4-FFF2-40B4-BE49-F238E27FC236}">
+                <a16:creationId xmlns:a16="http://schemas.microsoft.com/office/drawing/2014/main" id="{94E767AA-54B3-42FF-BD72-146A6EAF5648}"/>
               </a:ext>
             </a:extLst>
           </p:cNvPr>
@@ -8448,7 +9753,7 @@
         </p:nvSpPr>
         <p:spPr>
           <a:xfrm>
-            <a:off x="5259148" y="3133725"/>
+            <a:off x="5259148" y="1891448"/>
             <a:ext cx="836852" cy="369332"/>
           </a:xfrm>
           <a:prstGeom prst="rect">
@@ -8464,17 +9769,17 @@
           <a:p>
             <a:r>
               <a:rPr lang="es-ES" dirty="0"/>
-              <a:t>553.00</a:t>
-            </a:r>
-          </a:p>
-        </p:txBody>
-      </p:sp>
-      <p:sp>
-        <p:nvSpPr>
-          <p:cNvPr id="33" name="CuadroTexto 32">
-            <a:extLst>
-              <a:ext uri="{FF2B5EF4-FFF2-40B4-BE49-F238E27FC236}">
-                <a16:creationId xmlns:a16="http://schemas.microsoft.com/office/drawing/2014/main" id="{C1DA5249-58F4-4F8B-A5A0-4E36054D9ADD}"/>
+              <a:t>528.01</a:t>
+            </a:r>
+          </a:p>
+        </p:txBody>
+      </p:sp>
+      <p:sp>
+        <p:nvSpPr>
+          <p:cNvPr id="32" name="CuadroTexto 31">
+            <a:extLst>
+              <a:ext uri="{FF2B5EF4-FFF2-40B4-BE49-F238E27FC236}">
+                <a16:creationId xmlns:a16="http://schemas.microsoft.com/office/drawing/2014/main" id="{CEB6F5AC-E156-4F37-B619-01A642F3D555}"/>
               </a:ext>
             </a:extLst>
           </p:cNvPr>
@@ -8483,7 +9788,7 @@
         </p:nvSpPr>
         <p:spPr>
           <a:xfrm>
-            <a:off x="5268673" y="3571875"/>
+            <a:off x="5259148" y="2348648"/>
             <a:ext cx="836852" cy="369332"/>
           </a:xfrm>
           <a:prstGeom prst="rect">
@@ -8499,17 +9804,17 @@
           <a:p>
             <a:r>
               <a:rPr lang="es-ES" dirty="0"/>
-              <a:t>512.54 </a:t>
-            </a:r>
-          </a:p>
-        </p:txBody>
-      </p:sp>
-      <p:sp>
-        <p:nvSpPr>
-          <p:cNvPr id="34" name="CuadroTexto 33">
-            <a:extLst>
-              <a:ext uri="{FF2B5EF4-FFF2-40B4-BE49-F238E27FC236}">
-                <a16:creationId xmlns:a16="http://schemas.microsoft.com/office/drawing/2014/main" id="{D6FA658A-2259-4C63-BD4F-73826E23B2FA}"/>
+              <a:t>553.00</a:t>
+            </a:r>
+          </a:p>
+        </p:txBody>
+      </p:sp>
+      <p:sp>
+        <p:nvSpPr>
+          <p:cNvPr id="33" name="CuadroTexto 32">
+            <a:extLst>
+              <a:ext uri="{FF2B5EF4-FFF2-40B4-BE49-F238E27FC236}">
+                <a16:creationId xmlns:a16="http://schemas.microsoft.com/office/drawing/2014/main" id="{C1DA5249-58F4-4F8B-A5A0-4E36054D9ADD}"/>
               </a:ext>
             </a:extLst>
           </p:cNvPr>
@@ -8518,7 +9823,7 @@
         </p:nvSpPr>
         <p:spPr>
           <a:xfrm>
-            <a:off x="5259148" y="4000500"/>
+            <a:off x="5268673" y="2786798"/>
             <a:ext cx="836852" cy="369332"/>
           </a:xfrm>
           <a:prstGeom prst="rect">
@@ -8534,17 +9839,17 @@
           <a:p>
             <a:r>
               <a:rPr lang="es-ES" dirty="0"/>
-              <a:t>582.60 </a:t>
-            </a:r>
-          </a:p>
-        </p:txBody>
-      </p:sp>
-      <p:sp>
-        <p:nvSpPr>
-          <p:cNvPr id="35" name="CuadroTexto 34">
-            <a:extLst>
-              <a:ext uri="{FF2B5EF4-FFF2-40B4-BE49-F238E27FC236}">
-                <a16:creationId xmlns:a16="http://schemas.microsoft.com/office/drawing/2014/main" id="{5B295DEC-2449-41CB-995F-D6250264AB79}"/>
+              <a:t>512.54 </a:t>
+            </a:r>
+          </a:p>
+        </p:txBody>
+      </p:sp>
+      <p:sp>
+        <p:nvSpPr>
+          <p:cNvPr id="34" name="CuadroTexto 33">
+            <a:extLst>
+              <a:ext uri="{FF2B5EF4-FFF2-40B4-BE49-F238E27FC236}">
+                <a16:creationId xmlns:a16="http://schemas.microsoft.com/office/drawing/2014/main" id="{D6FA658A-2259-4C63-BD4F-73826E23B2FA}"/>
               </a:ext>
             </a:extLst>
           </p:cNvPr>
@@ -8553,7 +9858,7 @@
         </p:nvSpPr>
         <p:spPr>
           <a:xfrm>
-            <a:off x="5259148" y="4400550"/>
+            <a:off x="5259148" y="3215423"/>
             <a:ext cx="836852" cy="369332"/>
           </a:xfrm>
           <a:prstGeom prst="rect">
@@ -8569,17 +9874,17 @@
           <a:p>
             <a:r>
               <a:rPr lang="es-ES" dirty="0"/>
-              <a:t>503.00 </a:t>
-            </a:r>
-          </a:p>
-        </p:txBody>
-      </p:sp>
-      <p:sp>
-        <p:nvSpPr>
-          <p:cNvPr id="36" name="CuadroTexto 35">
-            <a:extLst>
-              <a:ext uri="{FF2B5EF4-FFF2-40B4-BE49-F238E27FC236}">
-                <a16:creationId xmlns:a16="http://schemas.microsoft.com/office/drawing/2014/main" id="{49CC7FB3-F9BF-4B06-A729-9B03CDE790A6}"/>
+              <a:t>582.60 </a:t>
+            </a:r>
+          </a:p>
+        </p:txBody>
+      </p:sp>
+      <p:sp>
+        <p:nvSpPr>
+          <p:cNvPr id="35" name="CuadroTexto 34">
+            <a:extLst>
+              <a:ext uri="{FF2B5EF4-FFF2-40B4-BE49-F238E27FC236}">
+                <a16:creationId xmlns:a16="http://schemas.microsoft.com/office/drawing/2014/main" id="{5B295DEC-2449-41CB-995F-D6250264AB79}"/>
               </a:ext>
             </a:extLst>
           </p:cNvPr>
@@ -8588,8 +9893,8 @@
         </p:nvSpPr>
         <p:spPr>
           <a:xfrm>
-            <a:off x="3924300" y="5267325"/>
-            <a:ext cx="3286125" cy="923330"/>
+            <a:off x="5259148" y="3615473"/>
+            <a:ext cx="836852" cy="369332"/>
           </a:xfrm>
           <a:prstGeom prst="rect">
             <a:avLst/>
@@ -8604,7 +9909,7 @@
           <a:p>
             <a:r>
               <a:rPr lang="es-ES" dirty="0"/>
-              <a:t>Se escoge como valor predicho el máximo. Su posición indica el número de pods a establecer</a:t>
+              <a:t>503.00 </a:t>
             </a:r>
           </a:p>
         </p:txBody>
@@ -8652,6 +9957,36 @@
           </a:p>
         </p:txBody>
       </p:sp>
+      <p:pic>
+        <p:nvPicPr>
+          <p:cNvPr id="4" name="Imagen 3">
+            <a:extLst>
+              <a:ext uri="{FF2B5EF4-FFF2-40B4-BE49-F238E27FC236}">
+                <a16:creationId xmlns:a16="http://schemas.microsoft.com/office/drawing/2014/main" id="{4C29594F-4682-455E-93A0-CE626FF77A5C}"/>
+              </a:ext>
+            </a:extLst>
+          </p:cNvPr>
+          <p:cNvPicPr>
+            <a:picLocks noChangeAspect="1"/>
+          </p:cNvPicPr>
+          <p:nvPr/>
+        </p:nvPicPr>
+        <p:blipFill>
+          <a:blip r:embed="rId12"/>
+          <a:stretch>
+            <a:fillRect/>
+          </a:stretch>
+        </p:blipFill>
+        <p:spPr>
+          <a:xfrm>
+            <a:off x="599929" y="4716234"/>
+            <a:ext cx="5717742" cy="1806991"/>
+          </a:xfrm>
+          <a:prstGeom prst="rect">
+            <a:avLst/>
+          </a:prstGeom>
+        </p:spPr>
+      </p:pic>
     </p:spTree>
     <p:extLst>
       <p:ext uri="{BB962C8B-B14F-4D97-AF65-F5344CB8AC3E}">

--- a/doc/HpaWithDrl.pptx
+++ b/doc/HpaWithDrl.pptx
@@ -6,21 +6,22 @@
   </p:sldMasterIdLst>
   <p:sldIdLst>
     <p:sldId id="256" r:id="rId2"/>
-    <p:sldId id="257" r:id="rId3"/>
-    <p:sldId id="266" r:id="rId4"/>
-    <p:sldId id="258" r:id="rId5"/>
-    <p:sldId id="260" r:id="rId6"/>
-    <p:sldId id="264" r:id="rId7"/>
-    <p:sldId id="263" r:id="rId8"/>
-    <p:sldId id="259" r:id="rId9"/>
-    <p:sldId id="267" r:id="rId10"/>
-    <p:sldId id="273" r:id="rId11"/>
-    <p:sldId id="272" r:id="rId12"/>
-    <p:sldId id="265" r:id="rId13"/>
-    <p:sldId id="268" r:id="rId14"/>
-    <p:sldId id="269" r:id="rId15"/>
-    <p:sldId id="270" r:id="rId16"/>
-    <p:sldId id="271" r:id="rId17"/>
+    <p:sldId id="274" r:id="rId3"/>
+    <p:sldId id="257" r:id="rId4"/>
+    <p:sldId id="266" r:id="rId5"/>
+    <p:sldId id="258" r:id="rId6"/>
+    <p:sldId id="260" r:id="rId7"/>
+    <p:sldId id="264" r:id="rId8"/>
+    <p:sldId id="263" r:id="rId9"/>
+    <p:sldId id="259" r:id="rId10"/>
+    <p:sldId id="267" r:id="rId11"/>
+    <p:sldId id="273" r:id="rId12"/>
+    <p:sldId id="272" r:id="rId13"/>
+    <p:sldId id="265" r:id="rId14"/>
+    <p:sldId id="268" r:id="rId15"/>
+    <p:sldId id="269" r:id="rId16"/>
+    <p:sldId id="270" r:id="rId17"/>
+    <p:sldId id="271" r:id="rId18"/>
   </p:sldIdLst>
   <p:sldSz cx="12192000" cy="6858000"/>
   <p:notesSz cx="6858000" cy="9144000"/>
@@ -274,7 +275,7 @@
           <a:p>
             <a:fld id="{7370A3C4-7F57-42AE-BB28-227D752FA2EE}" type="datetimeFigureOut">
               <a:rPr lang="es-ES" smtClean="0"/>
-              <a:t>03/10/2021</a:t>
+              <a:t>04/10/2021</a:t>
             </a:fld>
             <a:endParaRPr lang="es-ES"/>
           </a:p>
@@ -472,7 +473,7 @@
           <a:p>
             <a:fld id="{7370A3C4-7F57-42AE-BB28-227D752FA2EE}" type="datetimeFigureOut">
               <a:rPr lang="es-ES" smtClean="0"/>
-              <a:t>03/10/2021</a:t>
+              <a:t>04/10/2021</a:t>
             </a:fld>
             <a:endParaRPr lang="es-ES"/>
           </a:p>
@@ -680,7 +681,7 @@
           <a:p>
             <a:fld id="{7370A3C4-7F57-42AE-BB28-227D752FA2EE}" type="datetimeFigureOut">
               <a:rPr lang="es-ES" smtClean="0"/>
-              <a:t>03/10/2021</a:t>
+              <a:t>04/10/2021</a:t>
             </a:fld>
             <a:endParaRPr lang="es-ES"/>
           </a:p>
@@ -878,7 +879,7 @@
           <a:p>
             <a:fld id="{7370A3C4-7F57-42AE-BB28-227D752FA2EE}" type="datetimeFigureOut">
               <a:rPr lang="es-ES" smtClean="0"/>
-              <a:t>03/10/2021</a:t>
+              <a:t>04/10/2021</a:t>
             </a:fld>
             <a:endParaRPr lang="es-ES"/>
           </a:p>
@@ -1153,7 +1154,7 @@
           <a:p>
             <a:fld id="{7370A3C4-7F57-42AE-BB28-227D752FA2EE}" type="datetimeFigureOut">
               <a:rPr lang="es-ES" smtClean="0"/>
-              <a:t>03/10/2021</a:t>
+              <a:t>04/10/2021</a:t>
             </a:fld>
             <a:endParaRPr lang="es-ES"/>
           </a:p>
@@ -1418,7 +1419,7 @@
           <a:p>
             <a:fld id="{7370A3C4-7F57-42AE-BB28-227D752FA2EE}" type="datetimeFigureOut">
               <a:rPr lang="es-ES" smtClean="0"/>
-              <a:t>03/10/2021</a:t>
+              <a:t>04/10/2021</a:t>
             </a:fld>
             <a:endParaRPr lang="es-ES"/>
           </a:p>
@@ -1830,7 +1831,7 @@
           <a:p>
             <a:fld id="{7370A3C4-7F57-42AE-BB28-227D752FA2EE}" type="datetimeFigureOut">
               <a:rPr lang="es-ES" smtClean="0"/>
-              <a:t>03/10/2021</a:t>
+              <a:t>04/10/2021</a:t>
             </a:fld>
             <a:endParaRPr lang="es-ES"/>
           </a:p>
@@ -1971,7 +1972,7 @@
           <a:p>
             <a:fld id="{7370A3C4-7F57-42AE-BB28-227D752FA2EE}" type="datetimeFigureOut">
               <a:rPr lang="es-ES" smtClean="0"/>
-              <a:t>03/10/2021</a:t>
+              <a:t>04/10/2021</a:t>
             </a:fld>
             <a:endParaRPr lang="es-ES"/>
           </a:p>
@@ -2084,7 +2085,7 @@
           <a:p>
             <a:fld id="{7370A3C4-7F57-42AE-BB28-227D752FA2EE}" type="datetimeFigureOut">
               <a:rPr lang="es-ES" smtClean="0"/>
-              <a:t>03/10/2021</a:t>
+              <a:t>04/10/2021</a:t>
             </a:fld>
             <a:endParaRPr lang="es-ES"/>
           </a:p>
@@ -2395,7 +2396,7 @@
           <a:p>
             <a:fld id="{7370A3C4-7F57-42AE-BB28-227D752FA2EE}" type="datetimeFigureOut">
               <a:rPr lang="es-ES" smtClean="0"/>
-              <a:t>03/10/2021</a:t>
+              <a:t>04/10/2021</a:t>
             </a:fld>
             <a:endParaRPr lang="es-ES"/>
           </a:p>
@@ -2683,7 +2684,7 @@
           <a:p>
             <a:fld id="{7370A3C4-7F57-42AE-BB28-227D752FA2EE}" type="datetimeFigureOut">
               <a:rPr lang="es-ES" smtClean="0"/>
-              <a:t>03/10/2021</a:t>
+              <a:t>04/10/2021</a:t>
             </a:fld>
             <a:endParaRPr lang="es-ES"/>
           </a:p>
@@ -2924,7 +2925,7 @@
           <a:p>
             <a:fld id="{7370A3C4-7F57-42AE-BB28-227D752FA2EE}" type="datetimeFigureOut">
               <a:rPr lang="es-ES" smtClean="0"/>
-              <a:t>03/10/2021</a:t>
+              <a:t>04/10/2021</a:t>
             </a:fld>
             <a:endParaRPr lang="es-ES"/>
           </a:p>
@@ -3576,48 +3577,18 @@
       </p:grpSpPr>
       <p:pic>
         <p:nvPicPr>
-          <p:cNvPr id="4" name="Imagen 3">
-            <a:extLst>
-              <a:ext uri="{FF2B5EF4-FFF2-40B4-BE49-F238E27FC236}">
-                <a16:creationId xmlns:a16="http://schemas.microsoft.com/office/drawing/2014/main" id="{BC5EF3D7-39B0-45E6-A1FF-F4B47C0737BA}"/>
-              </a:ext>
-            </a:extLst>
-          </p:cNvPr>
-          <p:cNvPicPr>
-            <a:picLocks noChangeAspect="1"/>
-          </p:cNvPicPr>
+          <p:cNvPr id="7" name="Imagen 6" descr="Texto&#10;&#10;Descripción generada automáticamente con confianza media">
+            <a:extLst>
+              <a:ext uri="{FF2B5EF4-FFF2-40B4-BE49-F238E27FC236}">
+                <a16:creationId xmlns:a16="http://schemas.microsoft.com/office/drawing/2014/main" id="{522F3205-AB50-49D8-8AAE-7D167D24477E}"/>
+              </a:ext>
+            </a:extLst>
+          </p:cNvPr>
+          <p:cNvPicPr/>
           <p:nvPr/>
         </p:nvPicPr>
         <p:blipFill>
           <a:blip r:embed="rId2"/>
-          <a:stretch>
-            <a:fillRect/>
-          </a:stretch>
-        </p:blipFill>
-        <p:spPr>
-          <a:xfrm>
-            <a:off x="577266" y="5359628"/>
-            <a:ext cx="11296738" cy="1402034"/>
-          </a:xfrm>
-          <a:prstGeom prst="rect">
-            <a:avLst/>
-          </a:prstGeom>
-        </p:spPr>
-      </p:pic>
-      <p:pic>
-        <p:nvPicPr>
-          <p:cNvPr id="7" name="Imagen 6" descr="Texto&#10;&#10;Descripción generada automáticamente con confianza media">
-            <a:extLst>
-              <a:ext uri="{FF2B5EF4-FFF2-40B4-BE49-F238E27FC236}">
-                <a16:creationId xmlns:a16="http://schemas.microsoft.com/office/drawing/2014/main" id="{522F3205-AB50-49D8-8AAE-7D167D24477E}"/>
-              </a:ext>
-            </a:extLst>
-          </p:cNvPr>
-          <p:cNvPicPr/>
-          <p:nvPr/>
-        </p:nvPicPr>
-        <p:blipFill>
-          <a:blip r:embed="rId3"/>
           <a:stretch>
             <a:fillRect/>
           </a:stretch>
@@ -3744,12 +3715,120 @@
           </a:p>
         </p:txBody>
       </p:sp>
+      <p:graphicFrame>
+        <p:nvGraphicFramePr>
+          <p:cNvPr id="9" name="Objeto 8">
+            <a:extLst>
+              <a:ext uri="{FF2B5EF4-FFF2-40B4-BE49-F238E27FC236}">
+                <a16:creationId xmlns:a16="http://schemas.microsoft.com/office/drawing/2014/main" id="{711366B1-E567-4FAE-91EA-F867EBE938DB}"/>
+              </a:ext>
+            </a:extLst>
+          </p:cNvPr>
+          <p:cNvGraphicFramePr>
+            <a:graphicFrameLocks noChangeAspect="1"/>
+          </p:cNvGraphicFramePr>
+          <p:nvPr>
+            <p:extLst>
+              <p:ext uri="{D42A27DB-BD31-4B8C-83A1-F6EECF244321}">
+                <p14:modId xmlns:p14="http://schemas.microsoft.com/office/powerpoint/2010/main" val="1955453922"/>
+              </p:ext>
+            </p:extLst>
+          </p:nvPr>
+        </p:nvGraphicFramePr>
+        <p:xfrm>
+          <a:off x="6900203" y="1095380"/>
+          <a:ext cx="5159795" cy="2228845"/>
+        </p:xfrm>
+        <a:graphic>
+          <a:graphicData uri="http://schemas.openxmlformats.org/presentationml/2006/ole">
+            <mc:AlternateContent xmlns:mc="http://schemas.openxmlformats.org/markup-compatibility/2006">
+              <mc:Choice xmlns:v="urn:schemas-microsoft-com:vml" Requires="v">
+                <p:oleObj name="Document" r:id="rId3" imgW="5386812" imgH="2168135" progId="Word.OpenDocumentText.12">
+                  <p:embed/>
+                </p:oleObj>
+              </mc:Choice>
+              <mc:Fallback>
+                <p:oleObj name="Document" r:id="rId3" imgW="5386812" imgH="2168135" progId="Word.OpenDocumentText.12">
+                  <p:embed/>
+                  <p:pic>
+                    <p:nvPicPr>
+                      <p:cNvPr id="0" name="Object 1"/>
+                      <p:cNvPicPr>
+                        <a:picLocks noChangeAspect="1" noChangeArrowheads="1"/>
+                      </p:cNvPicPr>
+                      <p:nvPr/>
+                    </p:nvPicPr>
+                    <p:blipFill>
+                      <a:blip r:embed="rId4">
+                        <a:extLst>
+                          <a:ext uri="{28A0092B-C50C-407E-A947-70E740481C1C}">
+                            <a14:useLocalDpi xmlns:a14="http://schemas.microsoft.com/office/drawing/2010/main" val="0"/>
+                          </a:ext>
+                        </a:extLst>
+                      </a:blip>
+                      <a:srcRect/>
+                      <a:stretch>
+                        <a:fillRect/>
+                      </a:stretch>
+                    </p:blipFill>
+                    <p:spPr bwMode="auto">
+                      <a:xfrm>
+                        <a:off x="6900203" y="1095380"/>
+                        <a:ext cx="5159795" cy="2228845"/>
+                      </a:xfrm>
+                      <a:prstGeom prst="rect">
+                        <a:avLst/>
+                      </a:prstGeom>
+                      <a:noFill/>
+                    </p:spPr>
+                  </p:pic>
+                </p:oleObj>
+              </mc:Fallback>
+            </mc:AlternateContent>
+          </a:graphicData>
+        </a:graphic>
+      </p:graphicFrame>
+      <p:sp>
+        <p:nvSpPr>
+          <p:cNvPr id="13" name="CuadroTexto 12">
+            <a:extLst>
+              <a:ext uri="{FF2B5EF4-FFF2-40B4-BE49-F238E27FC236}">
+                <a16:creationId xmlns:a16="http://schemas.microsoft.com/office/drawing/2014/main" id="{8715AEC9-EDCD-486C-B6B3-5A156F7C51EB}"/>
+              </a:ext>
+            </a:extLst>
+          </p:cNvPr>
+          <p:cNvSpPr txBox="1"/>
+          <p:nvPr/>
+        </p:nvSpPr>
+        <p:spPr>
+          <a:xfrm>
+            <a:off x="4907454" y="247959"/>
+            <a:ext cx="2590626" cy="461665"/>
+          </a:xfrm>
+          <a:prstGeom prst="rect">
+            <a:avLst/>
+          </a:prstGeom>
+          <a:noFill/>
+        </p:spPr>
+        <p:txBody>
+          <a:bodyPr wrap="square" rtlCol="0">
+            <a:spAutoFit/>
+          </a:bodyPr>
+          <a:lstStyle/>
+          <a:p>
+            <a:r>
+              <a:rPr lang="es-ES" sz="2400" b="1" dirty="0"/>
+              <a:t>Acciones: Agente</a:t>
+            </a:r>
+          </a:p>
+        </p:txBody>
+      </p:sp>
       <p:pic>
         <p:nvPicPr>
-          <p:cNvPr id="11" name="Imagen 10">
-            <a:extLst>
-              <a:ext uri="{FF2B5EF4-FFF2-40B4-BE49-F238E27FC236}">
-                <a16:creationId xmlns:a16="http://schemas.microsoft.com/office/drawing/2014/main" id="{26FC918D-9E9D-4723-A244-E57FF0A63C83}"/>
+          <p:cNvPr id="15" name="Imagen 14">
+            <a:extLst>
+              <a:ext uri="{FF2B5EF4-FFF2-40B4-BE49-F238E27FC236}">
+                <a16:creationId xmlns:a16="http://schemas.microsoft.com/office/drawing/2014/main" id="{4FC7D009-5BB2-4D30-8DC3-BDECBE764647}"/>
               </a:ext>
             </a:extLst>
           </p:cNvPr>
@@ -3759,15 +3838,15 @@
           <p:nvPr/>
         </p:nvPicPr>
         <p:blipFill>
-          <a:blip r:embed="rId4"/>
+          <a:blip r:embed="rId5"/>
           <a:stretch>
             <a:fillRect/>
           </a:stretch>
         </p:blipFill>
         <p:spPr>
           <a:xfrm>
-            <a:off x="5631338" y="1650287"/>
-            <a:ext cx="6242666" cy="2561487"/>
+            <a:off x="7543799" y="3897356"/>
+            <a:ext cx="3969231" cy="2560593"/>
           </a:xfrm>
           <a:prstGeom prst="rect">
             <a:avLst/>
@@ -3776,10 +3855,10 @@
       </p:pic>
       <p:sp>
         <p:nvSpPr>
-          <p:cNvPr id="13" name="CuadroTexto 12">
-            <a:extLst>
-              <a:ext uri="{FF2B5EF4-FFF2-40B4-BE49-F238E27FC236}">
-                <a16:creationId xmlns:a16="http://schemas.microsoft.com/office/drawing/2014/main" id="{8715AEC9-EDCD-486C-B6B3-5A156F7C51EB}"/>
+          <p:cNvPr id="16" name="CuadroTexto 15">
+            <a:extLst>
+              <a:ext uri="{FF2B5EF4-FFF2-40B4-BE49-F238E27FC236}">
+                <a16:creationId xmlns:a16="http://schemas.microsoft.com/office/drawing/2014/main" id="{18ADE18B-FE83-4DCF-A6D6-18BFFB2CE9CF}"/>
               </a:ext>
             </a:extLst>
           </p:cNvPr>
@@ -3788,8 +3867,8 @@
         </p:nvSpPr>
         <p:spPr>
           <a:xfrm>
-            <a:off x="4907454" y="547044"/>
-            <a:ext cx="2590626" cy="461665"/>
+            <a:off x="7907190" y="6439471"/>
+            <a:ext cx="4239057" cy="400110"/>
           </a:xfrm>
           <a:prstGeom prst="rect">
             <a:avLst/>
@@ -3803,18 +3882,48 @@
           <a:lstStyle/>
           <a:p>
             <a:r>
-              <a:rPr lang="es-ES" sz="2400" b="1" dirty="0"/>
-              <a:t>Acciones: Entorno</a:t>
-            </a:r>
-          </a:p>
-        </p:txBody>
-      </p:sp>
-      <p:sp>
-        <p:nvSpPr>
-          <p:cNvPr id="3" name="CuadroTexto 2">
-            <a:extLst>
-              <a:ext uri="{FF2B5EF4-FFF2-40B4-BE49-F238E27FC236}">
-                <a16:creationId xmlns:a16="http://schemas.microsoft.com/office/drawing/2014/main" id="{F64AC057-662D-4B2D-A741-64E49F110706}"/>
+              <a:rPr lang="es-ES" sz="1000" dirty="0"/>
+              <a:t>https://medium.com/analytics-vidhya/the-epsilon-greedy-algorithm-for-reinforcement-learning-5fe6f96dc870</a:t>
+            </a:r>
+          </a:p>
+        </p:txBody>
+      </p:sp>
+      <p:pic>
+        <p:nvPicPr>
+          <p:cNvPr id="6" name="Imagen 5">
+            <a:extLst>
+              <a:ext uri="{FF2B5EF4-FFF2-40B4-BE49-F238E27FC236}">
+                <a16:creationId xmlns:a16="http://schemas.microsoft.com/office/drawing/2014/main" id="{D94D305B-EF52-456B-957A-BF7C443400AC}"/>
+              </a:ext>
+            </a:extLst>
+          </p:cNvPr>
+          <p:cNvPicPr>
+            <a:picLocks noChangeAspect="1"/>
+          </p:cNvPicPr>
+          <p:nvPr/>
+        </p:nvPicPr>
+        <p:blipFill>
+          <a:blip r:embed="rId6"/>
+          <a:stretch>
+            <a:fillRect/>
+          </a:stretch>
+        </p:blipFill>
+        <p:spPr>
+          <a:xfrm>
+            <a:off x="1095769" y="1277085"/>
+            <a:ext cx="4153854" cy="3357562"/>
+          </a:xfrm>
+          <a:prstGeom prst="rect">
+            <a:avLst/>
+          </a:prstGeom>
+        </p:spPr>
+      </p:pic>
+      <p:sp>
+        <p:nvSpPr>
+          <p:cNvPr id="14" name="CuadroTexto 13">
+            <a:extLst>
+              <a:ext uri="{FF2B5EF4-FFF2-40B4-BE49-F238E27FC236}">
+                <a16:creationId xmlns:a16="http://schemas.microsoft.com/office/drawing/2014/main" id="{EC13A798-F3FD-47FF-A01B-40A6AB9E9552}"/>
               </a:ext>
             </a:extLst>
           </p:cNvPr>
@@ -3823,8 +3932,294 @@
         </p:nvSpPr>
         <p:spPr>
           <a:xfrm>
-            <a:off x="440675" y="1163364"/>
-            <a:ext cx="4880471" cy="3970318"/>
+            <a:off x="10392" y="6597367"/>
+            <a:ext cx="8173027" cy="246221"/>
+          </a:xfrm>
+          <a:prstGeom prst="rect">
+            <a:avLst/>
+          </a:prstGeom>
+          <a:noFill/>
+        </p:spPr>
+        <p:txBody>
+          <a:bodyPr wrap="square">
+            <a:spAutoFit/>
+          </a:bodyPr>
+          <a:lstStyle/>
+          <a:p>
+            <a:r>
+              <a:rPr lang="es-ES" sz="1000" dirty="0"/>
+              <a:t>https://www.researchgate.net/figure/Neural-network-architecture-setting-There-are-five-inputs-one-output-and-three-hidden_fig5_320696945</a:t>
+            </a:r>
+          </a:p>
+        </p:txBody>
+      </p:sp>
+      <p:pic>
+        <p:nvPicPr>
+          <p:cNvPr id="12" name="Imagen 11">
+            <a:extLst>
+              <a:ext uri="{FF2B5EF4-FFF2-40B4-BE49-F238E27FC236}">
+                <a16:creationId xmlns:a16="http://schemas.microsoft.com/office/drawing/2014/main" id="{A1813F21-CF56-4140-B4C8-AB8950FE7205}"/>
+              </a:ext>
+            </a:extLst>
+          </p:cNvPr>
+          <p:cNvPicPr>
+            <a:picLocks noChangeAspect="1"/>
+          </p:cNvPicPr>
+          <p:nvPr/>
+        </p:nvPicPr>
+        <p:blipFill>
+          <a:blip r:embed="rId7"/>
+          <a:stretch>
+            <a:fillRect/>
+          </a:stretch>
+        </p:blipFill>
+        <p:spPr>
+          <a:xfrm>
+            <a:off x="323850" y="1758098"/>
+            <a:ext cx="457200" cy="190500"/>
+          </a:xfrm>
+          <a:prstGeom prst="rect">
+            <a:avLst/>
+          </a:prstGeom>
+        </p:spPr>
+      </p:pic>
+      <p:pic>
+        <p:nvPicPr>
+          <p:cNvPr id="18" name="Imagen 17">
+            <a:extLst>
+              <a:ext uri="{FF2B5EF4-FFF2-40B4-BE49-F238E27FC236}">
+                <a16:creationId xmlns:a16="http://schemas.microsoft.com/office/drawing/2014/main" id="{8043FACD-F7FC-4104-B1BA-8EA61B63EEBC}"/>
+              </a:ext>
+            </a:extLst>
+          </p:cNvPr>
+          <p:cNvPicPr>
+            <a:picLocks noChangeAspect="1"/>
+          </p:cNvPicPr>
+          <p:nvPr/>
+        </p:nvPicPr>
+        <p:blipFill>
+          <a:blip r:embed="rId7"/>
+          <a:stretch>
+            <a:fillRect/>
+          </a:stretch>
+        </p:blipFill>
+        <p:spPr>
+          <a:xfrm rot="10800000">
+            <a:off x="323850" y="4063148"/>
+            <a:ext cx="457200" cy="190500"/>
+          </a:xfrm>
+          <a:prstGeom prst="rect">
+            <a:avLst/>
+          </a:prstGeom>
+        </p:spPr>
+      </p:pic>
+      <p:pic>
+        <p:nvPicPr>
+          <p:cNvPr id="20" name="Imagen 19">
+            <a:extLst>
+              <a:ext uri="{FF2B5EF4-FFF2-40B4-BE49-F238E27FC236}">
+                <a16:creationId xmlns:a16="http://schemas.microsoft.com/office/drawing/2014/main" id="{309705BE-5A7A-47E7-A4A7-6CB76EFB61CF}"/>
+              </a:ext>
+            </a:extLst>
+          </p:cNvPr>
+          <p:cNvPicPr>
+            <a:picLocks noChangeAspect="1"/>
+          </p:cNvPicPr>
+          <p:nvPr/>
+        </p:nvPicPr>
+        <p:blipFill>
+          <a:blip r:embed="rId8"/>
+          <a:stretch>
+            <a:fillRect/>
+          </a:stretch>
+        </p:blipFill>
+        <p:spPr>
+          <a:xfrm>
+            <a:off x="438149" y="1910499"/>
+            <a:ext cx="191386" cy="342900"/>
+          </a:xfrm>
+          <a:prstGeom prst="rect">
+            <a:avLst/>
+          </a:prstGeom>
+        </p:spPr>
+      </p:pic>
+      <p:pic>
+        <p:nvPicPr>
+          <p:cNvPr id="22" name="Imagen 21">
+            <a:extLst>
+              <a:ext uri="{FF2B5EF4-FFF2-40B4-BE49-F238E27FC236}">
+                <a16:creationId xmlns:a16="http://schemas.microsoft.com/office/drawing/2014/main" id="{0DF49E74-6E27-4698-8D2C-44CE22AAF377}"/>
+              </a:ext>
+            </a:extLst>
+          </p:cNvPr>
+          <p:cNvPicPr>
+            <a:picLocks noChangeAspect="1"/>
+          </p:cNvPicPr>
+          <p:nvPr/>
+        </p:nvPicPr>
+        <p:blipFill>
+          <a:blip r:embed="rId8"/>
+          <a:stretch>
+            <a:fillRect/>
+          </a:stretch>
+        </p:blipFill>
+        <p:spPr>
+          <a:xfrm>
+            <a:off x="430925" y="3206048"/>
+            <a:ext cx="191386" cy="342900"/>
+          </a:xfrm>
+          <a:prstGeom prst="rect">
+            <a:avLst/>
+          </a:prstGeom>
+        </p:spPr>
+      </p:pic>
+      <p:pic>
+        <p:nvPicPr>
+          <p:cNvPr id="24" name="Imagen 23">
+            <a:extLst>
+              <a:ext uri="{FF2B5EF4-FFF2-40B4-BE49-F238E27FC236}">
+                <a16:creationId xmlns:a16="http://schemas.microsoft.com/office/drawing/2014/main" id="{F9E4043B-7E7D-442B-8483-2E43F66C2B7E}"/>
+              </a:ext>
+            </a:extLst>
+          </p:cNvPr>
+          <p:cNvPicPr>
+            <a:picLocks noChangeAspect="1"/>
+          </p:cNvPicPr>
+          <p:nvPr/>
+        </p:nvPicPr>
+        <p:blipFill>
+          <a:blip r:embed="rId9"/>
+          <a:stretch>
+            <a:fillRect/>
+          </a:stretch>
+        </p:blipFill>
+        <p:spPr>
+          <a:xfrm>
+            <a:off x="447675" y="2401036"/>
+            <a:ext cx="191386" cy="304478"/>
+          </a:xfrm>
+          <a:prstGeom prst="rect">
+            <a:avLst/>
+          </a:prstGeom>
+        </p:spPr>
+      </p:pic>
+      <p:pic>
+        <p:nvPicPr>
+          <p:cNvPr id="26" name="Imagen 25">
+            <a:extLst>
+              <a:ext uri="{FF2B5EF4-FFF2-40B4-BE49-F238E27FC236}">
+                <a16:creationId xmlns:a16="http://schemas.microsoft.com/office/drawing/2014/main" id="{0F8CCFDF-6017-4740-BC02-424C6212144B}"/>
+              </a:ext>
+            </a:extLst>
+          </p:cNvPr>
+          <p:cNvPicPr>
+            <a:picLocks noChangeAspect="1"/>
+          </p:cNvPicPr>
+          <p:nvPr/>
+        </p:nvPicPr>
+        <p:blipFill>
+          <a:blip r:embed="rId10"/>
+          <a:stretch>
+            <a:fillRect/>
+          </a:stretch>
+        </p:blipFill>
+        <p:spPr>
+          <a:xfrm>
+            <a:off x="457200" y="2739173"/>
+            <a:ext cx="198520" cy="342900"/>
+          </a:xfrm>
+          <a:prstGeom prst="rect">
+            <a:avLst/>
+          </a:prstGeom>
+        </p:spPr>
+      </p:pic>
+      <p:pic>
+        <p:nvPicPr>
+          <p:cNvPr id="28" name="Imagen 27">
+            <a:extLst>
+              <a:ext uri="{FF2B5EF4-FFF2-40B4-BE49-F238E27FC236}">
+                <a16:creationId xmlns:a16="http://schemas.microsoft.com/office/drawing/2014/main" id="{142130F2-14E9-43D0-A1DA-BC3436ED5C1A}"/>
+              </a:ext>
+            </a:extLst>
+          </p:cNvPr>
+          <p:cNvPicPr>
+            <a:picLocks noChangeAspect="1"/>
+          </p:cNvPicPr>
+          <p:nvPr/>
+        </p:nvPicPr>
+        <p:blipFill>
+          <a:blip r:embed="rId11"/>
+          <a:stretch>
+            <a:fillRect/>
+          </a:stretch>
+        </p:blipFill>
+        <p:spPr>
+          <a:xfrm>
+            <a:off x="433387" y="3720248"/>
+            <a:ext cx="219075" cy="304800"/>
+          </a:xfrm>
+          <a:prstGeom prst="rect">
+            <a:avLst/>
+          </a:prstGeom>
+        </p:spPr>
+      </p:pic>
+      <p:sp>
+        <p:nvSpPr>
+          <p:cNvPr id="29" name="CuadroTexto 28">
+            <a:extLst>
+              <a:ext uri="{FF2B5EF4-FFF2-40B4-BE49-F238E27FC236}">
+                <a16:creationId xmlns:a16="http://schemas.microsoft.com/office/drawing/2014/main" id="{F4AF663E-9151-4A77-B520-F29E2F28538C}"/>
+              </a:ext>
+            </a:extLst>
+          </p:cNvPr>
+          <p:cNvSpPr txBox="1"/>
+          <p:nvPr/>
+        </p:nvSpPr>
+        <p:spPr>
+          <a:xfrm>
+            <a:off x="155586" y="1036792"/>
+            <a:ext cx="824265" cy="646331"/>
+          </a:xfrm>
+          <a:prstGeom prst="rect">
+            <a:avLst/>
+          </a:prstGeom>
+          <a:noFill/>
+        </p:spPr>
+        <p:txBody>
+          <a:bodyPr wrap="none" rtlCol="0">
+            <a:spAutoFit/>
+          </a:bodyPr>
+          <a:lstStyle/>
+          <a:p>
+            <a:r>
+              <a:rPr lang="es-ES" b="1" dirty="0"/>
+              <a:t>Vector</a:t>
+            </a:r>
+          </a:p>
+          <a:p>
+            <a:r>
+              <a:rPr lang="es-ES" b="1" dirty="0"/>
+              <a:t>Estado</a:t>
+            </a:r>
+          </a:p>
+        </p:txBody>
+      </p:sp>
+      <p:sp>
+        <p:nvSpPr>
+          <p:cNvPr id="30" name="CuadroTexto 29">
+            <a:extLst>
+              <a:ext uri="{FF2B5EF4-FFF2-40B4-BE49-F238E27FC236}">
+                <a16:creationId xmlns:a16="http://schemas.microsoft.com/office/drawing/2014/main" id="{D7B5E6E1-2F6B-4BC2-BE3A-EB1B8F0A1C4D}"/>
+              </a:ext>
+            </a:extLst>
+          </p:cNvPr>
+          <p:cNvSpPr txBox="1"/>
+          <p:nvPr/>
+        </p:nvSpPr>
+        <p:spPr>
+          <a:xfrm>
+            <a:off x="4341091" y="1154267"/>
+            <a:ext cx="2272145" cy="646331"/>
           </a:xfrm>
           <a:prstGeom prst="rect">
             <a:avLst/>
@@ -3837,89 +4232,271 @@
           </a:bodyPr>
           <a:lstStyle/>
           <a:p>
-            <a:pPr marL="285750" indent="-285750">
-              <a:buFont typeface="Arial" panose="020B0604020202020204" pitchFamily="34" charset="0"/>
-              <a:buChar char="•"/>
-            </a:pPr>
+            <a:r>
+              <a:rPr lang="es-ES" b="1" dirty="0"/>
+              <a:t>Salida con activación</a:t>
+            </a:r>
+          </a:p>
+          <a:p>
+            <a:r>
+              <a:rPr lang="es-ES" b="1" dirty="0"/>
+              <a:t>Lineal</a:t>
+            </a:r>
+          </a:p>
+        </p:txBody>
+      </p:sp>
+      <p:sp>
+        <p:nvSpPr>
+          <p:cNvPr id="31" name="CuadroTexto 30">
+            <a:extLst>
+              <a:ext uri="{FF2B5EF4-FFF2-40B4-BE49-F238E27FC236}">
+                <a16:creationId xmlns:a16="http://schemas.microsoft.com/office/drawing/2014/main" id="{94E767AA-54B3-42FF-BD72-146A6EAF5648}"/>
+              </a:ext>
+            </a:extLst>
+          </p:cNvPr>
+          <p:cNvSpPr txBox="1"/>
+          <p:nvPr/>
+        </p:nvSpPr>
+        <p:spPr>
+          <a:xfrm>
+            <a:off x="5259148" y="1891448"/>
+            <a:ext cx="836852" cy="369332"/>
+          </a:xfrm>
+          <a:prstGeom prst="rect">
+            <a:avLst/>
+          </a:prstGeom>
+          <a:noFill/>
+        </p:spPr>
+        <p:txBody>
+          <a:bodyPr wrap="square" rtlCol="0">
+            <a:spAutoFit/>
+          </a:bodyPr>
+          <a:lstStyle/>
+          <a:p>
             <a:r>
               <a:rPr lang="es-ES" dirty="0"/>
-              <a:t>El agente transmite al entorno la acción a realizar mediante la función “step” de este</a:t>
-            </a:r>
-          </a:p>
-          <a:p>
-            <a:pPr marL="285750" indent="-285750">
-              <a:buFont typeface="Arial" panose="020B0604020202020204" pitchFamily="34" charset="0"/>
-              <a:buChar char="•"/>
-            </a:pPr>
-            <a:endParaRPr lang="es-ES" dirty="0"/>
-          </a:p>
-          <a:p>
-            <a:pPr marL="285750" indent="-285750">
-              <a:buFont typeface="Arial" panose="020B0604020202020204" pitchFamily="34" charset="0"/>
-              <a:buChar char="•"/>
-            </a:pPr>
+              <a:t>528.01</a:t>
+            </a:r>
+          </a:p>
+        </p:txBody>
+      </p:sp>
+      <p:sp>
+        <p:nvSpPr>
+          <p:cNvPr id="32" name="CuadroTexto 31">
+            <a:extLst>
+              <a:ext uri="{FF2B5EF4-FFF2-40B4-BE49-F238E27FC236}">
+                <a16:creationId xmlns:a16="http://schemas.microsoft.com/office/drawing/2014/main" id="{CEB6F5AC-E156-4F37-B619-01A642F3D555}"/>
+              </a:ext>
+            </a:extLst>
+          </p:cNvPr>
+          <p:cNvSpPr txBox="1"/>
+          <p:nvPr/>
+        </p:nvSpPr>
+        <p:spPr>
+          <a:xfrm>
+            <a:off x="5259148" y="2348648"/>
+            <a:ext cx="836852" cy="369332"/>
+          </a:xfrm>
+          <a:prstGeom prst="rect">
+            <a:avLst/>
+          </a:prstGeom>
+          <a:noFill/>
+        </p:spPr>
+        <p:txBody>
+          <a:bodyPr wrap="square" rtlCol="0">
+            <a:spAutoFit/>
+          </a:bodyPr>
+          <a:lstStyle/>
+          <a:p>
             <a:r>
               <a:rPr lang="es-ES" dirty="0"/>
-              <a:t>Esta ejecuta la acción en Kubernetes invocando el comando correspondiente</a:t>
-            </a:r>
-          </a:p>
-          <a:p>
-            <a:pPr marL="285750" indent="-285750">
-              <a:buFont typeface="Arial" panose="020B0604020202020204" pitchFamily="34" charset="0"/>
-              <a:buChar char="•"/>
-            </a:pPr>
-            <a:endParaRPr lang="es-ES" dirty="0"/>
-          </a:p>
-          <a:p>
-            <a:pPr marL="285750" indent="-285750">
-              <a:buFont typeface="Arial" panose="020B0604020202020204" pitchFamily="34" charset="0"/>
-              <a:buChar char="•"/>
-            </a:pPr>
+              <a:t>553.00</a:t>
+            </a:r>
+          </a:p>
+        </p:txBody>
+      </p:sp>
+      <p:sp>
+        <p:nvSpPr>
+          <p:cNvPr id="33" name="CuadroTexto 32">
+            <a:extLst>
+              <a:ext uri="{FF2B5EF4-FFF2-40B4-BE49-F238E27FC236}">
+                <a16:creationId xmlns:a16="http://schemas.microsoft.com/office/drawing/2014/main" id="{C1DA5249-58F4-4F8B-A5A0-4E36054D9ADD}"/>
+              </a:ext>
+            </a:extLst>
+          </p:cNvPr>
+          <p:cNvSpPr txBox="1"/>
+          <p:nvPr/>
+        </p:nvSpPr>
+        <p:spPr>
+          <a:xfrm>
+            <a:off x="5268673" y="2786798"/>
+            <a:ext cx="836852" cy="369332"/>
+          </a:xfrm>
+          <a:prstGeom prst="rect">
+            <a:avLst/>
+          </a:prstGeom>
+          <a:noFill/>
+        </p:spPr>
+        <p:txBody>
+          <a:bodyPr wrap="square" rtlCol="0">
+            <a:spAutoFit/>
+          </a:bodyPr>
+          <a:lstStyle/>
+          <a:p>
             <a:r>
               <a:rPr lang="es-ES" dirty="0"/>
-              <a:t>Se hace una espera de 20 segundos para permitir a Kubernetes establecer el nuevo estado</a:t>
-            </a:r>
-          </a:p>
-          <a:p>
-            <a:pPr marL="285750" indent="-285750">
-              <a:buFont typeface="Arial" panose="020B0604020202020204" pitchFamily="34" charset="0"/>
-              <a:buChar char="•"/>
-            </a:pPr>
-            <a:endParaRPr lang="es-ES" dirty="0"/>
-          </a:p>
-          <a:p>
-            <a:pPr marL="285750" indent="-285750">
-              <a:buFont typeface="Arial" panose="020B0604020202020204" pitchFamily="34" charset="0"/>
-              <a:buChar char="•"/>
-            </a:pPr>
+              <a:t>512.54 </a:t>
+            </a:r>
+          </a:p>
+        </p:txBody>
+      </p:sp>
+      <p:sp>
+        <p:nvSpPr>
+          <p:cNvPr id="34" name="CuadroTexto 33">
+            <a:extLst>
+              <a:ext uri="{FF2B5EF4-FFF2-40B4-BE49-F238E27FC236}">
+                <a16:creationId xmlns:a16="http://schemas.microsoft.com/office/drawing/2014/main" id="{D6FA658A-2259-4C63-BD4F-73826E23B2FA}"/>
+              </a:ext>
+            </a:extLst>
+          </p:cNvPr>
+          <p:cNvSpPr txBox="1"/>
+          <p:nvPr/>
+        </p:nvSpPr>
+        <p:spPr>
+          <a:xfrm>
+            <a:off x="5259148" y="3215423"/>
+            <a:ext cx="836852" cy="369332"/>
+          </a:xfrm>
+          <a:prstGeom prst="rect">
+            <a:avLst/>
+          </a:prstGeom>
+          <a:noFill/>
+        </p:spPr>
+        <p:txBody>
+          <a:bodyPr wrap="square" rtlCol="0">
+            <a:spAutoFit/>
+          </a:bodyPr>
+          <a:lstStyle/>
+          <a:p>
             <a:r>
               <a:rPr lang="es-ES" dirty="0"/>
-              <a:t>Calcula la recompensa en función del estado y la acción tomada</a:t>
-            </a:r>
-          </a:p>
-          <a:p>
-            <a:pPr marL="285750" indent="-285750">
-              <a:buFont typeface="Arial" panose="020B0604020202020204" pitchFamily="34" charset="0"/>
-              <a:buChar char="•"/>
-            </a:pPr>
-            <a:endParaRPr lang="es-ES" dirty="0"/>
-          </a:p>
-          <a:p>
-            <a:pPr marL="285750" indent="-285750">
-              <a:buFont typeface="Arial" panose="020B0604020202020204" pitchFamily="34" charset="0"/>
-              <a:buChar char="•"/>
-            </a:pPr>
+              <a:t>582.60 </a:t>
+            </a:r>
+          </a:p>
+        </p:txBody>
+      </p:sp>
+      <p:sp>
+        <p:nvSpPr>
+          <p:cNvPr id="35" name="CuadroTexto 34">
+            <a:extLst>
+              <a:ext uri="{FF2B5EF4-FFF2-40B4-BE49-F238E27FC236}">
+                <a16:creationId xmlns:a16="http://schemas.microsoft.com/office/drawing/2014/main" id="{5B295DEC-2449-41CB-995F-D6250264AB79}"/>
+              </a:ext>
+            </a:extLst>
+          </p:cNvPr>
+          <p:cNvSpPr txBox="1"/>
+          <p:nvPr/>
+        </p:nvSpPr>
+        <p:spPr>
+          <a:xfrm>
+            <a:off x="5259148" y="3615473"/>
+            <a:ext cx="836852" cy="369332"/>
+          </a:xfrm>
+          <a:prstGeom prst="rect">
+            <a:avLst/>
+          </a:prstGeom>
+          <a:noFill/>
+        </p:spPr>
+        <p:txBody>
+          <a:bodyPr wrap="square" rtlCol="0">
+            <a:spAutoFit/>
+          </a:bodyPr>
+          <a:lstStyle/>
+          <a:p>
             <a:r>
               <a:rPr lang="es-ES" dirty="0"/>
-              <a:t>Devuelve la recompensa y el nuevo estado</a:t>
-            </a:r>
-          </a:p>
-        </p:txBody>
-      </p:sp>
+              <a:t>503.00 </a:t>
+            </a:r>
+          </a:p>
+        </p:txBody>
+      </p:sp>
+      <p:sp>
+        <p:nvSpPr>
+          <p:cNvPr id="37" name="CuadroTexto 36">
+            <a:extLst>
+              <a:ext uri="{FF2B5EF4-FFF2-40B4-BE49-F238E27FC236}">
+                <a16:creationId xmlns:a16="http://schemas.microsoft.com/office/drawing/2014/main" id="{0D2508FE-901A-474A-B119-BCFEF9F825B7}"/>
+              </a:ext>
+            </a:extLst>
+          </p:cNvPr>
+          <p:cNvSpPr txBox="1"/>
+          <p:nvPr/>
+        </p:nvSpPr>
+        <p:spPr>
+          <a:xfrm>
+            <a:off x="7613661" y="3457575"/>
+            <a:ext cx="3969230" cy="400110"/>
+          </a:xfrm>
+          <a:prstGeom prst="rect">
+            <a:avLst/>
+          </a:prstGeom>
+          <a:noFill/>
+        </p:spPr>
+        <p:txBody>
+          <a:bodyPr wrap="square" rtlCol="0">
+            <a:spAutoFit/>
+          </a:bodyPr>
+          <a:lstStyle/>
+          <a:p>
+            <a:r>
+              <a:rPr lang="el-GR" sz="2000" b="1" dirty="0"/>
+              <a:t>ε</a:t>
+            </a:r>
+            <a:r>
+              <a:rPr lang="es-ES" sz="2000" b="1" dirty="0"/>
+              <a:t> – </a:t>
+            </a:r>
+            <a:r>
+              <a:rPr lang="es-ES" b="1" dirty="0"/>
+              <a:t>greedy: Exploración vs explotación</a:t>
+            </a:r>
+          </a:p>
+        </p:txBody>
+      </p:sp>
+      <p:pic>
+        <p:nvPicPr>
+          <p:cNvPr id="4" name="Imagen 3">
+            <a:extLst>
+              <a:ext uri="{FF2B5EF4-FFF2-40B4-BE49-F238E27FC236}">
+                <a16:creationId xmlns:a16="http://schemas.microsoft.com/office/drawing/2014/main" id="{4C29594F-4682-455E-93A0-CE626FF77A5C}"/>
+              </a:ext>
+            </a:extLst>
+          </p:cNvPr>
+          <p:cNvPicPr>
+            <a:picLocks noChangeAspect="1"/>
+          </p:cNvPicPr>
+          <p:nvPr/>
+        </p:nvPicPr>
+        <p:blipFill>
+          <a:blip r:embed="rId12"/>
+          <a:stretch>
+            <a:fillRect/>
+          </a:stretch>
+        </p:blipFill>
+        <p:spPr>
+          <a:xfrm>
+            <a:off x="599929" y="4716234"/>
+            <a:ext cx="5717742" cy="1806991"/>
+          </a:xfrm>
+          <a:prstGeom prst="rect">
+            <a:avLst/>
+          </a:prstGeom>
+        </p:spPr>
+      </p:pic>
     </p:spTree>
     <p:extLst>
       <p:ext uri="{BB962C8B-B14F-4D97-AF65-F5344CB8AC3E}">
-        <p14:creationId xmlns:p14="http://schemas.microsoft.com/office/powerpoint/2010/main" val="1045987835"/>
+        <p14:creationId xmlns:p14="http://schemas.microsoft.com/office/powerpoint/2010/main" val="1333816836"/>
       </p:ext>
     </p:extLst>
   </p:cSld>
@@ -3948,6 +4525,378 @@
       </p:grpSpPr>
       <p:pic>
         <p:nvPicPr>
+          <p:cNvPr id="4" name="Imagen 3">
+            <a:extLst>
+              <a:ext uri="{FF2B5EF4-FFF2-40B4-BE49-F238E27FC236}">
+                <a16:creationId xmlns:a16="http://schemas.microsoft.com/office/drawing/2014/main" id="{BC5EF3D7-39B0-45E6-A1FF-F4B47C0737BA}"/>
+              </a:ext>
+            </a:extLst>
+          </p:cNvPr>
+          <p:cNvPicPr>
+            <a:picLocks noChangeAspect="1"/>
+          </p:cNvPicPr>
+          <p:nvPr/>
+        </p:nvPicPr>
+        <p:blipFill>
+          <a:blip r:embed="rId2"/>
+          <a:stretch>
+            <a:fillRect/>
+          </a:stretch>
+        </p:blipFill>
+        <p:spPr>
+          <a:xfrm>
+            <a:off x="577266" y="5359628"/>
+            <a:ext cx="11296738" cy="1402034"/>
+          </a:xfrm>
+          <a:prstGeom prst="rect">
+            <a:avLst/>
+          </a:prstGeom>
+        </p:spPr>
+      </p:pic>
+      <p:pic>
+        <p:nvPicPr>
+          <p:cNvPr id="7" name="Imagen 6" descr="Texto&#10;&#10;Descripción generada automáticamente con confianza media">
+            <a:extLst>
+              <a:ext uri="{FF2B5EF4-FFF2-40B4-BE49-F238E27FC236}">
+                <a16:creationId xmlns:a16="http://schemas.microsoft.com/office/drawing/2014/main" id="{522F3205-AB50-49D8-8AAE-7D167D24477E}"/>
+              </a:ext>
+            </a:extLst>
+          </p:cNvPr>
+          <p:cNvPicPr/>
+          <p:nvPr/>
+        </p:nvPicPr>
+        <p:blipFill>
+          <a:blip r:embed="rId3"/>
+          <a:stretch>
+            <a:fillRect/>
+          </a:stretch>
+        </p:blipFill>
+        <p:spPr>
+          <a:xfrm>
+            <a:off x="67627" y="66675"/>
+            <a:ext cx="1629728" cy="514350"/>
+          </a:xfrm>
+          <a:prstGeom prst="rect">
+            <a:avLst/>
+          </a:prstGeom>
+        </p:spPr>
+      </p:pic>
+      <p:sp>
+        <p:nvSpPr>
+          <p:cNvPr id="8" name="CuadroTexto 7">
+            <a:extLst>
+              <a:ext uri="{FF2B5EF4-FFF2-40B4-BE49-F238E27FC236}">
+                <a16:creationId xmlns:a16="http://schemas.microsoft.com/office/drawing/2014/main" id="{FBF8CEED-FFDF-4705-B3C0-BD2C8BC16A4F}"/>
+              </a:ext>
+            </a:extLst>
+          </p:cNvPr>
+          <p:cNvSpPr txBox="1"/>
+          <p:nvPr/>
+        </p:nvSpPr>
+        <p:spPr>
+          <a:xfrm>
+            <a:off x="9886949" y="9525"/>
+            <a:ext cx="2263141" cy="338554"/>
+          </a:xfrm>
+          <a:prstGeom prst="rect">
+            <a:avLst/>
+          </a:prstGeom>
+          <a:noFill/>
+        </p:spPr>
+        <p:txBody>
+          <a:bodyPr wrap="square" rtlCol="0">
+            <a:spAutoFit/>
+          </a:bodyPr>
+          <a:lstStyle/>
+          <a:p>
+            <a:r>
+              <a:rPr lang="es-ES" sz="1600" dirty="0">
+                <a:solidFill>
+                  <a:srgbClr val="4F81BD"/>
+                </a:solidFill>
+                <a:effectLst/>
+                <a:latin typeface="Arial" panose="020B0604020202020204" pitchFamily="34" charset="0"/>
+                <a:ea typeface="Arial" panose="020B0604020202020204" pitchFamily="34" charset="0"/>
+              </a:rPr>
+              <a:t>Master Deep Learning</a:t>
+            </a:r>
+            <a:endParaRPr lang="es-ES" sz="1600" dirty="0"/>
+          </a:p>
+        </p:txBody>
+      </p:sp>
+      <p:sp>
+        <p:nvSpPr>
+          <p:cNvPr id="2" name="Rectangle 2">
+            <a:extLst>
+              <a:ext uri="{FF2B5EF4-FFF2-40B4-BE49-F238E27FC236}">
+                <a16:creationId xmlns:a16="http://schemas.microsoft.com/office/drawing/2014/main" id="{E5640DBE-BBDA-42C4-8BD9-7E755B08B925}"/>
+              </a:ext>
+            </a:extLst>
+          </p:cNvPr>
+          <p:cNvSpPr>
+            <a:spLocks noChangeArrowheads="1"/>
+          </p:cNvSpPr>
+          <p:nvPr/>
+        </p:nvSpPr>
+        <p:spPr bwMode="auto">
+          <a:xfrm>
+            <a:off x="5989320" y="872183"/>
+            <a:ext cx="12192000" cy="0"/>
+          </a:xfrm>
+          <a:prstGeom prst="rect">
+            <a:avLst/>
+          </a:prstGeom>
+          <a:noFill/>
+          <a:ln>
+            <a:noFill/>
+          </a:ln>
+          <a:effectLst/>
+          <a:extLst>
+            <a:ext uri="{909E8E84-426E-40DD-AFC4-6F175D3DCCD1}">
+              <a14:hiddenFill xmlns:a14="http://schemas.microsoft.com/office/drawing/2010/main">
+                <a:solidFill>
+                  <a:schemeClr val="accent1"/>
+                </a:solidFill>
+              </a14:hiddenFill>
+            </a:ext>
+            <a:ext uri="{91240B29-F687-4F45-9708-019B960494DF}">
+              <a14:hiddenLine xmlns:a14="http://schemas.microsoft.com/office/drawing/2010/main" w="9525">
+                <a:solidFill>
+                  <a:schemeClr val="tx1"/>
+                </a:solidFill>
+                <a:miter lim="800000"/>
+                <a:headEnd/>
+                <a:tailEnd/>
+              </a14:hiddenLine>
+            </a:ext>
+            <a:ext uri="{AF507438-7753-43E0-B8FC-AC1667EBCBE1}">
+              <a14:hiddenEffects xmlns:a14="http://schemas.microsoft.com/office/drawing/2010/main">
+                <a:effectLst>
+                  <a:outerShdw dist="35921" dir="2700000" algn="ctr" rotWithShape="0">
+                    <a:schemeClr val="bg2"/>
+                  </a:outerShdw>
+                </a:effectLst>
+              </a14:hiddenEffects>
+            </a:ext>
+          </a:extLst>
+        </p:spPr>
+        <p:txBody>
+          <a:bodyPr vert="horz" wrap="none" lIns="91440" tIns="45720" rIns="91440" bIns="45720" numCol="1" anchor="ctr" anchorCtr="0" compatLnSpc="1">
+            <a:prstTxWarp prst="textNoShape">
+              <a:avLst/>
+            </a:prstTxWarp>
+            <a:spAutoFit/>
+          </a:bodyPr>
+          <a:lstStyle/>
+          <a:p>
+            <a:endParaRPr lang="es-ES"/>
+          </a:p>
+        </p:txBody>
+      </p:sp>
+      <p:pic>
+        <p:nvPicPr>
+          <p:cNvPr id="11" name="Imagen 10">
+            <a:extLst>
+              <a:ext uri="{FF2B5EF4-FFF2-40B4-BE49-F238E27FC236}">
+                <a16:creationId xmlns:a16="http://schemas.microsoft.com/office/drawing/2014/main" id="{26FC918D-9E9D-4723-A244-E57FF0A63C83}"/>
+              </a:ext>
+            </a:extLst>
+          </p:cNvPr>
+          <p:cNvPicPr>
+            <a:picLocks noChangeAspect="1"/>
+          </p:cNvPicPr>
+          <p:nvPr/>
+        </p:nvPicPr>
+        <p:blipFill>
+          <a:blip r:embed="rId4"/>
+          <a:stretch>
+            <a:fillRect/>
+          </a:stretch>
+        </p:blipFill>
+        <p:spPr>
+          <a:xfrm>
+            <a:off x="5631338" y="1650287"/>
+            <a:ext cx="6242666" cy="2561487"/>
+          </a:xfrm>
+          <a:prstGeom prst="rect">
+            <a:avLst/>
+          </a:prstGeom>
+        </p:spPr>
+      </p:pic>
+      <p:sp>
+        <p:nvSpPr>
+          <p:cNvPr id="13" name="CuadroTexto 12">
+            <a:extLst>
+              <a:ext uri="{FF2B5EF4-FFF2-40B4-BE49-F238E27FC236}">
+                <a16:creationId xmlns:a16="http://schemas.microsoft.com/office/drawing/2014/main" id="{8715AEC9-EDCD-486C-B6B3-5A156F7C51EB}"/>
+              </a:ext>
+            </a:extLst>
+          </p:cNvPr>
+          <p:cNvSpPr txBox="1"/>
+          <p:nvPr/>
+        </p:nvSpPr>
+        <p:spPr>
+          <a:xfrm>
+            <a:off x="4907454" y="547044"/>
+            <a:ext cx="2590626" cy="461665"/>
+          </a:xfrm>
+          <a:prstGeom prst="rect">
+            <a:avLst/>
+          </a:prstGeom>
+          <a:noFill/>
+        </p:spPr>
+        <p:txBody>
+          <a:bodyPr wrap="square" rtlCol="0">
+            <a:spAutoFit/>
+          </a:bodyPr>
+          <a:lstStyle/>
+          <a:p>
+            <a:r>
+              <a:rPr lang="es-ES" sz="2400" b="1" dirty="0"/>
+              <a:t>Acciones: Entorno</a:t>
+            </a:r>
+          </a:p>
+        </p:txBody>
+      </p:sp>
+      <p:sp>
+        <p:nvSpPr>
+          <p:cNvPr id="3" name="CuadroTexto 2">
+            <a:extLst>
+              <a:ext uri="{FF2B5EF4-FFF2-40B4-BE49-F238E27FC236}">
+                <a16:creationId xmlns:a16="http://schemas.microsoft.com/office/drawing/2014/main" id="{F64AC057-662D-4B2D-A741-64E49F110706}"/>
+              </a:ext>
+            </a:extLst>
+          </p:cNvPr>
+          <p:cNvSpPr txBox="1"/>
+          <p:nvPr/>
+        </p:nvSpPr>
+        <p:spPr>
+          <a:xfrm>
+            <a:off x="440675" y="1163364"/>
+            <a:ext cx="4880471" cy="3970318"/>
+          </a:xfrm>
+          <a:prstGeom prst="rect">
+            <a:avLst/>
+          </a:prstGeom>
+          <a:noFill/>
+        </p:spPr>
+        <p:txBody>
+          <a:bodyPr wrap="square" rtlCol="0">
+            <a:spAutoFit/>
+          </a:bodyPr>
+          <a:lstStyle/>
+          <a:p>
+            <a:pPr marL="285750" indent="-285750">
+              <a:buFont typeface="Arial" panose="020B0604020202020204" pitchFamily="34" charset="0"/>
+              <a:buChar char="•"/>
+            </a:pPr>
+            <a:r>
+              <a:rPr lang="es-ES" dirty="0"/>
+              <a:t>El agente transmite al entorno la acción a realizar mediante la función “step” de este</a:t>
+            </a:r>
+          </a:p>
+          <a:p>
+            <a:pPr marL="285750" indent="-285750">
+              <a:buFont typeface="Arial" panose="020B0604020202020204" pitchFamily="34" charset="0"/>
+              <a:buChar char="•"/>
+            </a:pPr>
+            <a:endParaRPr lang="es-ES" dirty="0"/>
+          </a:p>
+          <a:p>
+            <a:pPr marL="285750" indent="-285750">
+              <a:buFont typeface="Arial" panose="020B0604020202020204" pitchFamily="34" charset="0"/>
+              <a:buChar char="•"/>
+            </a:pPr>
+            <a:r>
+              <a:rPr lang="es-ES" dirty="0"/>
+              <a:t>Esta ejecuta la acción en Kubernetes invocando el comando correspondiente</a:t>
+            </a:r>
+          </a:p>
+          <a:p>
+            <a:pPr marL="285750" indent="-285750">
+              <a:buFont typeface="Arial" panose="020B0604020202020204" pitchFamily="34" charset="0"/>
+              <a:buChar char="•"/>
+            </a:pPr>
+            <a:endParaRPr lang="es-ES" dirty="0"/>
+          </a:p>
+          <a:p>
+            <a:pPr marL="285750" indent="-285750">
+              <a:buFont typeface="Arial" panose="020B0604020202020204" pitchFamily="34" charset="0"/>
+              <a:buChar char="•"/>
+            </a:pPr>
+            <a:r>
+              <a:rPr lang="es-ES" dirty="0"/>
+              <a:t>Se hace una espera de 20 segundos para permitir a Kubernetes establecer el nuevo estado</a:t>
+            </a:r>
+          </a:p>
+          <a:p>
+            <a:pPr marL="285750" indent="-285750">
+              <a:buFont typeface="Arial" panose="020B0604020202020204" pitchFamily="34" charset="0"/>
+              <a:buChar char="•"/>
+            </a:pPr>
+            <a:endParaRPr lang="es-ES" dirty="0"/>
+          </a:p>
+          <a:p>
+            <a:pPr marL="285750" indent="-285750">
+              <a:buFont typeface="Arial" panose="020B0604020202020204" pitchFamily="34" charset="0"/>
+              <a:buChar char="•"/>
+            </a:pPr>
+            <a:r>
+              <a:rPr lang="es-ES" dirty="0"/>
+              <a:t>Calcula la recompensa en función del estado y la acción tomada</a:t>
+            </a:r>
+          </a:p>
+          <a:p>
+            <a:pPr marL="285750" indent="-285750">
+              <a:buFont typeface="Arial" panose="020B0604020202020204" pitchFamily="34" charset="0"/>
+              <a:buChar char="•"/>
+            </a:pPr>
+            <a:endParaRPr lang="es-ES" dirty="0"/>
+          </a:p>
+          <a:p>
+            <a:pPr marL="285750" indent="-285750">
+              <a:buFont typeface="Arial" panose="020B0604020202020204" pitchFamily="34" charset="0"/>
+              <a:buChar char="•"/>
+            </a:pPr>
+            <a:r>
+              <a:rPr lang="es-ES" dirty="0"/>
+              <a:t>Devuelve la recompensa y el nuevo estado</a:t>
+            </a:r>
+          </a:p>
+        </p:txBody>
+      </p:sp>
+    </p:spTree>
+    <p:extLst>
+      <p:ext uri="{BB962C8B-B14F-4D97-AF65-F5344CB8AC3E}">
+        <p14:creationId xmlns:p14="http://schemas.microsoft.com/office/powerpoint/2010/main" val="1045987835"/>
+      </p:ext>
+    </p:extLst>
+  </p:cSld>
+  <p:clrMapOvr>
+    <a:masterClrMapping/>
+  </p:clrMapOvr>
+</p:sld>
+</file>
+
+<file path=ppt/slides/slide12.xml><?xml version="1.0" encoding="utf-8"?>
+<p:sld xmlns:a="http://schemas.openxmlformats.org/drawingml/2006/main" xmlns:r="http://schemas.openxmlformats.org/officeDocument/2006/relationships" xmlns:p="http://schemas.openxmlformats.org/presentationml/2006/main">
+  <p:cSld>
+    <p:spTree>
+      <p:nvGrpSpPr>
+        <p:cNvPr id="1" name=""/>
+        <p:cNvGrpSpPr/>
+        <p:nvPr/>
+      </p:nvGrpSpPr>
+      <p:grpSpPr>
+        <a:xfrm>
+          <a:off x="0" y="0"/>
+          <a:ext cx="0" cy="0"/>
+          <a:chOff x="0" y="0"/>
+          <a:chExt cx="0" cy="0"/>
+        </a:xfrm>
+      </p:grpSpPr>
+      <p:pic>
+        <p:nvPicPr>
           <p:cNvPr id="5" name="Imagen 4">
             <a:extLst>
               <a:ext uri="{FF2B5EF4-FFF2-40B4-BE49-F238E27FC236}">
@@ -4274,7 +5223,7 @@
 </p:sld>
 </file>
 
-<file path=ppt/slides/slide12.xml><?xml version="1.0" encoding="utf-8"?>
+<file path=ppt/slides/slide13.xml><?xml version="1.0" encoding="utf-8"?>
 <p:sld xmlns:a="http://schemas.openxmlformats.org/drawingml/2006/main" xmlns:r="http://schemas.openxmlformats.org/officeDocument/2006/relationships" xmlns:p="http://schemas.openxmlformats.org/presentationml/2006/main">
   <p:cSld>
     <p:spTree>
@@ -4782,7 +5731,7 @@
 </p:sld>
 </file>
 
-<file path=ppt/slides/slide13.xml><?xml version="1.0" encoding="utf-8"?>
+<file path=ppt/slides/slide14.xml><?xml version="1.0" encoding="utf-8"?>
 <p:sld xmlns:a="http://schemas.openxmlformats.org/drawingml/2006/main" xmlns:r="http://schemas.openxmlformats.org/officeDocument/2006/relationships" xmlns:p="http://schemas.openxmlformats.org/presentationml/2006/main">
   <p:cSld>
     <p:spTree>
@@ -5220,7 +6169,7 @@
 </p:sld>
 </file>
 
-<file path=ppt/slides/slide14.xml><?xml version="1.0" encoding="utf-8"?>
+<file path=ppt/slides/slide15.xml><?xml version="1.0" encoding="utf-8"?>
 <p:sld xmlns:a="http://schemas.openxmlformats.org/drawingml/2006/main" xmlns:r="http://schemas.openxmlformats.org/officeDocument/2006/relationships" xmlns:p="http://schemas.openxmlformats.org/presentationml/2006/main">
   <p:cSld>
     <p:spTree>
@@ -5679,7 +6628,7 @@
 </p:sld>
 </file>
 
-<file path=ppt/slides/slide15.xml><?xml version="1.0" encoding="utf-8"?>
+<file path=ppt/slides/slide16.xml><?xml version="1.0" encoding="utf-8"?>
 <p:sld xmlns:a="http://schemas.openxmlformats.org/drawingml/2006/main" xmlns:r="http://schemas.openxmlformats.org/officeDocument/2006/relationships" xmlns:p="http://schemas.openxmlformats.org/presentationml/2006/main">
   <p:cSld>
     <p:spTree>
@@ -6091,7 +7040,7 @@
 </p:sld>
 </file>
 
-<file path=ppt/slides/slide16.xml><?xml version="1.0" encoding="utf-8"?>
+<file path=ppt/slides/slide17.xml><?xml version="1.0" encoding="utf-8"?>
 <p:sld xmlns:a="http://schemas.openxmlformats.org/drawingml/2006/main" xmlns:r="http://schemas.openxmlformats.org/officeDocument/2006/relationships" xmlns:p="http://schemas.openxmlformats.org/presentationml/2006/main">
   <p:cSld>
     <p:spTree>
@@ -6496,10 +7445,10 @@
       </p:grpSpPr>
       <p:pic>
         <p:nvPicPr>
-          <p:cNvPr id="4" name="Imagen 3" descr="Diagrama&#10;&#10;Descripción generada automáticamente">
-            <a:extLst>
-              <a:ext uri="{FF2B5EF4-FFF2-40B4-BE49-F238E27FC236}">
-                <a16:creationId xmlns:a16="http://schemas.microsoft.com/office/drawing/2014/main" id="{0F946DB8-9839-4A3C-81F5-AE0511EFB2C4}"/>
+          <p:cNvPr id="4" name="Imagen 3" descr="Texto&#10;&#10;Descripción generada automáticamente con confianza media">
+            <a:extLst>
+              <a:ext uri="{FF2B5EF4-FFF2-40B4-BE49-F238E27FC236}">
+                <a16:creationId xmlns:a16="http://schemas.microsoft.com/office/drawing/2014/main" id="{313D2395-B071-48ED-9ECE-458FB60AD7FF}"/>
               </a:ext>
             </a:extLst>
           </p:cNvPr>
@@ -6507,66 +7456,27 @@
           <p:nvPr/>
         </p:nvPicPr>
         <p:blipFill>
-          <a:blip r:embed="rId2">
-            <a:extLst>
-              <a:ext uri="{28A0092B-C50C-407E-A947-70E740481C1C}">
-                <a14:useLocalDpi xmlns:a14="http://schemas.microsoft.com/office/drawing/2010/main" val="0"/>
-              </a:ext>
-            </a:extLst>
-          </a:blip>
+          <a:blip r:embed="rId2"/>
           <a:stretch>
             <a:fillRect/>
           </a:stretch>
         </p:blipFill>
         <p:spPr>
           <a:xfrm>
-            <a:off x="5400675" y="2523773"/>
-            <a:ext cx="5964756" cy="3657952"/>
-          </a:xfrm>
-          <a:prstGeom prst="rect">
-            <a:avLst/>
-          </a:prstGeom>
-          <a:ln w="19050">
-            <a:solidFill>
-              <a:schemeClr val="tx1"/>
-            </a:solidFill>
-          </a:ln>
+            <a:off x="408622" y="419100"/>
+            <a:ext cx="1629728" cy="514350"/>
+          </a:xfrm>
+          <a:prstGeom prst="rect">
+            <a:avLst/>
+          </a:prstGeom>
         </p:spPr>
       </p:pic>
-      <p:pic>
-        <p:nvPicPr>
-          <p:cNvPr id="5" name="Imagen 4" descr="Interfaz de usuario gráfica&#10;&#10;Descripción generada automáticamente">
-            <a:extLst>
-              <a:ext uri="{FF2B5EF4-FFF2-40B4-BE49-F238E27FC236}">
-                <a16:creationId xmlns:a16="http://schemas.microsoft.com/office/drawing/2014/main" id="{F6377264-0DF3-4A6E-861C-16C7E0E64FDA}"/>
-              </a:ext>
-            </a:extLst>
-          </p:cNvPr>
-          <p:cNvPicPr/>
-          <p:nvPr/>
-        </p:nvPicPr>
-        <p:blipFill>
-          <a:blip r:embed="rId3"/>
-          <a:stretch>
-            <a:fillRect/>
-          </a:stretch>
-        </p:blipFill>
-        <p:spPr>
-          <a:xfrm>
-            <a:off x="1293294" y="2552699"/>
-            <a:ext cx="2811981" cy="3533775"/>
-          </a:xfrm>
-          <a:prstGeom prst="rect">
-            <a:avLst/>
-          </a:prstGeom>
-        </p:spPr>
-      </p:pic>
-      <p:sp>
-        <p:nvSpPr>
-          <p:cNvPr id="2" name="CuadroTexto 1">
-            <a:extLst>
-              <a:ext uri="{FF2B5EF4-FFF2-40B4-BE49-F238E27FC236}">
-                <a16:creationId xmlns:a16="http://schemas.microsoft.com/office/drawing/2014/main" id="{44D1EEE5-5B6F-4132-BD4D-D05119854812}"/>
+      <p:sp>
+        <p:nvSpPr>
+          <p:cNvPr id="7" name="CuadroTexto 6">
+            <a:extLst>
+              <a:ext uri="{FF2B5EF4-FFF2-40B4-BE49-F238E27FC236}">
+                <a16:creationId xmlns:a16="http://schemas.microsoft.com/office/drawing/2014/main" id="{4CAA11B4-4FE1-441B-A015-300630BB4A4A}"/>
               </a:ext>
             </a:extLst>
           </p:cNvPr>
@@ -6575,8 +7485,8 @@
         </p:nvSpPr>
         <p:spPr>
           <a:xfrm>
-            <a:off x="2914651" y="476251"/>
-            <a:ext cx="5845570" cy="461665"/>
+            <a:off x="9353550" y="590550"/>
+            <a:ext cx="2467342" cy="369332"/>
           </a:xfrm>
           <a:prstGeom prst="rect">
             <a:avLst/>
@@ -6584,76 +7494,13 @@
           <a:noFill/>
         </p:spPr>
         <p:txBody>
-          <a:bodyPr wrap="square" rtlCol="0">
+          <a:bodyPr wrap="none" rtlCol="0">
             <a:spAutoFit/>
           </a:bodyPr>
           <a:lstStyle/>
           <a:p>
             <a:r>
-              <a:rPr lang="es-ES" sz="2400" b="1" dirty="0"/>
-              <a:t>Kubernetes: Orquestador de Contenedores</a:t>
-            </a:r>
-          </a:p>
-        </p:txBody>
-      </p:sp>
-      <p:pic>
-        <p:nvPicPr>
-          <p:cNvPr id="6" name="Imagen 5" descr="Texto&#10;&#10;Descripción generada automáticamente con confianza media">
-            <a:extLst>
-              <a:ext uri="{FF2B5EF4-FFF2-40B4-BE49-F238E27FC236}">
-                <a16:creationId xmlns:a16="http://schemas.microsoft.com/office/drawing/2014/main" id="{CAC129A2-CE3A-4A08-966E-410B488B52BA}"/>
-              </a:ext>
-            </a:extLst>
-          </p:cNvPr>
-          <p:cNvPicPr/>
-          <p:nvPr/>
-        </p:nvPicPr>
-        <p:blipFill>
-          <a:blip r:embed="rId4"/>
-          <a:stretch>
-            <a:fillRect/>
-          </a:stretch>
-        </p:blipFill>
-        <p:spPr>
-          <a:xfrm>
-            <a:off x="67627" y="66675"/>
-            <a:ext cx="1629728" cy="514350"/>
-          </a:xfrm>
-          <a:prstGeom prst="rect">
-            <a:avLst/>
-          </a:prstGeom>
-        </p:spPr>
-      </p:pic>
-      <p:sp>
-        <p:nvSpPr>
-          <p:cNvPr id="7" name="CuadroTexto 6">
-            <a:extLst>
-              <a:ext uri="{FF2B5EF4-FFF2-40B4-BE49-F238E27FC236}">
-                <a16:creationId xmlns:a16="http://schemas.microsoft.com/office/drawing/2014/main" id="{93F82F90-CE21-4797-9FB6-DD1F22269E42}"/>
-              </a:ext>
-            </a:extLst>
-          </p:cNvPr>
-          <p:cNvSpPr txBox="1"/>
-          <p:nvPr/>
-        </p:nvSpPr>
-        <p:spPr>
-          <a:xfrm>
-            <a:off x="9886949" y="66675"/>
-            <a:ext cx="2263141" cy="338554"/>
-          </a:xfrm>
-          <a:prstGeom prst="rect">
-            <a:avLst/>
-          </a:prstGeom>
-          <a:noFill/>
-        </p:spPr>
-        <p:txBody>
-          <a:bodyPr wrap="square" rtlCol="0">
-            <a:spAutoFit/>
-          </a:bodyPr>
-          <a:lstStyle/>
-          <a:p>
-            <a:r>
-              <a:rPr lang="es-ES" sz="1600" dirty="0">
+              <a:rPr lang="es-ES" sz="1800" dirty="0">
                 <a:solidFill>
                   <a:srgbClr val="4F81BD"/>
                 </a:solidFill>
@@ -6663,16 +7510,16 @@
               </a:rPr>
               <a:t>Master Deep Learning</a:t>
             </a:r>
-            <a:endParaRPr lang="es-ES" sz="1600" dirty="0"/>
-          </a:p>
-        </p:txBody>
-      </p:sp>
-      <p:sp>
-        <p:nvSpPr>
-          <p:cNvPr id="3" name="CuadroTexto 2">
-            <a:extLst>
-              <a:ext uri="{FF2B5EF4-FFF2-40B4-BE49-F238E27FC236}">
-                <a16:creationId xmlns:a16="http://schemas.microsoft.com/office/drawing/2014/main" id="{F851A8B6-9234-4E8C-A110-AB73681D62FA}"/>
+            <a:endParaRPr lang="es-ES" dirty="0"/>
+          </a:p>
+        </p:txBody>
+      </p:sp>
+      <p:sp>
+        <p:nvSpPr>
+          <p:cNvPr id="6" name="CuadroTexto 5">
+            <a:extLst>
+              <a:ext uri="{FF2B5EF4-FFF2-40B4-BE49-F238E27FC236}">
+                <a16:creationId xmlns:a16="http://schemas.microsoft.com/office/drawing/2014/main" id="{3B0AD259-5FD6-4F71-A1CF-E211A34D5F18}"/>
               </a:ext>
             </a:extLst>
           </p:cNvPr>
@@ -6681,8 +7528,8 @@
         </p:nvSpPr>
         <p:spPr>
           <a:xfrm>
-            <a:off x="1209676" y="1752600"/>
-            <a:ext cx="3248024" cy="646331"/>
+            <a:off x="3482108" y="808755"/>
+            <a:ext cx="5135418" cy="461665"/>
           </a:xfrm>
           <a:prstGeom prst="rect">
             <a:avLst/>
@@ -6696,18 +7543,78 @@
           <a:lstStyle/>
           <a:p>
             <a:r>
-              <a:rPr lang="es-ES" dirty="0"/>
-              <a:t>Despliegue de aplicaciones en contenedores</a:t>
-            </a:r>
-          </a:p>
-        </p:txBody>
-      </p:sp>
-      <p:sp>
-        <p:nvSpPr>
-          <p:cNvPr id="10" name="CuadroTexto 9">
-            <a:extLst>
-              <a:ext uri="{FF2B5EF4-FFF2-40B4-BE49-F238E27FC236}">
-                <a16:creationId xmlns:a16="http://schemas.microsoft.com/office/drawing/2014/main" id="{FA3EFB0D-96DF-451E-B476-C97B2C9AC1BD}"/>
+              <a:rPr lang="es-ES" sz="2400" b="1" dirty="0"/>
+              <a:t>Optimización de recursos en la Nube</a:t>
+            </a:r>
+          </a:p>
+        </p:txBody>
+      </p:sp>
+      <p:pic>
+        <p:nvPicPr>
+          <p:cNvPr id="8" name="Imagen 7">
+            <a:extLst>
+              <a:ext uri="{FF2B5EF4-FFF2-40B4-BE49-F238E27FC236}">
+                <a16:creationId xmlns:a16="http://schemas.microsoft.com/office/drawing/2014/main" id="{61C95909-6BCE-4B9B-9465-B2765BB04DC1}"/>
+              </a:ext>
+            </a:extLst>
+          </p:cNvPr>
+          <p:cNvPicPr>
+            <a:picLocks noChangeAspect="1"/>
+          </p:cNvPicPr>
+          <p:nvPr/>
+        </p:nvPicPr>
+        <p:blipFill>
+          <a:blip r:embed="rId3"/>
+          <a:stretch>
+            <a:fillRect/>
+          </a:stretch>
+        </p:blipFill>
+        <p:spPr>
+          <a:xfrm>
+            <a:off x="537363" y="1857375"/>
+            <a:ext cx="6724650" cy="3143250"/>
+          </a:xfrm>
+          <a:prstGeom prst="rect">
+            <a:avLst/>
+          </a:prstGeom>
+        </p:spPr>
+      </p:pic>
+      <p:pic>
+        <p:nvPicPr>
+          <p:cNvPr id="10" name="Imagen 9">
+            <a:extLst>
+              <a:ext uri="{FF2B5EF4-FFF2-40B4-BE49-F238E27FC236}">
+                <a16:creationId xmlns:a16="http://schemas.microsoft.com/office/drawing/2014/main" id="{5E5EBD25-0BDF-44F1-8123-DD27E6AC6E59}"/>
+              </a:ext>
+            </a:extLst>
+          </p:cNvPr>
+          <p:cNvPicPr>
+            <a:picLocks noChangeAspect="1"/>
+          </p:cNvPicPr>
+          <p:nvPr/>
+        </p:nvPicPr>
+        <p:blipFill>
+          <a:blip r:embed="rId4"/>
+          <a:stretch>
+            <a:fillRect/>
+          </a:stretch>
+        </p:blipFill>
+        <p:spPr>
+          <a:xfrm>
+            <a:off x="6684365" y="3777554"/>
+            <a:ext cx="4831726" cy="2656150"/>
+          </a:xfrm>
+          <a:prstGeom prst="rect">
+            <a:avLst/>
+          </a:prstGeom>
+        </p:spPr>
+      </p:pic>
+      <p:sp>
+        <p:nvSpPr>
+          <p:cNvPr id="12" name="CuadroTexto 11">
+            <a:extLst>
+              <a:ext uri="{FF2B5EF4-FFF2-40B4-BE49-F238E27FC236}">
+                <a16:creationId xmlns:a16="http://schemas.microsoft.com/office/drawing/2014/main" id="{C29C1BEA-9871-4BEC-BB61-7700D77EED70}"/>
               </a:ext>
             </a:extLst>
           </p:cNvPr>
@@ -6716,43 +7623,8 @@
         </p:nvSpPr>
         <p:spPr>
           <a:xfrm>
-            <a:off x="5591175" y="1790700"/>
-            <a:ext cx="5495923" cy="369332"/>
-          </a:xfrm>
-          <a:prstGeom prst="rect">
-            <a:avLst/>
-          </a:prstGeom>
-          <a:noFill/>
-        </p:spPr>
-        <p:txBody>
-          <a:bodyPr wrap="square" rtlCol="0">
-            <a:spAutoFit/>
-          </a:bodyPr>
-          <a:lstStyle/>
-          <a:p>
-            <a:r>
-              <a:rPr lang="es-ES" dirty="0"/>
-              <a:t>Elementos de un despliegue en Kubernetes</a:t>
-            </a:r>
-          </a:p>
-        </p:txBody>
-      </p:sp>
-      <p:sp>
-        <p:nvSpPr>
-          <p:cNvPr id="12" name="CuadroTexto 11">
-            <a:extLst>
-              <a:ext uri="{FF2B5EF4-FFF2-40B4-BE49-F238E27FC236}">
-                <a16:creationId xmlns:a16="http://schemas.microsoft.com/office/drawing/2014/main" id="{EBC49CBC-AD1C-4550-A193-E67A13800129}"/>
-              </a:ext>
-            </a:extLst>
-          </p:cNvPr>
-          <p:cNvSpPr txBox="1"/>
-          <p:nvPr/>
-        </p:nvSpPr>
-        <p:spPr>
-          <a:xfrm>
-            <a:off x="314325" y="6525310"/>
-            <a:ext cx="4010025" cy="246221"/>
+            <a:off x="6899560" y="6553312"/>
+            <a:ext cx="5227785" cy="246221"/>
           </a:xfrm>
           <a:prstGeom prst="rect">
             <a:avLst/>
@@ -6766,61 +7638,16 @@
           <a:lstStyle/>
           <a:p>
             <a:r>
-              <a:rPr lang="es-ES" sz="1000" dirty="0">
-                <a:effectLst/>
-                <a:latin typeface="Arial" panose="020B0604020202020204" pitchFamily="34" charset="0"/>
-                <a:ea typeface="Arial" panose="020B0604020202020204" pitchFamily="34" charset="0"/>
-              </a:rPr>
-              <a:t>https://kubernetes.io/es/docs/concepts/overview/what-is-kubernetes/</a:t>
-            </a:r>
-            <a:endParaRPr lang="es-ES" sz="1000" dirty="0"/>
-          </a:p>
-        </p:txBody>
-      </p:sp>
-      <p:sp>
-        <p:nvSpPr>
-          <p:cNvPr id="15" name="CuadroTexto 14">
-            <a:extLst>
-              <a:ext uri="{FF2B5EF4-FFF2-40B4-BE49-F238E27FC236}">
-                <a16:creationId xmlns:a16="http://schemas.microsoft.com/office/drawing/2014/main" id="{EAF7BC90-DB8B-4DA7-8CA4-803F50AD4576}"/>
-              </a:ext>
-            </a:extLst>
-          </p:cNvPr>
-          <p:cNvSpPr txBox="1"/>
-          <p:nvPr/>
-        </p:nvSpPr>
-        <p:spPr>
-          <a:xfrm>
-            <a:off x="7296150" y="6496735"/>
-            <a:ext cx="4724400" cy="246221"/>
-          </a:xfrm>
-          <a:prstGeom prst="rect">
-            <a:avLst/>
-          </a:prstGeom>
-          <a:noFill/>
-        </p:spPr>
-        <p:txBody>
-          <a:bodyPr wrap="square">
-            <a:spAutoFit/>
-          </a:bodyPr>
-          <a:lstStyle/>
-          <a:p>
-            <a:r>
-              <a:rPr lang="es-ES" sz="1000" dirty="0">
-                <a:effectLst/>
-                <a:latin typeface="Arial" panose="020B0604020202020204" pitchFamily="34" charset="0"/>
-                <a:ea typeface="Arial" panose="020B0604020202020204" pitchFamily="34" charset="0"/>
-              </a:rPr>
-              <a:t>https://tsuyoshiushio.medium.com/kubernetes-in-three-diagrams-6aba8432541c</a:t>
-            </a:r>
-            <a:endParaRPr lang="es-ES" sz="1000" dirty="0"/>
+              <a:rPr lang="es-ES" sz="1000" dirty="0"/>
+              <a:t>https://www.researchgate.net/figure/Resource-Allocation-in-Cloud-Computing_fig1_278382836</a:t>
+            </a:r>
           </a:p>
         </p:txBody>
       </p:sp>
     </p:spTree>
     <p:extLst>
       <p:ext uri="{BB962C8B-B14F-4D97-AF65-F5344CB8AC3E}">
-        <p14:creationId xmlns:p14="http://schemas.microsoft.com/office/powerpoint/2010/main" val="2218462867"/>
+        <p14:creationId xmlns:p14="http://schemas.microsoft.com/office/powerpoint/2010/main" val="3846491977"/>
       </p:ext>
     </p:extLst>
   </p:cSld>
@@ -6849,277 +7676,53 @@
       </p:grpSpPr>
       <p:pic>
         <p:nvPicPr>
-          <p:cNvPr id="6" name="Imagen 5">
-            <a:extLst>
-              <a:ext uri="{FF2B5EF4-FFF2-40B4-BE49-F238E27FC236}">
-                <a16:creationId xmlns:a16="http://schemas.microsoft.com/office/drawing/2014/main" id="{9E9D6799-2532-43B0-8DAF-09A3BDFE1222}"/>
-              </a:ext>
-            </a:extLst>
-          </p:cNvPr>
-          <p:cNvPicPr>
-            <a:picLocks noChangeAspect="1"/>
-          </p:cNvPicPr>
+          <p:cNvPr id="4" name="Imagen 3" descr="Diagrama&#10;&#10;Descripción generada automáticamente">
+            <a:extLst>
+              <a:ext uri="{FF2B5EF4-FFF2-40B4-BE49-F238E27FC236}">
+                <a16:creationId xmlns:a16="http://schemas.microsoft.com/office/drawing/2014/main" id="{0F946DB8-9839-4A3C-81F5-AE0511EFB2C4}"/>
+              </a:ext>
+            </a:extLst>
+          </p:cNvPr>
+          <p:cNvPicPr/>
           <p:nvPr/>
         </p:nvPicPr>
         <p:blipFill>
-          <a:blip r:embed="rId2"/>
+          <a:blip r:embed="rId2">
+            <a:extLst>
+              <a:ext uri="{28A0092B-C50C-407E-A947-70E740481C1C}">
+                <a14:useLocalDpi xmlns:a14="http://schemas.microsoft.com/office/drawing/2010/main" val="0"/>
+              </a:ext>
+            </a:extLst>
+          </a:blip>
           <a:stretch>
             <a:fillRect/>
           </a:stretch>
         </p:blipFill>
         <p:spPr>
           <a:xfrm>
-            <a:off x="730315" y="1209924"/>
-            <a:ext cx="7701966" cy="3716406"/>
-          </a:xfrm>
-          <a:prstGeom prst="rect">
-            <a:avLst/>
-          </a:prstGeom>
-        </p:spPr>
-      </p:pic>
-      <p:sp>
-        <p:nvSpPr>
-          <p:cNvPr id="7" name="CuadroTexto 6">
-            <a:extLst>
-              <a:ext uri="{FF2B5EF4-FFF2-40B4-BE49-F238E27FC236}">
-                <a16:creationId xmlns:a16="http://schemas.microsoft.com/office/drawing/2014/main" id="{7B28B058-FB76-4186-A12F-EC44CFE36720}"/>
-              </a:ext>
-            </a:extLst>
-          </p:cNvPr>
-          <p:cNvSpPr txBox="1"/>
-          <p:nvPr/>
-        </p:nvSpPr>
-        <p:spPr>
-          <a:xfrm>
-            <a:off x="136808" y="6563334"/>
-            <a:ext cx="7006942" cy="246221"/>
-          </a:xfrm>
-          <a:prstGeom prst="rect">
-            <a:avLst/>
-          </a:prstGeom>
-          <a:noFill/>
-        </p:spPr>
-        <p:txBody>
-          <a:bodyPr wrap="square">
-            <a:spAutoFit/>
-          </a:bodyPr>
-          <a:lstStyle/>
-          <a:p>
-            <a:r>
-              <a:rPr lang="es-ES" sz="1000" dirty="0"/>
-              <a:t>https://www.stacksimplify.com/aws-eks/aws-eks-kubernetes-autoscaling/learn-to-master-horizontal-pod-autoscaling-on-aws-eks/</a:t>
-            </a:r>
-          </a:p>
-        </p:txBody>
-      </p:sp>
-      <p:sp>
-        <p:nvSpPr>
-          <p:cNvPr id="11" name="CuadroTexto 10">
-            <a:extLst>
-              <a:ext uri="{FF2B5EF4-FFF2-40B4-BE49-F238E27FC236}">
-                <a16:creationId xmlns:a16="http://schemas.microsoft.com/office/drawing/2014/main" id="{C11DC98E-DC2C-49A6-A0CB-63016070C29E}"/>
-              </a:ext>
-            </a:extLst>
-          </p:cNvPr>
-          <p:cNvSpPr txBox="1"/>
-          <p:nvPr/>
-        </p:nvSpPr>
-        <p:spPr>
-          <a:xfrm>
-            <a:off x="8614009" y="1909140"/>
-            <a:ext cx="3323122" cy="2519921"/>
-          </a:xfrm>
-          <a:prstGeom prst="rect">
-            <a:avLst/>
-          </a:prstGeom>
-          <a:noFill/>
-          <a:ln>
+            <a:off x="5400675" y="2523773"/>
+            <a:ext cx="5964756" cy="3657952"/>
+          </a:xfrm>
+          <a:prstGeom prst="rect">
+            <a:avLst/>
+          </a:prstGeom>
+          <a:ln w="19050">
             <a:solidFill>
               <a:schemeClr val="tx1"/>
             </a:solidFill>
           </a:ln>
         </p:spPr>
-        <p:txBody>
-          <a:bodyPr wrap="square">
-            <a:spAutoFit/>
-          </a:bodyPr>
-          <a:lstStyle/>
-          <a:p>
-            <a:pPr>
-              <a:lnSpc>
-                <a:spcPct val="106000"/>
-              </a:lnSpc>
-              <a:spcAft>
-                <a:spcPts val="800"/>
-              </a:spcAft>
-            </a:pPr>
-            <a:r>
-              <a:rPr lang="es-ES" sz="1600" dirty="0">
-                <a:effectLst/>
-                <a:latin typeface="Calibri" panose="020F0502020204030204" pitchFamily="34" charset="0"/>
-                <a:ea typeface="Calibri" panose="020F0502020204030204" pitchFamily="34" charset="0"/>
-                <a:cs typeface="Times New Roman" panose="02020603050405020304" pitchFamily="18" charset="0"/>
-              </a:rPr>
-              <a:t>&lt;?php</a:t>
-            </a:r>
-          </a:p>
-          <a:p>
-            <a:pPr>
-              <a:lnSpc>
-                <a:spcPct val="106000"/>
-              </a:lnSpc>
-              <a:spcAft>
-                <a:spcPts val="800"/>
-              </a:spcAft>
-            </a:pPr>
-            <a:r>
-              <a:rPr lang="es-ES" sz="1600" dirty="0">
-                <a:effectLst/>
-                <a:latin typeface="Calibri" panose="020F0502020204030204" pitchFamily="34" charset="0"/>
-                <a:ea typeface="Calibri" panose="020F0502020204030204" pitchFamily="34" charset="0"/>
-                <a:cs typeface="Times New Roman" panose="02020603050405020304" pitchFamily="18" charset="0"/>
-              </a:rPr>
-              <a:t>  $x = 0.0001;</a:t>
-            </a:r>
-          </a:p>
-          <a:p>
-            <a:pPr>
-              <a:lnSpc>
-                <a:spcPct val="106000"/>
-              </a:lnSpc>
-              <a:spcAft>
-                <a:spcPts val="800"/>
-              </a:spcAft>
-            </a:pPr>
-            <a:r>
-              <a:rPr lang="es-ES" sz="1600" dirty="0">
-                <a:effectLst/>
-                <a:latin typeface="Calibri" panose="020F0502020204030204" pitchFamily="34" charset="0"/>
-                <a:ea typeface="Calibri" panose="020F0502020204030204" pitchFamily="34" charset="0"/>
-                <a:cs typeface="Times New Roman" panose="02020603050405020304" pitchFamily="18" charset="0"/>
-              </a:rPr>
-              <a:t>  </a:t>
-            </a:r>
-            <a:r>
-              <a:rPr lang="es-ES" sz="1600" dirty="0" err="1">
-                <a:effectLst/>
-                <a:latin typeface="Calibri" panose="020F0502020204030204" pitchFamily="34" charset="0"/>
-                <a:ea typeface="Calibri" panose="020F0502020204030204" pitchFamily="34" charset="0"/>
-                <a:cs typeface="Times New Roman" panose="02020603050405020304" pitchFamily="18" charset="0"/>
-              </a:rPr>
-              <a:t>for</a:t>
-            </a:r>
-            <a:r>
-              <a:rPr lang="es-ES" sz="1600" dirty="0">
-                <a:effectLst/>
-                <a:latin typeface="Calibri" panose="020F0502020204030204" pitchFamily="34" charset="0"/>
-                <a:ea typeface="Calibri" panose="020F0502020204030204" pitchFamily="34" charset="0"/>
-                <a:cs typeface="Times New Roman" panose="02020603050405020304" pitchFamily="18" charset="0"/>
-              </a:rPr>
-              <a:t> ($i = 0; $i &lt;= 1000000; $i++) {</a:t>
-            </a:r>
-          </a:p>
-          <a:p>
-            <a:pPr>
-              <a:lnSpc>
-                <a:spcPct val="106000"/>
-              </a:lnSpc>
-              <a:spcAft>
-                <a:spcPts val="800"/>
-              </a:spcAft>
-            </a:pPr>
-            <a:r>
-              <a:rPr lang="es-ES" sz="1600" dirty="0">
-                <a:effectLst/>
-                <a:latin typeface="Calibri" panose="020F0502020204030204" pitchFamily="34" charset="0"/>
-                <a:ea typeface="Calibri" panose="020F0502020204030204" pitchFamily="34" charset="0"/>
-                <a:cs typeface="Times New Roman" panose="02020603050405020304" pitchFamily="18" charset="0"/>
-              </a:rPr>
-              <a:t>    $x += </a:t>
-            </a:r>
-            <a:r>
-              <a:rPr lang="es-ES" sz="1600" dirty="0" err="1">
-                <a:effectLst/>
-                <a:latin typeface="Calibri" panose="020F0502020204030204" pitchFamily="34" charset="0"/>
-                <a:ea typeface="Calibri" panose="020F0502020204030204" pitchFamily="34" charset="0"/>
-                <a:cs typeface="Times New Roman" panose="02020603050405020304" pitchFamily="18" charset="0"/>
-              </a:rPr>
-              <a:t>sqrt</a:t>
-            </a:r>
-            <a:r>
-              <a:rPr lang="es-ES" sz="1600" dirty="0">
-                <a:effectLst/>
-                <a:latin typeface="Calibri" panose="020F0502020204030204" pitchFamily="34" charset="0"/>
-                <a:ea typeface="Calibri" panose="020F0502020204030204" pitchFamily="34" charset="0"/>
-                <a:cs typeface="Times New Roman" panose="02020603050405020304" pitchFamily="18" charset="0"/>
-              </a:rPr>
-              <a:t>($x);</a:t>
-            </a:r>
-          </a:p>
-          <a:p>
-            <a:pPr>
-              <a:lnSpc>
-                <a:spcPct val="106000"/>
-              </a:lnSpc>
-              <a:spcAft>
-                <a:spcPts val="800"/>
-              </a:spcAft>
-            </a:pPr>
-            <a:r>
-              <a:rPr lang="es-ES" sz="1600" dirty="0">
-                <a:effectLst/>
-                <a:latin typeface="Calibri" panose="020F0502020204030204" pitchFamily="34" charset="0"/>
-                <a:ea typeface="Calibri" panose="020F0502020204030204" pitchFamily="34" charset="0"/>
-                <a:cs typeface="Times New Roman" panose="02020603050405020304" pitchFamily="18" charset="0"/>
-              </a:rPr>
-              <a:t>  }</a:t>
-            </a:r>
-          </a:p>
-          <a:p>
-            <a:pPr>
-              <a:lnSpc>
-                <a:spcPct val="106000"/>
-              </a:lnSpc>
-              <a:spcAft>
-                <a:spcPts val="800"/>
-              </a:spcAft>
-            </a:pPr>
-            <a:r>
-              <a:rPr lang="es-ES" sz="1600" dirty="0">
-                <a:effectLst/>
-                <a:latin typeface="Calibri" panose="020F0502020204030204" pitchFamily="34" charset="0"/>
-                <a:ea typeface="Calibri" panose="020F0502020204030204" pitchFamily="34" charset="0"/>
-                <a:cs typeface="Times New Roman" panose="02020603050405020304" pitchFamily="18" charset="0"/>
-              </a:rPr>
-              <a:t>  echo "OK!";</a:t>
-            </a:r>
-          </a:p>
-          <a:p>
-            <a:r>
-              <a:rPr lang="es-ES" sz="1600" dirty="0">
-                <a:effectLst/>
-                <a:latin typeface="Calibri" panose="020F0502020204030204" pitchFamily="34" charset="0"/>
-                <a:ea typeface="Calibri" panose="020F0502020204030204" pitchFamily="34" charset="0"/>
-                <a:cs typeface="Times New Roman" panose="02020603050405020304" pitchFamily="18" charset="0"/>
-              </a:rPr>
-              <a:t>?&gt;</a:t>
-            </a:r>
-            <a:endParaRPr lang="es-ES" sz="1600" dirty="0"/>
-          </a:p>
-        </p:txBody>
-      </p:sp>
+      </p:pic>
       <p:pic>
         <p:nvPicPr>
-          <p:cNvPr id="14" name="Imagen 13">
-            <a:extLst>
-              <a:ext uri="{FF2B5EF4-FFF2-40B4-BE49-F238E27FC236}">
-                <a16:creationId xmlns:a16="http://schemas.microsoft.com/office/drawing/2014/main" id="{F31FA959-D3B9-4A9C-A6FA-E2E747659DD2}"/>
-              </a:ext>
-            </a:extLst>
-          </p:cNvPr>
-          <p:cNvPicPr>
-            <a:picLocks noChangeAspect="1"/>
-          </p:cNvPicPr>
+          <p:cNvPr id="5" name="Imagen 4" descr="Interfaz de usuario gráfica&#10;&#10;Descripción generada automáticamente">
+            <a:extLst>
+              <a:ext uri="{FF2B5EF4-FFF2-40B4-BE49-F238E27FC236}">
+                <a16:creationId xmlns:a16="http://schemas.microsoft.com/office/drawing/2014/main" id="{F6377264-0DF3-4A6E-861C-16C7E0E64FDA}"/>
+              </a:ext>
+            </a:extLst>
+          </p:cNvPr>
+          <p:cNvPicPr/>
           <p:nvPr/>
         </p:nvPicPr>
         <p:blipFill>
@@ -7130,8 +7733,8 @@
         </p:blipFill>
         <p:spPr>
           <a:xfrm>
-            <a:off x="770106" y="5157444"/>
-            <a:ext cx="11071374" cy="1174776"/>
+            <a:off x="1293294" y="2552699"/>
+            <a:ext cx="2811981" cy="3533775"/>
           </a:xfrm>
           <a:prstGeom prst="rect">
             <a:avLst/>
@@ -7140,10 +7743,10 @@
       </p:pic>
       <p:sp>
         <p:nvSpPr>
-          <p:cNvPr id="8" name="CuadroTexto 7">
-            <a:extLst>
-              <a:ext uri="{FF2B5EF4-FFF2-40B4-BE49-F238E27FC236}">
-                <a16:creationId xmlns:a16="http://schemas.microsoft.com/office/drawing/2014/main" id="{AC6151E3-BDCA-4133-9AD6-622987A4CCC9}"/>
+          <p:cNvPr id="2" name="CuadroTexto 1">
+            <a:extLst>
+              <a:ext uri="{FF2B5EF4-FFF2-40B4-BE49-F238E27FC236}">
+                <a16:creationId xmlns:a16="http://schemas.microsoft.com/office/drawing/2014/main" id="{44D1EEE5-5B6F-4132-BD4D-D05119854812}"/>
               </a:ext>
             </a:extLst>
           </p:cNvPr>
@@ -7152,8 +7755,8 @@
         </p:nvSpPr>
         <p:spPr>
           <a:xfrm>
-            <a:off x="3371850" y="521971"/>
-            <a:ext cx="5474969" cy="461665"/>
+            <a:off x="2914651" y="476251"/>
+            <a:ext cx="5845570" cy="461665"/>
           </a:xfrm>
           <a:prstGeom prst="rect">
             <a:avLst/>
@@ -7168,17 +7771,17 @@
           <a:p>
             <a:r>
               <a:rPr lang="es-ES" sz="2400" b="1" dirty="0"/>
-              <a:t>Kubernetes:  Horizontal Pod Autoscaler</a:t>
+              <a:t>Kubernetes: Orquestador de Contenedores</a:t>
             </a:r>
           </a:p>
         </p:txBody>
       </p:sp>
       <p:pic>
         <p:nvPicPr>
-          <p:cNvPr id="10" name="Imagen 9" descr="Texto&#10;&#10;Descripción generada automáticamente con confianza media">
-            <a:extLst>
-              <a:ext uri="{FF2B5EF4-FFF2-40B4-BE49-F238E27FC236}">
-                <a16:creationId xmlns:a16="http://schemas.microsoft.com/office/drawing/2014/main" id="{5102E52B-6609-4A43-84C9-0147D690FFD2}"/>
+          <p:cNvPr id="6" name="Imagen 5" descr="Texto&#10;&#10;Descripción generada automáticamente con confianza media">
+            <a:extLst>
+              <a:ext uri="{FF2B5EF4-FFF2-40B4-BE49-F238E27FC236}">
+                <a16:creationId xmlns:a16="http://schemas.microsoft.com/office/drawing/2014/main" id="{CAC129A2-CE3A-4A08-966E-410B488B52BA}"/>
               </a:ext>
             </a:extLst>
           </p:cNvPr>
@@ -7203,10 +7806,10 @@
       </p:pic>
       <p:sp>
         <p:nvSpPr>
-          <p:cNvPr id="12" name="CuadroTexto 11">
-            <a:extLst>
-              <a:ext uri="{FF2B5EF4-FFF2-40B4-BE49-F238E27FC236}">
-                <a16:creationId xmlns:a16="http://schemas.microsoft.com/office/drawing/2014/main" id="{ED1D1858-3291-4283-982A-25DA760D28D5}"/>
+          <p:cNvPr id="7" name="CuadroTexto 6">
+            <a:extLst>
+              <a:ext uri="{FF2B5EF4-FFF2-40B4-BE49-F238E27FC236}">
+                <a16:creationId xmlns:a16="http://schemas.microsoft.com/office/drawing/2014/main" id="{93F82F90-CE21-4797-9FB6-DD1F22269E42}"/>
               </a:ext>
             </a:extLst>
           </p:cNvPr>
@@ -7215,7 +7818,7 @@
         </p:nvSpPr>
         <p:spPr>
           <a:xfrm>
-            <a:off x="9886949" y="20955"/>
+            <a:off x="9886949" y="66675"/>
             <a:ext cx="2263141" cy="338554"/>
           </a:xfrm>
           <a:prstGeom prst="rect">
@@ -7244,10 +7847,160 @@
           </a:p>
         </p:txBody>
       </p:sp>
+      <p:sp>
+        <p:nvSpPr>
+          <p:cNvPr id="3" name="CuadroTexto 2">
+            <a:extLst>
+              <a:ext uri="{FF2B5EF4-FFF2-40B4-BE49-F238E27FC236}">
+                <a16:creationId xmlns:a16="http://schemas.microsoft.com/office/drawing/2014/main" id="{F851A8B6-9234-4E8C-A110-AB73681D62FA}"/>
+              </a:ext>
+            </a:extLst>
+          </p:cNvPr>
+          <p:cNvSpPr txBox="1"/>
+          <p:nvPr/>
+        </p:nvSpPr>
+        <p:spPr>
+          <a:xfrm>
+            <a:off x="1209676" y="1752600"/>
+            <a:ext cx="3248024" cy="646331"/>
+          </a:xfrm>
+          <a:prstGeom prst="rect">
+            <a:avLst/>
+          </a:prstGeom>
+          <a:noFill/>
+        </p:spPr>
+        <p:txBody>
+          <a:bodyPr wrap="square" rtlCol="0">
+            <a:spAutoFit/>
+          </a:bodyPr>
+          <a:lstStyle/>
+          <a:p>
+            <a:r>
+              <a:rPr lang="es-ES" dirty="0"/>
+              <a:t>Despliegue de aplicaciones en contenedores</a:t>
+            </a:r>
+          </a:p>
+        </p:txBody>
+      </p:sp>
+      <p:sp>
+        <p:nvSpPr>
+          <p:cNvPr id="10" name="CuadroTexto 9">
+            <a:extLst>
+              <a:ext uri="{FF2B5EF4-FFF2-40B4-BE49-F238E27FC236}">
+                <a16:creationId xmlns:a16="http://schemas.microsoft.com/office/drawing/2014/main" id="{FA3EFB0D-96DF-451E-B476-C97B2C9AC1BD}"/>
+              </a:ext>
+            </a:extLst>
+          </p:cNvPr>
+          <p:cNvSpPr txBox="1"/>
+          <p:nvPr/>
+        </p:nvSpPr>
+        <p:spPr>
+          <a:xfrm>
+            <a:off x="5591175" y="1790700"/>
+            <a:ext cx="5495923" cy="369332"/>
+          </a:xfrm>
+          <a:prstGeom prst="rect">
+            <a:avLst/>
+          </a:prstGeom>
+          <a:noFill/>
+        </p:spPr>
+        <p:txBody>
+          <a:bodyPr wrap="square" rtlCol="0">
+            <a:spAutoFit/>
+          </a:bodyPr>
+          <a:lstStyle/>
+          <a:p>
+            <a:r>
+              <a:rPr lang="es-ES" dirty="0"/>
+              <a:t>Elementos de un despliegue en Kubernetes</a:t>
+            </a:r>
+          </a:p>
+        </p:txBody>
+      </p:sp>
+      <p:sp>
+        <p:nvSpPr>
+          <p:cNvPr id="12" name="CuadroTexto 11">
+            <a:extLst>
+              <a:ext uri="{FF2B5EF4-FFF2-40B4-BE49-F238E27FC236}">
+                <a16:creationId xmlns:a16="http://schemas.microsoft.com/office/drawing/2014/main" id="{EBC49CBC-AD1C-4550-A193-E67A13800129}"/>
+              </a:ext>
+            </a:extLst>
+          </p:cNvPr>
+          <p:cNvSpPr txBox="1"/>
+          <p:nvPr/>
+        </p:nvSpPr>
+        <p:spPr>
+          <a:xfrm>
+            <a:off x="314325" y="6525310"/>
+            <a:ext cx="4010025" cy="246221"/>
+          </a:xfrm>
+          <a:prstGeom prst="rect">
+            <a:avLst/>
+          </a:prstGeom>
+          <a:noFill/>
+        </p:spPr>
+        <p:txBody>
+          <a:bodyPr wrap="square">
+            <a:spAutoFit/>
+          </a:bodyPr>
+          <a:lstStyle/>
+          <a:p>
+            <a:r>
+              <a:rPr lang="es-ES" sz="1000" dirty="0">
+                <a:effectLst/>
+                <a:latin typeface="Arial" panose="020B0604020202020204" pitchFamily="34" charset="0"/>
+                <a:ea typeface="Arial" panose="020B0604020202020204" pitchFamily="34" charset="0"/>
+              </a:rPr>
+              <a:t>https://kubernetes.io/es/docs/concepts/overview/what-is-kubernetes/</a:t>
+            </a:r>
+            <a:endParaRPr lang="es-ES" sz="1000" dirty="0"/>
+          </a:p>
+        </p:txBody>
+      </p:sp>
+      <p:sp>
+        <p:nvSpPr>
+          <p:cNvPr id="15" name="CuadroTexto 14">
+            <a:extLst>
+              <a:ext uri="{FF2B5EF4-FFF2-40B4-BE49-F238E27FC236}">
+                <a16:creationId xmlns:a16="http://schemas.microsoft.com/office/drawing/2014/main" id="{EAF7BC90-DB8B-4DA7-8CA4-803F50AD4576}"/>
+              </a:ext>
+            </a:extLst>
+          </p:cNvPr>
+          <p:cNvSpPr txBox="1"/>
+          <p:nvPr/>
+        </p:nvSpPr>
+        <p:spPr>
+          <a:xfrm>
+            <a:off x="7296150" y="6496735"/>
+            <a:ext cx="4724400" cy="246221"/>
+          </a:xfrm>
+          <a:prstGeom prst="rect">
+            <a:avLst/>
+          </a:prstGeom>
+          <a:noFill/>
+        </p:spPr>
+        <p:txBody>
+          <a:bodyPr wrap="square">
+            <a:spAutoFit/>
+          </a:bodyPr>
+          <a:lstStyle/>
+          <a:p>
+            <a:r>
+              <a:rPr lang="es-ES" sz="1000" dirty="0">
+                <a:effectLst/>
+                <a:latin typeface="Arial" panose="020B0604020202020204" pitchFamily="34" charset="0"/>
+                <a:ea typeface="Arial" panose="020B0604020202020204" pitchFamily="34" charset="0"/>
+              </a:rPr>
+              <a:t>https://tsuyoshiushio.medium.com/kubernetes-in-three-diagrams-6aba8432541c</a:t>
+            </a:r>
+            <a:endParaRPr lang="es-ES" sz="1000" dirty="0"/>
+          </a:p>
+        </p:txBody>
+      </p:sp>
     </p:spTree>
     <p:extLst>
       <p:ext uri="{BB962C8B-B14F-4D97-AF65-F5344CB8AC3E}">
-        <p14:creationId xmlns:p14="http://schemas.microsoft.com/office/powerpoint/2010/main" val="20799500"/>
+        <p14:creationId xmlns:p14="http://schemas.microsoft.com/office/powerpoint/2010/main" val="2218462867"/>
       </p:ext>
     </p:extLst>
   </p:cSld>
@@ -7276,44 +8029,277 @@
       </p:grpSpPr>
       <p:pic>
         <p:nvPicPr>
-          <p:cNvPr id="4" name="image3.png">
-            <a:extLst>
-              <a:ext uri="{FF2B5EF4-FFF2-40B4-BE49-F238E27FC236}">
-                <a16:creationId xmlns:a16="http://schemas.microsoft.com/office/drawing/2014/main" id="{7BBD7420-7BEC-4CE0-8FC1-258C77A5DCF4}"/>
-              </a:ext>
-            </a:extLst>
-          </p:cNvPr>
-          <p:cNvPicPr/>
+          <p:cNvPr id="6" name="Imagen 5">
+            <a:extLst>
+              <a:ext uri="{FF2B5EF4-FFF2-40B4-BE49-F238E27FC236}">
+                <a16:creationId xmlns:a16="http://schemas.microsoft.com/office/drawing/2014/main" id="{9E9D6799-2532-43B0-8DAF-09A3BDFE1222}"/>
+              </a:ext>
+            </a:extLst>
+          </p:cNvPr>
+          <p:cNvPicPr>
+            <a:picLocks noChangeAspect="1"/>
+          </p:cNvPicPr>
           <p:nvPr/>
         </p:nvPicPr>
         <p:blipFill>
           <a:blip r:embed="rId2"/>
-          <a:srcRect/>
           <a:stretch>
             <a:fillRect/>
           </a:stretch>
         </p:blipFill>
         <p:spPr>
           <a:xfrm>
-            <a:off x="3361848" y="1052772"/>
-            <a:ext cx="5734050" cy="2095500"/>
-          </a:xfrm>
-          <a:prstGeom prst="rect">
-            <a:avLst/>
-          </a:prstGeom>
-          <a:ln/>
+            <a:off x="730315" y="1209924"/>
+            <a:ext cx="7701966" cy="3716406"/>
+          </a:xfrm>
+          <a:prstGeom prst="rect">
+            <a:avLst/>
+          </a:prstGeom>
         </p:spPr>
       </p:pic>
+      <p:sp>
+        <p:nvSpPr>
+          <p:cNvPr id="7" name="CuadroTexto 6">
+            <a:extLst>
+              <a:ext uri="{FF2B5EF4-FFF2-40B4-BE49-F238E27FC236}">
+                <a16:creationId xmlns:a16="http://schemas.microsoft.com/office/drawing/2014/main" id="{7B28B058-FB76-4186-A12F-EC44CFE36720}"/>
+              </a:ext>
+            </a:extLst>
+          </p:cNvPr>
+          <p:cNvSpPr txBox="1"/>
+          <p:nvPr/>
+        </p:nvSpPr>
+        <p:spPr>
+          <a:xfrm>
+            <a:off x="136808" y="6563334"/>
+            <a:ext cx="7006942" cy="246221"/>
+          </a:xfrm>
+          <a:prstGeom prst="rect">
+            <a:avLst/>
+          </a:prstGeom>
+          <a:noFill/>
+        </p:spPr>
+        <p:txBody>
+          <a:bodyPr wrap="square">
+            <a:spAutoFit/>
+          </a:bodyPr>
+          <a:lstStyle/>
+          <a:p>
+            <a:r>
+              <a:rPr lang="es-ES" sz="1000" dirty="0"/>
+              <a:t>https://www.stacksimplify.com/aws-eks/aws-eks-kubernetes-autoscaling/learn-to-master-horizontal-pod-autoscaling-on-aws-eks/</a:t>
+            </a:r>
+          </a:p>
+        </p:txBody>
+      </p:sp>
+      <p:sp>
+        <p:nvSpPr>
+          <p:cNvPr id="11" name="CuadroTexto 10">
+            <a:extLst>
+              <a:ext uri="{FF2B5EF4-FFF2-40B4-BE49-F238E27FC236}">
+                <a16:creationId xmlns:a16="http://schemas.microsoft.com/office/drawing/2014/main" id="{C11DC98E-DC2C-49A6-A0CB-63016070C29E}"/>
+              </a:ext>
+            </a:extLst>
+          </p:cNvPr>
+          <p:cNvSpPr txBox="1"/>
+          <p:nvPr/>
+        </p:nvSpPr>
+        <p:spPr>
+          <a:xfrm>
+            <a:off x="8614009" y="1909140"/>
+            <a:ext cx="3323122" cy="2519921"/>
+          </a:xfrm>
+          <a:prstGeom prst="rect">
+            <a:avLst/>
+          </a:prstGeom>
+          <a:noFill/>
+          <a:ln>
+            <a:solidFill>
+              <a:schemeClr val="tx1"/>
+            </a:solidFill>
+          </a:ln>
+        </p:spPr>
+        <p:txBody>
+          <a:bodyPr wrap="square">
+            <a:spAutoFit/>
+          </a:bodyPr>
+          <a:lstStyle/>
+          <a:p>
+            <a:pPr>
+              <a:lnSpc>
+                <a:spcPct val="106000"/>
+              </a:lnSpc>
+              <a:spcAft>
+                <a:spcPts val="800"/>
+              </a:spcAft>
+            </a:pPr>
+            <a:r>
+              <a:rPr lang="es-ES" sz="1600" dirty="0">
+                <a:effectLst/>
+                <a:latin typeface="Calibri" panose="020F0502020204030204" pitchFamily="34" charset="0"/>
+                <a:ea typeface="Calibri" panose="020F0502020204030204" pitchFamily="34" charset="0"/>
+                <a:cs typeface="Times New Roman" panose="02020603050405020304" pitchFamily="18" charset="0"/>
+              </a:rPr>
+              <a:t>&lt;?php</a:t>
+            </a:r>
+          </a:p>
+          <a:p>
+            <a:pPr>
+              <a:lnSpc>
+                <a:spcPct val="106000"/>
+              </a:lnSpc>
+              <a:spcAft>
+                <a:spcPts val="800"/>
+              </a:spcAft>
+            </a:pPr>
+            <a:r>
+              <a:rPr lang="es-ES" sz="1600" dirty="0">
+                <a:effectLst/>
+                <a:latin typeface="Calibri" panose="020F0502020204030204" pitchFamily="34" charset="0"/>
+                <a:ea typeface="Calibri" panose="020F0502020204030204" pitchFamily="34" charset="0"/>
+                <a:cs typeface="Times New Roman" panose="02020603050405020304" pitchFamily="18" charset="0"/>
+              </a:rPr>
+              <a:t>  $x = 0.0001;</a:t>
+            </a:r>
+          </a:p>
+          <a:p>
+            <a:pPr>
+              <a:lnSpc>
+                <a:spcPct val="106000"/>
+              </a:lnSpc>
+              <a:spcAft>
+                <a:spcPts val="800"/>
+              </a:spcAft>
+            </a:pPr>
+            <a:r>
+              <a:rPr lang="es-ES" sz="1600" dirty="0">
+                <a:effectLst/>
+                <a:latin typeface="Calibri" panose="020F0502020204030204" pitchFamily="34" charset="0"/>
+                <a:ea typeface="Calibri" panose="020F0502020204030204" pitchFamily="34" charset="0"/>
+                <a:cs typeface="Times New Roman" panose="02020603050405020304" pitchFamily="18" charset="0"/>
+              </a:rPr>
+              <a:t>  </a:t>
+            </a:r>
+            <a:r>
+              <a:rPr lang="es-ES" sz="1600" dirty="0" err="1">
+                <a:effectLst/>
+                <a:latin typeface="Calibri" panose="020F0502020204030204" pitchFamily="34" charset="0"/>
+                <a:ea typeface="Calibri" panose="020F0502020204030204" pitchFamily="34" charset="0"/>
+                <a:cs typeface="Times New Roman" panose="02020603050405020304" pitchFamily="18" charset="0"/>
+              </a:rPr>
+              <a:t>for</a:t>
+            </a:r>
+            <a:r>
+              <a:rPr lang="es-ES" sz="1600" dirty="0">
+                <a:effectLst/>
+                <a:latin typeface="Calibri" panose="020F0502020204030204" pitchFamily="34" charset="0"/>
+                <a:ea typeface="Calibri" panose="020F0502020204030204" pitchFamily="34" charset="0"/>
+                <a:cs typeface="Times New Roman" panose="02020603050405020304" pitchFamily="18" charset="0"/>
+              </a:rPr>
+              <a:t> ($i = 0; $i &lt;= 1000000; $i++) {</a:t>
+            </a:r>
+          </a:p>
+          <a:p>
+            <a:pPr>
+              <a:lnSpc>
+                <a:spcPct val="106000"/>
+              </a:lnSpc>
+              <a:spcAft>
+                <a:spcPts val="800"/>
+              </a:spcAft>
+            </a:pPr>
+            <a:r>
+              <a:rPr lang="es-ES" sz="1600" dirty="0">
+                <a:effectLst/>
+                <a:latin typeface="Calibri" panose="020F0502020204030204" pitchFamily="34" charset="0"/>
+                <a:ea typeface="Calibri" panose="020F0502020204030204" pitchFamily="34" charset="0"/>
+                <a:cs typeface="Times New Roman" panose="02020603050405020304" pitchFamily="18" charset="0"/>
+              </a:rPr>
+              <a:t>    $x += </a:t>
+            </a:r>
+            <a:r>
+              <a:rPr lang="es-ES" sz="1600" dirty="0" err="1">
+                <a:effectLst/>
+                <a:latin typeface="Calibri" panose="020F0502020204030204" pitchFamily="34" charset="0"/>
+                <a:ea typeface="Calibri" panose="020F0502020204030204" pitchFamily="34" charset="0"/>
+                <a:cs typeface="Times New Roman" panose="02020603050405020304" pitchFamily="18" charset="0"/>
+              </a:rPr>
+              <a:t>sqrt</a:t>
+            </a:r>
+            <a:r>
+              <a:rPr lang="es-ES" sz="1600" dirty="0">
+                <a:effectLst/>
+                <a:latin typeface="Calibri" panose="020F0502020204030204" pitchFamily="34" charset="0"/>
+                <a:ea typeface="Calibri" panose="020F0502020204030204" pitchFamily="34" charset="0"/>
+                <a:cs typeface="Times New Roman" panose="02020603050405020304" pitchFamily="18" charset="0"/>
+              </a:rPr>
+              <a:t>($x);</a:t>
+            </a:r>
+          </a:p>
+          <a:p>
+            <a:pPr>
+              <a:lnSpc>
+                <a:spcPct val="106000"/>
+              </a:lnSpc>
+              <a:spcAft>
+                <a:spcPts val="800"/>
+              </a:spcAft>
+            </a:pPr>
+            <a:r>
+              <a:rPr lang="es-ES" sz="1600" dirty="0">
+                <a:effectLst/>
+                <a:latin typeface="Calibri" panose="020F0502020204030204" pitchFamily="34" charset="0"/>
+                <a:ea typeface="Calibri" panose="020F0502020204030204" pitchFamily="34" charset="0"/>
+                <a:cs typeface="Times New Roman" panose="02020603050405020304" pitchFamily="18" charset="0"/>
+              </a:rPr>
+              <a:t>  }</a:t>
+            </a:r>
+          </a:p>
+          <a:p>
+            <a:pPr>
+              <a:lnSpc>
+                <a:spcPct val="106000"/>
+              </a:lnSpc>
+              <a:spcAft>
+                <a:spcPts val="800"/>
+              </a:spcAft>
+            </a:pPr>
+            <a:r>
+              <a:rPr lang="es-ES" sz="1600" dirty="0">
+                <a:effectLst/>
+                <a:latin typeface="Calibri" panose="020F0502020204030204" pitchFamily="34" charset="0"/>
+                <a:ea typeface="Calibri" panose="020F0502020204030204" pitchFamily="34" charset="0"/>
+                <a:cs typeface="Times New Roman" panose="02020603050405020304" pitchFamily="18" charset="0"/>
+              </a:rPr>
+              <a:t>  echo "OK!";</a:t>
+            </a:r>
+          </a:p>
+          <a:p>
+            <a:r>
+              <a:rPr lang="es-ES" sz="1600" dirty="0">
+                <a:effectLst/>
+                <a:latin typeface="Calibri" panose="020F0502020204030204" pitchFamily="34" charset="0"/>
+                <a:ea typeface="Calibri" panose="020F0502020204030204" pitchFamily="34" charset="0"/>
+                <a:cs typeface="Times New Roman" panose="02020603050405020304" pitchFamily="18" charset="0"/>
+              </a:rPr>
+              <a:t>?&gt;</a:t>
+            </a:r>
+            <a:endParaRPr lang="es-ES" sz="1600" dirty="0"/>
+          </a:p>
+        </p:txBody>
+      </p:sp>
       <p:pic>
         <p:nvPicPr>
           <p:cNvPr id="14" name="Imagen 13">
             <a:extLst>
               <a:ext uri="{FF2B5EF4-FFF2-40B4-BE49-F238E27FC236}">
-                <a16:creationId xmlns:a16="http://schemas.microsoft.com/office/drawing/2014/main" id="{E47FAAC5-F8B2-4B52-A667-79CBFE1A2729}"/>
-              </a:ext>
-            </a:extLst>
-          </p:cNvPr>
-          <p:cNvPicPr/>
+                <a16:creationId xmlns:a16="http://schemas.microsoft.com/office/drawing/2014/main" id="{F31FA959-D3B9-4A9C-A6FA-E2E747659DD2}"/>
+              </a:ext>
+            </a:extLst>
+          </p:cNvPr>
+          <p:cNvPicPr>
+            <a:picLocks noChangeAspect="1"/>
+          </p:cNvPicPr>
           <p:nvPr/>
         </p:nvPicPr>
         <p:blipFill>
@@ -7324,8 +8310,8 @@
         </p:blipFill>
         <p:spPr>
           <a:xfrm>
-            <a:off x="1908810" y="3451861"/>
-            <a:ext cx="8703142" cy="2824480"/>
+            <a:off x="770106" y="5157444"/>
+            <a:ext cx="11071374" cy="1174776"/>
           </a:xfrm>
           <a:prstGeom prst="rect">
             <a:avLst/>
@@ -7334,66 +8320,10 @@
       </p:pic>
       <p:sp>
         <p:nvSpPr>
-          <p:cNvPr id="15" name="Rectángulo 14">
-            <a:extLst>
-              <a:ext uri="{FF2B5EF4-FFF2-40B4-BE49-F238E27FC236}">
-                <a16:creationId xmlns:a16="http://schemas.microsoft.com/office/drawing/2014/main" id="{8FD2C660-E407-4553-8D66-BB51833172A2}"/>
-              </a:ext>
-            </a:extLst>
-          </p:cNvPr>
-          <p:cNvSpPr/>
-          <p:nvPr/>
-        </p:nvSpPr>
-        <p:spPr>
-          <a:xfrm>
-            <a:off x="2194561" y="4240530"/>
-            <a:ext cx="1265872" cy="1451609"/>
-          </a:xfrm>
-          <a:prstGeom prst="rect">
-            <a:avLst/>
-          </a:prstGeom>
-          <a:solidFill>
-            <a:schemeClr val="bg1"/>
-          </a:solidFill>
-          <a:ln>
-            <a:solidFill>
-              <a:schemeClr val="tx1"/>
-            </a:solidFill>
-          </a:ln>
-        </p:spPr>
-        <p:style>
-          <a:lnRef idx="1">
-            <a:schemeClr val="accent1"/>
-          </a:lnRef>
-          <a:fillRef idx="3">
-            <a:schemeClr val="accent1"/>
-          </a:fillRef>
-          <a:effectRef idx="2">
-            <a:schemeClr val="accent1"/>
-          </a:effectRef>
-          <a:fontRef idx="minor">
-            <a:schemeClr val="lt1"/>
-          </a:fontRef>
-        </p:style>
-        <p:txBody>
-          <a:bodyPr rot="0" spcFirstLastPara="0" vert="horz" wrap="square" lIns="91440" tIns="45720" rIns="91440" bIns="45720" numCol="1" spcCol="0" rtlCol="0" fromWordArt="0" anchor="ctr" anchorCtr="0" forceAA="0" compatLnSpc="1">
-            <a:prstTxWarp prst="textNoShape">
-              <a:avLst/>
-            </a:prstTxWarp>
-            <a:noAutofit/>
-          </a:bodyPr>
-          <a:lstStyle/>
-          <a:p>
-            <a:endParaRPr lang="es-ES"/>
-          </a:p>
-        </p:txBody>
-      </p:sp>
-      <p:sp>
-        <p:nvSpPr>
-          <p:cNvPr id="16" name="Cuadro de texto 14">
-            <a:extLst>
-              <a:ext uri="{FF2B5EF4-FFF2-40B4-BE49-F238E27FC236}">
-                <a16:creationId xmlns:a16="http://schemas.microsoft.com/office/drawing/2014/main" id="{EB5B2134-44C2-4191-934B-B4EEA46F835D}"/>
+          <p:cNvPr id="8" name="CuadroTexto 7">
+            <a:extLst>
+              <a:ext uri="{FF2B5EF4-FFF2-40B4-BE49-F238E27FC236}">
+                <a16:creationId xmlns:a16="http://schemas.microsoft.com/office/drawing/2014/main" id="{AC6151E3-BDCA-4133-9AD6-622987A4CCC9}"/>
               </a:ext>
             </a:extLst>
           </p:cNvPr>
@@ -7402,140 +8332,8 @@
         </p:nvSpPr>
         <p:spPr>
           <a:xfrm>
-            <a:off x="2251710" y="4480560"/>
-            <a:ext cx="1098708" cy="822960"/>
-          </a:xfrm>
-          <a:prstGeom prst="rect">
-            <a:avLst/>
-          </a:prstGeom>
-          <a:solidFill>
-            <a:schemeClr val="lt1"/>
-          </a:solidFill>
-          <a:ln w="6350">
-            <a:noFill/>
-          </a:ln>
-        </p:spPr>
-        <p:txBody>
-          <a:bodyPr rot="0" spcFirstLastPara="0" vert="horz" wrap="square" lIns="91440" tIns="45720" rIns="91440" bIns="45720" numCol="1" spcCol="0" rtlCol="0" fromWordArt="0" anchor="t" anchorCtr="0" forceAA="0" compatLnSpc="1">
-            <a:prstTxWarp prst="textNoShape">
-              <a:avLst/>
-            </a:prstTxWarp>
-            <a:noAutofit/>
-          </a:bodyPr>
-          <a:lstStyle/>
-          <a:p>
-            <a:pPr>
-              <a:lnSpc>
-                <a:spcPct val="115000"/>
-              </a:lnSpc>
-            </a:pPr>
-            <a:r>
-              <a:rPr lang="es-ES" sz="900" dirty="0">
-                <a:solidFill>
-                  <a:srgbClr val="808080"/>
-                </a:solidFill>
-                <a:effectLst/>
-                <a:latin typeface="Arial" panose="020B0604020202020204" pitchFamily="34" charset="0"/>
-                <a:ea typeface="Arial" panose="020B0604020202020204" pitchFamily="34" charset="0"/>
-              </a:rPr>
-              <a:t>Reinforcemement Learning Algorithm</a:t>
-            </a:r>
-            <a:endParaRPr lang="es-ES" sz="1100" dirty="0">
-              <a:effectLst/>
-              <a:latin typeface="Arial" panose="020B0604020202020204" pitchFamily="34" charset="0"/>
-              <a:ea typeface="Arial" panose="020B0604020202020204" pitchFamily="34" charset="0"/>
-            </a:endParaRPr>
-          </a:p>
-        </p:txBody>
-      </p:sp>
-      <p:sp>
-        <p:nvSpPr>
-          <p:cNvPr id="17" name="CuadroTexto 16">
-            <a:extLst>
-              <a:ext uri="{FF2B5EF4-FFF2-40B4-BE49-F238E27FC236}">
-                <a16:creationId xmlns:a16="http://schemas.microsoft.com/office/drawing/2014/main" id="{B9AA27B7-DCF5-4DAA-8468-B59407B2BA5B}"/>
-              </a:ext>
-            </a:extLst>
-          </p:cNvPr>
-          <p:cNvSpPr txBox="1"/>
-          <p:nvPr/>
-        </p:nvSpPr>
-        <p:spPr>
-          <a:xfrm>
-            <a:off x="111442" y="6567785"/>
-            <a:ext cx="8163877" cy="246221"/>
-          </a:xfrm>
-          <a:prstGeom prst="rect">
-            <a:avLst/>
-          </a:prstGeom>
-          <a:noFill/>
-        </p:spPr>
-        <p:txBody>
-          <a:bodyPr wrap="square">
-            <a:spAutoFit/>
-          </a:bodyPr>
-          <a:lstStyle/>
-          <a:p>
-            <a:r>
-              <a:rPr lang="en-US" sz="1000" dirty="0">
-                <a:effectLst/>
-                <a:latin typeface="Arial" panose="020B0604020202020204" pitchFamily="34" charset="0"/>
-                <a:ea typeface="Arial" panose="020B0604020202020204" pitchFamily="34" charset="0"/>
-              </a:rPr>
-              <a:t>Sutton, Richard S., y Andrew G. </a:t>
-            </a:r>
-            <a:r>
-              <a:rPr lang="en-US" sz="1000" dirty="0" err="1">
-                <a:effectLst/>
-                <a:latin typeface="Arial" panose="020B0604020202020204" pitchFamily="34" charset="0"/>
-                <a:ea typeface="Arial" panose="020B0604020202020204" pitchFamily="34" charset="0"/>
-              </a:rPr>
-              <a:t>Barto</a:t>
-            </a:r>
-            <a:r>
-              <a:rPr lang="en-US" sz="1000" dirty="0">
-                <a:effectLst/>
-                <a:latin typeface="Arial" panose="020B0604020202020204" pitchFamily="34" charset="0"/>
-                <a:ea typeface="Arial" panose="020B0604020202020204" pitchFamily="34" charset="0"/>
-              </a:rPr>
-              <a:t>. </a:t>
-            </a:r>
-            <a:r>
-              <a:rPr lang="en-US" sz="1000" i="1" dirty="0">
-                <a:effectLst/>
-                <a:latin typeface="Arial" panose="020B0604020202020204" pitchFamily="34" charset="0"/>
-                <a:ea typeface="Arial" panose="020B0604020202020204" pitchFamily="34" charset="0"/>
-              </a:rPr>
-              <a:t>Reinforcement Learning: An Introduction</a:t>
-            </a:r>
-            <a:r>
-              <a:rPr lang="en-US" sz="1000" dirty="0">
-                <a:effectLst/>
-                <a:latin typeface="Arial" panose="020B0604020202020204" pitchFamily="34" charset="0"/>
-                <a:ea typeface="Arial" panose="020B0604020202020204" pitchFamily="34" charset="0"/>
-              </a:rPr>
-              <a:t>. Second edition. Cambridge, Mass: A Bradford Book, 1998</a:t>
-            </a:r>
-            <a:endParaRPr lang="es-ES" sz="1000" dirty="0"/>
-          </a:p>
-        </p:txBody>
-      </p:sp>
-      <p:sp>
-        <p:nvSpPr>
-          <p:cNvPr id="18" name="CuadroTexto 17">
-            <a:extLst>
-              <a:ext uri="{FF2B5EF4-FFF2-40B4-BE49-F238E27FC236}">
-                <a16:creationId xmlns:a16="http://schemas.microsoft.com/office/drawing/2014/main" id="{B9D20F54-3081-4AA0-80F3-5E7F15500AE7}"/>
-              </a:ext>
-            </a:extLst>
-          </p:cNvPr>
-          <p:cNvSpPr txBox="1"/>
-          <p:nvPr/>
-        </p:nvSpPr>
-        <p:spPr>
-          <a:xfrm>
-            <a:off x="3166110" y="521971"/>
-            <a:ext cx="6549389" cy="461665"/>
+            <a:off x="3371850" y="521971"/>
+            <a:ext cx="5474969" cy="461665"/>
           </a:xfrm>
           <a:prstGeom prst="rect">
             <a:avLst/>
@@ -7550,17 +8348,45 @@
           <a:p>
             <a:r>
               <a:rPr lang="es-ES" sz="2400" b="1" dirty="0"/>
-              <a:t>Aprendizaje por Refuerzo: Agente y Entorno</a:t>
-            </a:r>
-          </a:p>
-        </p:txBody>
-      </p:sp>
-      <p:sp>
-        <p:nvSpPr>
-          <p:cNvPr id="19" name="CuadroTexto 18">
-            <a:extLst>
-              <a:ext uri="{FF2B5EF4-FFF2-40B4-BE49-F238E27FC236}">
-                <a16:creationId xmlns:a16="http://schemas.microsoft.com/office/drawing/2014/main" id="{C73FC442-19DF-4471-BB73-DAFDAD3049AD}"/>
+              <a:t>Kubernetes:  Horizontal Pod Autoscaler</a:t>
+            </a:r>
+          </a:p>
+        </p:txBody>
+      </p:sp>
+      <p:pic>
+        <p:nvPicPr>
+          <p:cNvPr id="10" name="Imagen 9" descr="Texto&#10;&#10;Descripción generada automáticamente con confianza media">
+            <a:extLst>
+              <a:ext uri="{FF2B5EF4-FFF2-40B4-BE49-F238E27FC236}">
+                <a16:creationId xmlns:a16="http://schemas.microsoft.com/office/drawing/2014/main" id="{5102E52B-6609-4A43-84C9-0147D690FFD2}"/>
+              </a:ext>
+            </a:extLst>
+          </p:cNvPr>
+          <p:cNvPicPr/>
+          <p:nvPr/>
+        </p:nvPicPr>
+        <p:blipFill>
+          <a:blip r:embed="rId4"/>
+          <a:stretch>
+            <a:fillRect/>
+          </a:stretch>
+        </p:blipFill>
+        <p:spPr>
+          <a:xfrm>
+            <a:off x="67627" y="66675"/>
+            <a:ext cx="1629728" cy="514350"/>
+          </a:xfrm>
+          <a:prstGeom prst="rect">
+            <a:avLst/>
+          </a:prstGeom>
+        </p:spPr>
+      </p:pic>
+      <p:sp>
+        <p:nvSpPr>
+          <p:cNvPr id="12" name="CuadroTexto 11">
+            <a:extLst>
+              <a:ext uri="{FF2B5EF4-FFF2-40B4-BE49-F238E27FC236}">
+                <a16:creationId xmlns:a16="http://schemas.microsoft.com/office/drawing/2014/main" id="{ED1D1858-3291-4283-982A-25DA760D28D5}"/>
               </a:ext>
             </a:extLst>
           </p:cNvPr>
@@ -7569,7 +8395,7 @@
         </p:nvSpPr>
         <p:spPr>
           <a:xfrm>
-            <a:off x="9886949" y="66675"/>
+            <a:off x="9886949" y="20955"/>
             <a:ext cx="2263141" cy="338554"/>
           </a:xfrm>
           <a:prstGeom prst="rect">
@@ -7598,38 +8424,10 @@
           </a:p>
         </p:txBody>
       </p:sp>
-      <p:pic>
-        <p:nvPicPr>
-          <p:cNvPr id="20" name="Imagen 19" descr="Texto&#10;&#10;Descripción generada automáticamente con confianza media">
-            <a:extLst>
-              <a:ext uri="{FF2B5EF4-FFF2-40B4-BE49-F238E27FC236}">
-                <a16:creationId xmlns:a16="http://schemas.microsoft.com/office/drawing/2014/main" id="{A0C33223-E986-4B25-8B77-A75E5A7DD72A}"/>
-              </a:ext>
-            </a:extLst>
-          </p:cNvPr>
-          <p:cNvPicPr/>
-          <p:nvPr/>
-        </p:nvPicPr>
-        <p:blipFill>
-          <a:blip r:embed="rId4"/>
-          <a:stretch>
-            <a:fillRect/>
-          </a:stretch>
-        </p:blipFill>
-        <p:spPr>
-          <a:xfrm>
-            <a:off x="67627" y="66675"/>
-            <a:ext cx="1629728" cy="514350"/>
-          </a:xfrm>
-          <a:prstGeom prst="rect">
-            <a:avLst/>
-          </a:prstGeom>
-        </p:spPr>
-      </p:pic>
     </p:spTree>
     <p:extLst>
       <p:ext uri="{BB962C8B-B14F-4D97-AF65-F5344CB8AC3E}">
-        <p14:creationId xmlns:p14="http://schemas.microsoft.com/office/powerpoint/2010/main" val="1571018454"/>
+        <p14:creationId xmlns:p14="http://schemas.microsoft.com/office/powerpoint/2010/main" val="20799500"/>
       </p:ext>
     </p:extLst>
   </p:cSld>
@@ -7658,10 +8456,10 @@
       </p:grpSpPr>
       <p:pic>
         <p:nvPicPr>
-          <p:cNvPr id="5" name="image2.png">
-            <a:extLst>
-              <a:ext uri="{FF2B5EF4-FFF2-40B4-BE49-F238E27FC236}">
-                <a16:creationId xmlns:a16="http://schemas.microsoft.com/office/drawing/2014/main" id="{0812CDF6-AFEF-46D8-9B6D-63307F36F771}"/>
+          <p:cNvPr id="4" name="image3.png">
+            <a:extLst>
+              <a:ext uri="{FF2B5EF4-FFF2-40B4-BE49-F238E27FC236}">
+                <a16:creationId xmlns:a16="http://schemas.microsoft.com/office/drawing/2014/main" id="{7BBD7420-7BEC-4CE0-8FC1-258C77A5DCF4}"/>
               </a:ext>
             </a:extLst>
           </p:cNvPr>
@@ -7677,8 +8475,8 @@
         </p:blipFill>
         <p:spPr>
           <a:xfrm>
-            <a:off x="3041015" y="1123950"/>
-            <a:ext cx="6515100" cy="3086100"/>
+            <a:off x="3361848" y="1052772"/>
+            <a:ext cx="5734050" cy="2095500"/>
           </a:xfrm>
           <a:prstGeom prst="rect">
             <a:avLst/>
@@ -7686,47 +8484,12 @@
           <a:ln/>
         </p:spPr>
       </p:pic>
-      <p:sp>
-        <p:nvSpPr>
-          <p:cNvPr id="11" name="CuadroTexto 10">
-            <a:extLst>
-              <a:ext uri="{FF2B5EF4-FFF2-40B4-BE49-F238E27FC236}">
-                <a16:creationId xmlns:a16="http://schemas.microsoft.com/office/drawing/2014/main" id="{B87124F6-169C-494B-8284-D5403419A5DB}"/>
-              </a:ext>
-            </a:extLst>
-          </p:cNvPr>
-          <p:cNvSpPr txBox="1"/>
-          <p:nvPr/>
-        </p:nvSpPr>
-        <p:spPr>
-          <a:xfrm>
-            <a:off x="3550920" y="6532931"/>
-            <a:ext cx="5078730" cy="246221"/>
-          </a:xfrm>
-          <a:prstGeom prst="rect">
-            <a:avLst/>
-          </a:prstGeom>
-          <a:noFill/>
-        </p:spPr>
-        <p:txBody>
-          <a:bodyPr wrap="square">
-            <a:spAutoFit/>
-          </a:bodyPr>
-          <a:lstStyle/>
-          <a:p>
-            <a:r>
-              <a:rPr lang="es-ES" sz="1000" dirty="0"/>
-              <a:t>https://www.analyticsvidhya.com/blog/2019/04/introduction-deep-q-learning-python/</a:t>
-            </a:r>
-          </a:p>
-        </p:txBody>
-      </p:sp>
       <p:pic>
         <p:nvPicPr>
-          <p:cNvPr id="6" name="Imagen 5" descr="Texto&#10;&#10;Descripción generada automáticamente con confianza media">
-            <a:extLst>
-              <a:ext uri="{FF2B5EF4-FFF2-40B4-BE49-F238E27FC236}">
-                <a16:creationId xmlns:a16="http://schemas.microsoft.com/office/drawing/2014/main" id="{AF430AFC-3CB0-4E2C-8E70-EEC7972AC1E2}"/>
+          <p:cNvPr id="14" name="Imagen 13">
+            <a:extLst>
+              <a:ext uri="{FF2B5EF4-FFF2-40B4-BE49-F238E27FC236}">
+                <a16:creationId xmlns:a16="http://schemas.microsoft.com/office/drawing/2014/main" id="{E47FAAC5-F8B2-4B52-A667-79CBFE1A2729}"/>
               </a:ext>
             </a:extLst>
           </p:cNvPr>
@@ -7741,8 +8504,8 @@
         </p:blipFill>
         <p:spPr>
           <a:xfrm>
-            <a:off x="67627" y="66675"/>
-            <a:ext cx="1629728" cy="514350"/>
+            <a:off x="1908810" y="3451861"/>
+            <a:ext cx="8703142" cy="2824480"/>
           </a:xfrm>
           <a:prstGeom prst="rect">
             <a:avLst/>
@@ -7751,10 +8514,233 @@
       </p:pic>
       <p:sp>
         <p:nvSpPr>
-          <p:cNvPr id="7" name="CuadroTexto 6">
-            <a:extLst>
-              <a:ext uri="{FF2B5EF4-FFF2-40B4-BE49-F238E27FC236}">
-                <a16:creationId xmlns:a16="http://schemas.microsoft.com/office/drawing/2014/main" id="{08DD2B20-5C4B-4C92-9101-4B9C059AB7F0}"/>
+          <p:cNvPr id="15" name="Rectángulo 14">
+            <a:extLst>
+              <a:ext uri="{FF2B5EF4-FFF2-40B4-BE49-F238E27FC236}">
+                <a16:creationId xmlns:a16="http://schemas.microsoft.com/office/drawing/2014/main" id="{8FD2C660-E407-4553-8D66-BB51833172A2}"/>
+              </a:ext>
+            </a:extLst>
+          </p:cNvPr>
+          <p:cNvSpPr/>
+          <p:nvPr/>
+        </p:nvSpPr>
+        <p:spPr>
+          <a:xfrm>
+            <a:off x="2194561" y="4240530"/>
+            <a:ext cx="1265872" cy="1451609"/>
+          </a:xfrm>
+          <a:prstGeom prst="rect">
+            <a:avLst/>
+          </a:prstGeom>
+          <a:solidFill>
+            <a:schemeClr val="bg1"/>
+          </a:solidFill>
+          <a:ln>
+            <a:solidFill>
+              <a:schemeClr val="tx1"/>
+            </a:solidFill>
+          </a:ln>
+        </p:spPr>
+        <p:style>
+          <a:lnRef idx="1">
+            <a:schemeClr val="accent1"/>
+          </a:lnRef>
+          <a:fillRef idx="3">
+            <a:schemeClr val="accent1"/>
+          </a:fillRef>
+          <a:effectRef idx="2">
+            <a:schemeClr val="accent1"/>
+          </a:effectRef>
+          <a:fontRef idx="minor">
+            <a:schemeClr val="lt1"/>
+          </a:fontRef>
+        </p:style>
+        <p:txBody>
+          <a:bodyPr rot="0" spcFirstLastPara="0" vert="horz" wrap="square" lIns="91440" tIns="45720" rIns="91440" bIns="45720" numCol="1" spcCol="0" rtlCol="0" fromWordArt="0" anchor="ctr" anchorCtr="0" forceAA="0" compatLnSpc="1">
+            <a:prstTxWarp prst="textNoShape">
+              <a:avLst/>
+            </a:prstTxWarp>
+            <a:noAutofit/>
+          </a:bodyPr>
+          <a:lstStyle/>
+          <a:p>
+            <a:endParaRPr lang="es-ES"/>
+          </a:p>
+        </p:txBody>
+      </p:sp>
+      <p:sp>
+        <p:nvSpPr>
+          <p:cNvPr id="16" name="Cuadro de texto 14">
+            <a:extLst>
+              <a:ext uri="{FF2B5EF4-FFF2-40B4-BE49-F238E27FC236}">
+                <a16:creationId xmlns:a16="http://schemas.microsoft.com/office/drawing/2014/main" id="{EB5B2134-44C2-4191-934B-B4EEA46F835D}"/>
+              </a:ext>
+            </a:extLst>
+          </p:cNvPr>
+          <p:cNvSpPr txBox="1"/>
+          <p:nvPr/>
+        </p:nvSpPr>
+        <p:spPr>
+          <a:xfrm>
+            <a:off x="2251710" y="4480560"/>
+            <a:ext cx="1098708" cy="822960"/>
+          </a:xfrm>
+          <a:prstGeom prst="rect">
+            <a:avLst/>
+          </a:prstGeom>
+          <a:solidFill>
+            <a:schemeClr val="lt1"/>
+          </a:solidFill>
+          <a:ln w="6350">
+            <a:noFill/>
+          </a:ln>
+        </p:spPr>
+        <p:txBody>
+          <a:bodyPr rot="0" spcFirstLastPara="0" vert="horz" wrap="square" lIns="91440" tIns="45720" rIns="91440" bIns="45720" numCol="1" spcCol="0" rtlCol="0" fromWordArt="0" anchor="t" anchorCtr="0" forceAA="0" compatLnSpc="1">
+            <a:prstTxWarp prst="textNoShape">
+              <a:avLst/>
+            </a:prstTxWarp>
+            <a:noAutofit/>
+          </a:bodyPr>
+          <a:lstStyle/>
+          <a:p>
+            <a:pPr>
+              <a:lnSpc>
+                <a:spcPct val="115000"/>
+              </a:lnSpc>
+            </a:pPr>
+            <a:r>
+              <a:rPr lang="es-ES" sz="900" dirty="0">
+                <a:solidFill>
+                  <a:srgbClr val="808080"/>
+                </a:solidFill>
+                <a:effectLst/>
+                <a:latin typeface="Arial" panose="020B0604020202020204" pitchFamily="34" charset="0"/>
+                <a:ea typeface="Arial" panose="020B0604020202020204" pitchFamily="34" charset="0"/>
+              </a:rPr>
+              <a:t>Reinforcemement Learning Algorithm</a:t>
+            </a:r>
+            <a:endParaRPr lang="es-ES" sz="1100" dirty="0">
+              <a:effectLst/>
+              <a:latin typeface="Arial" panose="020B0604020202020204" pitchFamily="34" charset="0"/>
+              <a:ea typeface="Arial" panose="020B0604020202020204" pitchFamily="34" charset="0"/>
+            </a:endParaRPr>
+          </a:p>
+        </p:txBody>
+      </p:sp>
+      <p:sp>
+        <p:nvSpPr>
+          <p:cNvPr id="17" name="CuadroTexto 16">
+            <a:extLst>
+              <a:ext uri="{FF2B5EF4-FFF2-40B4-BE49-F238E27FC236}">
+                <a16:creationId xmlns:a16="http://schemas.microsoft.com/office/drawing/2014/main" id="{B9AA27B7-DCF5-4DAA-8468-B59407B2BA5B}"/>
+              </a:ext>
+            </a:extLst>
+          </p:cNvPr>
+          <p:cNvSpPr txBox="1"/>
+          <p:nvPr/>
+        </p:nvSpPr>
+        <p:spPr>
+          <a:xfrm>
+            <a:off x="111442" y="6567785"/>
+            <a:ext cx="8163877" cy="246221"/>
+          </a:xfrm>
+          <a:prstGeom prst="rect">
+            <a:avLst/>
+          </a:prstGeom>
+          <a:noFill/>
+        </p:spPr>
+        <p:txBody>
+          <a:bodyPr wrap="square">
+            <a:spAutoFit/>
+          </a:bodyPr>
+          <a:lstStyle/>
+          <a:p>
+            <a:r>
+              <a:rPr lang="en-US" sz="1000" dirty="0">
+                <a:effectLst/>
+                <a:latin typeface="Arial" panose="020B0604020202020204" pitchFamily="34" charset="0"/>
+                <a:ea typeface="Arial" panose="020B0604020202020204" pitchFamily="34" charset="0"/>
+              </a:rPr>
+              <a:t>Sutton, Richard S., y Andrew G. </a:t>
+            </a:r>
+            <a:r>
+              <a:rPr lang="en-US" sz="1000" dirty="0" err="1">
+                <a:effectLst/>
+                <a:latin typeface="Arial" panose="020B0604020202020204" pitchFamily="34" charset="0"/>
+                <a:ea typeface="Arial" panose="020B0604020202020204" pitchFamily="34" charset="0"/>
+              </a:rPr>
+              <a:t>Barto</a:t>
+            </a:r>
+            <a:r>
+              <a:rPr lang="en-US" sz="1000" dirty="0">
+                <a:effectLst/>
+                <a:latin typeface="Arial" panose="020B0604020202020204" pitchFamily="34" charset="0"/>
+                <a:ea typeface="Arial" panose="020B0604020202020204" pitchFamily="34" charset="0"/>
+              </a:rPr>
+              <a:t>. </a:t>
+            </a:r>
+            <a:r>
+              <a:rPr lang="en-US" sz="1000" i="1" dirty="0">
+                <a:effectLst/>
+                <a:latin typeface="Arial" panose="020B0604020202020204" pitchFamily="34" charset="0"/>
+                <a:ea typeface="Arial" panose="020B0604020202020204" pitchFamily="34" charset="0"/>
+              </a:rPr>
+              <a:t>Reinforcement Learning: An Introduction</a:t>
+            </a:r>
+            <a:r>
+              <a:rPr lang="en-US" sz="1000" dirty="0">
+                <a:effectLst/>
+                <a:latin typeface="Arial" panose="020B0604020202020204" pitchFamily="34" charset="0"/>
+                <a:ea typeface="Arial" panose="020B0604020202020204" pitchFamily="34" charset="0"/>
+              </a:rPr>
+              <a:t>. Second edition. Cambridge, Mass: A Bradford Book, 1998</a:t>
+            </a:r>
+            <a:endParaRPr lang="es-ES" sz="1000" dirty="0"/>
+          </a:p>
+        </p:txBody>
+      </p:sp>
+      <p:sp>
+        <p:nvSpPr>
+          <p:cNvPr id="18" name="CuadroTexto 17">
+            <a:extLst>
+              <a:ext uri="{FF2B5EF4-FFF2-40B4-BE49-F238E27FC236}">
+                <a16:creationId xmlns:a16="http://schemas.microsoft.com/office/drawing/2014/main" id="{B9D20F54-3081-4AA0-80F3-5E7F15500AE7}"/>
+              </a:ext>
+            </a:extLst>
+          </p:cNvPr>
+          <p:cNvSpPr txBox="1"/>
+          <p:nvPr/>
+        </p:nvSpPr>
+        <p:spPr>
+          <a:xfrm>
+            <a:off x="3166110" y="521971"/>
+            <a:ext cx="6549389" cy="461665"/>
+          </a:xfrm>
+          <a:prstGeom prst="rect">
+            <a:avLst/>
+          </a:prstGeom>
+          <a:noFill/>
+        </p:spPr>
+        <p:txBody>
+          <a:bodyPr wrap="square" rtlCol="0">
+            <a:spAutoFit/>
+          </a:bodyPr>
+          <a:lstStyle/>
+          <a:p>
+            <a:r>
+              <a:rPr lang="es-ES" sz="2400" b="1" dirty="0"/>
+              <a:t>Aprendizaje por Refuerzo: Agente y Entorno</a:t>
+            </a:r>
+          </a:p>
+        </p:txBody>
+      </p:sp>
+      <p:sp>
+        <p:nvSpPr>
+          <p:cNvPr id="19" name="CuadroTexto 18">
+            <a:extLst>
+              <a:ext uri="{FF2B5EF4-FFF2-40B4-BE49-F238E27FC236}">
+                <a16:creationId xmlns:a16="http://schemas.microsoft.com/office/drawing/2014/main" id="{C73FC442-19DF-4471-BB73-DAFDAD3049AD}"/>
               </a:ext>
             </a:extLst>
           </p:cNvPr>
@@ -7792,53 +8778,16 @@
           </a:p>
         </p:txBody>
       </p:sp>
-      <p:sp>
-        <p:nvSpPr>
-          <p:cNvPr id="8" name="CuadroTexto 7">
-            <a:extLst>
-              <a:ext uri="{FF2B5EF4-FFF2-40B4-BE49-F238E27FC236}">
-                <a16:creationId xmlns:a16="http://schemas.microsoft.com/office/drawing/2014/main" id="{BBE656D8-6D83-4DB4-8734-2B7A8490DB35}"/>
-              </a:ext>
-            </a:extLst>
-          </p:cNvPr>
-          <p:cNvSpPr txBox="1"/>
-          <p:nvPr/>
-        </p:nvSpPr>
-        <p:spPr>
-          <a:xfrm>
-            <a:off x="5177791" y="327661"/>
-            <a:ext cx="1977389" cy="461665"/>
-          </a:xfrm>
-          <a:prstGeom prst="rect">
-            <a:avLst/>
-          </a:prstGeom>
-          <a:noFill/>
-        </p:spPr>
-        <p:txBody>
-          <a:bodyPr wrap="square" rtlCol="0">
-            <a:spAutoFit/>
-          </a:bodyPr>
-          <a:lstStyle/>
-          <a:p>
-            <a:r>
-              <a:rPr lang="es-ES" sz="2400" b="1" dirty="0"/>
-              <a:t>Q - Learning</a:t>
-            </a:r>
-          </a:p>
-        </p:txBody>
-      </p:sp>
       <p:pic>
         <p:nvPicPr>
-          <p:cNvPr id="3" name="Imagen 2">
-            <a:extLst>
-              <a:ext uri="{FF2B5EF4-FFF2-40B4-BE49-F238E27FC236}">
-                <a16:creationId xmlns:a16="http://schemas.microsoft.com/office/drawing/2014/main" id="{7658BCAC-7E31-4B87-AD7D-0794F14DDB52}"/>
-              </a:ext>
-            </a:extLst>
-          </p:cNvPr>
-          <p:cNvPicPr>
-            <a:picLocks noChangeAspect="1"/>
-          </p:cNvPicPr>
+          <p:cNvPr id="20" name="Imagen 19" descr="Texto&#10;&#10;Descripción generada automáticamente con confianza media">
+            <a:extLst>
+              <a:ext uri="{FF2B5EF4-FFF2-40B4-BE49-F238E27FC236}">
+                <a16:creationId xmlns:a16="http://schemas.microsoft.com/office/drawing/2014/main" id="{A0C33223-E986-4B25-8B77-A75E5A7DD72A}"/>
+              </a:ext>
+            </a:extLst>
+          </p:cNvPr>
+          <p:cNvPicPr/>
           <p:nvPr/>
         </p:nvPicPr>
         <p:blipFill>
@@ -7849,8 +8798,8 @@
         </p:blipFill>
         <p:spPr>
           <a:xfrm>
-            <a:off x="2224087" y="4466272"/>
-            <a:ext cx="7743825" cy="1857375"/>
+            <a:off x="67627" y="66675"/>
+            <a:ext cx="1629728" cy="514350"/>
           </a:xfrm>
           <a:prstGeom prst="rect">
             <a:avLst/>
@@ -7860,7 +8809,7 @@
     </p:spTree>
     <p:extLst>
       <p:ext uri="{BB962C8B-B14F-4D97-AF65-F5344CB8AC3E}">
-        <p14:creationId xmlns:p14="http://schemas.microsoft.com/office/powerpoint/2010/main" val="3490400601"/>
+        <p14:creationId xmlns:p14="http://schemas.microsoft.com/office/powerpoint/2010/main" val="1571018454"/>
       </p:ext>
     </p:extLst>
   </p:cSld>
@@ -7889,40 +8838,40 @@
       </p:grpSpPr>
       <p:pic>
         <p:nvPicPr>
-          <p:cNvPr id="6" name="Imagen 5">
-            <a:extLst>
-              <a:ext uri="{FF2B5EF4-FFF2-40B4-BE49-F238E27FC236}">
-                <a16:creationId xmlns:a16="http://schemas.microsoft.com/office/drawing/2014/main" id="{5C9AF96F-FDAF-4F24-B019-8519C9B144BC}"/>
-              </a:ext>
-            </a:extLst>
-          </p:cNvPr>
-          <p:cNvPicPr>
-            <a:picLocks noChangeAspect="1"/>
-          </p:cNvPicPr>
+          <p:cNvPr id="5" name="image2.png">
+            <a:extLst>
+              <a:ext uri="{FF2B5EF4-FFF2-40B4-BE49-F238E27FC236}">
+                <a16:creationId xmlns:a16="http://schemas.microsoft.com/office/drawing/2014/main" id="{0812CDF6-AFEF-46D8-9B6D-63307F36F771}"/>
+              </a:ext>
+            </a:extLst>
+          </p:cNvPr>
+          <p:cNvPicPr/>
           <p:nvPr/>
         </p:nvPicPr>
         <p:blipFill>
           <a:blip r:embed="rId2"/>
+          <a:srcRect/>
           <a:stretch>
             <a:fillRect/>
           </a:stretch>
         </p:blipFill>
         <p:spPr>
           <a:xfrm>
-            <a:off x="438284" y="2715956"/>
-            <a:ext cx="6501008" cy="3250504"/>
-          </a:xfrm>
-          <a:prstGeom prst="rect">
-            <a:avLst/>
-          </a:prstGeom>
+            <a:off x="3041015" y="1123950"/>
+            <a:ext cx="6515100" cy="3086100"/>
+          </a:xfrm>
+          <a:prstGeom prst="rect">
+            <a:avLst/>
+          </a:prstGeom>
+          <a:ln/>
         </p:spPr>
       </p:pic>
       <p:sp>
         <p:nvSpPr>
-          <p:cNvPr id="12" name="CuadroTexto 11">
-            <a:extLst>
-              <a:ext uri="{FF2B5EF4-FFF2-40B4-BE49-F238E27FC236}">
-                <a16:creationId xmlns:a16="http://schemas.microsoft.com/office/drawing/2014/main" id="{CC7416A2-D381-41A2-A6BC-2A218CBA61F4}"/>
+          <p:cNvPr id="11" name="CuadroTexto 10">
+            <a:extLst>
+              <a:ext uri="{FF2B5EF4-FFF2-40B4-BE49-F238E27FC236}">
+                <a16:creationId xmlns:a16="http://schemas.microsoft.com/office/drawing/2014/main" id="{B87124F6-169C-494B-8284-D5403419A5DB}"/>
               </a:ext>
             </a:extLst>
           </p:cNvPr>
@@ -7931,8 +8880,8 @@
         </p:nvSpPr>
         <p:spPr>
           <a:xfrm>
-            <a:off x="120320" y="6496449"/>
-            <a:ext cx="4245940" cy="246221"/>
+            <a:off x="3550920" y="6532931"/>
+            <a:ext cx="5078730" cy="246221"/>
           </a:xfrm>
           <a:prstGeom prst="rect">
             <a:avLst/>
@@ -7940,30 +8889,28 @@
           <a:noFill/>
         </p:spPr>
         <p:txBody>
-          <a:bodyPr wrap="square" rtlCol="0">
+          <a:bodyPr wrap="square">
             <a:spAutoFit/>
           </a:bodyPr>
           <a:lstStyle/>
           <a:p>
             <a:r>
               <a:rPr lang="es-ES" sz="1000" dirty="0"/>
-              <a:t>https://livebook.manning.com/book/grokking-deep-reinforcement-learning</a:t>
+              <a:t>https://www.analyticsvidhya.com/blog/2019/04/introduction-deep-q-learning-python/</a:t>
             </a:r>
           </a:p>
         </p:txBody>
       </p:sp>
       <p:pic>
         <p:nvPicPr>
-          <p:cNvPr id="13" name="Imagen 12">
-            <a:extLst>
-              <a:ext uri="{FF2B5EF4-FFF2-40B4-BE49-F238E27FC236}">
-                <a16:creationId xmlns:a16="http://schemas.microsoft.com/office/drawing/2014/main" id="{74CA582A-FC34-4310-9C51-8553D94075DA}"/>
-              </a:ext>
-            </a:extLst>
-          </p:cNvPr>
-          <p:cNvPicPr>
-            <a:picLocks noChangeAspect="1"/>
-          </p:cNvPicPr>
+          <p:cNvPr id="6" name="Imagen 5" descr="Texto&#10;&#10;Descripción generada automáticamente con confianza media">
+            <a:extLst>
+              <a:ext uri="{FF2B5EF4-FFF2-40B4-BE49-F238E27FC236}">
+                <a16:creationId xmlns:a16="http://schemas.microsoft.com/office/drawing/2014/main" id="{AF430AFC-3CB0-4E2C-8E70-EEC7972AC1E2}"/>
+              </a:ext>
+            </a:extLst>
+          </p:cNvPr>
+          <p:cNvPicPr/>
           <p:nvPr/>
         </p:nvPicPr>
         <p:blipFill>
@@ -7974,139 +8921,6 @@
         </p:blipFill>
         <p:spPr>
           <a:xfrm>
-            <a:off x="7372518" y="4287280"/>
-            <a:ext cx="4324048" cy="2204673"/>
-          </a:xfrm>
-          <a:prstGeom prst="rect">
-            <a:avLst/>
-          </a:prstGeom>
-        </p:spPr>
-      </p:pic>
-      <p:sp>
-        <p:nvSpPr>
-          <p:cNvPr id="14" name="CuadroTexto 13">
-            <a:extLst>
-              <a:ext uri="{FF2B5EF4-FFF2-40B4-BE49-F238E27FC236}">
-                <a16:creationId xmlns:a16="http://schemas.microsoft.com/office/drawing/2014/main" id="{EE6AEF7A-A228-48C3-9B93-A24D8BC31222}"/>
-              </a:ext>
-            </a:extLst>
-          </p:cNvPr>
-          <p:cNvSpPr txBox="1"/>
-          <p:nvPr/>
-        </p:nvSpPr>
-        <p:spPr>
-          <a:xfrm>
-            <a:off x="7712074" y="6587490"/>
-            <a:ext cx="4495033" cy="246221"/>
-          </a:xfrm>
-          <a:prstGeom prst="rect">
-            <a:avLst/>
-          </a:prstGeom>
-          <a:noFill/>
-        </p:spPr>
-        <p:txBody>
-          <a:bodyPr wrap="square">
-            <a:spAutoFit/>
-          </a:bodyPr>
-          <a:lstStyle/>
-          <a:p>
-            <a:r>
-              <a:rPr lang="es-ES" sz="1000" dirty="0"/>
-              <a:t>https://wpumacay.github.io/research_blog/posts/deeprlnd-project1-navigation/</a:t>
-            </a:r>
-          </a:p>
-        </p:txBody>
-      </p:sp>
-      <p:sp>
-        <p:nvSpPr>
-          <p:cNvPr id="15" name="CuadroTexto 14">
-            <a:extLst>
-              <a:ext uri="{FF2B5EF4-FFF2-40B4-BE49-F238E27FC236}">
-                <a16:creationId xmlns:a16="http://schemas.microsoft.com/office/drawing/2014/main" id="{360536DB-665F-4178-A2A7-5EAC0E2217D7}"/>
-              </a:ext>
-            </a:extLst>
-          </p:cNvPr>
-          <p:cNvSpPr txBox="1"/>
-          <p:nvPr/>
-        </p:nvSpPr>
-        <p:spPr>
-          <a:xfrm>
-            <a:off x="7452994" y="3359598"/>
-            <a:ext cx="4495032" cy="246221"/>
-          </a:xfrm>
-          <a:prstGeom prst="rect">
-            <a:avLst/>
-          </a:prstGeom>
-          <a:noFill/>
-        </p:spPr>
-        <p:txBody>
-          <a:bodyPr wrap="square">
-            <a:spAutoFit/>
-          </a:bodyPr>
-          <a:lstStyle/>
-          <a:p>
-            <a:r>
-              <a:rPr lang="es-ES" sz="1000" dirty="0"/>
-              <a:t>https://wpumacay.github.io/research_blog/posts/deeprlnd-project1-navigation/</a:t>
-            </a:r>
-          </a:p>
-        </p:txBody>
-      </p:sp>
-      <p:sp>
-        <p:nvSpPr>
-          <p:cNvPr id="8" name="CuadroTexto 7">
-            <a:extLst>
-              <a:ext uri="{FF2B5EF4-FFF2-40B4-BE49-F238E27FC236}">
-                <a16:creationId xmlns:a16="http://schemas.microsoft.com/office/drawing/2014/main" id="{998FAAAE-BE49-4628-87DC-0ED523671AD6}"/>
-              </a:ext>
-            </a:extLst>
-          </p:cNvPr>
-          <p:cNvSpPr txBox="1"/>
-          <p:nvPr/>
-        </p:nvSpPr>
-        <p:spPr>
-          <a:xfrm>
-            <a:off x="4229101" y="487681"/>
-            <a:ext cx="3989070" cy="461665"/>
-          </a:xfrm>
-          <a:prstGeom prst="rect">
-            <a:avLst/>
-          </a:prstGeom>
-          <a:noFill/>
-        </p:spPr>
-        <p:txBody>
-          <a:bodyPr wrap="square" rtlCol="0">
-            <a:spAutoFit/>
-          </a:bodyPr>
-          <a:lstStyle/>
-          <a:p>
-            <a:r>
-              <a:rPr lang="es-ES" sz="2400" b="1" dirty="0"/>
-              <a:t>DQN:  Deep Q Network</a:t>
-            </a:r>
-          </a:p>
-        </p:txBody>
-      </p:sp>
-      <p:pic>
-        <p:nvPicPr>
-          <p:cNvPr id="9" name="Imagen 8" descr="Texto&#10;&#10;Descripción generada automáticamente con confianza media">
-            <a:extLst>
-              <a:ext uri="{FF2B5EF4-FFF2-40B4-BE49-F238E27FC236}">
-                <a16:creationId xmlns:a16="http://schemas.microsoft.com/office/drawing/2014/main" id="{EFF5E069-F453-460B-9714-74E156B7E914}"/>
-              </a:ext>
-            </a:extLst>
-          </p:cNvPr>
-          <p:cNvPicPr/>
-          <p:nvPr/>
-        </p:nvPicPr>
-        <p:blipFill>
-          <a:blip r:embed="rId4"/>
-          <a:stretch>
-            <a:fillRect/>
-          </a:stretch>
-        </p:blipFill>
-        <p:spPr>
-          <a:xfrm>
             <a:off x="67627" y="66675"/>
             <a:ext cx="1629728" cy="514350"/>
           </a:xfrm>
@@ -8117,10 +8931,10 @@
       </p:pic>
       <p:sp>
         <p:nvSpPr>
-          <p:cNvPr id="10" name="CuadroTexto 9">
-            <a:extLst>
-              <a:ext uri="{FF2B5EF4-FFF2-40B4-BE49-F238E27FC236}">
-                <a16:creationId xmlns:a16="http://schemas.microsoft.com/office/drawing/2014/main" id="{01CB5CEF-BBC8-47A5-BA84-6B9730E2F39C}"/>
+          <p:cNvPr id="7" name="CuadroTexto 6">
+            <a:extLst>
+              <a:ext uri="{FF2B5EF4-FFF2-40B4-BE49-F238E27FC236}">
+                <a16:creationId xmlns:a16="http://schemas.microsoft.com/office/drawing/2014/main" id="{08DD2B20-5C4B-4C92-9101-4B9C059AB7F0}"/>
               </a:ext>
             </a:extLst>
           </p:cNvPr>
@@ -8160,10 +8974,10 @@
       </p:sp>
       <p:sp>
         <p:nvSpPr>
-          <p:cNvPr id="2" name="CuadroTexto 1">
-            <a:extLst>
-              <a:ext uri="{FF2B5EF4-FFF2-40B4-BE49-F238E27FC236}">
-                <a16:creationId xmlns:a16="http://schemas.microsoft.com/office/drawing/2014/main" id="{38EBD910-8F04-476D-B153-79B2E3A18662}"/>
+          <p:cNvPr id="8" name="CuadroTexto 7">
+            <a:extLst>
+              <a:ext uri="{FF2B5EF4-FFF2-40B4-BE49-F238E27FC236}">
+                <a16:creationId xmlns:a16="http://schemas.microsoft.com/office/drawing/2014/main" id="{BBE656D8-6D83-4DB4-8734-2B7A8490DB35}"/>
               </a:ext>
             </a:extLst>
           </p:cNvPr>
@@ -8172,8 +8986,8 @@
         </p:nvSpPr>
         <p:spPr>
           <a:xfrm>
-            <a:off x="438284" y="1383029"/>
-            <a:ext cx="3927976" cy="923330"/>
+            <a:off x="5177791" y="327661"/>
+            <a:ext cx="1977389" cy="461665"/>
           </a:xfrm>
           <a:prstGeom prst="rect">
             <a:avLst/>
@@ -8187,18 +9001,18 @@
           <a:lstStyle/>
           <a:p>
             <a:r>
-              <a:rPr lang="es-ES" dirty="0"/>
-              <a:t>Se implementa la función Q con una red neuronal profunda en lugar de con una tabla</a:t>
+              <a:rPr lang="es-ES" sz="2400" b="1" dirty="0"/>
+              <a:t>Q - Learning</a:t>
             </a:r>
           </a:p>
         </p:txBody>
       </p:sp>
       <p:pic>
         <p:nvPicPr>
-          <p:cNvPr id="4" name="Imagen 3">
-            <a:extLst>
-              <a:ext uri="{FF2B5EF4-FFF2-40B4-BE49-F238E27FC236}">
-                <a16:creationId xmlns:a16="http://schemas.microsoft.com/office/drawing/2014/main" id="{41ADB4D8-670E-4FDD-92A0-86C1A6380CC0}"/>
+          <p:cNvPr id="3" name="Imagen 2">
+            <a:extLst>
+              <a:ext uri="{FF2B5EF4-FFF2-40B4-BE49-F238E27FC236}">
+                <a16:creationId xmlns:a16="http://schemas.microsoft.com/office/drawing/2014/main" id="{7658BCAC-7E31-4B87-AD7D-0794F14DDB52}"/>
               </a:ext>
             </a:extLst>
           </p:cNvPr>
@@ -8208,60 +9022,25 @@
           <p:nvPr/>
         </p:nvPicPr>
         <p:blipFill>
-          <a:blip r:embed="rId5"/>
+          <a:blip r:embed="rId4"/>
           <a:stretch>
             <a:fillRect/>
           </a:stretch>
         </p:blipFill>
         <p:spPr>
           <a:xfrm>
-            <a:off x="4812030" y="1326899"/>
-            <a:ext cx="6914197" cy="1936366"/>
+            <a:off x="2224087" y="4466272"/>
+            <a:ext cx="7743825" cy="1857375"/>
           </a:xfrm>
           <a:prstGeom prst="rect">
             <a:avLst/>
           </a:prstGeom>
         </p:spPr>
       </p:pic>
-      <p:sp>
-        <p:nvSpPr>
-          <p:cNvPr id="7" name="CuadroTexto 6">
-            <a:extLst>
-              <a:ext uri="{FF2B5EF4-FFF2-40B4-BE49-F238E27FC236}">
-                <a16:creationId xmlns:a16="http://schemas.microsoft.com/office/drawing/2014/main" id="{88D228F0-11D4-4BB5-BACC-BB5B944B4F2B}"/>
-              </a:ext>
-            </a:extLst>
-          </p:cNvPr>
-          <p:cNvSpPr txBox="1"/>
-          <p:nvPr/>
-        </p:nvSpPr>
-        <p:spPr>
-          <a:xfrm>
-            <a:off x="8378190" y="4046220"/>
-            <a:ext cx="1471493" cy="369332"/>
-          </a:xfrm>
-          <a:prstGeom prst="rect">
-            <a:avLst/>
-          </a:prstGeom>
-          <a:noFill/>
-        </p:spPr>
-        <p:txBody>
-          <a:bodyPr wrap="none" rtlCol="0">
-            <a:spAutoFit/>
-          </a:bodyPr>
-          <a:lstStyle/>
-          <a:p>
-            <a:r>
-              <a:rPr lang="es-ES" b="1" dirty="0"/>
-              <a:t>Replay Buffer</a:t>
-            </a:r>
-          </a:p>
-        </p:txBody>
-      </p:sp>
     </p:spTree>
     <p:extLst>
       <p:ext uri="{BB962C8B-B14F-4D97-AF65-F5344CB8AC3E}">
-        <p14:creationId xmlns:p14="http://schemas.microsoft.com/office/powerpoint/2010/main" val="3213844953"/>
+        <p14:creationId xmlns:p14="http://schemas.microsoft.com/office/powerpoint/2010/main" val="3490400601"/>
       </p:ext>
     </p:extLst>
   </p:cSld>
@@ -8290,10 +9069,10 @@
       </p:grpSpPr>
       <p:pic>
         <p:nvPicPr>
-          <p:cNvPr id="7" name="Imagen 6">
-            <a:extLst>
-              <a:ext uri="{FF2B5EF4-FFF2-40B4-BE49-F238E27FC236}">
-                <a16:creationId xmlns:a16="http://schemas.microsoft.com/office/drawing/2014/main" id="{556E4CC3-6022-4A0C-9085-42EB2CB4E888}"/>
+          <p:cNvPr id="6" name="Imagen 5">
+            <a:extLst>
+              <a:ext uri="{FF2B5EF4-FFF2-40B4-BE49-F238E27FC236}">
+                <a16:creationId xmlns:a16="http://schemas.microsoft.com/office/drawing/2014/main" id="{5C9AF96F-FDAF-4F24-B019-8519C9B144BC}"/>
               </a:ext>
             </a:extLst>
           </p:cNvPr>
@@ -8310,8 +9089,8 @@
         </p:blipFill>
         <p:spPr>
           <a:xfrm>
-            <a:off x="5493397" y="1708972"/>
-            <a:ext cx="5954130" cy="4420490"/>
+            <a:off x="438284" y="2715956"/>
+            <a:ext cx="6501008" cy="3250504"/>
           </a:xfrm>
           <a:prstGeom prst="rect">
             <a:avLst/>
@@ -8320,10 +9099,10 @@
       </p:pic>
       <p:sp>
         <p:nvSpPr>
-          <p:cNvPr id="9" name="CuadroTexto 8">
-            <a:extLst>
-              <a:ext uri="{FF2B5EF4-FFF2-40B4-BE49-F238E27FC236}">
-                <a16:creationId xmlns:a16="http://schemas.microsoft.com/office/drawing/2014/main" id="{90D46404-112F-4200-838F-3F6F9750DBBA}"/>
+          <p:cNvPr id="12" name="CuadroTexto 11">
+            <a:extLst>
+              <a:ext uri="{FF2B5EF4-FFF2-40B4-BE49-F238E27FC236}">
+                <a16:creationId xmlns:a16="http://schemas.microsoft.com/office/drawing/2014/main" id="{CC7416A2-D381-41A2-A6BC-2A218CBA61F4}"/>
               </a:ext>
             </a:extLst>
           </p:cNvPr>
@@ -8332,8 +9111,8 @@
         </p:nvSpPr>
         <p:spPr>
           <a:xfrm>
-            <a:off x="6217920" y="6312368"/>
-            <a:ext cx="5631180" cy="276999"/>
+            <a:off x="120320" y="6496449"/>
+            <a:ext cx="4245940" cy="246221"/>
           </a:xfrm>
           <a:prstGeom prst="rect">
             <a:avLst/>
@@ -8341,24 +9120,24 @@
           <a:noFill/>
         </p:spPr>
         <p:txBody>
-          <a:bodyPr wrap="square">
+          <a:bodyPr wrap="square" rtlCol="0">
             <a:spAutoFit/>
           </a:bodyPr>
           <a:lstStyle/>
           <a:p>
             <a:r>
-              <a:rPr lang="es-ES" sz="1200" dirty="0"/>
-              <a:t>https://www.analyticsvidhya.com/blog/2019/04/introduction-deep-q-learning-python/</a:t>
+              <a:rPr lang="es-ES" sz="1000" dirty="0"/>
+              <a:t>https://livebook.manning.com/book/grokking-deep-reinforcement-learning</a:t>
             </a:r>
           </a:p>
         </p:txBody>
       </p:sp>
       <p:pic>
         <p:nvPicPr>
-          <p:cNvPr id="11" name="Imagen 10">
-            <a:extLst>
-              <a:ext uri="{FF2B5EF4-FFF2-40B4-BE49-F238E27FC236}">
-                <a16:creationId xmlns:a16="http://schemas.microsoft.com/office/drawing/2014/main" id="{A6FD1BDC-8489-46D7-9677-92D67FEFFDF5}"/>
+          <p:cNvPr id="13" name="Imagen 12">
+            <a:extLst>
+              <a:ext uri="{FF2B5EF4-FFF2-40B4-BE49-F238E27FC236}">
+                <a16:creationId xmlns:a16="http://schemas.microsoft.com/office/drawing/2014/main" id="{74CA582A-FC34-4310-9C51-8553D94075DA}"/>
               </a:ext>
             </a:extLst>
           </p:cNvPr>
@@ -8375,56 +9154,129 @@
         </p:blipFill>
         <p:spPr>
           <a:xfrm>
-            <a:off x="6096000" y="3599336"/>
-            <a:ext cx="698381" cy="434022"/>
+            <a:off x="7372518" y="4287280"/>
+            <a:ext cx="4324048" cy="2204673"/>
           </a:xfrm>
           <a:prstGeom prst="rect">
             <a:avLst/>
           </a:prstGeom>
         </p:spPr>
       </p:pic>
+      <p:sp>
+        <p:nvSpPr>
+          <p:cNvPr id="14" name="CuadroTexto 13">
+            <a:extLst>
+              <a:ext uri="{FF2B5EF4-FFF2-40B4-BE49-F238E27FC236}">
+                <a16:creationId xmlns:a16="http://schemas.microsoft.com/office/drawing/2014/main" id="{EE6AEF7A-A228-48C3-9B93-A24D8BC31222}"/>
+              </a:ext>
+            </a:extLst>
+          </p:cNvPr>
+          <p:cNvSpPr txBox="1"/>
+          <p:nvPr/>
+        </p:nvSpPr>
+        <p:spPr>
+          <a:xfrm>
+            <a:off x="7712074" y="6587490"/>
+            <a:ext cx="4495033" cy="246221"/>
+          </a:xfrm>
+          <a:prstGeom prst="rect">
+            <a:avLst/>
+          </a:prstGeom>
+          <a:noFill/>
+        </p:spPr>
+        <p:txBody>
+          <a:bodyPr wrap="square">
+            <a:spAutoFit/>
+          </a:bodyPr>
+          <a:lstStyle/>
+          <a:p>
+            <a:r>
+              <a:rPr lang="es-ES" sz="1000" dirty="0"/>
+              <a:t>https://wpumacay.github.io/research_blog/posts/deeprlnd-project1-navigation/</a:t>
+            </a:r>
+          </a:p>
+        </p:txBody>
+      </p:sp>
+      <p:sp>
+        <p:nvSpPr>
+          <p:cNvPr id="15" name="CuadroTexto 14">
+            <a:extLst>
+              <a:ext uri="{FF2B5EF4-FFF2-40B4-BE49-F238E27FC236}">
+                <a16:creationId xmlns:a16="http://schemas.microsoft.com/office/drawing/2014/main" id="{360536DB-665F-4178-A2A7-5EAC0E2217D7}"/>
+              </a:ext>
+            </a:extLst>
+          </p:cNvPr>
+          <p:cNvSpPr txBox="1"/>
+          <p:nvPr/>
+        </p:nvSpPr>
+        <p:spPr>
+          <a:xfrm>
+            <a:off x="7452994" y="3359598"/>
+            <a:ext cx="4495032" cy="246221"/>
+          </a:xfrm>
+          <a:prstGeom prst="rect">
+            <a:avLst/>
+          </a:prstGeom>
+          <a:noFill/>
+        </p:spPr>
+        <p:txBody>
+          <a:bodyPr wrap="square">
+            <a:spAutoFit/>
+          </a:bodyPr>
+          <a:lstStyle/>
+          <a:p>
+            <a:r>
+              <a:rPr lang="es-ES" sz="1000" dirty="0"/>
+              <a:t>https://wpumacay.github.io/research_blog/posts/deeprlnd-project1-navigation/</a:t>
+            </a:r>
+          </a:p>
+        </p:txBody>
+      </p:sp>
+      <p:sp>
+        <p:nvSpPr>
+          <p:cNvPr id="8" name="CuadroTexto 7">
+            <a:extLst>
+              <a:ext uri="{FF2B5EF4-FFF2-40B4-BE49-F238E27FC236}">
+                <a16:creationId xmlns:a16="http://schemas.microsoft.com/office/drawing/2014/main" id="{998FAAAE-BE49-4628-87DC-0ED523671AD6}"/>
+              </a:ext>
+            </a:extLst>
+          </p:cNvPr>
+          <p:cNvSpPr txBox="1"/>
+          <p:nvPr/>
+        </p:nvSpPr>
+        <p:spPr>
+          <a:xfrm>
+            <a:off x="4229101" y="487681"/>
+            <a:ext cx="3989070" cy="461665"/>
+          </a:xfrm>
+          <a:prstGeom prst="rect">
+            <a:avLst/>
+          </a:prstGeom>
+          <a:noFill/>
+        </p:spPr>
+        <p:txBody>
+          <a:bodyPr wrap="square" rtlCol="0">
+            <a:spAutoFit/>
+          </a:bodyPr>
+          <a:lstStyle/>
+          <a:p>
+            <a:r>
+              <a:rPr lang="es-ES" sz="2400" b="1" dirty="0"/>
+              <a:t>DQN:  Deep Q Network</a:t>
+            </a:r>
+          </a:p>
+        </p:txBody>
+      </p:sp>
       <p:pic>
         <p:nvPicPr>
-          <p:cNvPr id="13" name="Imagen 12">
-            <a:extLst>
-              <a:ext uri="{FF2B5EF4-FFF2-40B4-BE49-F238E27FC236}">
-                <a16:creationId xmlns:a16="http://schemas.microsoft.com/office/drawing/2014/main" id="{121FD159-2B44-4ECD-80A2-8FECF84B678B}"/>
-              </a:ext>
-            </a:extLst>
-          </p:cNvPr>
-          <p:cNvPicPr>
-            <a:picLocks noChangeAspect="1"/>
-          </p:cNvPicPr>
-          <p:nvPr/>
-        </p:nvPicPr>
-        <p:blipFill>
-          <a:blip r:embed="rId3"/>
-          <a:stretch>
-            <a:fillRect/>
-          </a:stretch>
-        </p:blipFill>
-        <p:spPr>
-          <a:xfrm>
-            <a:off x="8946885" y="3599335"/>
-            <a:ext cx="698382" cy="434023"/>
-          </a:xfrm>
-          <a:prstGeom prst="rect">
-            <a:avLst/>
-          </a:prstGeom>
-        </p:spPr>
-      </p:pic>
-      <p:pic>
-        <p:nvPicPr>
-          <p:cNvPr id="21" name="Imagen 20">
-            <a:extLst>
-              <a:ext uri="{FF2B5EF4-FFF2-40B4-BE49-F238E27FC236}">
-                <a16:creationId xmlns:a16="http://schemas.microsoft.com/office/drawing/2014/main" id="{00FD2C65-D1C0-4649-8A08-1D441F7BD6CE}"/>
-              </a:ext>
-            </a:extLst>
-          </p:cNvPr>
-          <p:cNvPicPr>
-            <a:picLocks noChangeAspect="1"/>
-          </p:cNvPicPr>
+          <p:cNvPr id="9" name="Imagen 8" descr="Texto&#10;&#10;Descripción generada automáticamente con confianza media">
+            <a:extLst>
+              <a:ext uri="{FF2B5EF4-FFF2-40B4-BE49-F238E27FC236}">
+                <a16:creationId xmlns:a16="http://schemas.microsoft.com/office/drawing/2014/main" id="{EFF5E069-F453-460B-9714-74E156B7E914}"/>
+              </a:ext>
+            </a:extLst>
+          </p:cNvPr>
+          <p:cNvPicPr/>
           <p:nvPr/>
         </p:nvPicPr>
         <p:blipFill>
@@ -8435,173 +9287,6 @@
         </p:blipFill>
         <p:spPr>
           <a:xfrm>
-            <a:off x="1306830" y="5274944"/>
-            <a:ext cx="3609975" cy="1095375"/>
-          </a:xfrm>
-          <a:prstGeom prst="rect">
-            <a:avLst/>
-          </a:prstGeom>
-        </p:spPr>
-      </p:pic>
-      <p:pic>
-        <p:nvPicPr>
-          <p:cNvPr id="25" name="Imagen 24">
-            <a:extLst>
-              <a:ext uri="{FF2B5EF4-FFF2-40B4-BE49-F238E27FC236}">
-                <a16:creationId xmlns:a16="http://schemas.microsoft.com/office/drawing/2014/main" id="{E0A63E11-5E5B-47C9-9D10-789E28AAEB9E}"/>
-              </a:ext>
-            </a:extLst>
-          </p:cNvPr>
-          <p:cNvPicPr>
-            <a:picLocks noChangeAspect="1"/>
-          </p:cNvPicPr>
-          <p:nvPr/>
-        </p:nvPicPr>
-        <p:blipFill>
-          <a:blip r:embed="rId5"/>
-          <a:stretch>
-            <a:fillRect/>
-          </a:stretch>
-        </p:blipFill>
-        <p:spPr>
-          <a:xfrm>
-            <a:off x="761152" y="2365365"/>
-            <a:ext cx="4636565" cy="635331"/>
-          </a:xfrm>
-          <a:prstGeom prst="rect">
-            <a:avLst/>
-          </a:prstGeom>
-        </p:spPr>
-      </p:pic>
-      <p:pic>
-        <p:nvPicPr>
-          <p:cNvPr id="5" name="Imagen 4">
-            <a:extLst>
-              <a:ext uri="{FF2B5EF4-FFF2-40B4-BE49-F238E27FC236}">
-                <a16:creationId xmlns:a16="http://schemas.microsoft.com/office/drawing/2014/main" id="{EF3EAB40-A5C8-4B26-B399-904E75FF4A8C}"/>
-              </a:ext>
-            </a:extLst>
-          </p:cNvPr>
-          <p:cNvPicPr/>
-          <p:nvPr/>
-        </p:nvPicPr>
-        <p:blipFill>
-          <a:blip r:embed="rId6">
-            <a:extLst>
-              <a:ext uri="{28A0092B-C50C-407E-A947-70E740481C1C}">
-                <a14:useLocalDpi xmlns:a14="http://schemas.microsoft.com/office/drawing/2010/main" val="0"/>
-              </a:ext>
-            </a:extLst>
-          </a:blip>
-          <a:srcRect/>
-          <a:stretch>
-            <a:fillRect/>
-          </a:stretch>
-        </p:blipFill>
-        <p:spPr bwMode="auto">
-          <a:xfrm>
-            <a:off x="1947521" y="3078373"/>
-            <a:ext cx="1903730" cy="1951355"/>
-          </a:xfrm>
-          <a:prstGeom prst="rect">
-            <a:avLst/>
-          </a:prstGeom>
-          <a:noFill/>
-          <a:ln>
-            <a:noFill/>
-          </a:ln>
-        </p:spPr>
-      </p:pic>
-      <p:sp>
-        <p:nvSpPr>
-          <p:cNvPr id="10" name="CuadroTexto 9">
-            <a:extLst>
-              <a:ext uri="{FF2B5EF4-FFF2-40B4-BE49-F238E27FC236}">
-                <a16:creationId xmlns:a16="http://schemas.microsoft.com/office/drawing/2014/main" id="{1CD877D6-6EA8-48D5-943C-8399F1FD88D7}"/>
-              </a:ext>
-            </a:extLst>
-          </p:cNvPr>
-          <p:cNvSpPr txBox="1"/>
-          <p:nvPr/>
-        </p:nvSpPr>
-        <p:spPr>
-          <a:xfrm>
-            <a:off x="4674871" y="361951"/>
-            <a:ext cx="2794111" cy="461665"/>
-          </a:xfrm>
-          <a:prstGeom prst="rect">
-            <a:avLst/>
-          </a:prstGeom>
-          <a:noFill/>
-        </p:spPr>
-        <p:txBody>
-          <a:bodyPr wrap="square" rtlCol="0">
-            <a:spAutoFit/>
-          </a:bodyPr>
-          <a:lstStyle/>
-          <a:p>
-            <a:r>
-              <a:rPr lang="es-ES" sz="2400" b="1" dirty="0"/>
-              <a:t>Target Network</a:t>
-            </a:r>
-          </a:p>
-        </p:txBody>
-      </p:sp>
-      <p:sp>
-        <p:nvSpPr>
-          <p:cNvPr id="2" name="CuadroTexto 1">
-            <a:extLst>
-              <a:ext uri="{FF2B5EF4-FFF2-40B4-BE49-F238E27FC236}">
-                <a16:creationId xmlns:a16="http://schemas.microsoft.com/office/drawing/2014/main" id="{2B957F21-6C6B-4FE4-871E-44C4AB6BD13F}"/>
-              </a:ext>
-            </a:extLst>
-          </p:cNvPr>
-          <p:cNvSpPr txBox="1"/>
-          <p:nvPr/>
-        </p:nvSpPr>
-        <p:spPr>
-          <a:xfrm>
-            <a:off x="994410" y="1657350"/>
-            <a:ext cx="3940502" cy="369332"/>
-          </a:xfrm>
-          <a:prstGeom prst="rect">
-            <a:avLst/>
-          </a:prstGeom>
-          <a:noFill/>
-        </p:spPr>
-        <p:txBody>
-          <a:bodyPr wrap="none" rtlCol="0">
-            <a:spAutoFit/>
-          </a:bodyPr>
-          <a:lstStyle/>
-          <a:p>
-            <a:r>
-              <a:rPr lang="es-ES" dirty="0"/>
-              <a:t>Necesaria para estabilizar el aprendizaje</a:t>
-            </a:r>
-          </a:p>
-        </p:txBody>
-      </p:sp>
-      <p:pic>
-        <p:nvPicPr>
-          <p:cNvPr id="12" name="Imagen 11" descr="Texto&#10;&#10;Descripción generada automáticamente con confianza media">
-            <a:extLst>
-              <a:ext uri="{FF2B5EF4-FFF2-40B4-BE49-F238E27FC236}">
-                <a16:creationId xmlns:a16="http://schemas.microsoft.com/office/drawing/2014/main" id="{6F4367E1-8498-4D7D-9F19-333CAFF13144}"/>
-              </a:ext>
-            </a:extLst>
-          </p:cNvPr>
-          <p:cNvPicPr/>
-          <p:nvPr/>
-        </p:nvPicPr>
-        <p:blipFill>
-          <a:blip r:embed="rId7"/>
-          <a:stretch>
-            <a:fillRect/>
-          </a:stretch>
-        </p:blipFill>
-        <p:spPr>
-          <a:xfrm>
             <a:off x="67627" y="66675"/>
             <a:ext cx="1629728" cy="514350"/>
           </a:xfrm>
@@ -8612,10 +9297,10 @@
       </p:pic>
       <p:sp>
         <p:nvSpPr>
-          <p:cNvPr id="14" name="CuadroTexto 13">
-            <a:extLst>
-              <a:ext uri="{FF2B5EF4-FFF2-40B4-BE49-F238E27FC236}">
-                <a16:creationId xmlns:a16="http://schemas.microsoft.com/office/drawing/2014/main" id="{5E3814D5-3719-4BD3-95E8-4BB045BDE4E7}"/>
+          <p:cNvPr id="10" name="CuadroTexto 9">
+            <a:extLst>
+              <a:ext uri="{FF2B5EF4-FFF2-40B4-BE49-F238E27FC236}">
+                <a16:creationId xmlns:a16="http://schemas.microsoft.com/office/drawing/2014/main" id="{01CB5CEF-BBC8-47A5-BA84-6B9730E2F39C}"/>
               </a:ext>
             </a:extLst>
           </p:cNvPr>
@@ -8653,10 +9338,110 @@
           </a:p>
         </p:txBody>
       </p:sp>
+      <p:sp>
+        <p:nvSpPr>
+          <p:cNvPr id="2" name="CuadroTexto 1">
+            <a:extLst>
+              <a:ext uri="{FF2B5EF4-FFF2-40B4-BE49-F238E27FC236}">
+                <a16:creationId xmlns:a16="http://schemas.microsoft.com/office/drawing/2014/main" id="{38EBD910-8F04-476D-B153-79B2E3A18662}"/>
+              </a:ext>
+            </a:extLst>
+          </p:cNvPr>
+          <p:cNvSpPr txBox="1"/>
+          <p:nvPr/>
+        </p:nvSpPr>
+        <p:spPr>
+          <a:xfrm>
+            <a:off x="438284" y="1383029"/>
+            <a:ext cx="3927976" cy="923330"/>
+          </a:xfrm>
+          <a:prstGeom prst="rect">
+            <a:avLst/>
+          </a:prstGeom>
+          <a:noFill/>
+        </p:spPr>
+        <p:txBody>
+          <a:bodyPr wrap="square" rtlCol="0">
+            <a:spAutoFit/>
+          </a:bodyPr>
+          <a:lstStyle/>
+          <a:p>
+            <a:r>
+              <a:rPr lang="es-ES" dirty="0"/>
+              <a:t>Se implementa la función Q con una red neuronal profunda en lugar de con una tabla</a:t>
+            </a:r>
+          </a:p>
+        </p:txBody>
+      </p:sp>
+      <p:pic>
+        <p:nvPicPr>
+          <p:cNvPr id="4" name="Imagen 3">
+            <a:extLst>
+              <a:ext uri="{FF2B5EF4-FFF2-40B4-BE49-F238E27FC236}">
+                <a16:creationId xmlns:a16="http://schemas.microsoft.com/office/drawing/2014/main" id="{41ADB4D8-670E-4FDD-92A0-86C1A6380CC0}"/>
+              </a:ext>
+            </a:extLst>
+          </p:cNvPr>
+          <p:cNvPicPr>
+            <a:picLocks noChangeAspect="1"/>
+          </p:cNvPicPr>
+          <p:nvPr/>
+        </p:nvPicPr>
+        <p:blipFill>
+          <a:blip r:embed="rId5"/>
+          <a:stretch>
+            <a:fillRect/>
+          </a:stretch>
+        </p:blipFill>
+        <p:spPr>
+          <a:xfrm>
+            <a:off x="4812030" y="1326899"/>
+            <a:ext cx="6914197" cy="1936366"/>
+          </a:xfrm>
+          <a:prstGeom prst="rect">
+            <a:avLst/>
+          </a:prstGeom>
+        </p:spPr>
+      </p:pic>
+      <p:sp>
+        <p:nvSpPr>
+          <p:cNvPr id="7" name="CuadroTexto 6">
+            <a:extLst>
+              <a:ext uri="{FF2B5EF4-FFF2-40B4-BE49-F238E27FC236}">
+                <a16:creationId xmlns:a16="http://schemas.microsoft.com/office/drawing/2014/main" id="{88D228F0-11D4-4BB5-BACC-BB5B944B4F2B}"/>
+              </a:ext>
+            </a:extLst>
+          </p:cNvPr>
+          <p:cNvSpPr txBox="1"/>
+          <p:nvPr/>
+        </p:nvSpPr>
+        <p:spPr>
+          <a:xfrm>
+            <a:off x="8378190" y="4046220"/>
+            <a:ext cx="1471493" cy="369332"/>
+          </a:xfrm>
+          <a:prstGeom prst="rect">
+            <a:avLst/>
+          </a:prstGeom>
+          <a:noFill/>
+        </p:spPr>
+        <p:txBody>
+          <a:bodyPr wrap="none" rtlCol="0">
+            <a:spAutoFit/>
+          </a:bodyPr>
+          <a:lstStyle/>
+          <a:p>
+            <a:r>
+              <a:rPr lang="es-ES" b="1" dirty="0"/>
+              <a:t>Replay Buffer</a:t>
+            </a:r>
+          </a:p>
+        </p:txBody>
+      </p:sp>
     </p:spTree>
     <p:extLst>
       <p:ext uri="{BB962C8B-B14F-4D97-AF65-F5344CB8AC3E}">
-        <p14:creationId xmlns:p14="http://schemas.microsoft.com/office/powerpoint/2010/main" val="1649122035"/>
+        <p14:creationId xmlns:p14="http://schemas.microsoft.com/office/powerpoint/2010/main" val="3213844953"/>
       </p:ext>
     </p:extLst>
   </p:cSld>
@@ -8683,47 +9468,12 @@
           <a:chExt cx="0" cy="0"/>
         </a:xfrm>
       </p:grpSpPr>
-      <p:sp>
-        <p:nvSpPr>
-          <p:cNvPr id="9" name="CuadroTexto 8">
-            <a:extLst>
-              <a:ext uri="{FF2B5EF4-FFF2-40B4-BE49-F238E27FC236}">
-                <a16:creationId xmlns:a16="http://schemas.microsoft.com/office/drawing/2014/main" id="{DDF7A8ED-46C7-4765-BF74-74BD3594954A}"/>
-              </a:ext>
-            </a:extLst>
-          </p:cNvPr>
-          <p:cNvSpPr txBox="1"/>
-          <p:nvPr/>
-        </p:nvSpPr>
-        <p:spPr>
-          <a:xfrm>
-            <a:off x="3192954" y="604194"/>
-            <a:ext cx="5711016" cy="461665"/>
-          </a:xfrm>
-          <a:prstGeom prst="rect">
-            <a:avLst/>
-          </a:prstGeom>
-          <a:noFill/>
-        </p:spPr>
-        <p:txBody>
-          <a:bodyPr wrap="square" rtlCol="0">
-            <a:spAutoFit/>
-          </a:bodyPr>
-          <a:lstStyle/>
-          <a:p>
-            <a:r>
-              <a:rPr lang="es-ES" sz="2400" b="1" dirty="0"/>
-              <a:t>Caracterización del Estado y discretización</a:t>
-            </a:r>
-          </a:p>
-        </p:txBody>
-      </p:sp>
       <p:pic>
         <p:nvPicPr>
-          <p:cNvPr id="3" name="Imagen 2">
-            <a:extLst>
-              <a:ext uri="{FF2B5EF4-FFF2-40B4-BE49-F238E27FC236}">
-                <a16:creationId xmlns:a16="http://schemas.microsoft.com/office/drawing/2014/main" id="{7040DF93-EC43-416E-9940-D60A9CE3C2E5}"/>
+          <p:cNvPr id="7" name="Imagen 6">
+            <a:extLst>
+              <a:ext uri="{FF2B5EF4-FFF2-40B4-BE49-F238E27FC236}">
+                <a16:creationId xmlns:a16="http://schemas.microsoft.com/office/drawing/2014/main" id="{556E4CC3-6022-4A0C-9085-42EB2CB4E888}"/>
               </a:ext>
             </a:extLst>
           </p:cNvPr>
@@ -8740,8 +9490,8 @@
         </p:blipFill>
         <p:spPr>
           <a:xfrm>
-            <a:off x="370836" y="3144846"/>
-            <a:ext cx="5390665" cy="3348990"/>
+            <a:off x="5493397" y="1708972"/>
+            <a:ext cx="5954130" cy="4420490"/>
           </a:xfrm>
           <a:prstGeom prst="rect">
             <a:avLst/>
@@ -8750,63 +9500,51 @@
       </p:pic>
       <p:sp>
         <p:nvSpPr>
-          <p:cNvPr id="7" name="Flecha: a la derecha 6">
-            <a:extLst>
-              <a:ext uri="{FF2B5EF4-FFF2-40B4-BE49-F238E27FC236}">
-                <a16:creationId xmlns:a16="http://schemas.microsoft.com/office/drawing/2014/main" id="{6490BED4-716E-427D-8B44-CEBB1693BE1E}"/>
-              </a:ext>
-            </a:extLst>
-          </p:cNvPr>
-          <p:cNvSpPr/>
-          <p:nvPr/>
-        </p:nvSpPr>
-        <p:spPr>
-          <a:xfrm>
-            <a:off x="6284879" y="4717946"/>
-            <a:ext cx="1854954" cy="628650"/>
-          </a:xfrm>
-          <a:prstGeom prst="rightArrow">
-            <a:avLst/>
-          </a:prstGeom>
-          <a:solidFill>
-            <a:schemeClr val="accent2"/>
-          </a:solidFill>
-        </p:spPr>
-        <p:style>
-          <a:lnRef idx="2">
-            <a:schemeClr val="accent1">
-              <a:shade val="50000"/>
-            </a:schemeClr>
-          </a:lnRef>
-          <a:fillRef idx="1">
-            <a:schemeClr val="accent1"/>
-          </a:fillRef>
-          <a:effectRef idx="0">
-            <a:schemeClr val="accent1"/>
-          </a:effectRef>
-          <a:fontRef idx="minor">
-            <a:schemeClr val="lt1"/>
-          </a:fontRef>
-        </p:style>
-        <p:txBody>
-          <a:bodyPr rtlCol="0" anchor="ctr"/>
-          <a:lstStyle/>
-          <a:p>
-            <a:pPr algn="ctr"/>
-            <a:endParaRPr lang="es-ES"/>
+          <p:cNvPr id="9" name="CuadroTexto 8">
+            <a:extLst>
+              <a:ext uri="{FF2B5EF4-FFF2-40B4-BE49-F238E27FC236}">
+                <a16:creationId xmlns:a16="http://schemas.microsoft.com/office/drawing/2014/main" id="{90D46404-112F-4200-838F-3F6F9750DBBA}"/>
+              </a:ext>
+            </a:extLst>
+          </p:cNvPr>
+          <p:cNvSpPr txBox="1"/>
+          <p:nvPr/>
+        </p:nvSpPr>
+        <p:spPr>
+          <a:xfrm>
+            <a:off x="6217920" y="6312368"/>
+            <a:ext cx="5631180" cy="276999"/>
+          </a:xfrm>
+          <a:prstGeom prst="rect">
+            <a:avLst/>
+          </a:prstGeom>
+          <a:noFill/>
+        </p:spPr>
+        <p:txBody>
+          <a:bodyPr wrap="square">
+            <a:spAutoFit/>
+          </a:bodyPr>
+          <a:lstStyle/>
+          <a:p>
+            <a:r>
+              <a:rPr lang="es-ES" sz="1200" dirty="0"/>
+              <a:t>https://www.analyticsvidhya.com/blog/2019/04/introduction-deep-q-learning-python/</a:t>
+            </a:r>
           </a:p>
         </p:txBody>
       </p:sp>
       <p:pic>
         <p:nvPicPr>
-          <p:cNvPr id="13" name="Imagen 12" descr="Texto&#10;&#10;Descripción generada automáticamente con confianza media">
-            <a:extLst>
-              <a:ext uri="{FF2B5EF4-FFF2-40B4-BE49-F238E27FC236}">
-                <a16:creationId xmlns:a16="http://schemas.microsoft.com/office/drawing/2014/main" id="{6E9214DA-0D0D-4702-B60C-0346E042BBB8}"/>
-              </a:ext>
-            </a:extLst>
-          </p:cNvPr>
-          <p:cNvPicPr/>
+          <p:cNvPr id="11" name="Imagen 10">
+            <a:extLst>
+              <a:ext uri="{FF2B5EF4-FFF2-40B4-BE49-F238E27FC236}">
+                <a16:creationId xmlns:a16="http://schemas.microsoft.com/office/drawing/2014/main" id="{A6FD1BDC-8489-46D7-9677-92D67FEFFDF5}"/>
+              </a:ext>
+            </a:extLst>
+          </p:cNvPr>
+          <p:cNvPicPr>
+            <a:picLocks noChangeAspect="1"/>
+          </p:cNvPicPr>
           <p:nvPr/>
         </p:nvPicPr>
         <p:blipFill>
@@ -8817,6 +9555,233 @@
         </p:blipFill>
         <p:spPr>
           <a:xfrm>
+            <a:off x="6096000" y="3599336"/>
+            <a:ext cx="698381" cy="434022"/>
+          </a:xfrm>
+          <a:prstGeom prst="rect">
+            <a:avLst/>
+          </a:prstGeom>
+        </p:spPr>
+      </p:pic>
+      <p:pic>
+        <p:nvPicPr>
+          <p:cNvPr id="13" name="Imagen 12">
+            <a:extLst>
+              <a:ext uri="{FF2B5EF4-FFF2-40B4-BE49-F238E27FC236}">
+                <a16:creationId xmlns:a16="http://schemas.microsoft.com/office/drawing/2014/main" id="{121FD159-2B44-4ECD-80A2-8FECF84B678B}"/>
+              </a:ext>
+            </a:extLst>
+          </p:cNvPr>
+          <p:cNvPicPr>
+            <a:picLocks noChangeAspect="1"/>
+          </p:cNvPicPr>
+          <p:nvPr/>
+        </p:nvPicPr>
+        <p:blipFill>
+          <a:blip r:embed="rId3"/>
+          <a:stretch>
+            <a:fillRect/>
+          </a:stretch>
+        </p:blipFill>
+        <p:spPr>
+          <a:xfrm>
+            <a:off x="8946885" y="3599335"/>
+            <a:ext cx="698382" cy="434023"/>
+          </a:xfrm>
+          <a:prstGeom prst="rect">
+            <a:avLst/>
+          </a:prstGeom>
+        </p:spPr>
+      </p:pic>
+      <p:pic>
+        <p:nvPicPr>
+          <p:cNvPr id="21" name="Imagen 20">
+            <a:extLst>
+              <a:ext uri="{FF2B5EF4-FFF2-40B4-BE49-F238E27FC236}">
+                <a16:creationId xmlns:a16="http://schemas.microsoft.com/office/drawing/2014/main" id="{00FD2C65-D1C0-4649-8A08-1D441F7BD6CE}"/>
+              </a:ext>
+            </a:extLst>
+          </p:cNvPr>
+          <p:cNvPicPr>
+            <a:picLocks noChangeAspect="1"/>
+          </p:cNvPicPr>
+          <p:nvPr/>
+        </p:nvPicPr>
+        <p:blipFill>
+          <a:blip r:embed="rId4"/>
+          <a:stretch>
+            <a:fillRect/>
+          </a:stretch>
+        </p:blipFill>
+        <p:spPr>
+          <a:xfrm>
+            <a:off x="1306830" y="5274944"/>
+            <a:ext cx="3609975" cy="1095375"/>
+          </a:xfrm>
+          <a:prstGeom prst="rect">
+            <a:avLst/>
+          </a:prstGeom>
+        </p:spPr>
+      </p:pic>
+      <p:pic>
+        <p:nvPicPr>
+          <p:cNvPr id="25" name="Imagen 24">
+            <a:extLst>
+              <a:ext uri="{FF2B5EF4-FFF2-40B4-BE49-F238E27FC236}">
+                <a16:creationId xmlns:a16="http://schemas.microsoft.com/office/drawing/2014/main" id="{E0A63E11-5E5B-47C9-9D10-789E28AAEB9E}"/>
+              </a:ext>
+            </a:extLst>
+          </p:cNvPr>
+          <p:cNvPicPr>
+            <a:picLocks noChangeAspect="1"/>
+          </p:cNvPicPr>
+          <p:nvPr/>
+        </p:nvPicPr>
+        <p:blipFill>
+          <a:blip r:embed="rId5"/>
+          <a:stretch>
+            <a:fillRect/>
+          </a:stretch>
+        </p:blipFill>
+        <p:spPr>
+          <a:xfrm>
+            <a:off x="761152" y="2365365"/>
+            <a:ext cx="4636565" cy="635331"/>
+          </a:xfrm>
+          <a:prstGeom prst="rect">
+            <a:avLst/>
+          </a:prstGeom>
+        </p:spPr>
+      </p:pic>
+      <p:pic>
+        <p:nvPicPr>
+          <p:cNvPr id="5" name="Imagen 4">
+            <a:extLst>
+              <a:ext uri="{FF2B5EF4-FFF2-40B4-BE49-F238E27FC236}">
+                <a16:creationId xmlns:a16="http://schemas.microsoft.com/office/drawing/2014/main" id="{EF3EAB40-A5C8-4B26-B399-904E75FF4A8C}"/>
+              </a:ext>
+            </a:extLst>
+          </p:cNvPr>
+          <p:cNvPicPr/>
+          <p:nvPr/>
+        </p:nvPicPr>
+        <p:blipFill>
+          <a:blip r:embed="rId6">
+            <a:extLst>
+              <a:ext uri="{28A0092B-C50C-407E-A947-70E740481C1C}">
+                <a14:useLocalDpi xmlns:a14="http://schemas.microsoft.com/office/drawing/2010/main" val="0"/>
+              </a:ext>
+            </a:extLst>
+          </a:blip>
+          <a:srcRect/>
+          <a:stretch>
+            <a:fillRect/>
+          </a:stretch>
+        </p:blipFill>
+        <p:spPr bwMode="auto">
+          <a:xfrm>
+            <a:off x="1947521" y="3078373"/>
+            <a:ext cx="1903730" cy="1951355"/>
+          </a:xfrm>
+          <a:prstGeom prst="rect">
+            <a:avLst/>
+          </a:prstGeom>
+          <a:noFill/>
+          <a:ln>
+            <a:noFill/>
+          </a:ln>
+        </p:spPr>
+      </p:pic>
+      <p:sp>
+        <p:nvSpPr>
+          <p:cNvPr id="10" name="CuadroTexto 9">
+            <a:extLst>
+              <a:ext uri="{FF2B5EF4-FFF2-40B4-BE49-F238E27FC236}">
+                <a16:creationId xmlns:a16="http://schemas.microsoft.com/office/drawing/2014/main" id="{1CD877D6-6EA8-48D5-943C-8399F1FD88D7}"/>
+              </a:ext>
+            </a:extLst>
+          </p:cNvPr>
+          <p:cNvSpPr txBox="1"/>
+          <p:nvPr/>
+        </p:nvSpPr>
+        <p:spPr>
+          <a:xfrm>
+            <a:off x="4674871" y="361951"/>
+            <a:ext cx="2794111" cy="461665"/>
+          </a:xfrm>
+          <a:prstGeom prst="rect">
+            <a:avLst/>
+          </a:prstGeom>
+          <a:noFill/>
+        </p:spPr>
+        <p:txBody>
+          <a:bodyPr wrap="square" rtlCol="0">
+            <a:spAutoFit/>
+          </a:bodyPr>
+          <a:lstStyle/>
+          <a:p>
+            <a:r>
+              <a:rPr lang="es-ES" sz="2400" b="1" dirty="0"/>
+              <a:t>Target Network</a:t>
+            </a:r>
+          </a:p>
+        </p:txBody>
+      </p:sp>
+      <p:sp>
+        <p:nvSpPr>
+          <p:cNvPr id="2" name="CuadroTexto 1">
+            <a:extLst>
+              <a:ext uri="{FF2B5EF4-FFF2-40B4-BE49-F238E27FC236}">
+                <a16:creationId xmlns:a16="http://schemas.microsoft.com/office/drawing/2014/main" id="{2B957F21-6C6B-4FE4-871E-44C4AB6BD13F}"/>
+              </a:ext>
+            </a:extLst>
+          </p:cNvPr>
+          <p:cNvSpPr txBox="1"/>
+          <p:nvPr/>
+        </p:nvSpPr>
+        <p:spPr>
+          <a:xfrm>
+            <a:off x="994410" y="1657350"/>
+            <a:ext cx="3940502" cy="369332"/>
+          </a:xfrm>
+          <a:prstGeom prst="rect">
+            <a:avLst/>
+          </a:prstGeom>
+          <a:noFill/>
+        </p:spPr>
+        <p:txBody>
+          <a:bodyPr wrap="none" rtlCol="0">
+            <a:spAutoFit/>
+          </a:bodyPr>
+          <a:lstStyle/>
+          <a:p>
+            <a:r>
+              <a:rPr lang="es-ES" dirty="0"/>
+              <a:t>Necesaria para estabilizar el aprendizaje</a:t>
+            </a:r>
+          </a:p>
+        </p:txBody>
+      </p:sp>
+      <p:pic>
+        <p:nvPicPr>
+          <p:cNvPr id="12" name="Imagen 11" descr="Texto&#10;&#10;Descripción generada automáticamente con confianza media">
+            <a:extLst>
+              <a:ext uri="{FF2B5EF4-FFF2-40B4-BE49-F238E27FC236}">
+                <a16:creationId xmlns:a16="http://schemas.microsoft.com/office/drawing/2014/main" id="{6F4367E1-8498-4D7D-9F19-333CAFF13144}"/>
+              </a:ext>
+            </a:extLst>
+          </p:cNvPr>
+          <p:cNvPicPr/>
+          <p:nvPr/>
+        </p:nvPicPr>
+        <p:blipFill>
+          <a:blip r:embed="rId7"/>
+          <a:stretch>
+            <a:fillRect/>
+          </a:stretch>
+        </p:blipFill>
+        <p:spPr>
+          <a:xfrm>
             <a:off x="67627" y="66675"/>
             <a:ext cx="1629728" cy="514350"/>
           </a:xfrm>
@@ -8830,7 +9795,7 @@
           <p:cNvPr id="14" name="CuadroTexto 13">
             <a:extLst>
               <a:ext uri="{FF2B5EF4-FFF2-40B4-BE49-F238E27FC236}">
-                <a16:creationId xmlns:a16="http://schemas.microsoft.com/office/drawing/2014/main" id="{10B488C6-E6E1-434A-9F2A-1B1C00D93864}"/>
+                <a16:creationId xmlns:a16="http://schemas.microsoft.com/office/drawing/2014/main" id="{5E3814D5-3719-4BD3-95E8-4BB045BDE4E7}"/>
               </a:ext>
             </a:extLst>
           </p:cNvPr>
@@ -8839,7 +9804,7 @@
         </p:nvSpPr>
         <p:spPr>
           <a:xfrm>
-            <a:off x="9886949" y="9525"/>
+            <a:off x="9886949" y="66675"/>
             <a:ext cx="2263141" cy="338554"/>
           </a:xfrm>
           <a:prstGeom prst="rect">
@@ -8868,181 +9833,10 @@
           </a:p>
         </p:txBody>
       </p:sp>
-      <p:pic>
-        <p:nvPicPr>
-          <p:cNvPr id="16" name="Imagen 15">
-            <a:extLst>
-              <a:ext uri="{FF2B5EF4-FFF2-40B4-BE49-F238E27FC236}">
-                <a16:creationId xmlns:a16="http://schemas.microsoft.com/office/drawing/2014/main" id="{77704491-391F-41EA-8CFE-E2E61F7DD2FB}"/>
-              </a:ext>
-            </a:extLst>
-          </p:cNvPr>
-          <p:cNvPicPr>
-            <a:picLocks noChangeAspect="1"/>
-          </p:cNvPicPr>
-          <p:nvPr/>
-        </p:nvPicPr>
-        <p:blipFill>
-          <a:blip r:embed="rId4"/>
-          <a:stretch>
-            <a:fillRect/>
-          </a:stretch>
-        </p:blipFill>
-        <p:spPr>
-          <a:xfrm>
-            <a:off x="6430500" y="1600200"/>
-            <a:ext cx="5150947" cy="2240280"/>
-          </a:xfrm>
-          <a:prstGeom prst="rect">
-            <a:avLst/>
-          </a:prstGeom>
-        </p:spPr>
-      </p:pic>
-      <p:pic>
-        <p:nvPicPr>
-          <p:cNvPr id="18" name="Imagen 17">
-            <a:extLst>
-              <a:ext uri="{FF2B5EF4-FFF2-40B4-BE49-F238E27FC236}">
-                <a16:creationId xmlns:a16="http://schemas.microsoft.com/office/drawing/2014/main" id="{497DA0E1-B6F6-4836-BC51-7FC23EB0C2A7}"/>
-              </a:ext>
-            </a:extLst>
-          </p:cNvPr>
-          <p:cNvPicPr>
-            <a:picLocks noChangeAspect="1"/>
-          </p:cNvPicPr>
-          <p:nvPr/>
-        </p:nvPicPr>
-        <p:blipFill>
-          <a:blip r:embed="rId5"/>
-          <a:stretch>
-            <a:fillRect/>
-          </a:stretch>
-        </p:blipFill>
-        <p:spPr>
-          <a:xfrm>
-            <a:off x="8805862" y="4724400"/>
-            <a:ext cx="2124075" cy="609600"/>
-          </a:xfrm>
-          <a:prstGeom prst="rect">
-            <a:avLst/>
-          </a:prstGeom>
-        </p:spPr>
-      </p:pic>
-      <p:sp>
-        <p:nvSpPr>
-          <p:cNvPr id="19" name="CuadroTexto 18">
-            <a:extLst>
-              <a:ext uri="{FF2B5EF4-FFF2-40B4-BE49-F238E27FC236}">
-                <a16:creationId xmlns:a16="http://schemas.microsoft.com/office/drawing/2014/main" id="{2A64CC08-8ABE-4F6D-9110-4776885589A5}"/>
-              </a:ext>
-            </a:extLst>
-          </p:cNvPr>
-          <p:cNvSpPr txBox="1"/>
-          <p:nvPr/>
-        </p:nvSpPr>
-        <p:spPr>
-          <a:xfrm>
-            <a:off x="1074421" y="1680211"/>
-            <a:ext cx="3726180" cy="1754326"/>
-          </a:xfrm>
-          <a:prstGeom prst="rect">
-            <a:avLst/>
-          </a:prstGeom>
-          <a:noFill/>
-        </p:spPr>
-        <p:txBody>
-          <a:bodyPr wrap="square" rtlCol="0">
-            <a:spAutoFit/>
-          </a:bodyPr>
-          <a:lstStyle/>
-          <a:p>
-            <a:r>
-              <a:rPr lang="es-ES" dirty="0"/>
-              <a:t>Para simplificar y acelerar el aprendizaje establecemos un máximo de 5 pods y discretizamos el valor de uso de CPU</a:t>
-            </a:r>
-          </a:p>
-          <a:p>
-            <a:endParaRPr lang="es-ES" dirty="0"/>
-          </a:p>
-          <a:p>
-            <a:endParaRPr lang="es-ES" dirty="0"/>
-          </a:p>
-        </p:txBody>
-      </p:sp>
-      <p:sp>
-        <p:nvSpPr>
-          <p:cNvPr id="20" name="CuadroTexto 19">
-            <a:extLst>
-              <a:ext uri="{FF2B5EF4-FFF2-40B4-BE49-F238E27FC236}">
-                <a16:creationId xmlns:a16="http://schemas.microsoft.com/office/drawing/2014/main" id="{323D5EAD-3512-4A24-9F6A-326BD916B250}"/>
-              </a:ext>
-            </a:extLst>
-          </p:cNvPr>
-          <p:cNvSpPr txBox="1"/>
-          <p:nvPr/>
-        </p:nvSpPr>
-        <p:spPr>
-          <a:xfrm>
-            <a:off x="8938260" y="5417820"/>
-            <a:ext cx="1991677" cy="369332"/>
-          </a:xfrm>
-          <a:prstGeom prst="rect">
-            <a:avLst/>
-          </a:prstGeom>
-          <a:noFill/>
-        </p:spPr>
-        <p:txBody>
-          <a:bodyPr wrap="square" rtlCol="0">
-            <a:spAutoFit/>
-          </a:bodyPr>
-          <a:lstStyle/>
-          <a:p>
-            <a:r>
-              <a:rPr lang="es-ES" dirty="0"/>
-              <a:t>Vector estado final</a:t>
-            </a:r>
-          </a:p>
-        </p:txBody>
-      </p:sp>
-      <p:sp>
-        <p:nvSpPr>
-          <p:cNvPr id="21" name="CuadroTexto 20">
-            <a:extLst>
-              <a:ext uri="{FF2B5EF4-FFF2-40B4-BE49-F238E27FC236}">
-                <a16:creationId xmlns:a16="http://schemas.microsoft.com/office/drawing/2014/main" id="{D0E8FF75-84AF-48C4-80FC-48EBFB78F701}"/>
-              </a:ext>
-            </a:extLst>
-          </p:cNvPr>
-          <p:cNvSpPr txBox="1"/>
-          <p:nvPr/>
-        </p:nvSpPr>
-        <p:spPr>
-          <a:xfrm>
-            <a:off x="4469130" y="6195060"/>
-            <a:ext cx="7623810" cy="369332"/>
-          </a:xfrm>
-          <a:prstGeom prst="rect">
-            <a:avLst/>
-          </a:prstGeom>
-          <a:noFill/>
-        </p:spPr>
-        <p:txBody>
-          <a:bodyPr wrap="square" rtlCol="0">
-            <a:spAutoFit/>
-          </a:bodyPr>
-          <a:lstStyle/>
-          <a:p>
-            <a:r>
-              <a:rPr lang="es-ES" dirty="0"/>
-              <a:t>Desventajas: Rigidez en cuanto a número de pods y caracterización de la carga </a:t>
-            </a:r>
-          </a:p>
-        </p:txBody>
-      </p:sp>
     </p:spTree>
     <p:extLst>
       <p:ext uri="{BB962C8B-B14F-4D97-AF65-F5344CB8AC3E}">
-        <p14:creationId xmlns:p14="http://schemas.microsoft.com/office/powerpoint/2010/main" val="300288635"/>
+        <p14:creationId xmlns:p14="http://schemas.microsoft.com/office/powerpoint/2010/main" val="1649122035"/>
       </p:ext>
     </p:extLst>
   </p:cSld>
@@ -9069,16 +9863,53 @@
           <a:chExt cx="0" cy="0"/>
         </a:xfrm>
       </p:grpSpPr>
+      <p:sp>
+        <p:nvSpPr>
+          <p:cNvPr id="9" name="CuadroTexto 8">
+            <a:extLst>
+              <a:ext uri="{FF2B5EF4-FFF2-40B4-BE49-F238E27FC236}">
+                <a16:creationId xmlns:a16="http://schemas.microsoft.com/office/drawing/2014/main" id="{DDF7A8ED-46C7-4765-BF74-74BD3594954A}"/>
+              </a:ext>
+            </a:extLst>
+          </p:cNvPr>
+          <p:cNvSpPr txBox="1"/>
+          <p:nvPr/>
+        </p:nvSpPr>
+        <p:spPr>
+          <a:xfrm>
+            <a:off x="3192954" y="604194"/>
+            <a:ext cx="5711016" cy="461665"/>
+          </a:xfrm>
+          <a:prstGeom prst="rect">
+            <a:avLst/>
+          </a:prstGeom>
+          <a:noFill/>
+        </p:spPr>
+        <p:txBody>
+          <a:bodyPr wrap="square" rtlCol="0">
+            <a:spAutoFit/>
+          </a:bodyPr>
+          <a:lstStyle/>
+          <a:p>
+            <a:r>
+              <a:rPr lang="es-ES" sz="2400" b="1" dirty="0"/>
+              <a:t>Caracterización del Estado y discretización</a:t>
+            </a:r>
+          </a:p>
+        </p:txBody>
+      </p:sp>
       <p:pic>
         <p:nvPicPr>
-          <p:cNvPr id="7" name="Imagen 6" descr="Texto&#10;&#10;Descripción generada automáticamente con confianza media">
-            <a:extLst>
-              <a:ext uri="{FF2B5EF4-FFF2-40B4-BE49-F238E27FC236}">
-                <a16:creationId xmlns:a16="http://schemas.microsoft.com/office/drawing/2014/main" id="{522F3205-AB50-49D8-8AAE-7D167D24477E}"/>
-              </a:ext>
-            </a:extLst>
-          </p:cNvPr>
-          <p:cNvPicPr/>
+          <p:cNvPr id="3" name="Imagen 2">
+            <a:extLst>
+              <a:ext uri="{FF2B5EF4-FFF2-40B4-BE49-F238E27FC236}">
+                <a16:creationId xmlns:a16="http://schemas.microsoft.com/office/drawing/2014/main" id="{7040DF93-EC43-416E-9940-D60A9CE3C2E5}"/>
+              </a:ext>
+            </a:extLst>
+          </p:cNvPr>
+          <p:cNvPicPr>
+            <a:picLocks noChangeAspect="1"/>
+          </p:cNvPicPr>
           <p:nvPr/>
         </p:nvPicPr>
         <p:blipFill>
@@ -9089,6 +9920,83 @@
         </p:blipFill>
         <p:spPr>
           <a:xfrm>
+            <a:off x="370836" y="3144846"/>
+            <a:ext cx="5390665" cy="3348990"/>
+          </a:xfrm>
+          <a:prstGeom prst="rect">
+            <a:avLst/>
+          </a:prstGeom>
+        </p:spPr>
+      </p:pic>
+      <p:sp>
+        <p:nvSpPr>
+          <p:cNvPr id="7" name="Flecha: a la derecha 6">
+            <a:extLst>
+              <a:ext uri="{FF2B5EF4-FFF2-40B4-BE49-F238E27FC236}">
+                <a16:creationId xmlns:a16="http://schemas.microsoft.com/office/drawing/2014/main" id="{6490BED4-716E-427D-8B44-CEBB1693BE1E}"/>
+              </a:ext>
+            </a:extLst>
+          </p:cNvPr>
+          <p:cNvSpPr/>
+          <p:nvPr/>
+        </p:nvSpPr>
+        <p:spPr>
+          <a:xfrm>
+            <a:off x="6284879" y="4717946"/>
+            <a:ext cx="1854954" cy="628650"/>
+          </a:xfrm>
+          <a:prstGeom prst="rightArrow">
+            <a:avLst/>
+          </a:prstGeom>
+          <a:solidFill>
+            <a:schemeClr val="accent2"/>
+          </a:solidFill>
+        </p:spPr>
+        <p:style>
+          <a:lnRef idx="2">
+            <a:schemeClr val="accent1">
+              <a:shade val="50000"/>
+            </a:schemeClr>
+          </a:lnRef>
+          <a:fillRef idx="1">
+            <a:schemeClr val="accent1"/>
+          </a:fillRef>
+          <a:effectRef idx="0">
+            <a:schemeClr val="accent1"/>
+          </a:effectRef>
+          <a:fontRef idx="minor">
+            <a:schemeClr val="lt1"/>
+          </a:fontRef>
+        </p:style>
+        <p:txBody>
+          <a:bodyPr rtlCol="0" anchor="ctr"/>
+          <a:lstStyle/>
+          <a:p>
+            <a:pPr algn="ctr"/>
+            <a:endParaRPr lang="es-ES"/>
+          </a:p>
+        </p:txBody>
+      </p:sp>
+      <p:pic>
+        <p:nvPicPr>
+          <p:cNvPr id="13" name="Imagen 12" descr="Texto&#10;&#10;Descripción generada automáticamente con confianza media">
+            <a:extLst>
+              <a:ext uri="{FF2B5EF4-FFF2-40B4-BE49-F238E27FC236}">
+                <a16:creationId xmlns:a16="http://schemas.microsoft.com/office/drawing/2014/main" id="{6E9214DA-0D0D-4702-B60C-0346E042BBB8}"/>
+              </a:ext>
+            </a:extLst>
+          </p:cNvPr>
+          <p:cNvPicPr/>
+          <p:nvPr/>
+        </p:nvPicPr>
+        <p:blipFill>
+          <a:blip r:embed="rId3"/>
+          <a:stretch>
+            <a:fillRect/>
+          </a:stretch>
+        </p:blipFill>
+        <p:spPr>
+          <a:xfrm>
             <a:off x="67627" y="66675"/>
             <a:ext cx="1629728" cy="514350"/>
           </a:xfrm>
@@ -9099,10 +10007,10 @@
       </p:pic>
       <p:sp>
         <p:nvSpPr>
-          <p:cNvPr id="8" name="CuadroTexto 7">
-            <a:extLst>
-              <a:ext uri="{FF2B5EF4-FFF2-40B4-BE49-F238E27FC236}">
-                <a16:creationId xmlns:a16="http://schemas.microsoft.com/office/drawing/2014/main" id="{FBF8CEED-FFDF-4705-B3C0-BD2C8BC16A4F}"/>
+          <p:cNvPr id="14" name="CuadroTexto 13">
+            <a:extLst>
+              <a:ext uri="{FF2B5EF4-FFF2-40B4-BE49-F238E27FC236}">
+                <a16:creationId xmlns:a16="http://schemas.microsoft.com/office/drawing/2014/main" id="{10B488C6-E6E1-434A-9F2A-1B1C00D93864}"/>
               </a:ext>
             </a:extLst>
           </p:cNvPr>
@@ -9140,189 +10048,42 @@
           </a:p>
         </p:txBody>
       </p:sp>
-      <p:sp>
-        <p:nvSpPr>
-          <p:cNvPr id="2" name="Rectangle 2">
-            <a:extLst>
-              <a:ext uri="{FF2B5EF4-FFF2-40B4-BE49-F238E27FC236}">
-                <a16:creationId xmlns:a16="http://schemas.microsoft.com/office/drawing/2014/main" id="{E5640DBE-BBDA-42C4-8BD9-7E755B08B925}"/>
-              </a:ext>
-            </a:extLst>
-          </p:cNvPr>
-          <p:cNvSpPr>
-            <a:spLocks noChangeArrowheads="1"/>
-          </p:cNvSpPr>
-          <p:nvPr/>
-        </p:nvSpPr>
-        <p:spPr bwMode="auto">
-          <a:xfrm>
-            <a:off x="5989320" y="872183"/>
-            <a:ext cx="12192000" cy="0"/>
-          </a:xfrm>
-          <a:prstGeom prst="rect">
-            <a:avLst/>
-          </a:prstGeom>
-          <a:noFill/>
-          <a:ln>
-            <a:noFill/>
-          </a:ln>
-          <a:effectLst/>
-          <a:extLst>
-            <a:ext uri="{909E8E84-426E-40DD-AFC4-6F175D3DCCD1}">
-              <a14:hiddenFill xmlns:a14="http://schemas.microsoft.com/office/drawing/2010/main">
-                <a:solidFill>
-                  <a:schemeClr val="accent1"/>
-                </a:solidFill>
-              </a14:hiddenFill>
-            </a:ext>
-            <a:ext uri="{91240B29-F687-4F45-9708-019B960494DF}">
-              <a14:hiddenLine xmlns:a14="http://schemas.microsoft.com/office/drawing/2010/main" w="9525">
-                <a:solidFill>
-                  <a:schemeClr val="tx1"/>
-                </a:solidFill>
-                <a:miter lim="800000"/>
-                <a:headEnd/>
-                <a:tailEnd/>
-              </a14:hiddenLine>
-            </a:ext>
-            <a:ext uri="{AF507438-7753-43E0-B8FC-AC1667EBCBE1}">
-              <a14:hiddenEffects xmlns:a14="http://schemas.microsoft.com/office/drawing/2010/main">
-                <a:effectLst>
-                  <a:outerShdw dist="35921" dir="2700000" algn="ctr" rotWithShape="0">
-                    <a:schemeClr val="bg2"/>
-                  </a:outerShdw>
-                </a:effectLst>
-              </a14:hiddenEffects>
-            </a:ext>
-          </a:extLst>
-        </p:spPr>
-        <p:txBody>
-          <a:bodyPr vert="horz" wrap="none" lIns="91440" tIns="45720" rIns="91440" bIns="45720" numCol="1" anchor="ctr" anchorCtr="0" compatLnSpc="1">
-            <a:prstTxWarp prst="textNoShape">
-              <a:avLst/>
-            </a:prstTxWarp>
-            <a:spAutoFit/>
-          </a:bodyPr>
-          <a:lstStyle/>
-          <a:p>
-            <a:endParaRPr lang="es-ES"/>
-          </a:p>
-        </p:txBody>
-      </p:sp>
-      <p:graphicFrame>
-        <p:nvGraphicFramePr>
-          <p:cNvPr id="9" name="Objeto 8">
-            <a:extLst>
-              <a:ext uri="{FF2B5EF4-FFF2-40B4-BE49-F238E27FC236}">
-                <a16:creationId xmlns:a16="http://schemas.microsoft.com/office/drawing/2014/main" id="{711366B1-E567-4FAE-91EA-F867EBE938DB}"/>
-              </a:ext>
-            </a:extLst>
-          </p:cNvPr>
-          <p:cNvGraphicFramePr>
-            <a:graphicFrameLocks noChangeAspect="1"/>
-          </p:cNvGraphicFramePr>
-          <p:nvPr>
-            <p:extLst>
-              <p:ext uri="{D42A27DB-BD31-4B8C-83A1-F6EECF244321}">
-                <p14:modId xmlns:p14="http://schemas.microsoft.com/office/powerpoint/2010/main" val="1955453922"/>
-              </p:ext>
-            </p:extLst>
-          </p:nvPr>
-        </p:nvGraphicFramePr>
-        <p:xfrm>
-          <a:off x="6900203" y="1095380"/>
-          <a:ext cx="5159795" cy="2228845"/>
-        </p:xfrm>
-        <a:graphic>
-          <a:graphicData uri="http://schemas.openxmlformats.org/presentationml/2006/ole">
-            <mc:AlternateContent xmlns:mc="http://schemas.openxmlformats.org/markup-compatibility/2006">
-              <mc:Choice xmlns:v="urn:schemas-microsoft-com:vml" Requires="v">
-                <p:oleObj name="Document" r:id="rId3" imgW="5386812" imgH="2168135" progId="Word.OpenDocumentText.12">
-                  <p:embed/>
-                </p:oleObj>
-              </mc:Choice>
-              <mc:Fallback>
-                <p:oleObj name="Document" r:id="rId3" imgW="5386812" imgH="2168135" progId="Word.OpenDocumentText.12">
-                  <p:embed/>
-                  <p:pic>
-                    <p:nvPicPr>
-                      <p:cNvPr id="0" name="Object 1"/>
-                      <p:cNvPicPr>
-                        <a:picLocks noChangeAspect="1" noChangeArrowheads="1"/>
-                      </p:cNvPicPr>
-                      <p:nvPr/>
-                    </p:nvPicPr>
-                    <p:blipFill>
-                      <a:blip r:embed="rId4">
-                        <a:extLst>
-                          <a:ext uri="{28A0092B-C50C-407E-A947-70E740481C1C}">
-                            <a14:useLocalDpi xmlns:a14="http://schemas.microsoft.com/office/drawing/2010/main" val="0"/>
-                          </a:ext>
-                        </a:extLst>
-                      </a:blip>
-                      <a:srcRect/>
-                      <a:stretch>
-                        <a:fillRect/>
-                      </a:stretch>
-                    </p:blipFill>
-                    <p:spPr bwMode="auto">
-                      <a:xfrm>
-                        <a:off x="6900203" y="1095380"/>
-                        <a:ext cx="5159795" cy="2228845"/>
-                      </a:xfrm>
-                      <a:prstGeom prst="rect">
-                        <a:avLst/>
-                      </a:prstGeom>
-                      <a:noFill/>
-                    </p:spPr>
-                  </p:pic>
-                </p:oleObj>
-              </mc:Fallback>
-            </mc:AlternateContent>
-          </a:graphicData>
-        </a:graphic>
-      </p:graphicFrame>
-      <p:sp>
-        <p:nvSpPr>
-          <p:cNvPr id="13" name="CuadroTexto 12">
-            <a:extLst>
-              <a:ext uri="{FF2B5EF4-FFF2-40B4-BE49-F238E27FC236}">
-                <a16:creationId xmlns:a16="http://schemas.microsoft.com/office/drawing/2014/main" id="{8715AEC9-EDCD-486C-B6B3-5A156F7C51EB}"/>
-              </a:ext>
-            </a:extLst>
-          </p:cNvPr>
-          <p:cNvSpPr txBox="1"/>
-          <p:nvPr/>
-        </p:nvSpPr>
-        <p:spPr>
-          <a:xfrm>
-            <a:off x="4907454" y="247959"/>
-            <a:ext cx="2590626" cy="461665"/>
-          </a:xfrm>
-          <a:prstGeom prst="rect">
-            <a:avLst/>
-          </a:prstGeom>
-          <a:noFill/>
-        </p:spPr>
-        <p:txBody>
-          <a:bodyPr wrap="square" rtlCol="0">
-            <a:spAutoFit/>
-          </a:bodyPr>
-          <a:lstStyle/>
-          <a:p>
-            <a:r>
-              <a:rPr lang="es-ES" sz="2400" b="1" dirty="0"/>
-              <a:t>Acciones: Agente</a:t>
-            </a:r>
-          </a:p>
-        </p:txBody>
-      </p:sp>
       <p:pic>
         <p:nvPicPr>
-          <p:cNvPr id="15" name="Imagen 14">
-            <a:extLst>
-              <a:ext uri="{FF2B5EF4-FFF2-40B4-BE49-F238E27FC236}">
-                <a16:creationId xmlns:a16="http://schemas.microsoft.com/office/drawing/2014/main" id="{4FC7D009-5BB2-4D30-8DC3-BDECBE764647}"/>
+          <p:cNvPr id="16" name="Imagen 15">
+            <a:extLst>
+              <a:ext uri="{FF2B5EF4-FFF2-40B4-BE49-F238E27FC236}">
+                <a16:creationId xmlns:a16="http://schemas.microsoft.com/office/drawing/2014/main" id="{77704491-391F-41EA-8CFE-E2E61F7DD2FB}"/>
+              </a:ext>
+            </a:extLst>
+          </p:cNvPr>
+          <p:cNvPicPr>
+            <a:picLocks noChangeAspect="1"/>
+          </p:cNvPicPr>
+          <p:nvPr/>
+        </p:nvPicPr>
+        <p:blipFill>
+          <a:blip r:embed="rId4"/>
+          <a:stretch>
+            <a:fillRect/>
+          </a:stretch>
+        </p:blipFill>
+        <p:spPr>
+          <a:xfrm>
+            <a:off x="6430500" y="1600200"/>
+            <a:ext cx="5150947" cy="2240280"/>
+          </a:xfrm>
+          <a:prstGeom prst="rect">
+            <a:avLst/>
+          </a:prstGeom>
+        </p:spPr>
+      </p:pic>
+      <p:pic>
+        <p:nvPicPr>
+          <p:cNvPr id="18" name="Imagen 17">
+            <a:extLst>
+              <a:ext uri="{FF2B5EF4-FFF2-40B4-BE49-F238E27FC236}">
+                <a16:creationId xmlns:a16="http://schemas.microsoft.com/office/drawing/2014/main" id="{497DA0E1-B6F6-4836-BC51-7FC23EB0C2A7}"/>
               </a:ext>
             </a:extLst>
           </p:cNvPr>
@@ -9339,8 +10100,8 @@
         </p:blipFill>
         <p:spPr>
           <a:xfrm>
-            <a:off x="7543799" y="3897356"/>
-            <a:ext cx="3969231" cy="2560593"/>
+            <a:off x="8805862" y="4724400"/>
+            <a:ext cx="2124075" cy="609600"/>
           </a:xfrm>
           <a:prstGeom prst="rect">
             <a:avLst/>
@@ -9349,10 +10110,10 @@
       </p:pic>
       <p:sp>
         <p:nvSpPr>
-          <p:cNvPr id="16" name="CuadroTexto 15">
-            <a:extLst>
-              <a:ext uri="{FF2B5EF4-FFF2-40B4-BE49-F238E27FC236}">
-                <a16:creationId xmlns:a16="http://schemas.microsoft.com/office/drawing/2014/main" id="{18ADE18B-FE83-4DCF-A6D6-18BFFB2CE9CF}"/>
+          <p:cNvPr id="19" name="CuadroTexto 18">
+            <a:extLst>
+              <a:ext uri="{FF2B5EF4-FFF2-40B4-BE49-F238E27FC236}">
+                <a16:creationId xmlns:a16="http://schemas.microsoft.com/office/drawing/2014/main" id="{2A64CC08-8ABE-4F6D-9110-4776885589A5}"/>
               </a:ext>
             </a:extLst>
           </p:cNvPr>
@@ -9361,8 +10122,8 @@
         </p:nvSpPr>
         <p:spPr>
           <a:xfrm>
-            <a:off x="7907190" y="6439471"/>
-            <a:ext cx="4239057" cy="400110"/>
+            <a:off x="1074421" y="1680211"/>
+            <a:ext cx="3726180" cy="1754326"/>
           </a:xfrm>
           <a:prstGeom prst="rect">
             <a:avLst/>
@@ -9376,48 +10137,24 @@
           <a:lstStyle/>
           <a:p>
             <a:r>
-              <a:rPr lang="es-ES" sz="1000" dirty="0"/>
-              <a:t>https://medium.com/analytics-vidhya/the-epsilon-greedy-algorithm-for-reinforcement-learning-5fe6f96dc870</a:t>
-            </a:r>
-          </a:p>
-        </p:txBody>
-      </p:sp>
-      <p:pic>
-        <p:nvPicPr>
-          <p:cNvPr id="6" name="Imagen 5">
-            <a:extLst>
-              <a:ext uri="{FF2B5EF4-FFF2-40B4-BE49-F238E27FC236}">
-                <a16:creationId xmlns:a16="http://schemas.microsoft.com/office/drawing/2014/main" id="{D94D305B-EF52-456B-957A-BF7C443400AC}"/>
-              </a:ext>
-            </a:extLst>
-          </p:cNvPr>
-          <p:cNvPicPr>
-            <a:picLocks noChangeAspect="1"/>
-          </p:cNvPicPr>
-          <p:nvPr/>
-        </p:nvPicPr>
-        <p:blipFill>
-          <a:blip r:embed="rId6"/>
-          <a:stretch>
-            <a:fillRect/>
-          </a:stretch>
-        </p:blipFill>
-        <p:spPr>
-          <a:xfrm>
-            <a:off x="1095769" y="1277085"/>
-            <a:ext cx="4153854" cy="3357562"/>
-          </a:xfrm>
-          <a:prstGeom prst="rect">
-            <a:avLst/>
-          </a:prstGeom>
-        </p:spPr>
-      </p:pic>
-      <p:sp>
-        <p:nvSpPr>
-          <p:cNvPr id="14" name="CuadroTexto 13">
-            <a:extLst>
-              <a:ext uri="{FF2B5EF4-FFF2-40B4-BE49-F238E27FC236}">
-                <a16:creationId xmlns:a16="http://schemas.microsoft.com/office/drawing/2014/main" id="{EC13A798-F3FD-47FF-A01B-40A6AB9E9552}"/>
+              <a:rPr lang="es-ES" dirty="0"/>
+              <a:t>Para simplificar y acelerar el aprendizaje establecemos un máximo de 5 pods y discretizamos el valor de uso de CPU</a:t>
+            </a:r>
+          </a:p>
+          <a:p>
+            <a:endParaRPr lang="es-ES" dirty="0"/>
+          </a:p>
+          <a:p>
+            <a:endParaRPr lang="es-ES" dirty="0"/>
+          </a:p>
+        </p:txBody>
+      </p:sp>
+      <p:sp>
+        <p:nvSpPr>
+          <p:cNvPr id="20" name="CuadroTexto 19">
+            <a:extLst>
+              <a:ext uri="{FF2B5EF4-FFF2-40B4-BE49-F238E27FC236}">
+                <a16:creationId xmlns:a16="http://schemas.microsoft.com/office/drawing/2014/main" id="{323D5EAD-3512-4A24-9F6A-326BD916B250}"/>
               </a:ext>
             </a:extLst>
           </p:cNvPr>
@@ -9426,294 +10163,8 @@
         </p:nvSpPr>
         <p:spPr>
           <a:xfrm>
-            <a:off x="10392" y="6597367"/>
-            <a:ext cx="8173027" cy="246221"/>
-          </a:xfrm>
-          <a:prstGeom prst="rect">
-            <a:avLst/>
-          </a:prstGeom>
-          <a:noFill/>
-        </p:spPr>
-        <p:txBody>
-          <a:bodyPr wrap="square">
-            <a:spAutoFit/>
-          </a:bodyPr>
-          <a:lstStyle/>
-          <a:p>
-            <a:r>
-              <a:rPr lang="es-ES" sz="1000" dirty="0"/>
-              <a:t>https://www.researchgate.net/figure/Neural-network-architecture-setting-There-are-five-inputs-one-output-and-three-hidden_fig5_320696945</a:t>
-            </a:r>
-          </a:p>
-        </p:txBody>
-      </p:sp>
-      <p:pic>
-        <p:nvPicPr>
-          <p:cNvPr id="12" name="Imagen 11">
-            <a:extLst>
-              <a:ext uri="{FF2B5EF4-FFF2-40B4-BE49-F238E27FC236}">
-                <a16:creationId xmlns:a16="http://schemas.microsoft.com/office/drawing/2014/main" id="{A1813F21-CF56-4140-B4C8-AB8950FE7205}"/>
-              </a:ext>
-            </a:extLst>
-          </p:cNvPr>
-          <p:cNvPicPr>
-            <a:picLocks noChangeAspect="1"/>
-          </p:cNvPicPr>
-          <p:nvPr/>
-        </p:nvPicPr>
-        <p:blipFill>
-          <a:blip r:embed="rId7"/>
-          <a:stretch>
-            <a:fillRect/>
-          </a:stretch>
-        </p:blipFill>
-        <p:spPr>
-          <a:xfrm>
-            <a:off x="323850" y="1758098"/>
-            <a:ext cx="457200" cy="190500"/>
-          </a:xfrm>
-          <a:prstGeom prst="rect">
-            <a:avLst/>
-          </a:prstGeom>
-        </p:spPr>
-      </p:pic>
-      <p:pic>
-        <p:nvPicPr>
-          <p:cNvPr id="18" name="Imagen 17">
-            <a:extLst>
-              <a:ext uri="{FF2B5EF4-FFF2-40B4-BE49-F238E27FC236}">
-                <a16:creationId xmlns:a16="http://schemas.microsoft.com/office/drawing/2014/main" id="{8043FACD-F7FC-4104-B1BA-8EA61B63EEBC}"/>
-              </a:ext>
-            </a:extLst>
-          </p:cNvPr>
-          <p:cNvPicPr>
-            <a:picLocks noChangeAspect="1"/>
-          </p:cNvPicPr>
-          <p:nvPr/>
-        </p:nvPicPr>
-        <p:blipFill>
-          <a:blip r:embed="rId7"/>
-          <a:stretch>
-            <a:fillRect/>
-          </a:stretch>
-        </p:blipFill>
-        <p:spPr>
-          <a:xfrm rot="10800000">
-            <a:off x="323850" y="4063148"/>
-            <a:ext cx="457200" cy="190500"/>
-          </a:xfrm>
-          <a:prstGeom prst="rect">
-            <a:avLst/>
-          </a:prstGeom>
-        </p:spPr>
-      </p:pic>
-      <p:pic>
-        <p:nvPicPr>
-          <p:cNvPr id="20" name="Imagen 19">
-            <a:extLst>
-              <a:ext uri="{FF2B5EF4-FFF2-40B4-BE49-F238E27FC236}">
-                <a16:creationId xmlns:a16="http://schemas.microsoft.com/office/drawing/2014/main" id="{309705BE-5A7A-47E7-A4A7-6CB76EFB61CF}"/>
-              </a:ext>
-            </a:extLst>
-          </p:cNvPr>
-          <p:cNvPicPr>
-            <a:picLocks noChangeAspect="1"/>
-          </p:cNvPicPr>
-          <p:nvPr/>
-        </p:nvPicPr>
-        <p:blipFill>
-          <a:blip r:embed="rId8"/>
-          <a:stretch>
-            <a:fillRect/>
-          </a:stretch>
-        </p:blipFill>
-        <p:spPr>
-          <a:xfrm>
-            <a:off x="438149" y="1910499"/>
-            <a:ext cx="191386" cy="342900"/>
-          </a:xfrm>
-          <a:prstGeom prst="rect">
-            <a:avLst/>
-          </a:prstGeom>
-        </p:spPr>
-      </p:pic>
-      <p:pic>
-        <p:nvPicPr>
-          <p:cNvPr id="22" name="Imagen 21">
-            <a:extLst>
-              <a:ext uri="{FF2B5EF4-FFF2-40B4-BE49-F238E27FC236}">
-                <a16:creationId xmlns:a16="http://schemas.microsoft.com/office/drawing/2014/main" id="{0DF49E74-6E27-4698-8D2C-44CE22AAF377}"/>
-              </a:ext>
-            </a:extLst>
-          </p:cNvPr>
-          <p:cNvPicPr>
-            <a:picLocks noChangeAspect="1"/>
-          </p:cNvPicPr>
-          <p:nvPr/>
-        </p:nvPicPr>
-        <p:blipFill>
-          <a:blip r:embed="rId8"/>
-          <a:stretch>
-            <a:fillRect/>
-          </a:stretch>
-        </p:blipFill>
-        <p:spPr>
-          <a:xfrm>
-            <a:off x="430925" y="3206048"/>
-            <a:ext cx="191386" cy="342900"/>
-          </a:xfrm>
-          <a:prstGeom prst="rect">
-            <a:avLst/>
-          </a:prstGeom>
-        </p:spPr>
-      </p:pic>
-      <p:pic>
-        <p:nvPicPr>
-          <p:cNvPr id="24" name="Imagen 23">
-            <a:extLst>
-              <a:ext uri="{FF2B5EF4-FFF2-40B4-BE49-F238E27FC236}">
-                <a16:creationId xmlns:a16="http://schemas.microsoft.com/office/drawing/2014/main" id="{F9E4043B-7E7D-442B-8483-2E43F66C2B7E}"/>
-              </a:ext>
-            </a:extLst>
-          </p:cNvPr>
-          <p:cNvPicPr>
-            <a:picLocks noChangeAspect="1"/>
-          </p:cNvPicPr>
-          <p:nvPr/>
-        </p:nvPicPr>
-        <p:blipFill>
-          <a:blip r:embed="rId9"/>
-          <a:stretch>
-            <a:fillRect/>
-          </a:stretch>
-        </p:blipFill>
-        <p:spPr>
-          <a:xfrm>
-            <a:off x="447675" y="2401036"/>
-            <a:ext cx="191386" cy="304478"/>
-          </a:xfrm>
-          <a:prstGeom prst="rect">
-            <a:avLst/>
-          </a:prstGeom>
-        </p:spPr>
-      </p:pic>
-      <p:pic>
-        <p:nvPicPr>
-          <p:cNvPr id="26" name="Imagen 25">
-            <a:extLst>
-              <a:ext uri="{FF2B5EF4-FFF2-40B4-BE49-F238E27FC236}">
-                <a16:creationId xmlns:a16="http://schemas.microsoft.com/office/drawing/2014/main" id="{0F8CCFDF-6017-4740-BC02-424C6212144B}"/>
-              </a:ext>
-            </a:extLst>
-          </p:cNvPr>
-          <p:cNvPicPr>
-            <a:picLocks noChangeAspect="1"/>
-          </p:cNvPicPr>
-          <p:nvPr/>
-        </p:nvPicPr>
-        <p:blipFill>
-          <a:blip r:embed="rId10"/>
-          <a:stretch>
-            <a:fillRect/>
-          </a:stretch>
-        </p:blipFill>
-        <p:spPr>
-          <a:xfrm>
-            <a:off x="457200" y="2739173"/>
-            <a:ext cx="198520" cy="342900"/>
-          </a:xfrm>
-          <a:prstGeom prst="rect">
-            <a:avLst/>
-          </a:prstGeom>
-        </p:spPr>
-      </p:pic>
-      <p:pic>
-        <p:nvPicPr>
-          <p:cNvPr id="28" name="Imagen 27">
-            <a:extLst>
-              <a:ext uri="{FF2B5EF4-FFF2-40B4-BE49-F238E27FC236}">
-                <a16:creationId xmlns:a16="http://schemas.microsoft.com/office/drawing/2014/main" id="{142130F2-14E9-43D0-A1DA-BC3436ED5C1A}"/>
-              </a:ext>
-            </a:extLst>
-          </p:cNvPr>
-          <p:cNvPicPr>
-            <a:picLocks noChangeAspect="1"/>
-          </p:cNvPicPr>
-          <p:nvPr/>
-        </p:nvPicPr>
-        <p:blipFill>
-          <a:blip r:embed="rId11"/>
-          <a:stretch>
-            <a:fillRect/>
-          </a:stretch>
-        </p:blipFill>
-        <p:spPr>
-          <a:xfrm>
-            <a:off x="433387" y="3720248"/>
-            <a:ext cx="219075" cy="304800"/>
-          </a:xfrm>
-          <a:prstGeom prst="rect">
-            <a:avLst/>
-          </a:prstGeom>
-        </p:spPr>
-      </p:pic>
-      <p:sp>
-        <p:nvSpPr>
-          <p:cNvPr id="29" name="CuadroTexto 28">
-            <a:extLst>
-              <a:ext uri="{FF2B5EF4-FFF2-40B4-BE49-F238E27FC236}">
-                <a16:creationId xmlns:a16="http://schemas.microsoft.com/office/drawing/2014/main" id="{F4AF663E-9151-4A77-B520-F29E2F28538C}"/>
-              </a:ext>
-            </a:extLst>
-          </p:cNvPr>
-          <p:cNvSpPr txBox="1"/>
-          <p:nvPr/>
-        </p:nvSpPr>
-        <p:spPr>
-          <a:xfrm>
-            <a:off x="155586" y="1036792"/>
-            <a:ext cx="824265" cy="646331"/>
-          </a:xfrm>
-          <a:prstGeom prst="rect">
-            <a:avLst/>
-          </a:prstGeom>
-          <a:noFill/>
-        </p:spPr>
-        <p:txBody>
-          <a:bodyPr wrap="none" rtlCol="0">
-            <a:spAutoFit/>
-          </a:bodyPr>
-          <a:lstStyle/>
-          <a:p>
-            <a:r>
-              <a:rPr lang="es-ES" b="1" dirty="0"/>
-              <a:t>Vector</a:t>
-            </a:r>
-          </a:p>
-          <a:p>
-            <a:r>
-              <a:rPr lang="es-ES" b="1" dirty="0"/>
-              <a:t>Estado</a:t>
-            </a:r>
-          </a:p>
-        </p:txBody>
-      </p:sp>
-      <p:sp>
-        <p:nvSpPr>
-          <p:cNvPr id="30" name="CuadroTexto 29">
-            <a:extLst>
-              <a:ext uri="{FF2B5EF4-FFF2-40B4-BE49-F238E27FC236}">
-                <a16:creationId xmlns:a16="http://schemas.microsoft.com/office/drawing/2014/main" id="{D7B5E6E1-2F6B-4BC2-BE3A-EB1B8F0A1C4D}"/>
-              </a:ext>
-            </a:extLst>
-          </p:cNvPr>
-          <p:cNvSpPr txBox="1"/>
-          <p:nvPr/>
-        </p:nvSpPr>
-        <p:spPr>
-          <a:xfrm>
-            <a:off x="4341091" y="1154267"/>
-            <a:ext cx="2272145" cy="646331"/>
+            <a:off x="8938260" y="5417820"/>
+            <a:ext cx="1991677" cy="369332"/>
           </a:xfrm>
           <a:prstGeom prst="rect">
             <a:avLst/>
@@ -9727,24 +10178,18 @@
           <a:lstStyle/>
           <a:p>
             <a:r>
-              <a:rPr lang="es-ES" b="1" dirty="0"/>
-              <a:t>Salida con activación</a:t>
-            </a:r>
-          </a:p>
-          <a:p>
-            <a:r>
-              <a:rPr lang="es-ES" b="1" dirty="0"/>
-              <a:t>Lineal</a:t>
-            </a:r>
-          </a:p>
-        </p:txBody>
-      </p:sp>
-      <p:sp>
-        <p:nvSpPr>
-          <p:cNvPr id="31" name="CuadroTexto 30">
-            <a:extLst>
-              <a:ext uri="{FF2B5EF4-FFF2-40B4-BE49-F238E27FC236}">
-                <a16:creationId xmlns:a16="http://schemas.microsoft.com/office/drawing/2014/main" id="{94E767AA-54B3-42FF-BD72-146A6EAF5648}"/>
+              <a:rPr lang="es-ES" dirty="0"/>
+              <a:t>Vector estado final</a:t>
+            </a:r>
+          </a:p>
+        </p:txBody>
+      </p:sp>
+      <p:sp>
+        <p:nvSpPr>
+          <p:cNvPr id="21" name="CuadroTexto 20">
+            <a:extLst>
+              <a:ext uri="{FF2B5EF4-FFF2-40B4-BE49-F238E27FC236}">
+                <a16:creationId xmlns:a16="http://schemas.microsoft.com/office/drawing/2014/main" id="{D0E8FF75-84AF-48C4-80FC-48EBFB78F701}"/>
               </a:ext>
             </a:extLst>
           </p:cNvPr>
@@ -9753,8 +10198,8 @@
         </p:nvSpPr>
         <p:spPr>
           <a:xfrm>
-            <a:off x="5259148" y="1891448"/>
-            <a:ext cx="836852" cy="369332"/>
+            <a:off x="4469130" y="6195060"/>
+            <a:ext cx="7623810" cy="369332"/>
           </a:xfrm>
           <a:prstGeom prst="rect">
             <a:avLst/>
@@ -9769,228 +10214,15 @@
           <a:p>
             <a:r>
               <a:rPr lang="es-ES" dirty="0"/>
-              <a:t>528.01</a:t>
-            </a:r>
-          </a:p>
-        </p:txBody>
-      </p:sp>
-      <p:sp>
-        <p:nvSpPr>
-          <p:cNvPr id="32" name="CuadroTexto 31">
-            <a:extLst>
-              <a:ext uri="{FF2B5EF4-FFF2-40B4-BE49-F238E27FC236}">
-                <a16:creationId xmlns:a16="http://schemas.microsoft.com/office/drawing/2014/main" id="{CEB6F5AC-E156-4F37-B619-01A642F3D555}"/>
-              </a:ext>
-            </a:extLst>
-          </p:cNvPr>
-          <p:cNvSpPr txBox="1"/>
-          <p:nvPr/>
-        </p:nvSpPr>
-        <p:spPr>
-          <a:xfrm>
-            <a:off x="5259148" y="2348648"/>
-            <a:ext cx="836852" cy="369332"/>
-          </a:xfrm>
-          <a:prstGeom prst="rect">
-            <a:avLst/>
-          </a:prstGeom>
-          <a:noFill/>
-        </p:spPr>
-        <p:txBody>
-          <a:bodyPr wrap="square" rtlCol="0">
-            <a:spAutoFit/>
-          </a:bodyPr>
-          <a:lstStyle/>
-          <a:p>
-            <a:r>
-              <a:rPr lang="es-ES" dirty="0"/>
-              <a:t>553.00</a:t>
-            </a:r>
-          </a:p>
-        </p:txBody>
-      </p:sp>
-      <p:sp>
-        <p:nvSpPr>
-          <p:cNvPr id="33" name="CuadroTexto 32">
-            <a:extLst>
-              <a:ext uri="{FF2B5EF4-FFF2-40B4-BE49-F238E27FC236}">
-                <a16:creationId xmlns:a16="http://schemas.microsoft.com/office/drawing/2014/main" id="{C1DA5249-58F4-4F8B-A5A0-4E36054D9ADD}"/>
-              </a:ext>
-            </a:extLst>
-          </p:cNvPr>
-          <p:cNvSpPr txBox="1"/>
-          <p:nvPr/>
-        </p:nvSpPr>
-        <p:spPr>
-          <a:xfrm>
-            <a:off x="5268673" y="2786798"/>
-            <a:ext cx="836852" cy="369332"/>
-          </a:xfrm>
-          <a:prstGeom prst="rect">
-            <a:avLst/>
-          </a:prstGeom>
-          <a:noFill/>
-        </p:spPr>
-        <p:txBody>
-          <a:bodyPr wrap="square" rtlCol="0">
-            <a:spAutoFit/>
-          </a:bodyPr>
-          <a:lstStyle/>
-          <a:p>
-            <a:r>
-              <a:rPr lang="es-ES" dirty="0"/>
-              <a:t>512.54 </a:t>
-            </a:r>
-          </a:p>
-        </p:txBody>
-      </p:sp>
-      <p:sp>
-        <p:nvSpPr>
-          <p:cNvPr id="34" name="CuadroTexto 33">
-            <a:extLst>
-              <a:ext uri="{FF2B5EF4-FFF2-40B4-BE49-F238E27FC236}">
-                <a16:creationId xmlns:a16="http://schemas.microsoft.com/office/drawing/2014/main" id="{D6FA658A-2259-4C63-BD4F-73826E23B2FA}"/>
-              </a:ext>
-            </a:extLst>
-          </p:cNvPr>
-          <p:cNvSpPr txBox="1"/>
-          <p:nvPr/>
-        </p:nvSpPr>
-        <p:spPr>
-          <a:xfrm>
-            <a:off x="5259148" y="3215423"/>
-            <a:ext cx="836852" cy="369332"/>
-          </a:xfrm>
-          <a:prstGeom prst="rect">
-            <a:avLst/>
-          </a:prstGeom>
-          <a:noFill/>
-        </p:spPr>
-        <p:txBody>
-          <a:bodyPr wrap="square" rtlCol="0">
-            <a:spAutoFit/>
-          </a:bodyPr>
-          <a:lstStyle/>
-          <a:p>
-            <a:r>
-              <a:rPr lang="es-ES" dirty="0"/>
-              <a:t>582.60 </a:t>
-            </a:r>
-          </a:p>
-        </p:txBody>
-      </p:sp>
-      <p:sp>
-        <p:nvSpPr>
-          <p:cNvPr id="35" name="CuadroTexto 34">
-            <a:extLst>
-              <a:ext uri="{FF2B5EF4-FFF2-40B4-BE49-F238E27FC236}">
-                <a16:creationId xmlns:a16="http://schemas.microsoft.com/office/drawing/2014/main" id="{5B295DEC-2449-41CB-995F-D6250264AB79}"/>
-              </a:ext>
-            </a:extLst>
-          </p:cNvPr>
-          <p:cNvSpPr txBox="1"/>
-          <p:nvPr/>
-        </p:nvSpPr>
-        <p:spPr>
-          <a:xfrm>
-            <a:off x="5259148" y="3615473"/>
-            <a:ext cx="836852" cy="369332"/>
-          </a:xfrm>
-          <a:prstGeom prst="rect">
-            <a:avLst/>
-          </a:prstGeom>
-          <a:noFill/>
-        </p:spPr>
-        <p:txBody>
-          <a:bodyPr wrap="square" rtlCol="0">
-            <a:spAutoFit/>
-          </a:bodyPr>
-          <a:lstStyle/>
-          <a:p>
-            <a:r>
-              <a:rPr lang="es-ES" dirty="0"/>
-              <a:t>503.00 </a:t>
-            </a:r>
-          </a:p>
-        </p:txBody>
-      </p:sp>
-      <p:sp>
-        <p:nvSpPr>
-          <p:cNvPr id="37" name="CuadroTexto 36">
-            <a:extLst>
-              <a:ext uri="{FF2B5EF4-FFF2-40B4-BE49-F238E27FC236}">
-                <a16:creationId xmlns:a16="http://schemas.microsoft.com/office/drawing/2014/main" id="{0D2508FE-901A-474A-B119-BCFEF9F825B7}"/>
-              </a:ext>
-            </a:extLst>
-          </p:cNvPr>
-          <p:cNvSpPr txBox="1"/>
-          <p:nvPr/>
-        </p:nvSpPr>
-        <p:spPr>
-          <a:xfrm>
-            <a:off x="7613661" y="3457575"/>
-            <a:ext cx="3969230" cy="400110"/>
-          </a:xfrm>
-          <a:prstGeom prst="rect">
-            <a:avLst/>
-          </a:prstGeom>
-          <a:noFill/>
-        </p:spPr>
-        <p:txBody>
-          <a:bodyPr wrap="square" rtlCol="0">
-            <a:spAutoFit/>
-          </a:bodyPr>
-          <a:lstStyle/>
-          <a:p>
-            <a:r>
-              <a:rPr lang="el-GR" sz="2000" b="1" dirty="0"/>
-              <a:t>ε</a:t>
-            </a:r>
-            <a:r>
-              <a:rPr lang="es-ES" sz="2000" b="1" dirty="0"/>
-              <a:t> – </a:t>
-            </a:r>
-            <a:r>
-              <a:rPr lang="es-ES" b="1" dirty="0"/>
-              <a:t>greedy: Exploración vs explotación</a:t>
-            </a:r>
-          </a:p>
-        </p:txBody>
-      </p:sp>
-      <p:pic>
-        <p:nvPicPr>
-          <p:cNvPr id="4" name="Imagen 3">
-            <a:extLst>
-              <a:ext uri="{FF2B5EF4-FFF2-40B4-BE49-F238E27FC236}">
-                <a16:creationId xmlns:a16="http://schemas.microsoft.com/office/drawing/2014/main" id="{4C29594F-4682-455E-93A0-CE626FF77A5C}"/>
-              </a:ext>
-            </a:extLst>
-          </p:cNvPr>
-          <p:cNvPicPr>
-            <a:picLocks noChangeAspect="1"/>
-          </p:cNvPicPr>
-          <p:nvPr/>
-        </p:nvPicPr>
-        <p:blipFill>
-          <a:blip r:embed="rId12"/>
-          <a:stretch>
-            <a:fillRect/>
-          </a:stretch>
-        </p:blipFill>
-        <p:spPr>
-          <a:xfrm>
-            <a:off x="599929" y="4716234"/>
-            <a:ext cx="5717742" cy="1806991"/>
-          </a:xfrm>
-          <a:prstGeom prst="rect">
-            <a:avLst/>
-          </a:prstGeom>
-        </p:spPr>
-      </p:pic>
+              <a:t>Desventajas: Rigidez en cuanto a número de pods y caracterización de la carga </a:t>
+            </a:r>
+          </a:p>
+        </p:txBody>
+      </p:sp>
     </p:spTree>
     <p:extLst>
       <p:ext uri="{BB962C8B-B14F-4D97-AF65-F5344CB8AC3E}">
-        <p14:creationId xmlns:p14="http://schemas.microsoft.com/office/powerpoint/2010/main" val="1333816836"/>
+        <p14:creationId xmlns:p14="http://schemas.microsoft.com/office/powerpoint/2010/main" val="300288635"/>
       </p:ext>
     </p:extLst>
   </p:cSld>

--- a/doc/HpaWithDrl.pptx
+++ b/doc/HpaWithDrl.pptx
@@ -3730,14 +3730,14 @@
           <p:nvPr>
             <p:extLst>
               <p:ext uri="{D42A27DB-BD31-4B8C-83A1-F6EECF244321}">
-                <p14:modId xmlns:p14="http://schemas.microsoft.com/office/powerpoint/2010/main" val="1955453922"/>
+                <p14:modId xmlns:p14="http://schemas.microsoft.com/office/powerpoint/2010/main" val="2914056100"/>
               </p:ext>
             </p:extLst>
           </p:nvPr>
         </p:nvGraphicFramePr>
         <p:xfrm>
-          <a:off x="6900203" y="1095380"/>
-          <a:ext cx="5159795" cy="2228845"/>
+          <a:off x="7251978" y="995782"/>
+          <a:ext cx="4763271" cy="2057561"/>
         </p:xfrm>
         <a:graphic>
           <a:graphicData uri="http://schemas.openxmlformats.org/presentationml/2006/ole">
@@ -3773,8 +3773,8 @@
                     </p:blipFill>
                     <p:spPr bwMode="auto">
                       <a:xfrm>
-                        <a:off x="6900203" y="1095380"/>
-                        <a:ext cx="5159795" cy="2228845"/>
+                        <a:off x="7251978" y="995782"/>
+                        <a:ext cx="4763271" cy="2057561"/>
                       </a:xfrm>
                       <a:prstGeom prst="rect">
                         <a:avLst/>
@@ -4485,7 +4485,7 @@
         </p:blipFill>
         <p:spPr>
           <a:xfrm>
-            <a:off x="599929" y="4716234"/>
+            <a:off x="457200" y="4722515"/>
             <a:ext cx="5717742" cy="1806991"/>
           </a:xfrm>
           <a:prstGeom prst="rect">
@@ -5923,85 +5923,82 @@
           </a:p>
         </p:txBody>
       </p:sp>
-      <p:graphicFrame>
-        <p:nvGraphicFramePr>
-          <p:cNvPr id="6" name="Objeto 5">
-            <a:extLst>
-              <a:ext uri="{FF2B5EF4-FFF2-40B4-BE49-F238E27FC236}">
-                <a16:creationId xmlns:a16="http://schemas.microsoft.com/office/drawing/2014/main" id="{6696693F-686D-4E15-AF2E-752B3C2581F8}"/>
-              </a:ext>
-            </a:extLst>
-          </p:cNvPr>
-          <p:cNvGraphicFramePr>
-            <a:graphicFrameLocks noChangeAspect="1"/>
-          </p:cNvGraphicFramePr>
-          <p:nvPr>
-            <p:extLst>
-              <p:ext uri="{D42A27DB-BD31-4B8C-83A1-F6EECF244321}">
-                <p14:modId xmlns:p14="http://schemas.microsoft.com/office/powerpoint/2010/main" val="1452173830"/>
-              </p:ext>
-            </p:extLst>
-          </p:nvPr>
-        </p:nvGraphicFramePr>
-        <p:xfrm>
-          <a:off x="6287401" y="3168626"/>
-          <a:ext cx="5486384" cy="3511998"/>
-        </p:xfrm>
-        <a:graphic>
-          <a:graphicData uri="http://schemas.openxmlformats.org/presentationml/2006/ole">
-            <mc:AlternateContent xmlns:mc="http://schemas.openxmlformats.org/markup-compatibility/2006">
-              <mc:Choice xmlns:v="urn:schemas-microsoft-com:vml" Requires="v">
-                <p:oleObj name="Document" r:id="rId3" imgW="5386812" imgH="3252023" progId="Word.OpenDocumentText.12">
-                  <p:embed/>
-                </p:oleObj>
-              </mc:Choice>
-              <mc:Fallback>
-                <p:oleObj name="Document" r:id="rId3" imgW="5386812" imgH="3252023" progId="Word.OpenDocumentText.12">
-                  <p:embed/>
-                  <p:pic>
-                    <p:nvPicPr>
-                      <p:cNvPr id="0" name="Object 1"/>
-                      <p:cNvPicPr>
-                        <a:picLocks noChangeAspect="1" noChangeArrowheads="1"/>
-                      </p:cNvPicPr>
-                      <p:nvPr/>
-                    </p:nvPicPr>
-                    <p:blipFill>
-                      <a:blip r:embed="rId4">
-                        <a:extLst>
-                          <a:ext uri="{28A0092B-C50C-407E-A947-70E740481C1C}">
-                            <a14:useLocalDpi xmlns:a14="http://schemas.microsoft.com/office/drawing/2010/main" val="0"/>
-                          </a:ext>
-                        </a:extLst>
-                      </a:blip>
-                      <a:srcRect/>
-                      <a:stretch>
-                        <a:fillRect/>
-                      </a:stretch>
-                    </p:blipFill>
-                    <p:spPr bwMode="auto">
-                      <a:xfrm>
-                        <a:off x="6287401" y="3168626"/>
-                        <a:ext cx="5486384" cy="3511998"/>
-                      </a:xfrm>
-                      <a:prstGeom prst="rect">
-                        <a:avLst/>
-                      </a:prstGeom>
-                      <a:noFill/>
-                    </p:spPr>
-                  </p:pic>
-                </p:oleObj>
-              </mc:Fallback>
-            </mc:AlternateContent>
-          </a:graphicData>
-        </a:graphic>
-      </p:graphicFrame>
+      <p:sp>
+        <p:nvSpPr>
+          <p:cNvPr id="10" name="CuadroTexto 9">
+            <a:extLst>
+              <a:ext uri="{FF2B5EF4-FFF2-40B4-BE49-F238E27FC236}">
+                <a16:creationId xmlns:a16="http://schemas.microsoft.com/office/drawing/2014/main" id="{8D28D2F4-E222-4E41-9A5B-CE2B6500D775}"/>
+              </a:ext>
+            </a:extLst>
+          </p:cNvPr>
+          <p:cNvSpPr txBox="1"/>
+          <p:nvPr/>
+        </p:nvSpPr>
+        <p:spPr>
+          <a:xfrm>
+            <a:off x="7923859" y="1265243"/>
+            <a:ext cx="641522" cy="369332"/>
+          </a:xfrm>
+          <a:prstGeom prst="rect">
+            <a:avLst/>
+          </a:prstGeom>
+          <a:noFill/>
+        </p:spPr>
+        <p:txBody>
+          <a:bodyPr wrap="none" rtlCol="0">
+            <a:spAutoFit/>
+          </a:bodyPr>
+          <a:lstStyle/>
+          <a:p>
+            <a:r>
+              <a:rPr lang="es-ES" b="1" dirty="0"/>
+              <a:t>DQN</a:t>
+            </a:r>
+          </a:p>
+        </p:txBody>
+      </p:sp>
+      <p:sp>
+        <p:nvSpPr>
+          <p:cNvPr id="11" name="CuadroTexto 10">
+            <a:extLst>
+              <a:ext uri="{FF2B5EF4-FFF2-40B4-BE49-F238E27FC236}">
+                <a16:creationId xmlns:a16="http://schemas.microsoft.com/office/drawing/2014/main" id="{878912C5-0619-41EC-BF53-31CBCC916FA7}"/>
+              </a:ext>
+            </a:extLst>
+          </p:cNvPr>
+          <p:cNvSpPr txBox="1"/>
+          <p:nvPr/>
+        </p:nvSpPr>
+        <p:spPr>
+          <a:xfrm>
+            <a:off x="1736038" y="1228302"/>
+            <a:ext cx="660336" cy="369332"/>
+          </a:xfrm>
+          <a:prstGeom prst="rect">
+            <a:avLst/>
+          </a:prstGeom>
+          <a:noFill/>
+        </p:spPr>
+        <p:txBody>
+          <a:bodyPr wrap="square" rtlCol="0">
+            <a:spAutoFit/>
+          </a:bodyPr>
+          <a:lstStyle/>
+          <a:p>
+            <a:r>
+              <a:rPr lang="es-ES" b="1" dirty="0"/>
+              <a:t>HPA</a:t>
+            </a:r>
+          </a:p>
+        </p:txBody>
+      </p:sp>
       <p:pic>
         <p:nvPicPr>
-          <p:cNvPr id="9" name="Imagen 8">
-            <a:extLst>
-              <a:ext uri="{FF2B5EF4-FFF2-40B4-BE49-F238E27FC236}">
-                <a16:creationId xmlns:a16="http://schemas.microsoft.com/office/drawing/2014/main" id="{6CD52989-FABE-4BFA-BA23-B9A393D062B5}"/>
+          <p:cNvPr id="8" name="Imagen 7">
+            <a:extLst>
+              <a:ext uri="{FF2B5EF4-FFF2-40B4-BE49-F238E27FC236}">
+                <a16:creationId xmlns:a16="http://schemas.microsoft.com/office/drawing/2014/main" id="{AAB48A63-58C1-426D-AAC1-03073EDC9360}"/>
               </a:ext>
             </a:extLst>
           </p:cNvPr>
@@ -6011,97 +6008,27 @@
           <p:nvPr/>
         </p:nvPicPr>
         <p:blipFill>
-          <a:blip r:embed="rId5"/>
+          <a:blip r:embed="rId3"/>
           <a:stretch>
             <a:fillRect/>
           </a:stretch>
         </p:blipFill>
         <p:spPr>
           <a:xfrm>
-            <a:off x="6287400" y="1420816"/>
-            <a:ext cx="5484488" cy="1738019"/>
+            <a:off x="641238" y="2437607"/>
+            <a:ext cx="3371850" cy="2876550"/>
           </a:xfrm>
           <a:prstGeom prst="rect">
             <a:avLst/>
           </a:prstGeom>
         </p:spPr>
       </p:pic>
-      <p:sp>
-        <p:nvSpPr>
-          <p:cNvPr id="10" name="CuadroTexto 9">
-            <a:extLst>
-              <a:ext uri="{FF2B5EF4-FFF2-40B4-BE49-F238E27FC236}">
-                <a16:creationId xmlns:a16="http://schemas.microsoft.com/office/drawing/2014/main" id="{8D28D2F4-E222-4E41-9A5B-CE2B6500D775}"/>
-              </a:ext>
-            </a:extLst>
-          </p:cNvPr>
-          <p:cNvSpPr txBox="1"/>
-          <p:nvPr/>
-        </p:nvSpPr>
-        <p:spPr>
-          <a:xfrm>
-            <a:off x="8653530" y="1015867"/>
-            <a:ext cx="641522" cy="369332"/>
-          </a:xfrm>
-          <a:prstGeom prst="rect">
-            <a:avLst/>
-          </a:prstGeom>
-          <a:noFill/>
-        </p:spPr>
-        <p:txBody>
-          <a:bodyPr wrap="none" rtlCol="0">
-            <a:spAutoFit/>
-          </a:bodyPr>
-          <a:lstStyle/>
-          <a:p>
-            <a:r>
-              <a:rPr lang="es-ES" b="1" dirty="0"/>
-              <a:t>DQN</a:t>
-            </a:r>
-          </a:p>
-        </p:txBody>
-      </p:sp>
-      <p:sp>
-        <p:nvSpPr>
-          <p:cNvPr id="11" name="CuadroTexto 10">
-            <a:extLst>
-              <a:ext uri="{FF2B5EF4-FFF2-40B4-BE49-F238E27FC236}">
-                <a16:creationId xmlns:a16="http://schemas.microsoft.com/office/drawing/2014/main" id="{878912C5-0619-41EC-BF53-31CBCC916FA7}"/>
-              </a:ext>
-            </a:extLst>
-          </p:cNvPr>
-          <p:cNvSpPr txBox="1"/>
-          <p:nvPr/>
-        </p:nvSpPr>
-        <p:spPr>
-          <a:xfrm>
-            <a:off x="2327163" y="1015867"/>
-            <a:ext cx="660336" cy="369332"/>
-          </a:xfrm>
-          <a:prstGeom prst="rect">
-            <a:avLst/>
-          </a:prstGeom>
-          <a:noFill/>
-        </p:spPr>
-        <p:txBody>
-          <a:bodyPr wrap="square" rtlCol="0">
-            <a:spAutoFit/>
-          </a:bodyPr>
-          <a:lstStyle/>
-          <a:p>
-            <a:r>
-              <a:rPr lang="es-ES" b="1" dirty="0"/>
-              <a:t>HPA</a:t>
-            </a:r>
-          </a:p>
-        </p:txBody>
-      </p:sp>
       <p:pic>
         <p:nvPicPr>
-          <p:cNvPr id="15" name="Imagen 14">
-            <a:extLst>
-              <a:ext uri="{FF2B5EF4-FFF2-40B4-BE49-F238E27FC236}">
-                <a16:creationId xmlns:a16="http://schemas.microsoft.com/office/drawing/2014/main" id="{CF98605D-3272-4927-AD1D-3245BB40084B}"/>
+          <p:cNvPr id="13" name="Imagen 12">
+            <a:extLst>
+              <a:ext uri="{FF2B5EF4-FFF2-40B4-BE49-F238E27FC236}">
+                <a16:creationId xmlns:a16="http://schemas.microsoft.com/office/drawing/2014/main" id="{4B4489F8-3716-497C-98E2-5B3EB5D0667C}"/>
               </a:ext>
             </a:extLst>
           </p:cNvPr>
@@ -6111,45 +6038,15 @@
           <p:nvPr/>
         </p:nvPicPr>
         <p:blipFill>
-          <a:blip r:embed="rId6"/>
+          <a:blip r:embed="rId4"/>
           <a:stretch>
             <a:fillRect/>
           </a:stretch>
         </p:blipFill>
         <p:spPr>
           <a:xfrm>
-            <a:off x="267855" y="1389065"/>
-            <a:ext cx="5652654" cy="3456428"/>
-          </a:xfrm>
-          <a:prstGeom prst="rect">
-            <a:avLst/>
-          </a:prstGeom>
-        </p:spPr>
-      </p:pic>
-      <p:pic>
-        <p:nvPicPr>
-          <p:cNvPr id="19" name="Imagen 18">
-            <a:extLst>
-              <a:ext uri="{FF2B5EF4-FFF2-40B4-BE49-F238E27FC236}">
-                <a16:creationId xmlns:a16="http://schemas.microsoft.com/office/drawing/2014/main" id="{AE6DF268-16C5-4173-AB93-075D98E663BC}"/>
-              </a:ext>
-            </a:extLst>
-          </p:cNvPr>
-          <p:cNvPicPr>
-            <a:picLocks noChangeAspect="1"/>
-          </p:cNvPicPr>
-          <p:nvPr/>
-        </p:nvPicPr>
-        <p:blipFill>
-          <a:blip r:embed="rId7"/>
-          <a:stretch>
-            <a:fillRect/>
-          </a:stretch>
-        </p:blipFill>
-        <p:spPr>
-          <a:xfrm>
-            <a:off x="268192" y="4910136"/>
-            <a:ext cx="5652317" cy="1770491"/>
+            <a:off x="4832639" y="1930832"/>
+            <a:ext cx="7181850" cy="4086225"/>
           </a:xfrm>
           <a:prstGeom prst="rect">
             <a:avLst/>
